--- a/slides/ch0_cohen_textbook_4ed.pptx
+++ b/slides/ch0_cohen_textbook_4ed.pptx
@@ -159,7 +159,7 @@
           </a:lstStyle>
           <a:p>
             <a:r>
-              <a:rPr lang="en-US" smtClean="0"/>
+              <a:rPr lang="en-US"/>
               <a:t>Click to edit Master title style</a:t>
             </a:r>
             <a:endParaRPr lang="en-US" dirty="0"/>
@@ -224,7 +224,7 @@
           </a:lstStyle>
           <a:p>
             <a:r>
-              <a:rPr lang="en-US" smtClean="0"/>
+              <a:rPr lang="en-US"/>
               <a:t>Click to edit Master subtitle style</a:t>
             </a:r>
             <a:endParaRPr lang="en-US" dirty="0"/>
@@ -249,7 +249,7 @@
             <a:fld id="{96DFF08F-DC6B-4601-B491-B0F83F6DD2DA}" type="datetimeFigureOut">
               <a:rPr lang="en-US" smtClean="0"/>
               <a:pPr/>
-              <a:t>12/29/17</a:t>
+              <a:t>5/4/2020</a:t>
             </a:fld>
             <a:endParaRPr lang="en-US" dirty="0"/>
           </a:p>
@@ -338,7 +338,7 @@
           <a:lstStyle/>
           <a:p>
             <a:r>
-              <a:rPr lang="en-US" smtClean="0"/>
+              <a:rPr lang="en-US"/>
               <a:t>Click to edit Master title style</a:t>
             </a:r>
             <a:endParaRPr lang="en-US" dirty="0"/>
@@ -362,35 +362,35 @@
           <a:p>
             <a:pPr lvl="0"/>
             <a:r>
-              <a:rPr lang="en-US" smtClean="0"/>
+              <a:rPr lang="en-US"/>
               <a:t>Click to edit Master text styles</a:t>
             </a:r>
           </a:p>
           <a:p>
             <a:pPr lvl="1"/>
             <a:r>
-              <a:rPr lang="en-US" smtClean="0"/>
+              <a:rPr lang="en-US"/>
               <a:t>Second level</a:t>
             </a:r>
           </a:p>
           <a:p>
             <a:pPr lvl="2"/>
             <a:r>
-              <a:rPr lang="en-US" smtClean="0"/>
+              <a:rPr lang="en-US"/>
               <a:t>Third level</a:t>
             </a:r>
           </a:p>
           <a:p>
             <a:pPr lvl="3"/>
             <a:r>
-              <a:rPr lang="en-US" smtClean="0"/>
+              <a:rPr lang="en-US"/>
               <a:t>Fourth level</a:t>
             </a:r>
           </a:p>
           <a:p>
             <a:pPr lvl="4"/>
             <a:r>
-              <a:rPr lang="en-US" smtClean="0"/>
+              <a:rPr lang="en-US"/>
               <a:t>Fifth level</a:t>
             </a:r>
             <a:endParaRPr lang="en-US" dirty="0"/>
@@ -414,7 +414,7 @@
           <a:p>
             <a:fld id="{96DFF08F-DC6B-4601-B491-B0F83F6DD2DA}" type="datetimeFigureOut">
               <a:rPr lang="en-US" smtClean="0"/>
-              <a:t>12/29/17</a:t>
+              <a:t>5/4/2020</a:t>
             </a:fld>
             <a:endParaRPr lang="en-US" dirty="0"/>
           </a:p>
@@ -508,7 +508,7 @@
           <a:lstStyle/>
           <a:p>
             <a:r>
-              <a:rPr lang="en-US" smtClean="0"/>
+              <a:rPr lang="en-US"/>
               <a:t>Click to edit Master title style</a:t>
             </a:r>
             <a:endParaRPr lang="en-US" dirty="0"/>
@@ -537,35 +537,35 @@
           <a:p>
             <a:pPr lvl="0"/>
             <a:r>
-              <a:rPr lang="en-US" smtClean="0"/>
+              <a:rPr lang="en-US"/>
               <a:t>Click to edit Master text styles</a:t>
             </a:r>
           </a:p>
           <a:p>
             <a:pPr lvl="1"/>
             <a:r>
-              <a:rPr lang="en-US" smtClean="0"/>
+              <a:rPr lang="en-US"/>
               <a:t>Second level</a:t>
             </a:r>
           </a:p>
           <a:p>
             <a:pPr lvl="2"/>
             <a:r>
-              <a:rPr lang="en-US" smtClean="0"/>
+              <a:rPr lang="en-US"/>
               <a:t>Third level</a:t>
             </a:r>
           </a:p>
           <a:p>
             <a:pPr lvl="3"/>
             <a:r>
-              <a:rPr lang="en-US" smtClean="0"/>
+              <a:rPr lang="en-US"/>
               <a:t>Fourth level</a:t>
             </a:r>
           </a:p>
           <a:p>
             <a:pPr lvl="4"/>
             <a:r>
-              <a:rPr lang="en-US" smtClean="0"/>
+              <a:rPr lang="en-US"/>
               <a:t>Fifth level</a:t>
             </a:r>
             <a:endParaRPr lang="en-US" dirty="0"/>
@@ -589,7 +589,7 @@
           <a:p>
             <a:fld id="{96DFF08F-DC6B-4601-B491-B0F83F6DD2DA}" type="datetimeFigureOut">
               <a:rPr lang="en-US" smtClean="0"/>
-              <a:t>12/29/17</a:t>
+              <a:t>5/4/2020</a:t>
             </a:fld>
             <a:endParaRPr lang="en-US" dirty="0"/>
           </a:p>
@@ -678,7 +678,7 @@
           <a:lstStyle/>
           <a:p>
             <a:r>
-              <a:rPr lang="en-US" smtClean="0"/>
+              <a:rPr lang="en-US"/>
               <a:t>Click to edit Master title style</a:t>
             </a:r>
             <a:endParaRPr lang="en-US" dirty="0"/>
@@ -702,35 +702,35 @@
           <a:p>
             <a:pPr lvl="0"/>
             <a:r>
-              <a:rPr lang="en-US" smtClean="0"/>
+              <a:rPr lang="en-US"/>
               <a:t>Click to edit Master text styles</a:t>
             </a:r>
           </a:p>
           <a:p>
             <a:pPr lvl="1"/>
             <a:r>
-              <a:rPr lang="en-US" smtClean="0"/>
+              <a:rPr lang="en-US"/>
               <a:t>Second level</a:t>
             </a:r>
           </a:p>
           <a:p>
             <a:pPr lvl="2"/>
             <a:r>
-              <a:rPr lang="en-US" smtClean="0"/>
+              <a:rPr lang="en-US"/>
               <a:t>Third level</a:t>
             </a:r>
           </a:p>
           <a:p>
             <a:pPr lvl="3"/>
             <a:r>
-              <a:rPr lang="en-US" smtClean="0"/>
+              <a:rPr lang="en-US"/>
               <a:t>Fourth level</a:t>
             </a:r>
           </a:p>
           <a:p>
             <a:pPr lvl="4"/>
             <a:r>
-              <a:rPr lang="en-US" smtClean="0"/>
+              <a:rPr lang="en-US"/>
               <a:t>Fifth level</a:t>
             </a:r>
             <a:endParaRPr lang="en-US" dirty="0"/>
@@ -754,7 +754,7 @@
           <a:p>
             <a:fld id="{96DFF08F-DC6B-4601-B491-B0F83F6DD2DA}" type="datetimeFigureOut">
               <a:rPr lang="en-US" smtClean="0"/>
-              <a:t>12/29/17</a:t>
+              <a:t>5/4/2020</a:t>
             </a:fld>
             <a:endParaRPr lang="en-US" dirty="0"/>
           </a:p>
@@ -852,7 +852,7 @@
           </a:lstStyle>
           <a:p>
             <a:r>
-              <a:rPr lang="en-US" smtClean="0"/>
+              <a:rPr lang="en-US"/>
               <a:t>Click to edit Master title style</a:t>
             </a:r>
             <a:endParaRPr lang="en-US" dirty="0"/>
@@ -972,7 +972,7 @@
           <a:p>
             <a:pPr lvl="0"/>
             <a:r>
-              <a:rPr lang="en-US" smtClean="0"/>
+              <a:rPr lang="en-US"/>
               <a:t>Click to edit Master text styles</a:t>
             </a:r>
           </a:p>
@@ -995,7 +995,7 @@
           <a:p>
             <a:fld id="{96DFF08F-DC6B-4601-B491-B0F83F6DD2DA}" type="datetimeFigureOut">
               <a:rPr lang="en-US" smtClean="0"/>
-              <a:t>12/29/17</a:t>
+              <a:t>5/4/2020</a:t>
             </a:fld>
             <a:endParaRPr lang="en-US" dirty="0"/>
           </a:p>
@@ -1084,7 +1084,7 @@
           <a:lstStyle/>
           <a:p>
             <a:r>
-              <a:rPr lang="en-US" smtClean="0"/>
+              <a:rPr lang="en-US"/>
               <a:t>Click to edit Master title style</a:t>
             </a:r>
             <a:endParaRPr lang="en-US" dirty="0"/>
@@ -1113,35 +1113,35 @@
           <a:p>
             <a:pPr lvl="0"/>
             <a:r>
-              <a:rPr lang="en-US" smtClean="0"/>
+              <a:rPr lang="en-US"/>
               <a:t>Click to edit Master text styles</a:t>
             </a:r>
           </a:p>
           <a:p>
             <a:pPr lvl="1"/>
             <a:r>
-              <a:rPr lang="en-US" smtClean="0"/>
+              <a:rPr lang="en-US"/>
               <a:t>Second level</a:t>
             </a:r>
           </a:p>
           <a:p>
             <a:pPr lvl="2"/>
             <a:r>
-              <a:rPr lang="en-US" smtClean="0"/>
+              <a:rPr lang="en-US"/>
               <a:t>Third level</a:t>
             </a:r>
           </a:p>
           <a:p>
             <a:pPr lvl="3"/>
             <a:r>
-              <a:rPr lang="en-US" smtClean="0"/>
+              <a:rPr lang="en-US"/>
               <a:t>Fourth level</a:t>
             </a:r>
           </a:p>
           <a:p>
             <a:pPr lvl="4"/>
             <a:r>
-              <a:rPr lang="en-US" smtClean="0"/>
+              <a:rPr lang="en-US"/>
               <a:t>Fifth level</a:t>
             </a:r>
             <a:endParaRPr lang="en-US" dirty="0"/>
@@ -1170,35 +1170,35 @@
           <a:p>
             <a:pPr lvl="0"/>
             <a:r>
-              <a:rPr lang="en-US" smtClean="0"/>
+              <a:rPr lang="en-US"/>
               <a:t>Click to edit Master text styles</a:t>
             </a:r>
           </a:p>
           <a:p>
             <a:pPr lvl="1"/>
             <a:r>
-              <a:rPr lang="en-US" smtClean="0"/>
+              <a:rPr lang="en-US"/>
               <a:t>Second level</a:t>
             </a:r>
           </a:p>
           <a:p>
             <a:pPr lvl="2"/>
             <a:r>
-              <a:rPr lang="en-US" smtClean="0"/>
+              <a:rPr lang="en-US"/>
               <a:t>Third level</a:t>
             </a:r>
           </a:p>
           <a:p>
             <a:pPr lvl="3"/>
             <a:r>
-              <a:rPr lang="en-US" smtClean="0"/>
+              <a:rPr lang="en-US"/>
               <a:t>Fourth level</a:t>
             </a:r>
           </a:p>
           <a:p>
             <a:pPr lvl="4"/>
             <a:r>
-              <a:rPr lang="en-US" smtClean="0"/>
+              <a:rPr lang="en-US"/>
               <a:t>Fifth level</a:t>
             </a:r>
             <a:endParaRPr lang="en-US" dirty="0"/>
@@ -1222,7 +1222,7 @@
           <a:p>
             <a:fld id="{96DFF08F-DC6B-4601-B491-B0F83F6DD2DA}" type="datetimeFigureOut">
               <a:rPr lang="en-US" smtClean="0"/>
-              <a:t>12/29/17</a:t>
+              <a:t>5/4/2020</a:t>
             </a:fld>
             <a:endParaRPr lang="en-US" dirty="0"/>
           </a:p>
@@ -1316,7 +1316,7 @@
           <a:lstStyle/>
           <a:p>
             <a:r>
-              <a:rPr lang="en-US" smtClean="0"/>
+              <a:rPr lang="en-US"/>
               <a:t>Click to edit Master title style</a:t>
             </a:r>
             <a:endParaRPr lang="en-US" dirty="0"/>
@@ -1382,7 +1382,7 @@
           <a:p>
             <a:pPr lvl="0"/>
             <a:r>
-              <a:rPr lang="en-US" smtClean="0"/>
+              <a:rPr lang="en-US"/>
               <a:t>Click to edit Master text styles</a:t>
             </a:r>
           </a:p>
@@ -1410,35 +1410,35 @@
           <a:p>
             <a:pPr lvl="0"/>
             <a:r>
-              <a:rPr lang="en-US" smtClean="0"/>
+              <a:rPr lang="en-US"/>
               <a:t>Click to edit Master text styles</a:t>
             </a:r>
           </a:p>
           <a:p>
             <a:pPr lvl="1"/>
             <a:r>
-              <a:rPr lang="en-US" smtClean="0"/>
+              <a:rPr lang="en-US"/>
               <a:t>Second level</a:t>
             </a:r>
           </a:p>
           <a:p>
             <a:pPr lvl="2"/>
             <a:r>
-              <a:rPr lang="en-US" smtClean="0"/>
+              <a:rPr lang="en-US"/>
               <a:t>Third level</a:t>
             </a:r>
           </a:p>
           <a:p>
             <a:pPr lvl="3"/>
             <a:r>
-              <a:rPr lang="en-US" smtClean="0"/>
+              <a:rPr lang="en-US"/>
               <a:t>Fourth level</a:t>
             </a:r>
           </a:p>
           <a:p>
             <a:pPr lvl="4"/>
             <a:r>
-              <a:rPr lang="en-US" smtClean="0"/>
+              <a:rPr lang="en-US"/>
               <a:t>Fifth level</a:t>
             </a:r>
             <a:endParaRPr lang="en-US" dirty="0"/>
@@ -1504,7 +1504,7 @@
           <a:p>
             <a:pPr lvl="0"/>
             <a:r>
-              <a:rPr lang="en-US" smtClean="0"/>
+              <a:rPr lang="en-US"/>
               <a:t>Click to edit Master text styles</a:t>
             </a:r>
           </a:p>
@@ -1532,35 +1532,35 @@
           <a:p>
             <a:pPr lvl="0"/>
             <a:r>
-              <a:rPr lang="en-US" smtClean="0"/>
+              <a:rPr lang="en-US"/>
               <a:t>Click to edit Master text styles</a:t>
             </a:r>
           </a:p>
           <a:p>
             <a:pPr lvl="1"/>
             <a:r>
-              <a:rPr lang="en-US" smtClean="0"/>
+              <a:rPr lang="en-US"/>
               <a:t>Second level</a:t>
             </a:r>
           </a:p>
           <a:p>
             <a:pPr lvl="2"/>
             <a:r>
-              <a:rPr lang="en-US" smtClean="0"/>
+              <a:rPr lang="en-US"/>
               <a:t>Third level</a:t>
             </a:r>
           </a:p>
           <a:p>
             <a:pPr lvl="3"/>
             <a:r>
-              <a:rPr lang="en-US" smtClean="0"/>
+              <a:rPr lang="en-US"/>
               <a:t>Fourth level</a:t>
             </a:r>
           </a:p>
           <a:p>
             <a:pPr lvl="4"/>
             <a:r>
-              <a:rPr lang="en-US" smtClean="0"/>
+              <a:rPr lang="en-US"/>
               <a:t>Fifth level</a:t>
             </a:r>
             <a:endParaRPr lang="en-US" dirty="0"/>
@@ -1584,7 +1584,7 @@
           <a:p>
             <a:fld id="{96DFF08F-DC6B-4601-B491-B0F83F6DD2DA}" type="datetimeFigureOut">
               <a:rPr lang="en-US" smtClean="0"/>
-              <a:t>12/29/17</a:t>
+              <a:t>5/4/2020</a:t>
             </a:fld>
             <a:endParaRPr lang="en-US" dirty="0"/>
           </a:p>
@@ -1673,7 +1673,7 @@
           <a:lstStyle/>
           <a:p>
             <a:r>
-              <a:rPr lang="en-US" smtClean="0"/>
+              <a:rPr lang="en-US"/>
               <a:t>Click to edit Master title style</a:t>
             </a:r>
             <a:endParaRPr lang="en-US" dirty="0"/>
@@ -1697,7 +1697,7 @@
           <a:p>
             <a:fld id="{96DFF08F-DC6B-4601-B491-B0F83F6DD2DA}" type="datetimeFigureOut">
               <a:rPr lang="en-US" smtClean="0"/>
-              <a:t>12/29/17</a:t>
+              <a:t>5/4/2020</a:t>
             </a:fld>
             <a:endParaRPr lang="en-US" dirty="0"/>
           </a:p>
@@ -1787,7 +1787,7 @@
           <a:p>
             <a:fld id="{96DFF08F-DC6B-4601-B491-B0F83F6DD2DA}" type="datetimeFigureOut">
               <a:rPr lang="en-US" smtClean="0"/>
-              <a:t>12/29/17</a:t>
+              <a:t>5/4/2020</a:t>
             </a:fld>
             <a:endParaRPr lang="en-US" dirty="0"/>
           </a:p>
@@ -1885,7 +1885,7 @@
           </a:lstStyle>
           <a:p>
             <a:r>
-              <a:rPr lang="en-US" smtClean="0"/>
+              <a:rPr lang="en-US"/>
               <a:t>Click to edit Master title style</a:t>
             </a:r>
             <a:endParaRPr lang="en-US" dirty="0"/>
@@ -1942,35 +1942,35 @@
           <a:p>
             <a:pPr lvl="0"/>
             <a:r>
-              <a:rPr lang="en-US" smtClean="0"/>
+              <a:rPr lang="en-US"/>
               <a:t>Click to edit Master text styles</a:t>
             </a:r>
           </a:p>
           <a:p>
             <a:pPr lvl="1"/>
             <a:r>
-              <a:rPr lang="en-US" smtClean="0"/>
+              <a:rPr lang="en-US"/>
               <a:t>Second level</a:t>
             </a:r>
           </a:p>
           <a:p>
             <a:pPr lvl="2"/>
             <a:r>
-              <a:rPr lang="en-US" smtClean="0"/>
+              <a:rPr lang="en-US"/>
               <a:t>Third level</a:t>
             </a:r>
           </a:p>
           <a:p>
             <a:pPr lvl="3"/>
             <a:r>
-              <a:rPr lang="en-US" smtClean="0"/>
+              <a:rPr lang="en-US"/>
               <a:t>Fourth level</a:t>
             </a:r>
           </a:p>
           <a:p>
             <a:pPr lvl="4"/>
             <a:r>
-              <a:rPr lang="en-US" smtClean="0"/>
+              <a:rPr lang="en-US"/>
               <a:t>Fifth level</a:t>
             </a:r>
             <a:endParaRPr lang="en-US" dirty="0"/>
@@ -2036,7 +2036,7 @@
           <a:p>
             <a:pPr lvl="0"/>
             <a:r>
-              <a:rPr lang="en-US" smtClean="0"/>
+              <a:rPr lang="en-US"/>
               <a:t>Click to edit Master text styles</a:t>
             </a:r>
           </a:p>
@@ -2059,7 +2059,7 @@
           <a:p>
             <a:fld id="{96DFF08F-DC6B-4601-B491-B0F83F6DD2DA}" type="datetimeFigureOut">
               <a:rPr lang="en-US" smtClean="0"/>
-              <a:t>12/29/17</a:t>
+              <a:t>5/4/2020</a:t>
             </a:fld>
             <a:endParaRPr lang="en-US" dirty="0"/>
           </a:p>
@@ -2157,7 +2157,7 @@
           </a:lstStyle>
           <a:p>
             <a:r>
-              <a:rPr lang="en-US" smtClean="0"/>
+              <a:rPr lang="en-US"/>
               <a:t>Click to edit Master title style</a:t>
             </a:r>
             <a:endParaRPr lang="en-US" dirty="0"/>
@@ -2222,7 +2222,7 @@
           </a:lstStyle>
           <a:p>
             <a:r>
-              <a:rPr lang="en-US" smtClean="0"/>
+              <a:rPr lang="en-US"/>
               <a:t>Drag picture to placeholder or click icon to add</a:t>
             </a:r>
             <a:endParaRPr lang="en-US" dirty="0"/>
@@ -2288,7 +2288,7 @@
           <a:p>
             <a:pPr lvl="0"/>
             <a:r>
-              <a:rPr lang="en-US" smtClean="0"/>
+              <a:rPr lang="en-US"/>
               <a:t>Click to edit Master text styles</a:t>
             </a:r>
           </a:p>
@@ -2311,7 +2311,7 @@
           <a:p>
             <a:fld id="{C7616CA0-919D-4A49-9C8A-62FDFB3A5183}" type="datetimeFigureOut">
               <a:rPr lang="en-US" smtClean="0"/>
-              <a:t>12/29/17</a:t>
+              <a:t>5/4/2020</a:t>
             </a:fld>
             <a:endParaRPr lang="en-US" dirty="0"/>
           </a:p>
@@ -2415,7 +2415,7 @@
           <a:lstStyle/>
           <a:p>
             <a:r>
-              <a:rPr lang="en-US" smtClean="0"/>
+              <a:rPr lang="en-US"/>
               <a:t>Click to edit Master title style</a:t>
             </a:r>
             <a:endParaRPr lang="en-US" dirty="0"/>
@@ -2449,35 +2449,35 @@
           <a:p>
             <a:pPr lvl="0"/>
             <a:r>
-              <a:rPr lang="en-US" smtClean="0"/>
+              <a:rPr lang="en-US"/>
               <a:t>Click to edit Master text styles</a:t>
             </a:r>
           </a:p>
           <a:p>
             <a:pPr lvl="1"/>
             <a:r>
-              <a:rPr lang="en-US" smtClean="0"/>
+              <a:rPr lang="en-US"/>
               <a:t>Second level</a:t>
             </a:r>
           </a:p>
           <a:p>
             <a:pPr lvl="2"/>
             <a:r>
-              <a:rPr lang="en-US" smtClean="0"/>
+              <a:rPr lang="en-US"/>
               <a:t>Third level</a:t>
             </a:r>
           </a:p>
           <a:p>
             <a:pPr lvl="3"/>
             <a:r>
-              <a:rPr lang="en-US" smtClean="0"/>
+              <a:rPr lang="en-US"/>
               <a:t>Fourth level</a:t>
             </a:r>
           </a:p>
           <a:p>
             <a:pPr lvl="4"/>
             <a:r>
-              <a:rPr lang="en-US" smtClean="0"/>
+              <a:rPr lang="en-US"/>
               <a:t>Fifth level</a:t>
             </a:r>
             <a:endParaRPr lang="en-US" dirty="0"/>
@@ -2520,7 +2520,7 @@
             <a:fld id="{96DFF08F-DC6B-4601-B491-B0F83F6DD2DA}" type="datetimeFigureOut">
               <a:rPr lang="en-US" smtClean="0"/>
               <a:pPr/>
-              <a:t>12/29/17</a:t>
+              <a:t>5/4/2020</a:t>
             </a:fld>
             <a:endParaRPr lang="en-US" dirty="0"/>
           </a:p>
@@ -2961,15 +2961,7 @@
                 <a:ea typeface="Consolas" charset="0"/>
                 <a:cs typeface="Consolas" charset="0"/>
               </a:rPr>
-              <a:t>Textbook </a:t>
-            </a:r>
-            <a:r>
-              <a:rPr lang="en-US" smtClean="0">
-                <a:latin typeface="Consolas" charset="0"/>
-                <a:ea typeface="Consolas" charset="0"/>
-                <a:cs typeface="Consolas" charset="0"/>
-              </a:rPr>
-              <a:t>Intro</a:t>
+              <a:t>Textbook Intro</a:t>
             </a:r>
             <a:endParaRPr lang="en-US" dirty="0">
               <a:latin typeface="Consolas" charset="0"/>
@@ -3064,13 +3056,6 @@
   <p:clrMapOvr>
     <a:masterClrMapping/>
   </p:clrMapOvr>
-  <p:timing>
-    <p:tnLst>
-      <p:par>
-        <p:cTn id="1" dur="indefinite" restart="never" nodeType="tmRoot"/>
-      </p:par>
-    </p:tnLst>
-  </p:timing>
 </p:sld>
 </file>
 
@@ -3754,13 +3739,6 @@
   <p:clrMapOvr>
     <a:masterClrMapping/>
   </p:clrMapOvr>
-  <p:timing>
-    <p:tnLst>
-      <p:par>
-        <p:cTn id="1" dur="indefinite" restart="never" nodeType="tmRoot"/>
-      </p:par>
-    </p:tnLst>
-  </p:timing>
 </p:sld>
 </file>
 
@@ -3790,14 +3768,14 @@
           <p:nvPr>
             <p:extLst>
               <p:ext uri="{D42A27DB-BD31-4B8C-83A1-F6EECF244321}">
-                <p14:modId xmlns:p14="http://schemas.microsoft.com/office/powerpoint/2010/main" val="1810992801"/>
+                <p14:modId xmlns:p14="http://schemas.microsoft.com/office/powerpoint/2010/main" val="3203677874"/>
               </p:ext>
             </p:extLst>
           </p:nvPr>
         </p:nvGraphicFramePr>
         <p:xfrm>
           <a:off x="419100" y="304800"/>
-          <a:ext cx="11095566" cy="6349999"/>
+          <a:ext cx="11095566" cy="6120381"/>
         </p:xfrm>
         <a:graphic>
           <a:graphicData uri="http://schemas.openxmlformats.org/drawingml/2006/table">
@@ -3809,28 +3787,28 @@
                 <a:gridCol w="747544">
                   <a:extLst>
                     <a:ext uri="{9D8B030D-6E8A-4147-A177-3AD203B41FA5}">
-                      <a16:colId xmlns:a16="http://schemas.microsoft.com/office/drawing/2014/main" xmlns="" val="20000"/>
+                      <a16:colId xmlns:a16="http://schemas.microsoft.com/office/drawing/2014/main" val="20000"/>
                     </a:ext>
                   </a:extLst>
                 </a:gridCol>
                 <a:gridCol w="3416686">
                   <a:extLst>
                     <a:ext uri="{9D8B030D-6E8A-4147-A177-3AD203B41FA5}">
-                      <a16:colId xmlns:a16="http://schemas.microsoft.com/office/drawing/2014/main" xmlns="" val="20001"/>
+                      <a16:colId xmlns:a16="http://schemas.microsoft.com/office/drawing/2014/main" val="20001"/>
                     </a:ext>
                   </a:extLst>
                 </a:gridCol>
                 <a:gridCol w="1270238">
                   <a:extLst>
                     <a:ext uri="{9D8B030D-6E8A-4147-A177-3AD203B41FA5}">
-                      <a16:colId xmlns:a16="http://schemas.microsoft.com/office/drawing/2014/main" xmlns="" val="20002"/>
+                      <a16:colId xmlns:a16="http://schemas.microsoft.com/office/drawing/2014/main" val="20002"/>
                     </a:ext>
                   </a:extLst>
                 </a:gridCol>
                 <a:gridCol w="5661098">
                   <a:extLst>
                     <a:ext uri="{9D8B030D-6E8A-4147-A177-3AD203B41FA5}">
-                      <a16:colId xmlns:a16="http://schemas.microsoft.com/office/drawing/2014/main" xmlns="" val="20003"/>
+                      <a16:colId xmlns:a16="http://schemas.microsoft.com/office/drawing/2014/main" val="20003"/>
                     </a:ext>
                   </a:extLst>
                 </a:gridCol>
@@ -4135,353 +4113,11 @@
                 </a:tc>
                 <a:extLst>
                   <a:ext uri="{0D108BD9-81ED-4DB2-BD59-A6C34878D82A}">
-                    <a16:rowId xmlns:a16="http://schemas.microsoft.com/office/drawing/2014/main" xmlns="" val="10000"/>
+                    <a16:rowId xmlns:a16="http://schemas.microsoft.com/office/drawing/2014/main" val="10000"/>
                   </a:ext>
                 </a:extLst>
               </a:tr>
-              <a:tr h="892049">
-                <a:tc>
-                  <a:txBody>
-                    <a:bodyPr/>
-                    <a:lstStyle/>
-                    <a:p>
-                      <a:pPr marL="0" marR="0" algn="ctr">
-                        <a:spcBef>
-                          <a:spcPts val="0"/>
-                        </a:spcBef>
-                        <a:spcAft>
-                          <a:spcPts val="0"/>
-                        </a:spcAft>
-                      </a:pPr>
-                      <a:r>
-                        <a:rPr lang="en-US" sz="1400">
-                          <a:effectLst/>
-                          <a:latin typeface="Consolas" charset="0"/>
-                          <a:ea typeface="Consolas" charset="0"/>
-                          <a:cs typeface="Consolas" charset="0"/>
-                        </a:rPr>
-                        <a:t>0</a:t>
-                      </a:r>
-                      <a:endParaRPr lang="en-US" sz="2000">
-                        <a:effectLst/>
-                        <a:latin typeface="Consolas" charset="0"/>
-                        <a:ea typeface="Consolas" charset="0"/>
-                        <a:cs typeface="Consolas" charset="0"/>
-                      </a:endParaRPr>
-                    </a:p>
-                  </a:txBody>
-                  <a:tcPr marL="68580" marR="68580" marT="0" marB="0" anchor="ctr">
-                    <a:lnL w="12700" cap="flat" cmpd="sng" algn="ctr">
-                      <a:solidFill>
-                        <a:schemeClr val="tx1"/>
-                      </a:solidFill>
-                      <a:prstDash val="solid"/>
-                      <a:round/>
-                      <a:headEnd type="none" w="med" len="med"/>
-                      <a:tailEnd type="none" w="med" len="med"/>
-                    </a:lnL>
-                    <a:lnR w="12700" cap="flat" cmpd="sng" algn="ctr">
-                      <a:solidFill>
-                        <a:schemeClr val="tx1"/>
-                      </a:solidFill>
-                      <a:prstDash val="solid"/>
-                      <a:round/>
-                      <a:headEnd type="none" w="med" len="med"/>
-                      <a:tailEnd type="none" w="med" len="med"/>
-                    </a:lnR>
-                    <a:lnT w="12700" cap="flat" cmpd="sng" algn="ctr">
-                      <a:solidFill>
-                        <a:schemeClr val="tx1"/>
-                      </a:solidFill>
-                      <a:prstDash val="solid"/>
-                      <a:round/>
-                      <a:headEnd type="none" w="med" len="med"/>
-                      <a:tailEnd type="none" w="med" len="med"/>
-                    </a:lnT>
-                    <a:lnB w="12700" cap="flat" cmpd="sng" algn="ctr">
-                      <a:solidFill>
-                        <a:schemeClr val="tx1"/>
-                      </a:solidFill>
-                      <a:prstDash val="solid"/>
-                      <a:round/>
-                      <a:headEnd type="none" w="med" len="med"/>
-                      <a:tailEnd type="none" w="med" len="med"/>
-                    </a:lnB>
-                    <a:solidFill>
-                      <a:schemeClr val="tx1">
-                        <a:lumMod val="50000"/>
-                        <a:lumOff val="50000"/>
-                      </a:schemeClr>
-                    </a:solidFill>
-                  </a:tcPr>
-                </a:tc>
-                <a:tc>
-                  <a:txBody>
-                    <a:bodyPr/>
-                    <a:lstStyle/>
-                    <a:p>
-                      <a:pPr marL="0" marR="0" algn="ctr">
-                        <a:spcBef>
-                          <a:spcPts val="0"/>
-                        </a:spcBef>
-                        <a:spcAft>
-                          <a:spcPts val="0"/>
-                        </a:spcAft>
-                      </a:pPr>
-                      <a:r>
-                        <a:rPr lang="en-US" sz="1400" dirty="0">
-                          <a:effectLst/>
-                          <a:latin typeface="Consolas" charset="0"/>
-                          <a:ea typeface="Consolas" charset="0"/>
-                          <a:cs typeface="Consolas" charset="0"/>
-                        </a:rPr>
-                        <a:t>Basic Introduction</a:t>
-                      </a:r>
-                      <a:endParaRPr lang="en-US" sz="2000" dirty="0">
-                        <a:effectLst/>
-                        <a:latin typeface="Consolas" charset="0"/>
-                        <a:ea typeface="Consolas" charset="0"/>
-                        <a:cs typeface="Consolas" charset="0"/>
-                      </a:endParaRPr>
-                    </a:p>
-                  </a:txBody>
-                  <a:tcPr marL="68580" marR="68580" marT="0" marB="0" anchor="ctr">
-                    <a:lnL w="12700" cap="flat" cmpd="sng" algn="ctr">
-                      <a:solidFill>
-                        <a:schemeClr val="tx1"/>
-                      </a:solidFill>
-                      <a:prstDash val="solid"/>
-                      <a:round/>
-                      <a:headEnd type="none" w="med" len="med"/>
-                      <a:tailEnd type="none" w="med" len="med"/>
-                    </a:lnL>
-                    <a:lnR w="12700" cap="flat" cmpd="sng" algn="ctr">
-                      <a:solidFill>
-                        <a:schemeClr val="tx1"/>
-                      </a:solidFill>
-                      <a:prstDash val="solid"/>
-                      <a:round/>
-                      <a:headEnd type="none" w="med" len="med"/>
-                      <a:tailEnd type="none" w="med" len="med"/>
-                    </a:lnR>
-                    <a:lnT w="12700" cap="flat" cmpd="sng" algn="ctr">
-                      <a:solidFill>
-                        <a:schemeClr val="tx1"/>
-                      </a:solidFill>
-                      <a:prstDash val="solid"/>
-                      <a:round/>
-                      <a:headEnd type="none" w="med" len="med"/>
-                      <a:tailEnd type="none" w="med" len="med"/>
-                    </a:lnT>
-                    <a:lnB w="12700" cap="flat" cmpd="sng" algn="ctr">
-                      <a:solidFill>
-                        <a:schemeClr val="tx1"/>
-                      </a:solidFill>
-                      <a:prstDash val="solid"/>
-                      <a:round/>
-                      <a:headEnd type="none" w="med" len="med"/>
-                      <a:tailEnd type="none" w="med" len="med"/>
-                    </a:lnB>
-                    <a:noFill/>
-                  </a:tcPr>
-                </a:tc>
-                <a:tc>
-                  <a:txBody>
-                    <a:bodyPr/>
-                    <a:lstStyle/>
-                    <a:p>
-                      <a:pPr marL="0" marR="0" algn="ctr">
-                        <a:spcBef>
-                          <a:spcPts val="0"/>
-                        </a:spcBef>
-                        <a:spcAft>
-                          <a:spcPts val="0"/>
-                        </a:spcAft>
-                      </a:pPr>
-                      <a:r>
-                        <a:rPr lang="en-US" sz="1400" dirty="0" smtClean="0">
-                          <a:effectLst/>
-                          <a:latin typeface="Consolas" charset="0"/>
-                          <a:ea typeface="Consolas" charset="0"/>
-                          <a:cs typeface="Consolas" charset="0"/>
-                        </a:rPr>
-                        <a:t>1</a:t>
-                      </a:r>
-                      <a:endParaRPr lang="en-US" sz="1400" dirty="0">
-                        <a:effectLst/>
-                        <a:latin typeface="Consolas" charset="0"/>
-                        <a:ea typeface="Consolas" charset="0"/>
-                        <a:cs typeface="Consolas" charset="0"/>
-                      </a:endParaRPr>
-                    </a:p>
-                  </a:txBody>
-                  <a:tcPr marL="68580" marR="68580" marT="0" marB="0" anchor="ctr">
-                    <a:lnL w="12700" cap="flat" cmpd="sng" algn="ctr">
-                      <a:solidFill>
-                        <a:schemeClr val="tx1"/>
-                      </a:solidFill>
-                      <a:prstDash val="solid"/>
-                      <a:round/>
-                      <a:headEnd type="none" w="med" len="med"/>
-                      <a:tailEnd type="none" w="med" len="med"/>
-                    </a:lnL>
-                    <a:lnR w="12700" cap="flat" cmpd="sng" algn="ctr">
-                      <a:solidFill>
-                        <a:schemeClr val="tx1"/>
-                      </a:solidFill>
-                      <a:prstDash val="solid"/>
-                      <a:round/>
-                      <a:headEnd type="none" w="med" len="med"/>
-                      <a:tailEnd type="none" w="med" len="med"/>
-                    </a:lnR>
-                    <a:lnT w="12700" cap="flat" cmpd="sng" algn="ctr">
-                      <a:solidFill>
-                        <a:schemeClr val="tx1"/>
-                      </a:solidFill>
-                      <a:prstDash val="solid"/>
-                      <a:round/>
-                      <a:headEnd type="none" w="med" len="med"/>
-                      <a:tailEnd type="none" w="med" len="med"/>
-                    </a:lnT>
-                    <a:lnB w="12700" cap="flat" cmpd="sng" algn="ctr">
-                      <a:solidFill>
-                        <a:schemeClr val="tx1"/>
-                      </a:solidFill>
-                      <a:prstDash val="solid"/>
-                      <a:round/>
-                      <a:headEnd type="none" w="med" len="med"/>
-                      <a:tailEnd type="none" w="med" len="med"/>
-                    </a:lnB>
-                    <a:noFill/>
-                  </a:tcPr>
-                </a:tc>
-                <a:tc>
-                  <a:txBody>
-                    <a:bodyPr/>
-                    <a:lstStyle/>
-                    <a:p>
-                      <a:pPr marL="0" marR="0" algn="ctr">
-                        <a:spcBef>
-                          <a:spcPts val="0"/>
-                        </a:spcBef>
-                        <a:spcAft>
-                          <a:spcPts val="0"/>
-                        </a:spcAft>
-                      </a:pPr>
-                      <a:r>
-                        <a:rPr lang="en-US" sz="1400">
-                          <a:effectLst/>
-                          <a:latin typeface="Consolas" charset="0"/>
-                          <a:ea typeface="Consolas" charset="0"/>
-                          <a:cs typeface="Consolas" charset="0"/>
-                        </a:rPr>
-                        <a:t>Intro to Psychological Statistics</a:t>
-                      </a:r>
-                      <a:endParaRPr lang="en-US" sz="2000">
-                        <a:effectLst/>
-                        <a:latin typeface="Consolas" charset="0"/>
-                        <a:ea typeface="Consolas" charset="0"/>
-                        <a:cs typeface="Consolas" charset="0"/>
-                      </a:endParaRPr>
-                    </a:p>
-                    <a:p>
-                      <a:pPr marL="0" marR="0" algn="ctr">
-                        <a:spcBef>
-                          <a:spcPts val="0"/>
-                        </a:spcBef>
-                        <a:spcAft>
-                          <a:spcPts val="0"/>
-                        </a:spcAft>
-                      </a:pPr>
-                      <a:r>
-                        <a:rPr lang="en-US" sz="1400">
-                          <a:effectLst/>
-                          <a:latin typeface="Consolas" charset="0"/>
-                          <a:ea typeface="Consolas" charset="0"/>
-                          <a:cs typeface="Consolas" charset="0"/>
-                        </a:rPr>
-                        <a:t>APA Style &amp; Journal Articles</a:t>
-                      </a:r>
-                      <a:endParaRPr lang="en-US" sz="2000">
-                        <a:effectLst/>
-                        <a:latin typeface="Consolas" charset="0"/>
-                        <a:ea typeface="Consolas" charset="0"/>
-                        <a:cs typeface="Consolas" charset="0"/>
-                      </a:endParaRPr>
-                    </a:p>
-                    <a:p>
-                      <a:pPr marL="0" marR="0" algn="ctr">
-                        <a:spcBef>
-                          <a:spcPts val="0"/>
-                        </a:spcBef>
-                        <a:spcAft>
-                          <a:spcPts val="0"/>
-                        </a:spcAft>
-                      </a:pPr>
-                      <a:r>
-                        <a:rPr lang="en-US" sz="1400">
-                          <a:effectLst/>
-                          <a:latin typeface="Consolas" charset="0"/>
-                          <a:ea typeface="Consolas" charset="0"/>
-                          <a:cs typeface="Consolas" charset="0"/>
-                        </a:rPr>
-                        <a:t>SPSS Basics &amp; Data Manipulation</a:t>
-                      </a:r>
-                      <a:endParaRPr lang="en-US" sz="2000">
-                        <a:effectLst/>
-                        <a:latin typeface="Consolas" charset="0"/>
-                        <a:ea typeface="Consolas" charset="0"/>
-                        <a:cs typeface="Consolas" charset="0"/>
-                      </a:endParaRPr>
-                    </a:p>
-                  </a:txBody>
-                  <a:tcPr marL="68580" marR="68580" marT="0" marB="0" anchor="ctr">
-                    <a:lnL w="12700" cap="flat" cmpd="sng" algn="ctr">
-                      <a:solidFill>
-                        <a:schemeClr val="tx1"/>
-                      </a:solidFill>
-                      <a:prstDash val="solid"/>
-                      <a:round/>
-                      <a:headEnd type="none" w="med" len="med"/>
-                      <a:tailEnd type="none" w="med" len="med"/>
-                    </a:lnL>
-                    <a:lnR w="12700" cap="flat" cmpd="sng" algn="ctr">
-                      <a:solidFill>
-                        <a:schemeClr val="tx1"/>
-                      </a:solidFill>
-                      <a:prstDash val="solid"/>
-                      <a:round/>
-                      <a:headEnd type="none" w="med" len="med"/>
-                      <a:tailEnd type="none" w="med" len="med"/>
-                    </a:lnR>
-                    <a:lnT w="12700" cap="flat" cmpd="sng" algn="ctr">
-                      <a:solidFill>
-                        <a:schemeClr val="tx1"/>
-                      </a:solidFill>
-                      <a:prstDash val="solid"/>
-                      <a:round/>
-                      <a:headEnd type="none" w="med" len="med"/>
-                      <a:tailEnd type="none" w="med" len="med"/>
-                    </a:lnT>
-                    <a:lnB w="12700" cap="flat" cmpd="sng" algn="ctr">
-                      <a:solidFill>
-                        <a:schemeClr val="tx1"/>
-                      </a:solidFill>
-                      <a:prstDash val="solid"/>
-                      <a:round/>
-                      <a:headEnd type="none" w="med" len="med"/>
-                      <a:tailEnd type="none" w="med" len="med"/>
-                    </a:lnB>
-                    <a:noFill/>
-                  </a:tcPr>
-                </a:tc>
-                <a:extLst>
-                  <a:ext uri="{0D108BD9-81ED-4DB2-BD59-A6C34878D82A}">
-                    <a16:rowId xmlns:a16="http://schemas.microsoft.com/office/drawing/2014/main" xmlns="" val="10001"/>
-                  </a:ext>
-                </a:extLst>
-              </a:tr>
-              <a:tr h="892049">
+              <a:tr h="1554480">
                 <a:tc>
                   <a:txBody>
                     <a:bodyPr/>
@@ -4577,6 +4213,25 @@
                           <a:ea typeface="Consolas" charset="0"/>
                           <a:cs typeface="Consolas" charset="0"/>
                         </a:rPr>
+                        <a:t>Getting Started &amp;</a:t>
+                      </a:r>
+                    </a:p>
+                    <a:p>
+                      <a:pPr marL="0" marR="0" algn="ctr">
+                        <a:spcBef>
+                          <a:spcPts val="0"/>
+                        </a:spcBef>
+                        <a:spcAft>
+                          <a:spcPts val="0"/>
+                        </a:spcAft>
+                      </a:pPr>
+                      <a:r>
+                        <a:rPr lang="en-US" sz="1400" dirty="0">
+                          <a:effectLst/>
+                          <a:latin typeface="Consolas" charset="0"/>
+                          <a:ea typeface="Consolas" charset="0"/>
+                          <a:cs typeface="Consolas" charset="0"/>
+                        </a:rPr>
                         <a:t>Exploratory Data Analysis</a:t>
                       </a:r>
                       <a:endParaRPr lang="en-US" sz="2000" dirty="0">
@@ -4631,6 +4286,57 @@
                   <a:txBody>
                     <a:bodyPr/>
                     <a:lstStyle/>
+                    <a:p>
+                      <a:pPr marL="0" marR="0" algn="ctr">
+                        <a:spcBef>
+                          <a:spcPts val="0"/>
+                        </a:spcBef>
+                        <a:spcAft>
+                          <a:spcPts val="0"/>
+                        </a:spcAft>
+                      </a:pPr>
+                      <a:endParaRPr lang="en-US" sz="1400" dirty="0">
+                        <a:effectLst/>
+                        <a:latin typeface="Consolas" charset="0"/>
+                        <a:ea typeface="Consolas" charset="0"/>
+                        <a:cs typeface="Consolas" charset="0"/>
+                      </a:endParaRPr>
+                    </a:p>
+                    <a:p>
+                      <a:pPr marL="0" marR="0" algn="ctr">
+                        <a:spcBef>
+                          <a:spcPts val="0"/>
+                        </a:spcBef>
+                        <a:spcAft>
+                          <a:spcPts val="0"/>
+                        </a:spcAft>
+                      </a:pPr>
+                      <a:endParaRPr lang="en-US" sz="1400" dirty="0">
+                        <a:effectLst/>
+                        <a:latin typeface="Consolas" charset="0"/>
+                        <a:ea typeface="Consolas" charset="0"/>
+                        <a:cs typeface="Consolas" charset="0"/>
+                      </a:endParaRPr>
+                    </a:p>
+                    <a:p>
+                      <a:pPr marL="0" marR="0" algn="ctr">
+                        <a:spcBef>
+                          <a:spcPts val="0"/>
+                        </a:spcBef>
+                        <a:spcAft>
+                          <a:spcPts val="0"/>
+                        </a:spcAft>
+                      </a:pPr>
+                      <a:r>
+                        <a:rPr lang="en-US" sz="1400" dirty="0">
+                          <a:effectLst/>
+                          <a:latin typeface="Consolas" charset="0"/>
+                          <a:ea typeface="Consolas" charset="0"/>
+                          <a:cs typeface="Consolas" charset="0"/>
+                        </a:rPr>
+                        <a:t>1</a:t>
+                      </a:r>
+                    </a:p>
                     <a:p>
                       <a:pPr marL="0" marR="0" algn="ctr">
                         <a:spcBef>
@@ -4749,15 +4455,15 @@
                         </a:spcAft>
                       </a:pPr>
                       <a:r>
-                        <a:rPr lang="en-US" sz="1400">
+                        <a:rPr lang="en-US" sz="1400" dirty="0">
                           <a:effectLst/>
                           <a:latin typeface="Consolas" charset="0"/>
                           <a:ea typeface="Consolas" charset="0"/>
                           <a:cs typeface="Consolas" charset="0"/>
                         </a:rPr>
-                        <a:t>Exploration Data with Plots</a:t>
+                        <a:t>APA Style &amp; Journal Articles</a:t>
                       </a:r>
-                      <a:endParaRPr lang="en-US" sz="2000">
+                      <a:endParaRPr lang="en-US" sz="2000" dirty="0">
                         <a:effectLst/>
                         <a:latin typeface="Consolas" charset="0"/>
                         <a:ea typeface="Consolas" charset="0"/>
@@ -4774,15 +4480,15 @@
                         </a:spcAft>
                       </a:pPr>
                       <a:r>
-                        <a:rPr lang="en-US" sz="1400">
+                        <a:rPr lang="en-US" sz="1400" dirty="0">
                           <a:effectLst/>
                           <a:latin typeface="Consolas" charset="0"/>
                           <a:ea typeface="Consolas" charset="0"/>
                           <a:cs typeface="Consolas" charset="0"/>
                         </a:rPr>
-                        <a:t>Summarizing Data with Descriptive Statistics</a:t>
+                        <a:t>R Basics &amp; Data Manipulation</a:t>
                       </a:r>
-                      <a:endParaRPr lang="en-US" sz="2000">
+                      <a:endParaRPr lang="en-US" sz="2000" dirty="0">
                         <a:effectLst/>
                         <a:latin typeface="Consolas" charset="0"/>
                         <a:ea typeface="Consolas" charset="0"/>
@@ -4799,7 +4505,76 @@
                         </a:spcAft>
                       </a:pPr>
                       <a:r>
-                        <a:rPr lang="en-US" sz="1400">
+                        <a:rPr lang="en-US" sz="1400" dirty="0">
+                          <a:effectLst/>
+                          <a:latin typeface="Consolas" charset="0"/>
+                          <a:ea typeface="Consolas" charset="0"/>
+                          <a:cs typeface="Consolas" charset="0"/>
+                        </a:rPr>
+                        <a:t>Variables &amp; Scales, Rounding, Summation</a:t>
+                      </a:r>
+                    </a:p>
+                    <a:p>
+                      <a:pPr marL="0" marR="0" algn="ctr">
+                        <a:spcBef>
+                          <a:spcPts val="0"/>
+                        </a:spcBef>
+                        <a:spcAft>
+                          <a:spcPts val="0"/>
+                        </a:spcAft>
+                      </a:pPr>
+                      <a:r>
+                        <a:rPr lang="en-US" sz="1400" dirty="0">
+                          <a:effectLst/>
+                          <a:latin typeface="Consolas" charset="0"/>
+                          <a:ea typeface="Consolas" charset="0"/>
+                          <a:cs typeface="Consolas" charset="0"/>
+                        </a:rPr>
+                        <a:t>Exploration Data with Plots</a:t>
+                      </a:r>
+                      <a:endParaRPr lang="en-US" sz="2000" dirty="0">
+                        <a:effectLst/>
+                        <a:latin typeface="Consolas" charset="0"/>
+                        <a:ea typeface="Consolas" charset="0"/>
+                        <a:cs typeface="Consolas" charset="0"/>
+                      </a:endParaRPr>
+                    </a:p>
+                    <a:p>
+                      <a:pPr marL="0" marR="0" algn="ctr">
+                        <a:spcBef>
+                          <a:spcPts val="0"/>
+                        </a:spcBef>
+                        <a:spcAft>
+                          <a:spcPts val="0"/>
+                        </a:spcAft>
+                      </a:pPr>
+                      <a:r>
+                        <a:rPr lang="en-US" sz="1400" dirty="0">
+                          <a:effectLst/>
+                          <a:latin typeface="Consolas" charset="0"/>
+                          <a:ea typeface="Consolas" charset="0"/>
+                          <a:cs typeface="Consolas" charset="0"/>
+                        </a:rPr>
+                        <a:t>Summarizing Data with Descriptive Statistics</a:t>
+                      </a:r>
+                      <a:endParaRPr lang="en-US" sz="2000" dirty="0">
+                        <a:effectLst/>
+                        <a:latin typeface="Consolas" charset="0"/>
+                        <a:ea typeface="Consolas" charset="0"/>
+                        <a:cs typeface="Consolas" charset="0"/>
+                      </a:endParaRPr>
+                    </a:p>
+                    <a:p>
+                      <a:pPr marL="0" marR="0" algn="ctr">
+                        <a:spcBef>
+                          <a:spcPts val="0"/>
+                        </a:spcBef>
+                        <a:spcAft>
+                          <a:spcPts val="0"/>
+                        </a:spcAft>
+                      </a:pPr>
+                      <a:r>
+                        <a:rPr lang="en-US" sz="1400" dirty="0">
                           <a:effectLst/>
                           <a:latin typeface="Consolas" charset="0"/>
                           <a:ea typeface="Consolas" charset="0"/>
@@ -4807,7 +4582,7 @@
                         </a:rPr>
                         <a:t>Standardized Scores &amp; The Normal Distribution</a:t>
                       </a:r>
-                      <a:endParaRPr lang="en-US" sz="2000">
+                      <a:endParaRPr lang="en-US" sz="2000" dirty="0">
                         <a:effectLst/>
                         <a:latin typeface="Consolas" charset="0"/>
                         <a:ea typeface="Consolas" charset="0"/>
@@ -4857,7 +4632,7 @@
                 </a:tc>
                 <a:extLst>
                   <a:ext uri="{0D108BD9-81ED-4DB2-BD59-A6C34878D82A}">
-                    <a16:rowId xmlns:a16="http://schemas.microsoft.com/office/drawing/2014/main" xmlns="" val="10002"/>
+                    <a16:rowId xmlns:a16="http://schemas.microsoft.com/office/drawing/2014/main" val="10002"/>
                   </a:ext>
                 </a:extLst>
               </a:tr>
@@ -5281,7 +5056,7 @@
                 </a:tc>
                 <a:extLst>
                   <a:ext uri="{0D108BD9-81ED-4DB2-BD59-A6C34878D82A}">
-                    <a16:rowId xmlns:a16="http://schemas.microsoft.com/office/drawing/2014/main" xmlns="" val="10003"/>
+                    <a16:rowId xmlns:a16="http://schemas.microsoft.com/office/drawing/2014/main" val="10003"/>
                   </a:ext>
                 </a:extLst>
               </a:tr>
@@ -5686,7 +5461,7 @@
                 </a:tc>
                 <a:extLst>
                   <a:ext uri="{0D108BD9-81ED-4DB2-BD59-A6C34878D82A}">
-                    <a16:rowId xmlns:a16="http://schemas.microsoft.com/office/drawing/2014/main" xmlns="" val="10004"/>
+                    <a16:rowId xmlns:a16="http://schemas.microsoft.com/office/drawing/2014/main" val="10004"/>
                   </a:ext>
                 </a:extLst>
               </a:tr>
@@ -6091,7 +5866,7 @@
                 </a:tc>
                 <a:extLst>
                   <a:ext uri="{0D108BD9-81ED-4DB2-BD59-A6C34878D82A}">
-                    <a16:rowId xmlns:a16="http://schemas.microsoft.com/office/drawing/2014/main" xmlns="" val="10005"/>
+                    <a16:rowId xmlns:a16="http://schemas.microsoft.com/office/drawing/2014/main" val="10005"/>
                   </a:ext>
                 </a:extLst>
               </a:tr>
@@ -6452,7 +6227,7 @@
                 </a:tc>
                 <a:extLst>
                   <a:ext uri="{0D108BD9-81ED-4DB2-BD59-A6C34878D82A}">
-                    <a16:rowId xmlns:a16="http://schemas.microsoft.com/office/drawing/2014/main" xmlns="" val="10006"/>
+                    <a16:rowId xmlns:a16="http://schemas.microsoft.com/office/drawing/2014/main" val="10006"/>
                   </a:ext>
                 </a:extLst>
               </a:tr>
@@ -6788,7 +6563,7 @@
                 </a:tc>
                 <a:extLst>
                   <a:ext uri="{0D108BD9-81ED-4DB2-BD59-A6C34878D82A}">
-                    <a16:rowId xmlns:a16="http://schemas.microsoft.com/office/drawing/2014/main" xmlns="" val="10007"/>
+                    <a16:rowId xmlns:a16="http://schemas.microsoft.com/office/drawing/2014/main" val="10007"/>
                   </a:ext>
                 </a:extLst>
               </a:tr>
@@ -6806,13 +6581,6 @@
   <p:clrMapOvr>
     <a:masterClrMapping/>
   </p:clrMapOvr>
-  <p:timing>
-    <p:tnLst>
-      <p:par>
-        <p:cTn id="1" dur="indefinite" restart="never" nodeType="tmRoot"/>
-      </p:par>
-    </p:tnLst>
-  </p:timing>
 </p:sld>
 </file>
 
@@ -6994,18 +6762,13 @@
           </a:p>
           <a:p>
             <a:r>
-              <a:rPr lang="en-US" sz="2400" dirty="0" smtClean="0">
+              <a:rPr lang="en-US" sz="2400" dirty="0">
                 <a:latin typeface="Consolas" charset="0"/>
                 <a:ea typeface="Consolas" charset="0"/>
                 <a:cs typeface="Consolas" charset="0"/>
               </a:rPr>
               <a:t>Etc.</a:t>
             </a:r>
-            <a:endParaRPr lang="en-US" sz="2400" dirty="0">
-              <a:latin typeface="Consolas" charset="0"/>
-              <a:ea typeface="Consolas" charset="0"/>
-              <a:cs typeface="Consolas" charset="0"/>
-            </a:endParaRPr>
           </a:p>
         </p:txBody>
       </p:sp>
@@ -7593,15 +7356,7 @@
                 <a:ea typeface="Consolas" charset="0"/>
                 <a:cs typeface="Consolas" charset="0"/>
               </a:rPr>
-              <a:t>The electronic ‘excel’ version is on </a:t>
-            </a:r>
-            <a:r>
-              <a:rPr lang="en-US" sz="2400" dirty="0" smtClean="0">
-                <a:latin typeface="Consolas" charset="0"/>
-                <a:ea typeface="Consolas" charset="0"/>
-                <a:cs typeface="Consolas" charset="0"/>
-              </a:rPr>
-              <a:t>CANVAS</a:t>
+              <a:t>The electronic ‘excel’ version is on CANVAS</a:t>
             </a:r>
           </a:p>
           <a:p>
@@ -7613,20 +7368,12 @@
               <a:buChar char="•"/>
             </a:pPr>
             <a:r>
-              <a:rPr lang="en-US" sz="2400" dirty="0" smtClean="0">
-                <a:latin typeface="Consolas" charset="0"/>
-                <a:ea typeface="Consolas" charset="0"/>
-                <a:cs typeface="Consolas" charset="0"/>
-              </a:rPr>
-              <a:t>Do </a:t>
-            </a:r>
-            <a:r>
               <a:rPr lang="en-US" sz="2400" dirty="0">
                 <a:latin typeface="Consolas" charset="0"/>
                 <a:ea typeface="Consolas" charset="0"/>
                 <a:cs typeface="Consolas" charset="0"/>
               </a:rPr>
-              <a:t>NOT waste time typing it into the computer!!!</a:t>
+              <a:t>Do NOT waste time typing it into the computer!!!</a:t>
             </a:r>
           </a:p>
         </p:txBody>
@@ -7641,13 +7388,6 @@
   <p:clrMapOvr>
     <a:masterClrMapping/>
   </p:clrMapOvr>
-  <p:timing>
-    <p:tnLst>
-      <p:par>
-        <p:cTn id="1" dur="indefinite" restart="never" nodeType="tmRoot"/>
-      </p:par>
-    </p:tnLst>
-  </p:timing>
 </p:sld>
 </file>
 
@@ -7689,7 +7429,7 @@
           <a:lstStyle/>
           <a:p>
             <a:r>
-              <a:rPr lang="en-US" dirty="0" err="1" smtClean="0">
+              <a:rPr lang="en-US" dirty="0" err="1">
                 <a:latin typeface="Consolas" charset="0"/>
                 <a:ea typeface="Consolas" charset="0"/>
                 <a:cs typeface="Consolas" charset="0"/>
@@ -7697,20 +7437,12 @@
               <a:t>Ihno’s</a:t>
             </a:r>
             <a:r>
-              <a:rPr lang="en-US" dirty="0" smtClean="0">
-                <a:latin typeface="Consolas" charset="0"/>
-                <a:ea typeface="Consolas" charset="0"/>
-                <a:cs typeface="Consolas" charset="0"/>
-              </a:rPr>
-              <a:t> </a:t>
-            </a:r>
-            <a:r>
               <a:rPr lang="en-US" dirty="0">
                 <a:latin typeface="Consolas" charset="0"/>
                 <a:ea typeface="Consolas" charset="0"/>
                 <a:cs typeface="Consolas" charset="0"/>
               </a:rPr>
-              <a:t>(</a:t>
+              <a:t> (</a:t>
             </a:r>
             <a:r>
               <a:rPr lang="en-US" dirty="0" err="1">
@@ -7898,13 +7630,6 @@
   <p:clrMapOvr>
     <a:masterClrMapping/>
   </p:clrMapOvr>
-  <p:timing>
-    <p:tnLst>
-      <p:par>
-        <p:cTn id="1" dur="indefinite" restart="never" nodeType="tmRoot"/>
-      </p:par>
-    </p:tnLst>
-  </p:timing>
 </p:sld>
 </file>
 
@@ -7946,7 +7671,7 @@
           <a:lstStyle/>
           <a:p>
             <a:r>
-              <a:rPr lang="en-US" dirty="0" err="1" smtClean="0">
+              <a:rPr lang="en-US" dirty="0" err="1">
                 <a:latin typeface="Consolas" charset="0"/>
                 <a:ea typeface="Consolas" charset="0"/>
                 <a:cs typeface="Consolas" charset="0"/>
@@ -7954,20 +7679,12 @@
               <a:t>Ihno’s</a:t>
             </a:r>
             <a:r>
-              <a:rPr lang="en-US" dirty="0" smtClean="0">
-                <a:latin typeface="Consolas" charset="0"/>
-                <a:ea typeface="Consolas" charset="0"/>
-                <a:cs typeface="Consolas" charset="0"/>
-              </a:rPr>
-              <a:t> </a:t>
-            </a:r>
-            <a:r>
               <a:rPr lang="en-US" dirty="0">
                 <a:latin typeface="Consolas" charset="0"/>
                 <a:ea typeface="Consolas" charset="0"/>
                 <a:cs typeface="Consolas" charset="0"/>
               </a:rPr>
-              <a:t>(</a:t>
+              <a:t> (</a:t>
             </a:r>
             <a:r>
               <a:rPr lang="en-US" dirty="0" err="1">
@@ -8049,21 +7766,13 @@
                 <a:ea typeface="Consolas" charset="0"/>
                 <a:cs typeface="Consolas" charset="0"/>
               </a:rPr>
-              <a:t>Self-report: Anxiety questionnaire w/10 items, each rated 0-4 (5-point Likert scale), total scores 0-40 (baseline </a:t>
-            </a:r>
-            <a:r>
-              <a:rPr lang="en-US" sz="1800" dirty="0" smtClean="0">
-                <a:latin typeface="Consolas" charset="0"/>
-                <a:ea typeface="Consolas" charset="0"/>
-                <a:cs typeface="Consolas" charset="0"/>
-              </a:rPr>
-              <a:t>anxiety)</a:t>
+              <a:t>Self-report: Anxiety questionnaire w/10 items, each rated 0-4 (5-point Likert scale), total scores 0-40 (baseline anxiety)</a:t>
             </a:r>
           </a:p>
           <a:p>
             <a:pPr marL="461264" indent="-342900"/>
             <a:r>
-              <a:rPr lang="en-US" sz="2000" dirty="0" smtClean="0">
+              <a:rPr lang="en-US" sz="2000" dirty="0">
                 <a:latin typeface="Consolas" charset="0"/>
                 <a:ea typeface="Consolas" charset="0"/>
                 <a:cs typeface="Consolas" charset="0"/>
@@ -8074,20 +7783,12 @@
           <a:p>
             <a:pPr marL="635000" lvl="1" indent="-342900"/>
             <a:r>
-              <a:rPr lang="en-US" sz="1800" dirty="0" smtClean="0">
-                <a:latin typeface="Consolas" charset="0"/>
-                <a:ea typeface="Consolas" charset="0"/>
-                <a:cs typeface="Consolas" charset="0"/>
-              </a:rPr>
-              <a:t>w/11 </a:t>
-            </a:r>
-            <a:r>
               <a:rPr lang="en-US" sz="1800" dirty="0">
                 <a:latin typeface="Consolas" charset="0"/>
                 <a:ea typeface="Consolas" charset="0"/>
                 <a:cs typeface="Consolas" charset="0"/>
               </a:rPr>
-              <a:t>multiple choice (10 questions, 1pt each + 11</a:t>
+              <a:t>w/11 multiple choice (10 questions, 1pt each + 11</a:t>
             </a:r>
             <a:r>
               <a:rPr lang="en-US" sz="1800" baseline="30000" dirty="0">
@@ -8192,15 +7893,7 @@
                 <a:ea typeface="Consolas" charset="0"/>
                 <a:cs typeface="Consolas" charset="0"/>
               </a:rPr>
-              <a:t> question) and returned, but would NOT count towards their </a:t>
-            </a:r>
-            <a:r>
-              <a:rPr lang="en-US" sz="1800" dirty="0" smtClean="0">
-                <a:latin typeface="Consolas" charset="0"/>
-                <a:ea typeface="Consolas" charset="0"/>
-                <a:cs typeface="Consolas" charset="0"/>
-              </a:rPr>
-              <a:t>grade</a:t>
+              <a:t> question) and returned, but would NOT count towards their grade</a:t>
             </a:r>
             <a:endParaRPr lang="en-US" sz="2000" dirty="0">
               <a:latin typeface="Consolas" charset="0"/>
@@ -8220,13 +7913,6 @@
   <p:clrMapOvr>
     <a:masterClrMapping/>
   </p:clrMapOvr>
-  <p:timing>
-    <p:tnLst>
-      <p:par>
-        <p:cTn id="1" dur="indefinite" restart="never" nodeType="tmRoot"/>
-      </p:par>
-    </p:tnLst>
-  </p:timing>
 </p:sld>
 </file>
 

--- a/slides/ch0_cohen_textbook_4ed.pptx
+++ b/slides/ch0_cohen_textbook_4ed.pptx
@@ -9,8 +9,11 @@
     <p:sldId id="257" r:id="rId3"/>
     <p:sldId id="258" r:id="rId4"/>
     <p:sldId id="259" r:id="rId5"/>
-    <p:sldId id="260" r:id="rId6"/>
-    <p:sldId id="261" r:id="rId7"/>
+    <p:sldId id="263" r:id="rId6"/>
+    <p:sldId id="262" r:id="rId7"/>
+    <p:sldId id="264" r:id="rId8"/>
+    <p:sldId id="265" r:id="rId9"/>
+    <p:sldId id="266" r:id="rId10"/>
   </p:sldIdLst>
   <p:sldSz cx="12192000" cy="6858000"/>
   <p:notesSz cx="6858000" cy="9144000"/>
@@ -249,7 +252,7 @@
             <a:fld id="{96DFF08F-DC6B-4601-B491-B0F83F6DD2DA}" type="datetimeFigureOut">
               <a:rPr lang="en-US" smtClean="0"/>
               <a:pPr/>
-              <a:t>5/4/2020</a:t>
+              <a:t>8/29/2023</a:t>
             </a:fld>
             <a:endParaRPr lang="en-US" dirty="0"/>
           </a:p>
@@ -414,7 +417,7 @@
           <a:p>
             <a:fld id="{96DFF08F-DC6B-4601-B491-B0F83F6DD2DA}" type="datetimeFigureOut">
               <a:rPr lang="en-US" smtClean="0"/>
-              <a:t>5/4/2020</a:t>
+              <a:t>8/29/2023</a:t>
             </a:fld>
             <a:endParaRPr lang="en-US" dirty="0"/>
           </a:p>
@@ -589,7 +592,7 @@
           <a:p>
             <a:fld id="{96DFF08F-DC6B-4601-B491-B0F83F6DD2DA}" type="datetimeFigureOut">
               <a:rPr lang="en-US" smtClean="0"/>
-              <a:t>5/4/2020</a:t>
+              <a:t>8/29/2023</a:t>
             </a:fld>
             <a:endParaRPr lang="en-US" dirty="0"/>
           </a:p>
@@ -754,7 +757,7 @@
           <a:p>
             <a:fld id="{96DFF08F-DC6B-4601-B491-B0F83F6DD2DA}" type="datetimeFigureOut">
               <a:rPr lang="en-US" smtClean="0"/>
-              <a:t>5/4/2020</a:t>
+              <a:t>8/29/2023</a:t>
             </a:fld>
             <a:endParaRPr lang="en-US" dirty="0"/>
           </a:p>
@@ -995,7 +998,7 @@
           <a:p>
             <a:fld id="{96DFF08F-DC6B-4601-B491-B0F83F6DD2DA}" type="datetimeFigureOut">
               <a:rPr lang="en-US" smtClean="0"/>
-              <a:t>5/4/2020</a:t>
+              <a:t>8/29/2023</a:t>
             </a:fld>
             <a:endParaRPr lang="en-US" dirty="0"/>
           </a:p>
@@ -1222,7 +1225,7 @@
           <a:p>
             <a:fld id="{96DFF08F-DC6B-4601-B491-B0F83F6DD2DA}" type="datetimeFigureOut">
               <a:rPr lang="en-US" smtClean="0"/>
-              <a:t>5/4/2020</a:t>
+              <a:t>8/29/2023</a:t>
             </a:fld>
             <a:endParaRPr lang="en-US" dirty="0"/>
           </a:p>
@@ -1584,7 +1587,7 @@
           <a:p>
             <a:fld id="{96DFF08F-DC6B-4601-B491-B0F83F6DD2DA}" type="datetimeFigureOut">
               <a:rPr lang="en-US" smtClean="0"/>
-              <a:t>5/4/2020</a:t>
+              <a:t>8/29/2023</a:t>
             </a:fld>
             <a:endParaRPr lang="en-US" dirty="0"/>
           </a:p>
@@ -1697,7 +1700,7 @@
           <a:p>
             <a:fld id="{96DFF08F-DC6B-4601-B491-B0F83F6DD2DA}" type="datetimeFigureOut">
               <a:rPr lang="en-US" smtClean="0"/>
-              <a:t>5/4/2020</a:t>
+              <a:t>8/29/2023</a:t>
             </a:fld>
             <a:endParaRPr lang="en-US" dirty="0"/>
           </a:p>
@@ -1787,7 +1790,7 @@
           <a:p>
             <a:fld id="{96DFF08F-DC6B-4601-B491-B0F83F6DD2DA}" type="datetimeFigureOut">
               <a:rPr lang="en-US" smtClean="0"/>
-              <a:t>5/4/2020</a:t>
+              <a:t>8/29/2023</a:t>
             </a:fld>
             <a:endParaRPr lang="en-US" dirty="0"/>
           </a:p>
@@ -2059,7 +2062,7 @@
           <a:p>
             <a:fld id="{96DFF08F-DC6B-4601-B491-B0F83F6DD2DA}" type="datetimeFigureOut">
               <a:rPr lang="en-US" smtClean="0"/>
-              <a:t>5/4/2020</a:t>
+              <a:t>8/29/2023</a:t>
             </a:fld>
             <a:endParaRPr lang="en-US" dirty="0"/>
           </a:p>
@@ -2311,7 +2314,7 @@
           <a:p>
             <a:fld id="{C7616CA0-919D-4A49-9C8A-62FDFB3A5183}" type="datetimeFigureOut">
               <a:rPr lang="en-US" smtClean="0"/>
-              <a:t>5/4/2020</a:t>
+              <a:t>8/29/2023</a:t>
             </a:fld>
             <a:endParaRPr lang="en-US" dirty="0"/>
           </a:p>
@@ -2520,7 +2523,7 @@
             <a:fld id="{96DFF08F-DC6B-4601-B491-B0F83F6DD2DA}" type="datetimeFigureOut">
               <a:rPr lang="en-US" smtClean="0"/>
               <a:pPr/>
-              <a:t>5/4/2020</a:t>
+              <a:t>8/29/2023</a:t>
             </a:fld>
             <a:endParaRPr lang="en-US" dirty="0"/>
           </a:p>
@@ -3097,7 +3100,7 @@
                 <a:ea typeface="Consolas" charset="0"/>
                 <a:cs typeface="Consolas" charset="0"/>
               </a:rPr>
-              <a:t>“A-B-C” format</a:t>
+              <a:t>“A-B-C” format of chapters</a:t>
             </a:r>
           </a:p>
         </p:txBody>
@@ -3739,6 +3742,751 @@
   <p:clrMapOvr>
     <a:masterClrMapping/>
   </p:clrMapOvr>
+  <p:timing>
+    <p:tnLst>
+      <p:par>
+        <p:cTn id="1" dur="indefinite" restart="never" nodeType="tmRoot">
+          <p:childTnLst>
+            <p:seq concurrent="1" nextAc="seek">
+              <p:cTn id="2" dur="indefinite" nodeType="mainSeq">
+                <p:childTnLst>
+                  <p:par>
+                    <p:cTn id="3" fill="hold">
+                      <p:stCondLst>
+                        <p:cond delay="indefinite"/>
+                      </p:stCondLst>
+                      <p:childTnLst>
+                        <p:par>
+                          <p:cTn id="4" fill="hold">
+                            <p:stCondLst>
+                              <p:cond delay="0"/>
+                            </p:stCondLst>
+                            <p:childTnLst>
+                              <p:par>
+                                <p:cTn id="5" presetID="2" presetClass="entr" presetSubtype="4" fill="hold" grpId="0" nodeType="clickEffect">
+                                  <p:stCondLst>
+                                    <p:cond delay="0"/>
+                                  </p:stCondLst>
+                                  <p:childTnLst>
+                                    <p:set>
+                                      <p:cBhvr>
+                                        <p:cTn id="6" dur="1" fill="hold">
+                                          <p:stCondLst>
+                                            <p:cond delay="0"/>
+                                          </p:stCondLst>
+                                        </p:cTn>
+                                        <p:tgtEl>
+                                          <p:spTgt spid="3">
+                                            <p:txEl>
+                                              <p:pRg st="0" end="0"/>
+                                            </p:txEl>
+                                          </p:spTgt>
+                                        </p:tgtEl>
+                                        <p:attrNameLst>
+                                          <p:attrName>style.visibility</p:attrName>
+                                        </p:attrNameLst>
+                                      </p:cBhvr>
+                                      <p:to>
+                                        <p:strVal val="visible"/>
+                                      </p:to>
+                                    </p:set>
+                                    <p:anim calcmode="lin" valueType="num">
+                                      <p:cBhvr additive="base">
+                                        <p:cTn id="7" dur="500" fill="hold"/>
+                                        <p:tgtEl>
+                                          <p:spTgt spid="3">
+                                            <p:txEl>
+                                              <p:pRg st="0" end="0"/>
+                                            </p:txEl>
+                                          </p:spTgt>
+                                        </p:tgtEl>
+                                        <p:attrNameLst>
+                                          <p:attrName>ppt_x</p:attrName>
+                                        </p:attrNameLst>
+                                      </p:cBhvr>
+                                      <p:tavLst>
+                                        <p:tav tm="0">
+                                          <p:val>
+                                            <p:strVal val="#ppt_x"/>
+                                          </p:val>
+                                        </p:tav>
+                                        <p:tav tm="100000">
+                                          <p:val>
+                                            <p:strVal val="#ppt_x"/>
+                                          </p:val>
+                                        </p:tav>
+                                      </p:tavLst>
+                                    </p:anim>
+                                    <p:anim calcmode="lin" valueType="num">
+                                      <p:cBhvr additive="base">
+                                        <p:cTn id="8" dur="500" fill="hold"/>
+                                        <p:tgtEl>
+                                          <p:spTgt spid="3">
+                                            <p:txEl>
+                                              <p:pRg st="0" end="0"/>
+                                            </p:txEl>
+                                          </p:spTgt>
+                                        </p:tgtEl>
+                                        <p:attrNameLst>
+                                          <p:attrName>ppt_y</p:attrName>
+                                        </p:attrNameLst>
+                                      </p:cBhvr>
+                                      <p:tavLst>
+                                        <p:tav tm="0">
+                                          <p:val>
+                                            <p:strVal val="1+#ppt_h/2"/>
+                                          </p:val>
+                                        </p:tav>
+                                        <p:tav tm="100000">
+                                          <p:val>
+                                            <p:strVal val="#ppt_y"/>
+                                          </p:val>
+                                        </p:tav>
+                                      </p:tavLst>
+                                    </p:anim>
+                                  </p:childTnLst>
+                                </p:cTn>
+                              </p:par>
+                              <p:par>
+                                <p:cTn id="9" presetID="2" presetClass="entr" presetSubtype="4" fill="hold" grpId="0" nodeType="withEffect">
+                                  <p:stCondLst>
+                                    <p:cond delay="0"/>
+                                  </p:stCondLst>
+                                  <p:childTnLst>
+                                    <p:set>
+                                      <p:cBhvr>
+                                        <p:cTn id="10" dur="1" fill="hold">
+                                          <p:stCondLst>
+                                            <p:cond delay="0"/>
+                                          </p:stCondLst>
+                                        </p:cTn>
+                                        <p:tgtEl>
+                                          <p:spTgt spid="3">
+                                            <p:txEl>
+                                              <p:pRg st="1" end="1"/>
+                                            </p:txEl>
+                                          </p:spTgt>
+                                        </p:tgtEl>
+                                        <p:attrNameLst>
+                                          <p:attrName>style.visibility</p:attrName>
+                                        </p:attrNameLst>
+                                      </p:cBhvr>
+                                      <p:to>
+                                        <p:strVal val="visible"/>
+                                      </p:to>
+                                    </p:set>
+                                    <p:anim calcmode="lin" valueType="num">
+                                      <p:cBhvr additive="base">
+                                        <p:cTn id="11" dur="500" fill="hold"/>
+                                        <p:tgtEl>
+                                          <p:spTgt spid="3">
+                                            <p:txEl>
+                                              <p:pRg st="1" end="1"/>
+                                            </p:txEl>
+                                          </p:spTgt>
+                                        </p:tgtEl>
+                                        <p:attrNameLst>
+                                          <p:attrName>ppt_x</p:attrName>
+                                        </p:attrNameLst>
+                                      </p:cBhvr>
+                                      <p:tavLst>
+                                        <p:tav tm="0">
+                                          <p:val>
+                                            <p:strVal val="#ppt_x"/>
+                                          </p:val>
+                                        </p:tav>
+                                        <p:tav tm="100000">
+                                          <p:val>
+                                            <p:strVal val="#ppt_x"/>
+                                          </p:val>
+                                        </p:tav>
+                                      </p:tavLst>
+                                    </p:anim>
+                                    <p:anim calcmode="lin" valueType="num">
+                                      <p:cBhvr additive="base">
+                                        <p:cTn id="12" dur="500" fill="hold"/>
+                                        <p:tgtEl>
+                                          <p:spTgt spid="3">
+                                            <p:txEl>
+                                              <p:pRg st="1" end="1"/>
+                                            </p:txEl>
+                                          </p:spTgt>
+                                        </p:tgtEl>
+                                        <p:attrNameLst>
+                                          <p:attrName>ppt_y</p:attrName>
+                                        </p:attrNameLst>
+                                      </p:cBhvr>
+                                      <p:tavLst>
+                                        <p:tav tm="0">
+                                          <p:val>
+                                            <p:strVal val="1+#ppt_h/2"/>
+                                          </p:val>
+                                        </p:tav>
+                                        <p:tav tm="100000">
+                                          <p:val>
+                                            <p:strVal val="#ppt_y"/>
+                                          </p:val>
+                                        </p:tav>
+                                      </p:tavLst>
+                                    </p:anim>
+                                  </p:childTnLst>
+                                </p:cTn>
+                              </p:par>
+                              <p:par>
+                                <p:cTn id="13" presetID="2" presetClass="entr" presetSubtype="4" fill="hold" grpId="0" nodeType="withEffect">
+                                  <p:stCondLst>
+                                    <p:cond delay="0"/>
+                                  </p:stCondLst>
+                                  <p:childTnLst>
+                                    <p:set>
+                                      <p:cBhvr>
+                                        <p:cTn id="14" dur="1" fill="hold">
+                                          <p:stCondLst>
+                                            <p:cond delay="0"/>
+                                          </p:stCondLst>
+                                        </p:cTn>
+                                        <p:tgtEl>
+                                          <p:spTgt spid="3">
+                                            <p:txEl>
+                                              <p:pRg st="2" end="2"/>
+                                            </p:txEl>
+                                          </p:spTgt>
+                                        </p:tgtEl>
+                                        <p:attrNameLst>
+                                          <p:attrName>style.visibility</p:attrName>
+                                        </p:attrNameLst>
+                                      </p:cBhvr>
+                                      <p:to>
+                                        <p:strVal val="visible"/>
+                                      </p:to>
+                                    </p:set>
+                                    <p:anim calcmode="lin" valueType="num">
+                                      <p:cBhvr additive="base">
+                                        <p:cTn id="15" dur="500" fill="hold"/>
+                                        <p:tgtEl>
+                                          <p:spTgt spid="3">
+                                            <p:txEl>
+                                              <p:pRg st="2" end="2"/>
+                                            </p:txEl>
+                                          </p:spTgt>
+                                        </p:tgtEl>
+                                        <p:attrNameLst>
+                                          <p:attrName>ppt_x</p:attrName>
+                                        </p:attrNameLst>
+                                      </p:cBhvr>
+                                      <p:tavLst>
+                                        <p:tav tm="0">
+                                          <p:val>
+                                            <p:strVal val="#ppt_x"/>
+                                          </p:val>
+                                        </p:tav>
+                                        <p:tav tm="100000">
+                                          <p:val>
+                                            <p:strVal val="#ppt_x"/>
+                                          </p:val>
+                                        </p:tav>
+                                      </p:tavLst>
+                                    </p:anim>
+                                    <p:anim calcmode="lin" valueType="num">
+                                      <p:cBhvr additive="base">
+                                        <p:cTn id="16" dur="500" fill="hold"/>
+                                        <p:tgtEl>
+                                          <p:spTgt spid="3">
+                                            <p:txEl>
+                                              <p:pRg st="2" end="2"/>
+                                            </p:txEl>
+                                          </p:spTgt>
+                                        </p:tgtEl>
+                                        <p:attrNameLst>
+                                          <p:attrName>ppt_y</p:attrName>
+                                        </p:attrNameLst>
+                                      </p:cBhvr>
+                                      <p:tavLst>
+                                        <p:tav tm="0">
+                                          <p:val>
+                                            <p:strVal val="1+#ppt_h/2"/>
+                                          </p:val>
+                                        </p:tav>
+                                        <p:tav tm="100000">
+                                          <p:val>
+                                            <p:strVal val="#ppt_y"/>
+                                          </p:val>
+                                        </p:tav>
+                                      </p:tavLst>
+                                    </p:anim>
+                                  </p:childTnLst>
+                                </p:cTn>
+                              </p:par>
+                              <p:par>
+                                <p:cTn id="17" presetID="2" presetClass="entr" presetSubtype="4" fill="hold" grpId="0" nodeType="withEffect">
+                                  <p:stCondLst>
+                                    <p:cond delay="0"/>
+                                  </p:stCondLst>
+                                  <p:childTnLst>
+                                    <p:set>
+                                      <p:cBhvr>
+                                        <p:cTn id="18" dur="1" fill="hold">
+                                          <p:stCondLst>
+                                            <p:cond delay="0"/>
+                                          </p:stCondLst>
+                                        </p:cTn>
+                                        <p:tgtEl>
+                                          <p:spTgt spid="3">
+                                            <p:txEl>
+                                              <p:pRg st="3" end="3"/>
+                                            </p:txEl>
+                                          </p:spTgt>
+                                        </p:tgtEl>
+                                        <p:attrNameLst>
+                                          <p:attrName>style.visibility</p:attrName>
+                                        </p:attrNameLst>
+                                      </p:cBhvr>
+                                      <p:to>
+                                        <p:strVal val="visible"/>
+                                      </p:to>
+                                    </p:set>
+                                    <p:anim calcmode="lin" valueType="num">
+                                      <p:cBhvr additive="base">
+                                        <p:cTn id="19" dur="500" fill="hold"/>
+                                        <p:tgtEl>
+                                          <p:spTgt spid="3">
+                                            <p:txEl>
+                                              <p:pRg st="3" end="3"/>
+                                            </p:txEl>
+                                          </p:spTgt>
+                                        </p:tgtEl>
+                                        <p:attrNameLst>
+                                          <p:attrName>ppt_x</p:attrName>
+                                        </p:attrNameLst>
+                                      </p:cBhvr>
+                                      <p:tavLst>
+                                        <p:tav tm="0">
+                                          <p:val>
+                                            <p:strVal val="#ppt_x"/>
+                                          </p:val>
+                                        </p:tav>
+                                        <p:tav tm="100000">
+                                          <p:val>
+                                            <p:strVal val="#ppt_x"/>
+                                          </p:val>
+                                        </p:tav>
+                                      </p:tavLst>
+                                    </p:anim>
+                                    <p:anim calcmode="lin" valueType="num">
+                                      <p:cBhvr additive="base">
+                                        <p:cTn id="20" dur="500" fill="hold"/>
+                                        <p:tgtEl>
+                                          <p:spTgt spid="3">
+                                            <p:txEl>
+                                              <p:pRg st="3" end="3"/>
+                                            </p:txEl>
+                                          </p:spTgt>
+                                        </p:tgtEl>
+                                        <p:attrNameLst>
+                                          <p:attrName>ppt_y</p:attrName>
+                                        </p:attrNameLst>
+                                      </p:cBhvr>
+                                      <p:tavLst>
+                                        <p:tav tm="0">
+                                          <p:val>
+                                            <p:strVal val="1+#ppt_h/2"/>
+                                          </p:val>
+                                        </p:tav>
+                                        <p:tav tm="100000">
+                                          <p:val>
+                                            <p:strVal val="#ppt_y"/>
+                                          </p:val>
+                                        </p:tav>
+                                      </p:tavLst>
+                                    </p:anim>
+                                  </p:childTnLst>
+                                </p:cTn>
+                              </p:par>
+                              <p:par>
+                                <p:cTn id="21" presetID="2" presetClass="entr" presetSubtype="4" fill="hold" grpId="0" nodeType="withEffect">
+                                  <p:stCondLst>
+                                    <p:cond delay="0"/>
+                                  </p:stCondLst>
+                                  <p:childTnLst>
+                                    <p:set>
+                                      <p:cBhvr>
+                                        <p:cTn id="22" dur="1" fill="hold">
+                                          <p:stCondLst>
+                                            <p:cond delay="0"/>
+                                          </p:stCondLst>
+                                        </p:cTn>
+                                        <p:tgtEl>
+                                          <p:spTgt spid="3">
+                                            <p:txEl>
+                                              <p:pRg st="4" end="4"/>
+                                            </p:txEl>
+                                          </p:spTgt>
+                                        </p:tgtEl>
+                                        <p:attrNameLst>
+                                          <p:attrName>style.visibility</p:attrName>
+                                        </p:attrNameLst>
+                                      </p:cBhvr>
+                                      <p:to>
+                                        <p:strVal val="visible"/>
+                                      </p:to>
+                                    </p:set>
+                                    <p:anim calcmode="lin" valueType="num">
+                                      <p:cBhvr additive="base">
+                                        <p:cTn id="23" dur="500" fill="hold"/>
+                                        <p:tgtEl>
+                                          <p:spTgt spid="3">
+                                            <p:txEl>
+                                              <p:pRg st="4" end="4"/>
+                                            </p:txEl>
+                                          </p:spTgt>
+                                        </p:tgtEl>
+                                        <p:attrNameLst>
+                                          <p:attrName>ppt_x</p:attrName>
+                                        </p:attrNameLst>
+                                      </p:cBhvr>
+                                      <p:tavLst>
+                                        <p:tav tm="0">
+                                          <p:val>
+                                            <p:strVal val="#ppt_x"/>
+                                          </p:val>
+                                        </p:tav>
+                                        <p:tav tm="100000">
+                                          <p:val>
+                                            <p:strVal val="#ppt_x"/>
+                                          </p:val>
+                                        </p:tav>
+                                      </p:tavLst>
+                                    </p:anim>
+                                    <p:anim calcmode="lin" valueType="num">
+                                      <p:cBhvr additive="base">
+                                        <p:cTn id="24" dur="500" fill="hold"/>
+                                        <p:tgtEl>
+                                          <p:spTgt spid="3">
+                                            <p:txEl>
+                                              <p:pRg st="4" end="4"/>
+                                            </p:txEl>
+                                          </p:spTgt>
+                                        </p:tgtEl>
+                                        <p:attrNameLst>
+                                          <p:attrName>ppt_y</p:attrName>
+                                        </p:attrNameLst>
+                                      </p:cBhvr>
+                                      <p:tavLst>
+                                        <p:tav tm="0">
+                                          <p:val>
+                                            <p:strVal val="1+#ppt_h/2"/>
+                                          </p:val>
+                                        </p:tav>
+                                        <p:tav tm="100000">
+                                          <p:val>
+                                            <p:strVal val="#ppt_y"/>
+                                          </p:val>
+                                        </p:tav>
+                                      </p:tavLst>
+                                    </p:anim>
+                                  </p:childTnLst>
+                                </p:cTn>
+                              </p:par>
+                              <p:par>
+                                <p:cTn id="25" presetID="2" presetClass="entr" presetSubtype="4" fill="hold" grpId="0" nodeType="withEffect">
+                                  <p:stCondLst>
+                                    <p:cond delay="0"/>
+                                  </p:stCondLst>
+                                  <p:childTnLst>
+                                    <p:set>
+                                      <p:cBhvr>
+                                        <p:cTn id="26" dur="1" fill="hold">
+                                          <p:stCondLst>
+                                            <p:cond delay="0"/>
+                                          </p:stCondLst>
+                                        </p:cTn>
+                                        <p:tgtEl>
+                                          <p:spTgt spid="3">
+                                            <p:txEl>
+                                              <p:pRg st="5" end="5"/>
+                                            </p:txEl>
+                                          </p:spTgt>
+                                        </p:tgtEl>
+                                        <p:attrNameLst>
+                                          <p:attrName>style.visibility</p:attrName>
+                                        </p:attrNameLst>
+                                      </p:cBhvr>
+                                      <p:to>
+                                        <p:strVal val="visible"/>
+                                      </p:to>
+                                    </p:set>
+                                    <p:anim calcmode="lin" valueType="num">
+                                      <p:cBhvr additive="base">
+                                        <p:cTn id="27" dur="500" fill="hold"/>
+                                        <p:tgtEl>
+                                          <p:spTgt spid="3">
+                                            <p:txEl>
+                                              <p:pRg st="5" end="5"/>
+                                            </p:txEl>
+                                          </p:spTgt>
+                                        </p:tgtEl>
+                                        <p:attrNameLst>
+                                          <p:attrName>ppt_x</p:attrName>
+                                        </p:attrNameLst>
+                                      </p:cBhvr>
+                                      <p:tavLst>
+                                        <p:tav tm="0">
+                                          <p:val>
+                                            <p:strVal val="#ppt_x"/>
+                                          </p:val>
+                                        </p:tav>
+                                        <p:tav tm="100000">
+                                          <p:val>
+                                            <p:strVal val="#ppt_x"/>
+                                          </p:val>
+                                        </p:tav>
+                                      </p:tavLst>
+                                    </p:anim>
+                                    <p:anim calcmode="lin" valueType="num">
+                                      <p:cBhvr additive="base">
+                                        <p:cTn id="28" dur="500" fill="hold"/>
+                                        <p:tgtEl>
+                                          <p:spTgt spid="3">
+                                            <p:txEl>
+                                              <p:pRg st="5" end="5"/>
+                                            </p:txEl>
+                                          </p:spTgt>
+                                        </p:tgtEl>
+                                        <p:attrNameLst>
+                                          <p:attrName>ppt_y</p:attrName>
+                                        </p:attrNameLst>
+                                      </p:cBhvr>
+                                      <p:tavLst>
+                                        <p:tav tm="0">
+                                          <p:val>
+                                            <p:strVal val="1+#ppt_h/2"/>
+                                          </p:val>
+                                        </p:tav>
+                                        <p:tav tm="100000">
+                                          <p:val>
+                                            <p:strVal val="#ppt_y"/>
+                                          </p:val>
+                                        </p:tav>
+                                      </p:tavLst>
+                                    </p:anim>
+                                  </p:childTnLst>
+                                </p:cTn>
+                              </p:par>
+                            </p:childTnLst>
+                          </p:cTn>
+                        </p:par>
+                      </p:childTnLst>
+                    </p:cTn>
+                  </p:par>
+                  <p:par>
+                    <p:cTn id="29" fill="hold">
+                      <p:stCondLst>
+                        <p:cond delay="indefinite"/>
+                      </p:stCondLst>
+                      <p:childTnLst>
+                        <p:par>
+                          <p:cTn id="30" fill="hold">
+                            <p:stCondLst>
+                              <p:cond delay="0"/>
+                            </p:stCondLst>
+                            <p:childTnLst>
+                              <p:par>
+                                <p:cTn id="31" presetID="2" presetClass="entr" presetSubtype="4" fill="hold" grpId="0" nodeType="clickEffect">
+                                  <p:stCondLst>
+                                    <p:cond delay="0"/>
+                                  </p:stCondLst>
+                                  <p:childTnLst>
+                                    <p:set>
+                                      <p:cBhvr>
+                                        <p:cTn id="32" dur="1" fill="hold">
+                                          <p:stCondLst>
+                                            <p:cond delay="0"/>
+                                          </p:stCondLst>
+                                        </p:cTn>
+                                        <p:tgtEl>
+                                          <p:spTgt spid="4"/>
+                                        </p:tgtEl>
+                                        <p:attrNameLst>
+                                          <p:attrName>style.visibility</p:attrName>
+                                        </p:attrNameLst>
+                                      </p:cBhvr>
+                                      <p:to>
+                                        <p:strVal val="visible"/>
+                                      </p:to>
+                                    </p:set>
+                                    <p:anim calcmode="lin" valueType="num">
+                                      <p:cBhvr additive="base">
+                                        <p:cTn id="33" dur="500" fill="hold"/>
+                                        <p:tgtEl>
+                                          <p:spTgt spid="4"/>
+                                        </p:tgtEl>
+                                        <p:attrNameLst>
+                                          <p:attrName>ppt_x</p:attrName>
+                                        </p:attrNameLst>
+                                      </p:cBhvr>
+                                      <p:tavLst>
+                                        <p:tav tm="0">
+                                          <p:val>
+                                            <p:strVal val="#ppt_x"/>
+                                          </p:val>
+                                        </p:tav>
+                                        <p:tav tm="100000">
+                                          <p:val>
+                                            <p:strVal val="#ppt_x"/>
+                                          </p:val>
+                                        </p:tav>
+                                      </p:tavLst>
+                                    </p:anim>
+                                    <p:anim calcmode="lin" valueType="num">
+                                      <p:cBhvr additive="base">
+                                        <p:cTn id="34" dur="500" fill="hold"/>
+                                        <p:tgtEl>
+                                          <p:spTgt spid="4"/>
+                                        </p:tgtEl>
+                                        <p:attrNameLst>
+                                          <p:attrName>ppt_y</p:attrName>
+                                        </p:attrNameLst>
+                                      </p:cBhvr>
+                                      <p:tavLst>
+                                        <p:tav tm="0">
+                                          <p:val>
+                                            <p:strVal val="1+#ppt_h/2"/>
+                                          </p:val>
+                                        </p:tav>
+                                        <p:tav tm="100000">
+                                          <p:val>
+                                            <p:strVal val="#ppt_y"/>
+                                          </p:val>
+                                        </p:tav>
+                                      </p:tavLst>
+                                    </p:anim>
+                                  </p:childTnLst>
+                                </p:cTn>
+                              </p:par>
+                            </p:childTnLst>
+                          </p:cTn>
+                        </p:par>
+                      </p:childTnLst>
+                    </p:cTn>
+                  </p:par>
+                  <p:par>
+                    <p:cTn id="35" fill="hold">
+                      <p:stCondLst>
+                        <p:cond delay="indefinite"/>
+                      </p:stCondLst>
+                      <p:childTnLst>
+                        <p:par>
+                          <p:cTn id="36" fill="hold">
+                            <p:stCondLst>
+                              <p:cond delay="0"/>
+                            </p:stCondLst>
+                            <p:childTnLst>
+                              <p:par>
+                                <p:cTn id="37" presetID="2" presetClass="entr" presetSubtype="4" fill="hold" grpId="0" nodeType="clickEffect">
+                                  <p:stCondLst>
+                                    <p:cond delay="0"/>
+                                  </p:stCondLst>
+                                  <p:childTnLst>
+                                    <p:set>
+                                      <p:cBhvr>
+                                        <p:cTn id="38" dur="1" fill="hold">
+                                          <p:stCondLst>
+                                            <p:cond delay="0"/>
+                                          </p:stCondLst>
+                                        </p:cTn>
+                                        <p:tgtEl>
+                                          <p:spTgt spid="5"/>
+                                        </p:tgtEl>
+                                        <p:attrNameLst>
+                                          <p:attrName>style.visibility</p:attrName>
+                                        </p:attrNameLst>
+                                      </p:cBhvr>
+                                      <p:to>
+                                        <p:strVal val="visible"/>
+                                      </p:to>
+                                    </p:set>
+                                    <p:anim calcmode="lin" valueType="num">
+                                      <p:cBhvr additive="base">
+                                        <p:cTn id="39" dur="500" fill="hold"/>
+                                        <p:tgtEl>
+                                          <p:spTgt spid="5"/>
+                                        </p:tgtEl>
+                                        <p:attrNameLst>
+                                          <p:attrName>ppt_x</p:attrName>
+                                        </p:attrNameLst>
+                                      </p:cBhvr>
+                                      <p:tavLst>
+                                        <p:tav tm="0">
+                                          <p:val>
+                                            <p:strVal val="#ppt_x"/>
+                                          </p:val>
+                                        </p:tav>
+                                        <p:tav tm="100000">
+                                          <p:val>
+                                            <p:strVal val="#ppt_x"/>
+                                          </p:val>
+                                        </p:tav>
+                                      </p:tavLst>
+                                    </p:anim>
+                                    <p:anim calcmode="lin" valueType="num">
+                                      <p:cBhvr additive="base">
+                                        <p:cTn id="40" dur="500" fill="hold"/>
+                                        <p:tgtEl>
+                                          <p:spTgt spid="5"/>
+                                        </p:tgtEl>
+                                        <p:attrNameLst>
+                                          <p:attrName>ppt_y</p:attrName>
+                                        </p:attrNameLst>
+                                      </p:cBhvr>
+                                      <p:tavLst>
+                                        <p:tav tm="0">
+                                          <p:val>
+                                            <p:strVal val="1+#ppt_h/2"/>
+                                          </p:val>
+                                        </p:tav>
+                                        <p:tav tm="100000">
+                                          <p:val>
+                                            <p:strVal val="#ppt_y"/>
+                                          </p:val>
+                                        </p:tav>
+                                      </p:tavLst>
+                                    </p:anim>
+                                  </p:childTnLst>
+                                </p:cTn>
+                              </p:par>
+                            </p:childTnLst>
+                          </p:cTn>
+                        </p:par>
+                      </p:childTnLst>
+                    </p:cTn>
+                  </p:par>
+                </p:childTnLst>
+              </p:cTn>
+              <p:prevCondLst>
+                <p:cond evt="onPrev" delay="0">
+                  <p:tgtEl>
+                    <p:sldTgt/>
+                  </p:tgtEl>
+                </p:cond>
+              </p:prevCondLst>
+              <p:nextCondLst>
+                <p:cond evt="onNext" delay="0">
+                  <p:tgtEl>
+                    <p:sldTgt/>
+                  </p:tgtEl>
+                </p:cond>
+              </p:nextCondLst>
+            </p:seq>
+          </p:childTnLst>
+        </p:cTn>
+      </p:par>
+    </p:tnLst>
+    <p:bldLst>
+      <p:bldP spid="3" grpId="0" build="p"/>
+      <p:bldP spid="4" grpId="0"/>
+      <p:bldP spid="5" grpId="0"/>
+    </p:bldLst>
+  </p:timing>
 </p:sld>
 </file>
 
@@ -3768,14 +4516,14 @@
           <p:nvPr>
             <p:extLst>
               <p:ext uri="{D42A27DB-BD31-4B8C-83A1-F6EECF244321}">
-                <p14:modId xmlns:p14="http://schemas.microsoft.com/office/powerpoint/2010/main" val="3203677874"/>
+                <p14:modId xmlns:p14="http://schemas.microsoft.com/office/powerpoint/2010/main" val="2110221772"/>
               </p:ext>
             </p:extLst>
           </p:nvPr>
         </p:nvGraphicFramePr>
         <p:xfrm>
           <a:off x="419100" y="304800"/>
-          <a:ext cx="11095566" cy="6120381"/>
+          <a:ext cx="11150859" cy="6002693"/>
         </p:xfrm>
         <a:graphic>
           <a:graphicData uri="http://schemas.openxmlformats.org/drawingml/2006/table">
@@ -3784,28 +4532,28 @@
                 <a:tableStyleId>{5C22544A-7EE6-4342-B048-85BDC9FD1C3A}</a:tableStyleId>
               </a:tblPr>
               <a:tblGrid>
-                <a:gridCol w="747544">
+                <a:gridCol w="751269">
                   <a:extLst>
                     <a:ext uri="{9D8B030D-6E8A-4147-A177-3AD203B41FA5}">
                       <a16:colId xmlns:a16="http://schemas.microsoft.com/office/drawing/2014/main" val="20000"/>
                     </a:ext>
                   </a:extLst>
                 </a:gridCol>
-                <a:gridCol w="3416686">
+                <a:gridCol w="3433713">
                   <a:extLst>
                     <a:ext uri="{9D8B030D-6E8A-4147-A177-3AD203B41FA5}">
                       <a16:colId xmlns:a16="http://schemas.microsoft.com/office/drawing/2014/main" val="20001"/>
                     </a:ext>
                   </a:extLst>
                 </a:gridCol>
-                <a:gridCol w="1270238">
+                <a:gridCol w="1276568">
                   <a:extLst>
                     <a:ext uri="{9D8B030D-6E8A-4147-A177-3AD203B41FA5}">
                       <a16:colId xmlns:a16="http://schemas.microsoft.com/office/drawing/2014/main" val="20002"/>
                     </a:ext>
                   </a:extLst>
                 </a:gridCol>
-                <a:gridCol w="5661098">
+                <a:gridCol w="5689309">
                   <a:extLst>
                     <a:ext uri="{9D8B030D-6E8A-4147-A177-3AD203B41FA5}">
                       <a16:colId xmlns:a16="http://schemas.microsoft.com/office/drawing/2014/main" val="20003"/>
@@ -3813,7 +4561,7 @@
                   </a:extLst>
                 </a:gridCol>
               </a:tblGrid>
-              <a:tr h="421245">
+              <a:tr h="376578">
                 <a:tc>
                   <a:txBody>
                     <a:bodyPr/>
@@ -4117,7 +4865,7 @@
                   </a:ext>
                 </a:extLst>
               </a:tr>
-              <a:tr h="1554480">
+              <a:tr h="602127">
                 <a:tc>
                   <a:txBody>
                     <a:bodyPr/>
@@ -4132,7 +4880,291 @@
                         </a:spcAft>
                       </a:pPr>
                       <a:r>
-                        <a:rPr lang="en-US" sz="1400">
+                        <a:rPr lang="en-US" sz="1400" dirty="0">
+                          <a:effectLst/>
+                          <a:latin typeface="Consolas" charset="0"/>
+                          <a:ea typeface="Consolas" charset="0"/>
+                          <a:cs typeface="Consolas" charset="0"/>
+                        </a:rPr>
+                        <a:t>0</a:t>
+                      </a:r>
+                    </a:p>
+                  </a:txBody>
+                  <a:tcPr marL="68580" marR="68580" marT="0" marB="0" anchor="ctr">
+                    <a:lnL w="12700" cap="flat" cmpd="sng" algn="ctr">
+                      <a:solidFill>
+                        <a:schemeClr val="tx1"/>
+                      </a:solidFill>
+                      <a:prstDash val="solid"/>
+                      <a:round/>
+                      <a:headEnd type="none" w="med" len="med"/>
+                      <a:tailEnd type="none" w="med" len="med"/>
+                    </a:lnL>
+                    <a:lnR w="12700" cap="flat" cmpd="sng" algn="ctr">
+                      <a:solidFill>
+                        <a:schemeClr val="tx1"/>
+                      </a:solidFill>
+                      <a:prstDash val="solid"/>
+                      <a:round/>
+                      <a:headEnd type="none" w="med" len="med"/>
+                      <a:tailEnd type="none" w="med" len="med"/>
+                    </a:lnR>
+                    <a:lnT w="12700" cap="flat" cmpd="sng" algn="ctr">
+                      <a:solidFill>
+                        <a:schemeClr val="tx1"/>
+                      </a:solidFill>
+                      <a:prstDash val="solid"/>
+                      <a:round/>
+                      <a:headEnd type="none" w="med" len="med"/>
+                      <a:tailEnd type="none" w="med" len="med"/>
+                    </a:lnT>
+                    <a:lnB w="12700" cap="flat" cmpd="sng" algn="ctr">
+                      <a:solidFill>
+                        <a:schemeClr val="tx1"/>
+                      </a:solidFill>
+                      <a:prstDash val="solid"/>
+                      <a:round/>
+                      <a:headEnd type="none" w="med" len="med"/>
+                      <a:tailEnd type="none" w="med" len="med"/>
+                    </a:lnB>
+                    <a:solidFill>
+                      <a:schemeClr val="tx1">
+                        <a:lumMod val="50000"/>
+                        <a:lumOff val="50000"/>
+                      </a:schemeClr>
+                    </a:solidFill>
+                  </a:tcPr>
+                </a:tc>
+                <a:tc>
+                  <a:txBody>
+                    <a:bodyPr/>
+                    <a:lstStyle/>
+                    <a:p>
+                      <a:pPr marL="0" marR="0" algn="ctr">
+                        <a:spcBef>
+                          <a:spcPts val="0"/>
+                        </a:spcBef>
+                        <a:spcAft>
+                          <a:spcPts val="0"/>
+                        </a:spcAft>
+                      </a:pPr>
+                      <a:r>
+                        <a:rPr lang="en-US" sz="1400" dirty="0">
+                          <a:effectLst/>
+                          <a:latin typeface="Consolas" charset="0"/>
+                          <a:ea typeface="Consolas" charset="0"/>
+                          <a:cs typeface="Consolas" charset="0"/>
+                        </a:rPr>
+                        <a:t>Getting Started</a:t>
+                      </a:r>
+                    </a:p>
+                  </a:txBody>
+                  <a:tcPr marL="68580" marR="68580" marT="0" marB="0" anchor="ctr">
+                    <a:lnL w="12700" cap="flat" cmpd="sng" algn="ctr">
+                      <a:solidFill>
+                        <a:schemeClr val="tx1"/>
+                      </a:solidFill>
+                      <a:prstDash val="solid"/>
+                      <a:round/>
+                      <a:headEnd type="none" w="med" len="med"/>
+                      <a:tailEnd type="none" w="med" len="med"/>
+                    </a:lnL>
+                    <a:lnR w="12700" cap="flat" cmpd="sng" algn="ctr">
+                      <a:solidFill>
+                        <a:schemeClr val="tx1"/>
+                      </a:solidFill>
+                      <a:prstDash val="solid"/>
+                      <a:round/>
+                      <a:headEnd type="none" w="med" len="med"/>
+                      <a:tailEnd type="none" w="med" len="med"/>
+                    </a:lnR>
+                    <a:lnT w="12700" cap="flat" cmpd="sng" algn="ctr">
+                      <a:solidFill>
+                        <a:schemeClr val="tx1"/>
+                      </a:solidFill>
+                      <a:prstDash val="solid"/>
+                      <a:round/>
+                      <a:headEnd type="none" w="med" len="med"/>
+                      <a:tailEnd type="none" w="med" len="med"/>
+                    </a:lnT>
+                    <a:lnB w="12700" cap="flat" cmpd="sng" algn="ctr">
+                      <a:solidFill>
+                        <a:schemeClr val="tx1"/>
+                      </a:solidFill>
+                      <a:prstDash val="solid"/>
+                      <a:round/>
+                      <a:headEnd type="none" w="med" len="med"/>
+                      <a:tailEnd type="none" w="med" len="med"/>
+                    </a:lnB>
+                    <a:noFill/>
+                  </a:tcPr>
+                </a:tc>
+                <a:tc>
+                  <a:txBody>
+                    <a:bodyPr/>
+                    <a:lstStyle/>
+                    <a:p>
+                      <a:pPr marL="0" marR="0" algn="ctr">
+                        <a:spcBef>
+                          <a:spcPts val="0"/>
+                        </a:spcBef>
+                        <a:spcAft>
+                          <a:spcPts val="0"/>
+                        </a:spcAft>
+                      </a:pPr>
+                      <a:endParaRPr lang="en-US" sz="1400" dirty="0">
+                        <a:effectLst/>
+                        <a:latin typeface="Consolas" charset="0"/>
+                        <a:ea typeface="Consolas" charset="0"/>
+                        <a:cs typeface="Consolas" charset="0"/>
+                      </a:endParaRPr>
+                    </a:p>
+                  </a:txBody>
+                  <a:tcPr marL="68580" marR="68580" marT="0" marB="0" anchor="ctr">
+                    <a:lnL w="12700" cap="flat" cmpd="sng" algn="ctr">
+                      <a:solidFill>
+                        <a:schemeClr val="tx1"/>
+                      </a:solidFill>
+                      <a:prstDash val="solid"/>
+                      <a:round/>
+                      <a:headEnd type="none" w="med" len="med"/>
+                      <a:tailEnd type="none" w="med" len="med"/>
+                    </a:lnL>
+                    <a:lnR w="12700" cap="flat" cmpd="sng" algn="ctr">
+                      <a:solidFill>
+                        <a:schemeClr val="tx1"/>
+                      </a:solidFill>
+                      <a:prstDash val="solid"/>
+                      <a:round/>
+                      <a:headEnd type="none" w="med" len="med"/>
+                      <a:tailEnd type="none" w="med" len="med"/>
+                    </a:lnR>
+                    <a:lnT w="12700" cap="flat" cmpd="sng" algn="ctr">
+                      <a:solidFill>
+                        <a:schemeClr val="tx1"/>
+                      </a:solidFill>
+                      <a:prstDash val="solid"/>
+                      <a:round/>
+                      <a:headEnd type="none" w="med" len="med"/>
+                      <a:tailEnd type="none" w="med" len="med"/>
+                    </a:lnT>
+                    <a:lnB w="12700" cap="flat" cmpd="sng" algn="ctr">
+                      <a:solidFill>
+                        <a:schemeClr val="tx1"/>
+                      </a:solidFill>
+                      <a:prstDash val="solid"/>
+                      <a:round/>
+                      <a:headEnd type="none" w="med" len="med"/>
+                      <a:tailEnd type="none" w="med" len="med"/>
+                    </a:lnB>
+                    <a:noFill/>
+                  </a:tcPr>
+                </a:tc>
+                <a:tc>
+                  <a:txBody>
+                    <a:bodyPr/>
+                    <a:lstStyle/>
+                    <a:p>
+                      <a:pPr marL="0" marR="0" algn="ctr">
+                        <a:spcBef>
+                          <a:spcPts val="0"/>
+                        </a:spcBef>
+                        <a:spcAft>
+                          <a:spcPts val="0"/>
+                        </a:spcAft>
+                      </a:pPr>
+                      <a:r>
+                        <a:rPr lang="en-US" sz="1400" dirty="0">
+                          <a:effectLst/>
+                          <a:latin typeface="Consolas" charset="0"/>
+                          <a:ea typeface="Consolas" charset="0"/>
+                          <a:cs typeface="Consolas" charset="0"/>
+                        </a:rPr>
+                        <a:t>APA Style &amp; Journal Articles</a:t>
+                      </a:r>
+                    </a:p>
+                    <a:p>
+                      <a:pPr marL="0" marR="0" algn="ctr">
+                        <a:spcBef>
+                          <a:spcPts val="0"/>
+                        </a:spcBef>
+                        <a:spcAft>
+                          <a:spcPts val="0"/>
+                        </a:spcAft>
+                      </a:pPr>
+                      <a:r>
+                        <a:rPr lang="en-US" sz="1400" dirty="0">
+                          <a:effectLst/>
+                          <a:latin typeface="Consolas" charset="0"/>
+                          <a:ea typeface="Consolas" charset="0"/>
+                          <a:cs typeface="Consolas" charset="0"/>
+                        </a:rPr>
+                        <a:t>R Basics &amp; Data Manipulation</a:t>
+                      </a:r>
+                    </a:p>
+                  </a:txBody>
+                  <a:tcPr marL="68580" marR="68580" marT="0" marB="0" anchor="ctr">
+                    <a:lnL w="12700" cap="flat" cmpd="sng" algn="ctr">
+                      <a:solidFill>
+                        <a:schemeClr val="tx1"/>
+                      </a:solidFill>
+                      <a:prstDash val="solid"/>
+                      <a:round/>
+                      <a:headEnd type="none" w="med" len="med"/>
+                      <a:tailEnd type="none" w="med" len="med"/>
+                    </a:lnL>
+                    <a:lnR w="12700" cap="flat" cmpd="sng" algn="ctr">
+                      <a:solidFill>
+                        <a:schemeClr val="tx1"/>
+                      </a:solidFill>
+                      <a:prstDash val="solid"/>
+                      <a:round/>
+                      <a:headEnd type="none" w="med" len="med"/>
+                      <a:tailEnd type="none" w="med" len="med"/>
+                    </a:lnR>
+                    <a:lnT w="12700" cap="flat" cmpd="sng" algn="ctr">
+                      <a:solidFill>
+                        <a:schemeClr val="tx1"/>
+                      </a:solidFill>
+                      <a:prstDash val="solid"/>
+                      <a:round/>
+                      <a:headEnd type="none" w="med" len="med"/>
+                      <a:tailEnd type="none" w="med" len="med"/>
+                    </a:lnT>
+                    <a:lnB w="12700" cap="flat" cmpd="sng" algn="ctr">
+                      <a:solidFill>
+                        <a:schemeClr val="tx1"/>
+                      </a:solidFill>
+                      <a:prstDash val="solid"/>
+                      <a:round/>
+                      <a:headEnd type="none" w="med" len="med"/>
+                      <a:tailEnd type="none" w="med" len="med"/>
+                    </a:lnB>
+                    <a:noFill/>
+                  </a:tcPr>
+                </a:tc>
+                <a:extLst>
+                  <a:ext uri="{0D108BD9-81ED-4DB2-BD59-A6C34878D82A}">
+                    <a16:rowId xmlns:a16="http://schemas.microsoft.com/office/drawing/2014/main" val="704772142"/>
+                  </a:ext>
+                </a:extLst>
+              </a:tr>
+              <a:tr h="1318816">
+                <a:tc>
+                  <a:txBody>
+                    <a:bodyPr/>
+                    <a:lstStyle/>
+                    <a:p>
+                      <a:pPr marL="0" marR="0" algn="ctr">
+                        <a:spcBef>
+                          <a:spcPts val="0"/>
+                        </a:spcBef>
+                        <a:spcAft>
+                          <a:spcPts val="0"/>
+                        </a:spcAft>
+                      </a:pPr>
+                      <a:r>
+                        <a:rPr lang="en-US" sz="1400" dirty="0">
                           <a:effectLst/>
                           <a:latin typeface="Consolas" charset="0"/>
                           <a:ea typeface="Consolas" charset="0"/>
@@ -4140,7 +5172,7 @@
                         </a:rPr>
                         <a:t>1</a:t>
                       </a:r>
-                      <a:endParaRPr lang="en-US" sz="2000">
+                      <a:endParaRPr lang="en-US" sz="2000" dirty="0">
                         <a:effectLst/>
                         <a:latin typeface="Consolas" charset="0"/>
                         <a:ea typeface="Consolas" charset="0"/>
@@ -4213,25 +5245,6 @@
                           <a:ea typeface="Consolas" charset="0"/>
                           <a:cs typeface="Consolas" charset="0"/>
                         </a:rPr>
-                        <a:t>Getting Started &amp;</a:t>
-                      </a:r>
-                    </a:p>
-                    <a:p>
-                      <a:pPr marL="0" marR="0" algn="ctr">
-                        <a:spcBef>
-                          <a:spcPts val="0"/>
-                        </a:spcBef>
-                        <a:spcAft>
-                          <a:spcPts val="0"/>
-                        </a:spcAft>
-                      </a:pPr>
-                      <a:r>
-                        <a:rPr lang="en-US" sz="1400" dirty="0">
-                          <a:effectLst/>
-                          <a:latin typeface="Consolas" charset="0"/>
-                          <a:ea typeface="Consolas" charset="0"/>
-                          <a:cs typeface="Consolas" charset="0"/>
-                        </a:rPr>
                         <a:t>Exploratory Data Analysis</a:t>
                       </a:r>
                       <a:endParaRPr lang="en-US" sz="2000" dirty="0">
@@ -4286,38 +5299,6 @@
                   <a:txBody>
                     <a:bodyPr/>
                     <a:lstStyle/>
-                    <a:p>
-                      <a:pPr marL="0" marR="0" algn="ctr">
-                        <a:spcBef>
-                          <a:spcPts val="0"/>
-                        </a:spcBef>
-                        <a:spcAft>
-                          <a:spcPts val="0"/>
-                        </a:spcAft>
-                      </a:pPr>
-                      <a:endParaRPr lang="en-US" sz="1400" dirty="0">
-                        <a:effectLst/>
-                        <a:latin typeface="Consolas" charset="0"/>
-                        <a:ea typeface="Consolas" charset="0"/>
-                        <a:cs typeface="Consolas" charset="0"/>
-                      </a:endParaRPr>
-                    </a:p>
-                    <a:p>
-                      <a:pPr marL="0" marR="0" algn="ctr">
-                        <a:spcBef>
-                          <a:spcPts val="0"/>
-                        </a:spcBef>
-                        <a:spcAft>
-                          <a:spcPts val="0"/>
-                        </a:spcAft>
-                      </a:pPr>
-                      <a:endParaRPr lang="en-US" sz="1400" dirty="0">
-                        <a:effectLst/>
-                        <a:latin typeface="Consolas" charset="0"/>
-                        <a:ea typeface="Consolas" charset="0"/>
-                        <a:cs typeface="Consolas" charset="0"/>
-                      </a:endParaRPr>
-                    </a:p>
                     <a:p>
                       <a:pPr marL="0" marR="0" algn="ctr">
                         <a:spcBef>
@@ -4461,56 +5442,6 @@
                           <a:ea typeface="Consolas" charset="0"/>
                           <a:cs typeface="Consolas" charset="0"/>
                         </a:rPr>
-                        <a:t>APA Style &amp; Journal Articles</a:t>
-                      </a:r>
-                      <a:endParaRPr lang="en-US" sz="2000" dirty="0">
-                        <a:effectLst/>
-                        <a:latin typeface="Consolas" charset="0"/>
-                        <a:ea typeface="Consolas" charset="0"/>
-                        <a:cs typeface="Consolas" charset="0"/>
-                      </a:endParaRPr>
-                    </a:p>
-                    <a:p>
-                      <a:pPr marL="0" marR="0" algn="ctr">
-                        <a:spcBef>
-                          <a:spcPts val="0"/>
-                        </a:spcBef>
-                        <a:spcAft>
-                          <a:spcPts val="0"/>
-                        </a:spcAft>
-                      </a:pPr>
-                      <a:r>
-                        <a:rPr lang="en-US" sz="1400" dirty="0">
-                          <a:effectLst/>
-                          <a:latin typeface="Consolas" charset="0"/>
-                          <a:ea typeface="Consolas" charset="0"/>
-                          <a:cs typeface="Consolas" charset="0"/>
-                        </a:rPr>
-                        <a:t>R Basics &amp; Data Manipulation</a:t>
-                      </a:r>
-                      <a:endParaRPr lang="en-US" sz="2000" dirty="0">
-                        <a:effectLst/>
-                        <a:latin typeface="Consolas" charset="0"/>
-                        <a:ea typeface="Consolas" charset="0"/>
-                        <a:cs typeface="Consolas" charset="0"/>
-                      </a:endParaRPr>
-                    </a:p>
-                    <a:p>
-                      <a:pPr marL="0" marR="0" algn="ctr">
-                        <a:spcBef>
-                          <a:spcPts val="0"/>
-                        </a:spcBef>
-                        <a:spcAft>
-                          <a:spcPts val="0"/>
-                        </a:spcAft>
-                      </a:pPr>
-                      <a:r>
-                        <a:rPr lang="en-US" sz="1400" dirty="0">
-                          <a:effectLst/>
-                          <a:latin typeface="Consolas" charset="0"/>
-                          <a:ea typeface="Consolas" charset="0"/>
-                          <a:cs typeface="Consolas" charset="0"/>
-                        </a:rPr>
                         <a:t>Variables &amp; Scales, Rounding, Summation</a:t>
                       </a:r>
                     </a:p>
@@ -4636,7 +5567,7 @@
                   </a:ext>
                 </a:extLst>
               </a:tr>
-              <a:tr h="1189398">
+              <a:tr h="1063279">
                 <a:tc>
                   <a:txBody>
                     <a:bodyPr/>
@@ -5060,7 +5991,7 @@
                   </a:ext>
                 </a:extLst>
               </a:tr>
-              <a:tr h="892049">
+              <a:tr h="797459">
                 <a:tc>
                   <a:txBody>
                     <a:bodyPr/>
@@ -5465,7 +6396,7 @@
                   </a:ext>
                 </a:extLst>
               </a:tr>
-              <a:tr h="892049">
+              <a:tr h="797459">
                 <a:tc>
                   <a:txBody>
                     <a:bodyPr/>
@@ -5870,7 +6801,7 @@
                   </a:ext>
                 </a:extLst>
               </a:tr>
-              <a:tr h="594699">
+              <a:tr h="531640">
                 <a:tc>
                   <a:txBody>
                     <a:bodyPr/>
@@ -6231,7 +7162,7 @@
                   </a:ext>
                 </a:extLst>
               </a:tr>
-              <a:tr h="576461">
+              <a:tr h="515335">
                 <a:tc>
                   <a:txBody>
                     <a:bodyPr/>
@@ -6571,6 +7502,36 @@
           </a:graphicData>
         </a:graphic>
       </p:graphicFrame>
+      <p:pic>
+        <p:nvPicPr>
+          <p:cNvPr id="3" name="Picture 2">
+            <a:extLst>
+              <a:ext uri="{FF2B5EF4-FFF2-40B4-BE49-F238E27FC236}">
+                <a16:creationId xmlns:a16="http://schemas.microsoft.com/office/drawing/2014/main" id="{0565A56D-F050-B130-1E72-1CC50599E6FA}"/>
+              </a:ext>
+            </a:extLst>
+          </p:cNvPr>
+          <p:cNvPicPr>
+            <a:picLocks noChangeAspect="1"/>
+          </p:cNvPicPr>
+          <p:nvPr/>
+        </p:nvPicPr>
+        <p:blipFill>
+          <a:blip r:embed="rId2"/>
+          <a:stretch>
+            <a:fillRect/>
+          </a:stretch>
+        </p:blipFill>
+        <p:spPr>
+          <a:xfrm>
+            <a:off x="5937490" y="3240007"/>
+            <a:ext cx="317019" cy="377985"/>
+          </a:xfrm>
+          <a:prstGeom prst="rect">
+            <a:avLst/>
+          </a:prstGeom>
+        </p:spPr>
+      </p:pic>
     </p:spTree>
     <p:extLst>
       <p:ext uri="{BB962C8B-B14F-4D97-AF65-F5344CB8AC3E}">
@@ -6622,7 +7583,7 @@
                 <a:ea typeface="Consolas" charset="0"/>
                 <a:cs typeface="Consolas" charset="0"/>
               </a:rPr>
-              <a:t>Appendixes</a:t>
+              <a:t>Appendixes at back of book</a:t>
             </a:r>
           </a:p>
         </p:txBody>
@@ -7388,6 +8349,841 @@
   <p:clrMapOvr>
     <a:masterClrMapping/>
   </p:clrMapOvr>
+  <p:timing>
+    <p:tnLst>
+      <p:par>
+        <p:cTn id="1" dur="indefinite" restart="never" nodeType="tmRoot">
+          <p:childTnLst>
+            <p:seq concurrent="1" nextAc="seek">
+              <p:cTn id="2" dur="indefinite" nodeType="mainSeq">
+                <p:childTnLst>
+                  <p:par>
+                    <p:cTn id="3" fill="hold">
+                      <p:stCondLst>
+                        <p:cond delay="indefinite"/>
+                      </p:stCondLst>
+                      <p:childTnLst>
+                        <p:par>
+                          <p:cTn id="4" fill="hold">
+                            <p:stCondLst>
+                              <p:cond delay="0"/>
+                            </p:stCondLst>
+                            <p:childTnLst>
+                              <p:par>
+                                <p:cTn id="5" presetID="2" presetClass="entr" presetSubtype="4" fill="hold" grpId="0" nodeType="clickEffect">
+                                  <p:stCondLst>
+                                    <p:cond delay="0"/>
+                                  </p:stCondLst>
+                                  <p:childTnLst>
+                                    <p:set>
+                                      <p:cBhvr>
+                                        <p:cTn id="6" dur="1" fill="hold">
+                                          <p:stCondLst>
+                                            <p:cond delay="0"/>
+                                          </p:stCondLst>
+                                        </p:cTn>
+                                        <p:tgtEl>
+                                          <p:spTgt spid="3">
+                                            <p:txEl>
+                                              <p:pRg st="0" end="0"/>
+                                            </p:txEl>
+                                          </p:spTgt>
+                                        </p:tgtEl>
+                                        <p:attrNameLst>
+                                          <p:attrName>style.visibility</p:attrName>
+                                        </p:attrNameLst>
+                                      </p:cBhvr>
+                                      <p:to>
+                                        <p:strVal val="visible"/>
+                                      </p:to>
+                                    </p:set>
+                                    <p:anim calcmode="lin" valueType="num">
+                                      <p:cBhvr additive="base">
+                                        <p:cTn id="7" dur="500" fill="hold"/>
+                                        <p:tgtEl>
+                                          <p:spTgt spid="3">
+                                            <p:txEl>
+                                              <p:pRg st="0" end="0"/>
+                                            </p:txEl>
+                                          </p:spTgt>
+                                        </p:tgtEl>
+                                        <p:attrNameLst>
+                                          <p:attrName>ppt_x</p:attrName>
+                                        </p:attrNameLst>
+                                      </p:cBhvr>
+                                      <p:tavLst>
+                                        <p:tav tm="0">
+                                          <p:val>
+                                            <p:strVal val="#ppt_x"/>
+                                          </p:val>
+                                        </p:tav>
+                                        <p:tav tm="100000">
+                                          <p:val>
+                                            <p:strVal val="#ppt_x"/>
+                                          </p:val>
+                                        </p:tav>
+                                      </p:tavLst>
+                                    </p:anim>
+                                    <p:anim calcmode="lin" valueType="num">
+                                      <p:cBhvr additive="base">
+                                        <p:cTn id="8" dur="500" fill="hold"/>
+                                        <p:tgtEl>
+                                          <p:spTgt spid="3">
+                                            <p:txEl>
+                                              <p:pRg st="0" end="0"/>
+                                            </p:txEl>
+                                          </p:spTgt>
+                                        </p:tgtEl>
+                                        <p:attrNameLst>
+                                          <p:attrName>ppt_y</p:attrName>
+                                        </p:attrNameLst>
+                                      </p:cBhvr>
+                                      <p:tavLst>
+                                        <p:tav tm="0">
+                                          <p:val>
+                                            <p:strVal val="1+#ppt_h/2"/>
+                                          </p:val>
+                                        </p:tav>
+                                        <p:tav tm="100000">
+                                          <p:val>
+                                            <p:strVal val="#ppt_y"/>
+                                          </p:val>
+                                        </p:tav>
+                                      </p:tavLst>
+                                    </p:anim>
+                                  </p:childTnLst>
+                                </p:cTn>
+                              </p:par>
+                            </p:childTnLst>
+                          </p:cTn>
+                        </p:par>
+                      </p:childTnLst>
+                    </p:cTn>
+                  </p:par>
+                  <p:par>
+                    <p:cTn id="9" fill="hold">
+                      <p:stCondLst>
+                        <p:cond delay="indefinite"/>
+                      </p:stCondLst>
+                      <p:childTnLst>
+                        <p:par>
+                          <p:cTn id="10" fill="hold">
+                            <p:stCondLst>
+                              <p:cond delay="0"/>
+                            </p:stCondLst>
+                            <p:childTnLst>
+                              <p:par>
+                                <p:cTn id="11" presetID="2" presetClass="entr" presetSubtype="4" fill="hold" grpId="0" nodeType="clickEffect">
+                                  <p:stCondLst>
+                                    <p:cond delay="0"/>
+                                  </p:stCondLst>
+                                  <p:childTnLst>
+                                    <p:set>
+                                      <p:cBhvr>
+                                        <p:cTn id="12" dur="1" fill="hold">
+                                          <p:stCondLst>
+                                            <p:cond delay="0"/>
+                                          </p:stCondLst>
+                                        </p:cTn>
+                                        <p:tgtEl>
+                                          <p:spTgt spid="3">
+                                            <p:txEl>
+                                              <p:pRg st="1" end="1"/>
+                                            </p:txEl>
+                                          </p:spTgt>
+                                        </p:tgtEl>
+                                        <p:attrNameLst>
+                                          <p:attrName>style.visibility</p:attrName>
+                                        </p:attrNameLst>
+                                      </p:cBhvr>
+                                      <p:to>
+                                        <p:strVal val="visible"/>
+                                      </p:to>
+                                    </p:set>
+                                    <p:anim calcmode="lin" valueType="num">
+                                      <p:cBhvr additive="base">
+                                        <p:cTn id="13" dur="500" fill="hold"/>
+                                        <p:tgtEl>
+                                          <p:spTgt spid="3">
+                                            <p:txEl>
+                                              <p:pRg st="1" end="1"/>
+                                            </p:txEl>
+                                          </p:spTgt>
+                                        </p:tgtEl>
+                                        <p:attrNameLst>
+                                          <p:attrName>ppt_x</p:attrName>
+                                        </p:attrNameLst>
+                                      </p:cBhvr>
+                                      <p:tavLst>
+                                        <p:tav tm="0">
+                                          <p:val>
+                                            <p:strVal val="#ppt_x"/>
+                                          </p:val>
+                                        </p:tav>
+                                        <p:tav tm="100000">
+                                          <p:val>
+                                            <p:strVal val="#ppt_x"/>
+                                          </p:val>
+                                        </p:tav>
+                                      </p:tavLst>
+                                    </p:anim>
+                                    <p:anim calcmode="lin" valueType="num">
+                                      <p:cBhvr additive="base">
+                                        <p:cTn id="14" dur="500" fill="hold"/>
+                                        <p:tgtEl>
+                                          <p:spTgt spid="3">
+                                            <p:txEl>
+                                              <p:pRg st="1" end="1"/>
+                                            </p:txEl>
+                                          </p:spTgt>
+                                        </p:tgtEl>
+                                        <p:attrNameLst>
+                                          <p:attrName>ppt_y</p:attrName>
+                                        </p:attrNameLst>
+                                      </p:cBhvr>
+                                      <p:tavLst>
+                                        <p:tav tm="0">
+                                          <p:val>
+                                            <p:strVal val="1+#ppt_h/2"/>
+                                          </p:val>
+                                        </p:tav>
+                                        <p:tav tm="100000">
+                                          <p:val>
+                                            <p:strVal val="#ppt_y"/>
+                                          </p:val>
+                                        </p:tav>
+                                      </p:tavLst>
+                                    </p:anim>
+                                  </p:childTnLst>
+                                </p:cTn>
+                              </p:par>
+                            </p:childTnLst>
+                          </p:cTn>
+                        </p:par>
+                      </p:childTnLst>
+                    </p:cTn>
+                  </p:par>
+                  <p:par>
+                    <p:cTn id="15" fill="hold">
+                      <p:stCondLst>
+                        <p:cond delay="indefinite"/>
+                      </p:stCondLst>
+                      <p:childTnLst>
+                        <p:par>
+                          <p:cTn id="16" fill="hold">
+                            <p:stCondLst>
+                              <p:cond delay="0"/>
+                            </p:stCondLst>
+                            <p:childTnLst>
+                              <p:par>
+                                <p:cTn id="17" presetID="2" presetClass="entr" presetSubtype="4" fill="hold" grpId="0" nodeType="clickEffect">
+                                  <p:stCondLst>
+                                    <p:cond delay="0"/>
+                                  </p:stCondLst>
+                                  <p:childTnLst>
+                                    <p:set>
+                                      <p:cBhvr>
+                                        <p:cTn id="18" dur="1" fill="hold">
+                                          <p:stCondLst>
+                                            <p:cond delay="0"/>
+                                          </p:stCondLst>
+                                        </p:cTn>
+                                        <p:tgtEl>
+                                          <p:spTgt spid="3">
+                                            <p:txEl>
+                                              <p:pRg st="2" end="2"/>
+                                            </p:txEl>
+                                          </p:spTgt>
+                                        </p:tgtEl>
+                                        <p:attrNameLst>
+                                          <p:attrName>style.visibility</p:attrName>
+                                        </p:attrNameLst>
+                                      </p:cBhvr>
+                                      <p:to>
+                                        <p:strVal val="visible"/>
+                                      </p:to>
+                                    </p:set>
+                                    <p:anim calcmode="lin" valueType="num">
+                                      <p:cBhvr additive="base">
+                                        <p:cTn id="19" dur="500" fill="hold"/>
+                                        <p:tgtEl>
+                                          <p:spTgt spid="3">
+                                            <p:txEl>
+                                              <p:pRg st="2" end="2"/>
+                                            </p:txEl>
+                                          </p:spTgt>
+                                        </p:tgtEl>
+                                        <p:attrNameLst>
+                                          <p:attrName>ppt_x</p:attrName>
+                                        </p:attrNameLst>
+                                      </p:cBhvr>
+                                      <p:tavLst>
+                                        <p:tav tm="0">
+                                          <p:val>
+                                            <p:strVal val="#ppt_x"/>
+                                          </p:val>
+                                        </p:tav>
+                                        <p:tav tm="100000">
+                                          <p:val>
+                                            <p:strVal val="#ppt_x"/>
+                                          </p:val>
+                                        </p:tav>
+                                      </p:tavLst>
+                                    </p:anim>
+                                    <p:anim calcmode="lin" valueType="num">
+                                      <p:cBhvr additive="base">
+                                        <p:cTn id="20" dur="500" fill="hold"/>
+                                        <p:tgtEl>
+                                          <p:spTgt spid="3">
+                                            <p:txEl>
+                                              <p:pRg st="2" end="2"/>
+                                            </p:txEl>
+                                          </p:spTgt>
+                                        </p:tgtEl>
+                                        <p:attrNameLst>
+                                          <p:attrName>ppt_y</p:attrName>
+                                        </p:attrNameLst>
+                                      </p:cBhvr>
+                                      <p:tavLst>
+                                        <p:tav tm="0">
+                                          <p:val>
+                                            <p:strVal val="1+#ppt_h/2"/>
+                                          </p:val>
+                                        </p:tav>
+                                        <p:tav tm="100000">
+                                          <p:val>
+                                            <p:strVal val="#ppt_y"/>
+                                          </p:val>
+                                        </p:tav>
+                                      </p:tavLst>
+                                    </p:anim>
+                                  </p:childTnLst>
+                                </p:cTn>
+                              </p:par>
+                            </p:childTnLst>
+                          </p:cTn>
+                        </p:par>
+                      </p:childTnLst>
+                    </p:cTn>
+                  </p:par>
+                  <p:par>
+                    <p:cTn id="21" fill="hold">
+                      <p:stCondLst>
+                        <p:cond delay="indefinite"/>
+                      </p:stCondLst>
+                      <p:childTnLst>
+                        <p:par>
+                          <p:cTn id="22" fill="hold">
+                            <p:stCondLst>
+                              <p:cond delay="0"/>
+                            </p:stCondLst>
+                            <p:childTnLst>
+                              <p:par>
+                                <p:cTn id="23" presetID="2" presetClass="entr" presetSubtype="4" fill="hold" grpId="0" nodeType="clickEffect">
+                                  <p:stCondLst>
+                                    <p:cond delay="0"/>
+                                  </p:stCondLst>
+                                  <p:childTnLst>
+                                    <p:set>
+                                      <p:cBhvr>
+                                        <p:cTn id="24" dur="1" fill="hold">
+                                          <p:stCondLst>
+                                            <p:cond delay="0"/>
+                                          </p:stCondLst>
+                                        </p:cTn>
+                                        <p:tgtEl>
+                                          <p:spTgt spid="3">
+                                            <p:txEl>
+                                              <p:pRg st="3" end="3"/>
+                                            </p:txEl>
+                                          </p:spTgt>
+                                        </p:tgtEl>
+                                        <p:attrNameLst>
+                                          <p:attrName>style.visibility</p:attrName>
+                                        </p:attrNameLst>
+                                      </p:cBhvr>
+                                      <p:to>
+                                        <p:strVal val="visible"/>
+                                      </p:to>
+                                    </p:set>
+                                    <p:anim calcmode="lin" valueType="num">
+                                      <p:cBhvr additive="base">
+                                        <p:cTn id="25" dur="500" fill="hold"/>
+                                        <p:tgtEl>
+                                          <p:spTgt spid="3">
+                                            <p:txEl>
+                                              <p:pRg st="3" end="3"/>
+                                            </p:txEl>
+                                          </p:spTgt>
+                                        </p:tgtEl>
+                                        <p:attrNameLst>
+                                          <p:attrName>ppt_x</p:attrName>
+                                        </p:attrNameLst>
+                                      </p:cBhvr>
+                                      <p:tavLst>
+                                        <p:tav tm="0">
+                                          <p:val>
+                                            <p:strVal val="#ppt_x"/>
+                                          </p:val>
+                                        </p:tav>
+                                        <p:tav tm="100000">
+                                          <p:val>
+                                            <p:strVal val="#ppt_x"/>
+                                          </p:val>
+                                        </p:tav>
+                                      </p:tavLst>
+                                    </p:anim>
+                                    <p:anim calcmode="lin" valueType="num">
+                                      <p:cBhvr additive="base">
+                                        <p:cTn id="26" dur="500" fill="hold"/>
+                                        <p:tgtEl>
+                                          <p:spTgt spid="3">
+                                            <p:txEl>
+                                              <p:pRg st="3" end="3"/>
+                                            </p:txEl>
+                                          </p:spTgt>
+                                        </p:tgtEl>
+                                        <p:attrNameLst>
+                                          <p:attrName>ppt_y</p:attrName>
+                                        </p:attrNameLst>
+                                      </p:cBhvr>
+                                      <p:tavLst>
+                                        <p:tav tm="0">
+                                          <p:val>
+                                            <p:strVal val="1+#ppt_h/2"/>
+                                          </p:val>
+                                        </p:tav>
+                                        <p:tav tm="100000">
+                                          <p:val>
+                                            <p:strVal val="#ppt_y"/>
+                                          </p:val>
+                                        </p:tav>
+                                      </p:tavLst>
+                                    </p:anim>
+                                  </p:childTnLst>
+                                </p:cTn>
+                              </p:par>
+                            </p:childTnLst>
+                          </p:cTn>
+                        </p:par>
+                      </p:childTnLst>
+                    </p:cTn>
+                  </p:par>
+                  <p:par>
+                    <p:cTn id="27" fill="hold">
+                      <p:stCondLst>
+                        <p:cond delay="indefinite"/>
+                      </p:stCondLst>
+                      <p:childTnLst>
+                        <p:par>
+                          <p:cTn id="28" fill="hold">
+                            <p:stCondLst>
+                              <p:cond delay="0"/>
+                            </p:stCondLst>
+                            <p:childTnLst>
+                              <p:par>
+                                <p:cTn id="29" presetID="2" presetClass="entr" presetSubtype="4" fill="hold" grpId="0" nodeType="clickEffect">
+                                  <p:stCondLst>
+                                    <p:cond delay="0"/>
+                                  </p:stCondLst>
+                                  <p:childTnLst>
+                                    <p:set>
+                                      <p:cBhvr>
+                                        <p:cTn id="30" dur="1" fill="hold">
+                                          <p:stCondLst>
+                                            <p:cond delay="0"/>
+                                          </p:stCondLst>
+                                        </p:cTn>
+                                        <p:tgtEl>
+                                          <p:spTgt spid="3">
+                                            <p:txEl>
+                                              <p:pRg st="4" end="4"/>
+                                            </p:txEl>
+                                          </p:spTgt>
+                                        </p:tgtEl>
+                                        <p:attrNameLst>
+                                          <p:attrName>style.visibility</p:attrName>
+                                        </p:attrNameLst>
+                                      </p:cBhvr>
+                                      <p:to>
+                                        <p:strVal val="visible"/>
+                                      </p:to>
+                                    </p:set>
+                                    <p:anim calcmode="lin" valueType="num">
+                                      <p:cBhvr additive="base">
+                                        <p:cTn id="31" dur="500" fill="hold"/>
+                                        <p:tgtEl>
+                                          <p:spTgt spid="3">
+                                            <p:txEl>
+                                              <p:pRg st="4" end="4"/>
+                                            </p:txEl>
+                                          </p:spTgt>
+                                        </p:tgtEl>
+                                        <p:attrNameLst>
+                                          <p:attrName>ppt_x</p:attrName>
+                                        </p:attrNameLst>
+                                      </p:cBhvr>
+                                      <p:tavLst>
+                                        <p:tav tm="0">
+                                          <p:val>
+                                            <p:strVal val="#ppt_x"/>
+                                          </p:val>
+                                        </p:tav>
+                                        <p:tav tm="100000">
+                                          <p:val>
+                                            <p:strVal val="#ppt_x"/>
+                                          </p:val>
+                                        </p:tav>
+                                      </p:tavLst>
+                                    </p:anim>
+                                    <p:anim calcmode="lin" valueType="num">
+                                      <p:cBhvr additive="base">
+                                        <p:cTn id="32" dur="500" fill="hold"/>
+                                        <p:tgtEl>
+                                          <p:spTgt spid="3">
+                                            <p:txEl>
+                                              <p:pRg st="4" end="4"/>
+                                            </p:txEl>
+                                          </p:spTgt>
+                                        </p:tgtEl>
+                                        <p:attrNameLst>
+                                          <p:attrName>ppt_y</p:attrName>
+                                        </p:attrNameLst>
+                                      </p:cBhvr>
+                                      <p:tavLst>
+                                        <p:tav tm="0">
+                                          <p:val>
+                                            <p:strVal val="1+#ppt_h/2"/>
+                                          </p:val>
+                                        </p:tav>
+                                        <p:tav tm="100000">
+                                          <p:val>
+                                            <p:strVal val="#ppt_y"/>
+                                          </p:val>
+                                        </p:tav>
+                                      </p:tavLst>
+                                    </p:anim>
+                                  </p:childTnLst>
+                                </p:cTn>
+                              </p:par>
+                            </p:childTnLst>
+                          </p:cTn>
+                        </p:par>
+                      </p:childTnLst>
+                    </p:cTn>
+                  </p:par>
+                  <p:par>
+                    <p:cTn id="33" fill="hold">
+                      <p:stCondLst>
+                        <p:cond delay="indefinite"/>
+                      </p:stCondLst>
+                      <p:childTnLst>
+                        <p:par>
+                          <p:cTn id="34" fill="hold">
+                            <p:stCondLst>
+                              <p:cond delay="0"/>
+                            </p:stCondLst>
+                            <p:childTnLst>
+                              <p:par>
+                                <p:cTn id="35" presetID="2" presetClass="entr" presetSubtype="4" fill="hold" grpId="0" nodeType="clickEffect">
+                                  <p:stCondLst>
+                                    <p:cond delay="0"/>
+                                  </p:stCondLst>
+                                  <p:childTnLst>
+                                    <p:set>
+                                      <p:cBhvr>
+                                        <p:cTn id="36" dur="1" fill="hold">
+                                          <p:stCondLst>
+                                            <p:cond delay="0"/>
+                                          </p:stCondLst>
+                                        </p:cTn>
+                                        <p:tgtEl>
+                                          <p:spTgt spid="3">
+                                            <p:txEl>
+                                              <p:pRg st="5" end="5"/>
+                                            </p:txEl>
+                                          </p:spTgt>
+                                        </p:tgtEl>
+                                        <p:attrNameLst>
+                                          <p:attrName>style.visibility</p:attrName>
+                                        </p:attrNameLst>
+                                      </p:cBhvr>
+                                      <p:to>
+                                        <p:strVal val="visible"/>
+                                      </p:to>
+                                    </p:set>
+                                    <p:anim calcmode="lin" valueType="num">
+                                      <p:cBhvr additive="base">
+                                        <p:cTn id="37" dur="500" fill="hold"/>
+                                        <p:tgtEl>
+                                          <p:spTgt spid="3">
+                                            <p:txEl>
+                                              <p:pRg st="5" end="5"/>
+                                            </p:txEl>
+                                          </p:spTgt>
+                                        </p:tgtEl>
+                                        <p:attrNameLst>
+                                          <p:attrName>ppt_x</p:attrName>
+                                        </p:attrNameLst>
+                                      </p:cBhvr>
+                                      <p:tavLst>
+                                        <p:tav tm="0">
+                                          <p:val>
+                                            <p:strVal val="#ppt_x"/>
+                                          </p:val>
+                                        </p:tav>
+                                        <p:tav tm="100000">
+                                          <p:val>
+                                            <p:strVal val="#ppt_x"/>
+                                          </p:val>
+                                        </p:tav>
+                                      </p:tavLst>
+                                    </p:anim>
+                                    <p:anim calcmode="lin" valueType="num">
+                                      <p:cBhvr additive="base">
+                                        <p:cTn id="38" dur="500" fill="hold"/>
+                                        <p:tgtEl>
+                                          <p:spTgt spid="3">
+                                            <p:txEl>
+                                              <p:pRg st="5" end="5"/>
+                                            </p:txEl>
+                                          </p:spTgt>
+                                        </p:tgtEl>
+                                        <p:attrNameLst>
+                                          <p:attrName>ppt_y</p:attrName>
+                                        </p:attrNameLst>
+                                      </p:cBhvr>
+                                      <p:tavLst>
+                                        <p:tav tm="0">
+                                          <p:val>
+                                            <p:strVal val="1+#ppt_h/2"/>
+                                          </p:val>
+                                        </p:tav>
+                                        <p:tav tm="100000">
+                                          <p:val>
+                                            <p:strVal val="#ppt_y"/>
+                                          </p:val>
+                                        </p:tav>
+                                      </p:tavLst>
+                                    </p:anim>
+                                  </p:childTnLst>
+                                </p:cTn>
+                              </p:par>
+                            </p:childTnLst>
+                          </p:cTn>
+                        </p:par>
+                      </p:childTnLst>
+                    </p:cTn>
+                  </p:par>
+                  <p:par>
+                    <p:cTn id="39" fill="hold">
+                      <p:stCondLst>
+                        <p:cond delay="indefinite"/>
+                      </p:stCondLst>
+                      <p:childTnLst>
+                        <p:par>
+                          <p:cTn id="40" fill="hold">
+                            <p:stCondLst>
+                              <p:cond delay="0"/>
+                            </p:stCondLst>
+                            <p:childTnLst>
+                              <p:par>
+                                <p:cTn id="41" presetID="2" presetClass="entr" presetSubtype="4" fill="hold" grpId="0" nodeType="clickEffect">
+                                  <p:stCondLst>
+                                    <p:cond delay="0"/>
+                                  </p:stCondLst>
+                                  <p:childTnLst>
+                                    <p:set>
+                                      <p:cBhvr>
+                                        <p:cTn id="42" dur="1" fill="hold">
+                                          <p:stCondLst>
+                                            <p:cond delay="0"/>
+                                          </p:stCondLst>
+                                        </p:cTn>
+                                        <p:tgtEl>
+                                          <p:spTgt spid="4"/>
+                                        </p:tgtEl>
+                                        <p:attrNameLst>
+                                          <p:attrName>style.visibility</p:attrName>
+                                        </p:attrNameLst>
+                                      </p:cBhvr>
+                                      <p:to>
+                                        <p:strVal val="visible"/>
+                                      </p:to>
+                                    </p:set>
+                                    <p:anim calcmode="lin" valueType="num">
+                                      <p:cBhvr additive="base">
+                                        <p:cTn id="43" dur="500" fill="hold"/>
+                                        <p:tgtEl>
+                                          <p:spTgt spid="4"/>
+                                        </p:tgtEl>
+                                        <p:attrNameLst>
+                                          <p:attrName>ppt_x</p:attrName>
+                                        </p:attrNameLst>
+                                      </p:cBhvr>
+                                      <p:tavLst>
+                                        <p:tav tm="0">
+                                          <p:val>
+                                            <p:strVal val="#ppt_x"/>
+                                          </p:val>
+                                        </p:tav>
+                                        <p:tav tm="100000">
+                                          <p:val>
+                                            <p:strVal val="#ppt_x"/>
+                                          </p:val>
+                                        </p:tav>
+                                      </p:tavLst>
+                                    </p:anim>
+                                    <p:anim calcmode="lin" valueType="num">
+                                      <p:cBhvr additive="base">
+                                        <p:cTn id="44" dur="500" fill="hold"/>
+                                        <p:tgtEl>
+                                          <p:spTgt spid="4"/>
+                                        </p:tgtEl>
+                                        <p:attrNameLst>
+                                          <p:attrName>ppt_y</p:attrName>
+                                        </p:attrNameLst>
+                                      </p:cBhvr>
+                                      <p:tavLst>
+                                        <p:tav tm="0">
+                                          <p:val>
+                                            <p:strVal val="1+#ppt_h/2"/>
+                                          </p:val>
+                                        </p:tav>
+                                        <p:tav tm="100000">
+                                          <p:val>
+                                            <p:strVal val="#ppt_y"/>
+                                          </p:val>
+                                        </p:tav>
+                                      </p:tavLst>
+                                    </p:anim>
+                                  </p:childTnLst>
+                                </p:cTn>
+                              </p:par>
+                            </p:childTnLst>
+                          </p:cTn>
+                        </p:par>
+                      </p:childTnLst>
+                    </p:cTn>
+                  </p:par>
+                  <p:par>
+                    <p:cTn id="45" fill="hold">
+                      <p:stCondLst>
+                        <p:cond delay="indefinite"/>
+                      </p:stCondLst>
+                      <p:childTnLst>
+                        <p:par>
+                          <p:cTn id="46" fill="hold">
+                            <p:stCondLst>
+                              <p:cond delay="0"/>
+                            </p:stCondLst>
+                            <p:childTnLst>
+                              <p:par>
+                                <p:cTn id="47" presetID="2" presetClass="entr" presetSubtype="4" fill="hold" grpId="0" nodeType="clickEffect">
+                                  <p:stCondLst>
+                                    <p:cond delay="0"/>
+                                  </p:stCondLst>
+                                  <p:childTnLst>
+                                    <p:set>
+                                      <p:cBhvr>
+                                        <p:cTn id="48" dur="1" fill="hold">
+                                          <p:stCondLst>
+                                            <p:cond delay="0"/>
+                                          </p:stCondLst>
+                                        </p:cTn>
+                                        <p:tgtEl>
+                                          <p:spTgt spid="5"/>
+                                        </p:tgtEl>
+                                        <p:attrNameLst>
+                                          <p:attrName>style.visibility</p:attrName>
+                                        </p:attrNameLst>
+                                      </p:cBhvr>
+                                      <p:to>
+                                        <p:strVal val="visible"/>
+                                      </p:to>
+                                    </p:set>
+                                    <p:anim calcmode="lin" valueType="num">
+                                      <p:cBhvr additive="base">
+                                        <p:cTn id="49" dur="500" fill="hold"/>
+                                        <p:tgtEl>
+                                          <p:spTgt spid="5"/>
+                                        </p:tgtEl>
+                                        <p:attrNameLst>
+                                          <p:attrName>ppt_x</p:attrName>
+                                        </p:attrNameLst>
+                                      </p:cBhvr>
+                                      <p:tavLst>
+                                        <p:tav tm="0">
+                                          <p:val>
+                                            <p:strVal val="#ppt_x"/>
+                                          </p:val>
+                                        </p:tav>
+                                        <p:tav tm="100000">
+                                          <p:val>
+                                            <p:strVal val="#ppt_x"/>
+                                          </p:val>
+                                        </p:tav>
+                                      </p:tavLst>
+                                    </p:anim>
+                                    <p:anim calcmode="lin" valueType="num">
+                                      <p:cBhvr additive="base">
+                                        <p:cTn id="50" dur="500" fill="hold"/>
+                                        <p:tgtEl>
+                                          <p:spTgt spid="5"/>
+                                        </p:tgtEl>
+                                        <p:attrNameLst>
+                                          <p:attrName>ppt_y</p:attrName>
+                                        </p:attrNameLst>
+                                      </p:cBhvr>
+                                      <p:tavLst>
+                                        <p:tav tm="0">
+                                          <p:val>
+                                            <p:strVal val="1+#ppt_h/2"/>
+                                          </p:val>
+                                        </p:tav>
+                                        <p:tav tm="100000">
+                                          <p:val>
+                                            <p:strVal val="#ppt_y"/>
+                                          </p:val>
+                                        </p:tav>
+                                      </p:tavLst>
+                                    </p:anim>
+                                  </p:childTnLst>
+                                </p:cTn>
+                              </p:par>
+                            </p:childTnLst>
+                          </p:cTn>
+                        </p:par>
+                      </p:childTnLst>
+                    </p:cTn>
+                  </p:par>
+                </p:childTnLst>
+              </p:cTn>
+              <p:prevCondLst>
+                <p:cond evt="onPrev" delay="0">
+                  <p:tgtEl>
+                    <p:sldTgt/>
+                  </p:tgtEl>
+                </p:cond>
+              </p:prevCondLst>
+              <p:nextCondLst>
+                <p:cond evt="onNext" delay="0">
+                  <p:tgtEl>
+                    <p:sldTgt/>
+                  </p:tgtEl>
+                </p:cond>
+              </p:nextCondLst>
+            </p:seq>
+          </p:childTnLst>
+        </p:cTn>
+      </p:par>
+    </p:tnLst>
+    <p:bldLst>
+      <p:bldP spid="3" grpId="0" build="p"/>
+      <p:bldP spid="4" grpId="0"/>
+      <p:bldP spid="5" grpId="0"/>
+    </p:bldLst>
+  </p:timing>
 </p:sld>
 </file>
 
@@ -7410,7 +9206,13 @@
       </p:grpSpPr>
       <p:sp>
         <p:nvSpPr>
-          <p:cNvPr id="2" name="Title 1"/>
+          <p:cNvPr id="2" name="Title 1">
+            <a:extLst>
+              <a:ext uri="{FF2B5EF4-FFF2-40B4-BE49-F238E27FC236}">
+                <a16:creationId xmlns:a16="http://schemas.microsoft.com/office/drawing/2014/main" id="{A77CB483-2190-6D14-937E-8D34E1EFC865}"/>
+              </a:ext>
+            </a:extLst>
+          </p:cNvPr>
           <p:cNvSpPr>
             <a:spLocks noGrp="1"/>
           </p:cNvSpPr>
@@ -7420,21 +9222,22 @@
         </p:nvSpPr>
         <p:spPr>
           <a:xfrm>
-            <a:off x="681228" y="327025"/>
-            <a:ext cx="10515600" cy="1325563"/>
+            <a:off x="838200" y="365126"/>
+            <a:ext cx="10515600" cy="1070270"/>
           </a:xfrm>
         </p:spPr>
         <p:txBody>
           <a:bodyPr/>
           <a:lstStyle/>
           <a:p>
+            <a:pPr algn="ctr"/>
             <a:r>
               <a:rPr lang="en-US" dirty="0" err="1">
                 <a:latin typeface="Consolas" charset="0"/>
                 <a:ea typeface="Consolas" charset="0"/>
                 <a:cs typeface="Consolas" charset="0"/>
               </a:rPr>
-              <a:t>Ihno’s</a:t>
+              <a:t>Ihno</a:t>
             </a:r>
             <a:r>
               <a:rPr lang="en-US" dirty="0">
@@ -7442,51 +9245,954 @@
                 <a:ea typeface="Consolas" charset="0"/>
                 <a:cs typeface="Consolas" charset="0"/>
               </a:rPr>
-              <a:t> (</a:t>
-            </a:r>
-            <a:r>
-              <a:rPr lang="en-US" dirty="0" err="1">
-                <a:latin typeface="Consolas" charset="0"/>
-                <a:ea typeface="Consolas" charset="0"/>
-                <a:cs typeface="Consolas" charset="0"/>
-              </a:rPr>
-              <a:t>Eee</a:t>
-            </a:r>
-            <a:r>
-              <a:rPr lang="en-US" dirty="0">
-                <a:latin typeface="Consolas" charset="0"/>
-                <a:ea typeface="Consolas" charset="0"/>
-                <a:cs typeface="Consolas" charset="0"/>
-              </a:rPr>
-              <a:t>-know) experiment </a:t>
-            </a:r>
+              <a:t>: Background Collection</a:t>
+            </a:r>
+            <a:endParaRPr lang="en-US" dirty="0"/>
           </a:p>
         </p:txBody>
       </p:sp>
       <p:sp>
         <p:nvSpPr>
-          <p:cNvPr id="3" name="Content Placeholder 2"/>
-          <p:cNvSpPr>
-            <a:spLocks noGrp="1"/>
-          </p:cNvSpPr>
-          <p:nvPr>
-            <p:ph idx="1"/>
-          </p:nvPr>
+          <p:cNvPr id="12" name="Rectangle: Rounded Corners 11">
+            <a:extLst>
+              <a:ext uri="{FF2B5EF4-FFF2-40B4-BE49-F238E27FC236}">
+                <a16:creationId xmlns:a16="http://schemas.microsoft.com/office/drawing/2014/main" id="{29F550DF-2054-6108-DA4D-ADF227EB75E7}"/>
+              </a:ext>
+            </a:extLst>
+          </p:cNvPr>
+          <p:cNvSpPr/>
+          <p:nvPr/>
         </p:nvSpPr>
         <p:spPr>
           <a:xfrm>
-            <a:off x="681228" y="2084832"/>
-            <a:ext cx="11345672" cy="4023360"/>
+            <a:off x="1059712" y="1435395"/>
+            <a:ext cx="1630325" cy="5018567"/>
           </a:xfrm>
+          <a:prstGeom prst="roundRect">
+            <a:avLst/>
+          </a:prstGeom>
+          <a:noFill/>
+          <a:ln w="38100">
+            <a:solidFill>
+              <a:schemeClr val="accent1">
+                <a:lumMod val="50000"/>
+              </a:schemeClr>
+            </a:solidFill>
+          </a:ln>
+        </p:spPr>
+        <p:style>
+          <a:lnRef idx="2">
+            <a:schemeClr val="accent1">
+              <a:shade val="15000"/>
+            </a:schemeClr>
+          </a:lnRef>
+          <a:fillRef idx="1">
+            <a:schemeClr val="accent1"/>
+          </a:fillRef>
+          <a:effectRef idx="0">
+            <a:schemeClr val="accent1"/>
+          </a:effectRef>
+          <a:fontRef idx="minor">
+            <a:schemeClr val="lt1"/>
+          </a:fontRef>
+        </p:style>
+        <p:txBody>
+          <a:bodyPr rtlCol="0" anchor="t"/>
+          <a:lstStyle/>
+          <a:p>
+            <a:pPr algn="ctr"/>
+            <a:r>
+              <a:rPr lang="en-US" b="1" dirty="0">
+                <a:solidFill>
+                  <a:schemeClr val="accent1">
+                    <a:lumMod val="50000"/>
+                  </a:schemeClr>
+                </a:solidFill>
+              </a:rPr>
+              <a:t>Course </a:t>
+            </a:r>
+          </a:p>
+          <a:p>
+            <a:pPr algn="ctr"/>
+            <a:r>
+              <a:rPr lang="en-US" b="1" dirty="0">
+                <a:solidFill>
+                  <a:schemeClr val="accent1">
+                    <a:lumMod val="50000"/>
+                  </a:schemeClr>
+                </a:solidFill>
+              </a:rPr>
+              <a:t>Day 1</a:t>
+            </a:r>
+          </a:p>
+        </p:txBody>
+      </p:sp>
+      <p:sp>
+        <p:nvSpPr>
+          <p:cNvPr id="10" name="Rectangle 9">
+            <a:extLst>
+              <a:ext uri="{FF2B5EF4-FFF2-40B4-BE49-F238E27FC236}">
+                <a16:creationId xmlns:a16="http://schemas.microsoft.com/office/drawing/2014/main" id="{2D34A87F-59CE-1970-647B-4255DB309462}"/>
+              </a:ext>
+            </a:extLst>
+          </p:cNvPr>
+          <p:cNvSpPr/>
+          <p:nvPr/>
+        </p:nvSpPr>
+        <p:spPr>
+          <a:xfrm>
+            <a:off x="1225400" y="5812228"/>
+            <a:ext cx="1298947" cy="393405"/>
+          </a:xfrm>
+          <a:prstGeom prst="rect">
+            <a:avLst/>
+          </a:prstGeom>
+        </p:spPr>
+        <p:style>
+          <a:lnRef idx="2">
+            <a:schemeClr val="accent1">
+              <a:shade val="15000"/>
+            </a:schemeClr>
+          </a:lnRef>
+          <a:fillRef idx="1">
+            <a:schemeClr val="accent1"/>
+          </a:fillRef>
+          <a:effectRef idx="0">
+            <a:schemeClr val="accent1"/>
+          </a:effectRef>
+          <a:fontRef idx="minor">
+            <a:schemeClr val="lt1"/>
+          </a:fontRef>
+        </p:style>
+        <p:txBody>
+          <a:bodyPr rtlCol="0" anchor="ctr"/>
+          <a:lstStyle/>
+          <a:p>
+            <a:pPr algn="ctr"/>
+            <a:r>
+              <a:rPr lang="en-US" dirty="0"/>
+              <a:t>phobia</a:t>
+            </a:r>
+          </a:p>
+        </p:txBody>
+      </p:sp>
+      <p:sp>
+        <p:nvSpPr>
+          <p:cNvPr id="11" name="Rectangle 10">
+            <a:extLst>
+              <a:ext uri="{FF2B5EF4-FFF2-40B4-BE49-F238E27FC236}">
+                <a16:creationId xmlns:a16="http://schemas.microsoft.com/office/drawing/2014/main" id="{6197C5CE-9ED6-8C1E-0ED7-DF9871D66EDA}"/>
+              </a:ext>
+            </a:extLst>
+          </p:cNvPr>
+          <p:cNvSpPr/>
+          <p:nvPr/>
+        </p:nvSpPr>
+        <p:spPr>
+          <a:xfrm>
+            <a:off x="1225400" y="5316652"/>
+            <a:ext cx="1298947" cy="393405"/>
+          </a:xfrm>
+          <a:prstGeom prst="rect">
+            <a:avLst/>
+          </a:prstGeom>
+        </p:spPr>
+        <p:style>
+          <a:lnRef idx="2">
+            <a:schemeClr val="accent1">
+              <a:shade val="15000"/>
+            </a:schemeClr>
+          </a:lnRef>
+          <a:fillRef idx="1">
+            <a:schemeClr val="accent1"/>
+          </a:fillRef>
+          <a:effectRef idx="0">
+            <a:schemeClr val="accent1"/>
+          </a:effectRef>
+          <a:fontRef idx="minor">
+            <a:schemeClr val="lt1"/>
+          </a:fontRef>
+        </p:style>
+        <p:txBody>
+          <a:bodyPr rtlCol="0" anchor="ctr"/>
+          <a:lstStyle/>
+          <a:p>
+            <a:pPr algn="ctr"/>
+            <a:r>
+              <a:rPr lang="en-US" dirty="0" err="1"/>
+              <a:t>mathquiz</a:t>
+            </a:r>
+            <a:endParaRPr lang="en-US" dirty="0"/>
+          </a:p>
+        </p:txBody>
+      </p:sp>
+      <p:sp>
+        <p:nvSpPr>
+          <p:cNvPr id="17" name="Rectangle 16">
+            <a:extLst>
+              <a:ext uri="{FF2B5EF4-FFF2-40B4-BE49-F238E27FC236}">
+                <a16:creationId xmlns:a16="http://schemas.microsoft.com/office/drawing/2014/main" id="{B1A230E0-F4E7-0437-0FB0-2AB096ECBAD0}"/>
+              </a:ext>
+            </a:extLst>
+          </p:cNvPr>
+          <p:cNvSpPr/>
+          <p:nvPr/>
+        </p:nvSpPr>
+        <p:spPr>
+          <a:xfrm>
+            <a:off x="1225400" y="2838767"/>
+            <a:ext cx="1298947" cy="393405"/>
+          </a:xfrm>
+          <a:prstGeom prst="rect">
+            <a:avLst/>
+          </a:prstGeom>
+        </p:spPr>
+        <p:style>
+          <a:lnRef idx="2">
+            <a:schemeClr val="accent1">
+              <a:shade val="15000"/>
+            </a:schemeClr>
+          </a:lnRef>
+          <a:fillRef idx="1">
+            <a:schemeClr val="accent1"/>
+          </a:fillRef>
+          <a:effectRef idx="0">
+            <a:schemeClr val="accent1"/>
+          </a:effectRef>
+          <a:fontRef idx="minor">
+            <a:schemeClr val="lt1"/>
+          </a:fontRef>
+        </p:style>
+        <p:txBody>
+          <a:bodyPr rtlCol="0" anchor="ctr"/>
+          <a:lstStyle/>
+          <a:p>
+            <a:pPr algn="ctr"/>
+            <a:r>
+              <a:rPr lang="en-US" dirty="0"/>
+              <a:t>gender</a:t>
+            </a:r>
+          </a:p>
+        </p:txBody>
+      </p:sp>
+      <p:sp>
+        <p:nvSpPr>
+          <p:cNvPr id="18" name="Rectangle 17">
+            <a:extLst>
+              <a:ext uri="{FF2B5EF4-FFF2-40B4-BE49-F238E27FC236}">
+                <a16:creationId xmlns:a16="http://schemas.microsoft.com/office/drawing/2014/main" id="{2FF91BE4-4B65-9E83-9046-C1BF2BAB8149}"/>
+              </a:ext>
+            </a:extLst>
+          </p:cNvPr>
+          <p:cNvSpPr/>
+          <p:nvPr/>
+        </p:nvSpPr>
+        <p:spPr>
+          <a:xfrm>
+            <a:off x="1225400" y="3334344"/>
+            <a:ext cx="1298947" cy="393405"/>
+          </a:xfrm>
+          <a:prstGeom prst="rect">
+            <a:avLst/>
+          </a:prstGeom>
+        </p:spPr>
+        <p:style>
+          <a:lnRef idx="2">
+            <a:schemeClr val="accent1">
+              <a:shade val="15000"/>
+            </a:schemeClr>
+          </a:lnRef>
+          <a:fillRef idx="1">
+            <a:schemeClr val="accent1"/>
+          </a:fillRef>
+          <a:effectRef idx="0">
+            <a:schemeClr val="accent1"/>
+          </a:effectRef>
+          <a:fontRef idx="minor">
+            <a:schemeClr val="lt1"/>
+          </a:fontRef>
+        </p:style>
+        <p:txBody>
+          <a:bodyPr rtlCol="0" anchor="ctr"/>
+          <a:lstStyle/>
+          <a:p>
+            <a:pPr algn="ctr"/>
+            <a:r>
+              <a:rPr lang="en-US" dirty="0"/>
+              <a:t>major</a:t>
+            </a:r>
+          </a:p>
+        </p:txBody>
+      </p:sp>
+      <p:sp>
+        <p:nvSpPr>
+          <p:cNvPr id="19" name="Rectangle 18">
+            <a:extLst>
+              <a:ext uri="{FF2B5EF4-FFF2-40B4-BE49-F238E27FC236}">
+                <a16:creationId xmlns:a16="http://schemas.microsoft.com/office/drawing/2014/main" id="{C72DF61B-D22E-ABE8-4B00-E09A5BFC41F9}"/>
+              </a:ext>
+            </a:extLst>
+          </p:cNvPr>
+          <p:cNvSpPr/>
+          <p:nvPr/>
+        </p:nvSpPr>
+        <p:spPr>
+          <a:xfrm>
+            <a:off x="1225400" y="3829921"/>
+            <a:ext cx="1298947" cy="393405"/>
+          </a:xfrm>
+          <a:prstGeom prst="rect">
+            <a:avLst/>
+          </a:prstGeom>
+        </p:spPr>
+        <p:style>
+          <a:lnRef idx="2">
+            <a:schemeClr val="accent1">
+              <a:shade val="15000"/>
+            </a:schemeClr>
+          </a:lnRef>
+          <a:fillRef idx="1">
+            <a:schemeClr val="accent1"/>
+          </a:fillRef>
+          <a:effectRef idx="0">
+            <a:schemeClr val="accent1"/>
+          </a:effectRef>
+          <a:fontRef idx="minor">
+            <a:schemeClr val="lt1"/>
+          </a:fontRef>
+        </p:style>
+        <p:txBody>
+          <a:bodyPr rtlCol="0" anchor="ctr"/>
+          <a:lstStyle/>
+          <a:p>
+            <a:pPr algn="ctr"/>
+            <a:r>
+              <a:rPr lang="en-US" dirty="0"/>
+              <a:t>reason</a:t>
+            </a:r>
+          </a:p>
+        </p:txBody>
+      </p:sp>
+      <p:sp>
+        <p:nvSpPr>
+          <p:cNvPr id="20" name="Rectangle 19">
+            <a:extLst>
+              <a:ext uri="{FF2B5EF4-FFF2-40B4-BE49-F238E27FC236}">
+                <a16:creationId xmlns:a16="http://schemas.microsoft.com/office/drawing/2014/main" id="{BE24CBBF-ED73-518F-8644-AE49C7EFD1A8}"/>
+              </a:ext>
+            </a:extLst>
+          </p:cNvPr>
+          <p:cNvSpPr/>
+          <p:nvPr/>
+        </p:nvSpPr>
+        <p:spPr>
+          <a:xfrm>
+            <a:off x="1225400" y="4325498"/>
+            <a:ext cx="1298947" cy="393405"/>
+          </a:xfrm>
+          <a:prstGeom prst="rect">
+            <a:avLst/>
+          </a:prstGeom>
+        </p:spPr>
+        <p:style>
+          <a:lnRef idx="2">
+            <a:schemeClr val="accent1">
+              <a:shade val="15000"/>
+            </a:schemeClr>
+          </a:lnRef>
+          <a:fillRef idx="1">
+            <a:schemeClr val="accent1"/>
+          </a:fillRef>
+          <a:effectRef idx="0">
+            <a:schemeClr val="accent1"/>
+          </a:effectRef>
+          <a:fontRef idx="minor">
+            <a:schemeClr val="lt1"/>
+          </a:fontRef>
+        </p:style>
+        <p:txBody>
+          <a:bodyPr rtlCol="0" anchor="ctr"/>
+          <a:lstStyle/>
+          <a:p>
+            <a:pPr algn="ctr"/>
+            <a:r>
+              <a:rPr lang="en-US" dirty="0"/>
+              <a:t>coffee</a:t>
+            </a:r>
+          </a:p>
+        </p:txBody>
+      </p:sp>
+      <p:sp>
+        <p:nvSpPr>
+          <p:cNvPr id="21" name="Rectangle 20">
+            <a:extLst>
+              <a:ext uri="{FF2B5EF4-FFF2-40B4-BE49-F238E27FC236}">
+                <a16:creationId xmlns:a16="http://schemas.microsoft.com/office/drawing/2014/main" id="{731CCEF2-309E-DEE2-CD2C-05D2DA1B36E5}"/>
+              </a:ext>
+            </a:extLst>
+          </p:cNvPr>
+          <p:cNvSpPr/>
+          <p:nvPr/>
+        </p:nvSpPr>
+        <p:spPr>
+          <a:xfrm>
+            <a:off x="1225400" y="4821075"/>
+            <a:ext cx="1298947" cy="393405"/>
+          </a:xfrm>
+          <a:prstGeom prst="rect">
+            <a:avLst/>
+          </a:prstGeom>
+        </p:spPr>
+        <p:style>
+          <a:lnRef idx="2">
+            <a:schemeClr val="accent1">
+              <a:shade val="15000"/>
+            </a:schemeClr>
+          </a:lnRef>
+          <a:fillRef idx="1">
+            <a:schemeClr val="accent1"/>
+          </a:fillRef>
+          <a:effectRef idx="0">
+            <a:schemeClr val="accent1"/>
+          </a:effectRef>
+          <a:fontRef idx="minor">
+            <a:schemeClr val="lt1"/>
+          </a:fontRef>
+        </p:style>
+        <p:txBody>
+          <a:bodyPr rtlCol="0" anchor="ctr"/>
+          <a:lstStyle/>
+          <a:p>
+            <a:pPr algn="ctr"/>
+            <a:r>
+              <a:rPr lang="en-US" dirty="0" err="1"/>
+              <a:t>prevmath</a:t>
+            </a:r>
+            <a:endParaRPr lang="en-US" dirty="0"/>
+          </a:p>
+        </p:txBody>
+      </p:sp>
+      <p:sp>
+        <p:nvSpPr>
+          <p:cNvPr id="40" name="Rectangle 39">
+            <a:extLst>
+              <a:ext uri="{FF2B5EF4-FFF2-40B4-BE49-F238E27FC236}">
+                <a16:creationId xmlns:a16="http://schemas.microsoft.com/office/drawing/2014/main" id="{CBCFEA89-9B9C-415E-BACA-6053270E820B}"/>
+              </a:ext>
+            </a:extLst>
+          </p:cNvPr>
+          <p:cNvSpPr/>
+          <p:nvPr/>
+        </p:nvSpPr>
+        <p:spPr>
+          <a:xfrm>
+            <a:off x="1225399" y="2343190"/>
+            <a:ext cx="1298947" cy="393405"/>
+          </a:xfrm>
+          <a:prstGeom prst="rect">
+            <a:avLst/>
+          </a:prstGeom>
+        </p:spPr>
+        <p:style>
+          <a:lnRef idx="2">
+            <a:schemeClr val="accent1">
+              <a:shade val="15000"/>
+            </a:schemeClr>
+          </a:lnRef>
+          <a:fillRef idx="1">
+            <a:schemeClr val="accent1"/>
+          </a:fillRef>
+          <a:effectRef idx="0">
+            <a:schemeClr val="accent1"/>
+          </a:effectRef>
+          <a:fontRef idx="minor">
+            <a:schemeClr val="lt1"/>
+          </a:fontRef>
+        </p:style>
+        <p:txBody>
+          <a:bodyPr rtlCol="0" anchor="ctr"/>
+          <a:lstStyle/>
+          <a:p>
+            <a:pPr algn="ctr"/>
+            <a:r>
+              <a:rPr lang="en-US" dirty="0" err="1"/>
+              <a:t>sub_num</a:t>
+            </a:r>
+            <a:endParaRPr lang="en-US" dirty="0"/>
+          </a:p>
+        </p:txBody>
+      </p:sp>
+      <p:sp>
+        <p:nvSpPr>
+          <p:cNvPr id="42" name="Callout: Left Arrow 41">
+            <a:extLst>
+              <a:ext uri="{FF2B5EF4-FFF2-40B4-BE49-F238E27FC236}">
+                <a16:creationId xmlns:a16="http://schemas.microsoft.com/office/drawing/2014/main" id="{DE22CD25-C80D-B8E1-0C9F-2A5E73569D7A}"/>
+              </a:ext>
+            </a:extLst>
+          </p:cNvPr>
+          <p:cNvSpPr/>
+          <p:nvPr/>
+        </p:nvSpPr>
+        <p:spPr>
+          <a:xfrm>
+            <a:off x="2524346" y="2348525"/>
+            <a:ext cx="6816359" cy="366739"/>
+          </a:xfrm>
+          <a:prstGeom prst="leftArrowCallout">
+            <a:avLst>
+              <a:gd name="adj1" fmla="val 16704"/>
+              <a:gd name="adj2" fmla="val 38408"/>
+              <a:gd name="adj3" fmla="val 75985"/>
+              <a:gd name="adj4" fmla="val 82644"/>
+            </a:avLst>
+          </a:prstGeom>
+        </p:spPr>
+        <p:style>
+          <a:lnRef idx="2">
+            <a:schemeClr val="accent1">
+              <a:shade val="15000"/>
+            </a:schemeClr>
+          </a:lnRef>
+          <a:fillRef idx="1">
+            <a:schemeClr val="accent1"/>
+          </a:fillRef>
+          <a:effectRef idx="0">
+            <a:schemeClr val="accent1"/>
+          </a:effectRef>
+          <a:fontRef idx="minor">
+            <a:schemeClr val="lt1"/>
+          </a:fontRef>
+        </p:style>
+        <p:txBody>
+          <a:bodyPr rtlCol="0" anchor="ctr"/>
+          <a:lstStyle/>
+          <a:p>
+            <a:pPr algn="ctr"/>
+            <a:r>
+              <a:rPr lang="en-US" dirty="0"/>
+              <a:t>Id number: 1, 2, 3, …, 99, 100</a:t>
+            </a:r>
+          </a:p>
+        </p:txBody>
+      </p:sp>
+      <p:sp>
+        <p:nvSpPr>
+          <p:cNvPr id="44" name="Callout: Left Arrow 43">
+            <a:extLst>
+              <a:ext uri="{FF2B5EF4-FFF2-40B4-BE49-F238E27FC236}">
+                <a16:creationId xmlns:a16="http://schemas.microsoft.com/office/drawing/2014/main" id="{9BE49E3E-245B-0AD7-62CB-F85E23DA2841}"/>
+              </a:ext>
+            </a:extLst>
+          </p:cNvPr>
+          <p:cNvSpPr/>
+          <p:nvPr/>
+        </p:nvSpPr>
+        <p:spPr>
+          <a:xfrm>
+            <a:off x="2524346" y="2857770"/>
+            <a:ext cx="6816359" cy="366739"/>
+          </a:xfrm>
+          <a:prstGeom prst="leftArrowCallout">
+            <a:avLst>
+              <a:gd name="adj1" fmla="val 16704"/>
+              <a:gd name="adj2" fmla="val 38408"/>
+              <a:gd name="adj3" fmla="val 75985"/>
+              <a:gd name="adj4" fmla="val 82644"/>
+            </a:avLst>
+          </a:prstGeom>
+        </p:spPr>
+        <p:style>
+          <a:lnRef idx="2">
+            <a:schemeClr val="accent1">
+              <a:shade val="15000"/>
+            </a:schemeClr>
+          </a:lnRef>
+          <a:fillRef idx="1">
+            <a:schemeClr val="accent1"/>
+          </a:fillRef>
+          <a:effectRef idx="0">
+            <a:schemeClr val="accent1"/>
+          </a:effectRef>
+          <a:fontRef idx="minor">
+            <a:schemeClr val="lt1"/>
+          </a:fontRef>
+        </p:style>
+        <p:txBody>
+          <a:bodyPr rtlCol="0" anchor="ctr"/>
+          <a:lstStyle/>
+          <a:p>
+            <a:pPr algn="ctr"/>
+            <a:r>
+              <a:rPr lang="en-US" dirty="0"/>
+              <a:t>Female vs. Male</a:t>
+            </a:r>
+          </a:p>
+        </p:txBody>
+      </p:sp>
+      <p:sp>
+        <p:nvSpPr>
+          <p:cNvPr id="45" name="Callout: Left Arrow 44">
+            <a:extLst>
+              <a:ext uri="{FF2B5EF4-FFF2-40B4-BE49-F238E27FC236}">
+                <a16:creationId xmlns:a16="http://schemas.microsoft.com/office/drawing/2014/main" id="{49CB6C6C-C8E5-CA6C-5910-1620347A568B}"/>
+              </a:ext>
+            </a:extLst>
+          </p:cNvPr>
+          <p:cNvSpPr/>
+          <p:nvPr/>
+        </p:nvSpPr>
+        <p:spPr>
+          <a:xfrm>
+            <a:off x="2524346" y="3367015"/>
+            <a:ext cx="6816359" cy="366739"/>
+          </a:xfrm>
+          <a:prstGeom prst="leftArrowCallout">
+            <a:avLst>
+              <a:gd name="adj1" fmla="val 16704"/>
+              <a:gd name="adj2" fmla="val 38408"/>
+              <a:gd name="adj3" fmla="val 75985"/>
+              <a:gd name="adj4" fmla="val 82644"/>
+            </a:avLst>
+          </a:prstGeom>
+        </p:spPr>
+        <p:style>
+          <a:lnRef idx="2">
+            <a:schemeClr val="accent1">
+              <a:shade val="15000"/>
+            </a:schemeClr>
+          </a:lnRef>
+          <a:fillRef idx="1">
+            <a:schemeClr val="accent1"/>
+          </a:fillRef>
+          <a:effectRef idx="0">
+            <a:schemeClr val="accent1"/>
+          </a:effectRef>
+          <a:fontRef idx="minor">
+            <a:schemeClr val="lt1"/>
+          </a:fontRef>
+        </p:style>
+        <p:txBody>
+          <a:bodyPr rtlCol="0" anchor="ctr"/>
+          <a:lstStyle/>
+          <a:p>
+            <a:pPr algn="ctr"/>
+            <a:r>
+              <a:rPr lang="en-US" dirty="0"/>
+              <a:t>Psychology, Premed, Biology, Sociology, Economics</a:t>
+            </a:r>
+          </a:p>
+        </p:txBody>
+      </p:sp>
+      <p:sp>
+        <p:nvSpPr>
+          <p:cNvPr id="46" name="Callout: Left Arrow 45">
+            <a:extLst>
+              <a:ext uri="{FF2B5EF4-FFF2-40B4-BE49-F238E27FC236}">
+                <a16:creationId xmlns:a16="http://schemas.microsoft.com/office/drawing/2014/main" id="{2EA6B3A8-14C4-C3D2-15C0-116717147A52}"/>
+              </a:ext>
+            </a:extLst>
+          </p:cNvPr>
+          <p:cNvSpPr/>
+          <p:nvPr/>
+        </p:nvSpPr>
+        <p:spPr>
+          <a:xfrm>
+            <a:off x="2524346" y="3876260"/>
+            <a:ext cx="6816359" cy="366739"/>
+          </a:xfrm>
+          <a:prstGeom prst="leftArrowCallout">
+            <a:avLst>
+              <a:gd name="adj1" fmla="val 16704"/>
+              <a:gd name="adj2" fmla="val 38408"/>
+              <a:gd name="adj3" fmla="val 75985"/>
+              <a:gd name="adj4" fmla="val 82644"/>
+            </a:avLst>
+          </a:prstGeom>
+        </p:spPr>
+        <p:style>
+          <a:lnRef idx="2">
+            <a:schemeClr val="accent1">
+              <a:shade val="15000"/>
+            </a:schemeClr>
+          </a:lnRef>
+          <a:fillRef idx="1">
+            <a:schemeClr val="accent1"/>
+          </a:fillRef>
+          <a:effectRef idx="0">
+            <a:schemeClr val="accent1"/>
+          </a:effectRef>
+          <a:fontRef idx="minor">
+            <a:schemeClr val="lt1"/>
+          </a:fontRef>
+        </p:style>
+        <p:txBody>
+          <a:bodyPr rtlCol="0" anchor="ctr"/>
+          <a:lstStyle/>
+          <a:p>
+            <a:pPr algn="ctr"/>
+            <a:r>
+              <a:rPr lang="en-US" dirty="0"/>
+              <a:t>Program require, personal interest, advisor </a:t>
+            </a:r>
+            <a:r>
+              <a:rPr lang="en-US" dirty="0" err="1"/>
+              <a:t>recomend</a:t>
+            </a:r>
+            <a:endParaRPr lang="en-US" dirty="0"/>
+          </a:p>
+        </p:txBody>
+      </p:sp>
+      <p:sp>
+        <p:nvSpPr>
+          <p:cNvPr id="47" name="Callout: Left Arrow 46">
+            <a:extLst>
+              <a:ext uri="{FF2B5EF4-FFF2-40B4-BE49-F238E27FC236}">
+                <a16:creationId xmlns:a16="http://schemas.microsoft.com/office/drawing/2014/main" id="{120D6671-18DA-D4DC-01CE-1902D6305CF4}"/>
+              </a:ext>
+            </a:extLst>
+          </p:cNvPr>
+          <p:cNvSpPr/>
+          <p:nvPr/>
+        </p:nvSpPr>
+        <p:spPr>
+          <a:xfrm>
+            <a:off x="2524346" y="4385505"/>
+            <a:ext cx="6816359" cy="366739"/>
+          </a:xfrm>
+          <a:prstGeom prst="leftArrowCallout">
+            <a:avLst>
+              <a:gd name="adj1" fmla="val 16704"/>
+              <a:gd name="adj2" fmla="val 38408"/>
+              <a:gd name="adj3" fmla="val 75985"/>
+              <a:gd name="adj4" fmla="val 82644"/>
+            </a:avLst>
+          </a:prstGeom>
+        </p:spPr>
+        <p:style>
+          <a:lnRef idx="2">
+            <a:schemeClr val="accent1">
+              <a:shade val="15000"/>
+            </a:schemeClr>
+          </a:lnRef>
+          <a:fillRef idx="1">
+            <a:schemeClr val="accent1"/>
+          </a:fillRef>
+          <a:effectRef idx="0">
+            <a:schemeClr val="accent1"/>
+          </a:effectRef>
+          <a:fontRef idx="minor">
+            <a:schemeClr val="lt1"/>
+          </a:fontRef>
+        </p:style>
+        <p:txBody>
+          <a:bodyPr rtlCol="0" anchor="ctr"/>
+          <a:lstStyle/>
+          <a:p>
+            <a:pPr algn="ctr"/>
+            <a:r>
+              <a:rPr lang="en-US" dirty="0"/>
+              <a:t>Regular drinker? Yes or No</a:t>
+            </a:r>
+          </a:p>
+        </p:txBody>
+      </p:sp>
+      <p:sp>
+        <p:nvSpPr>
+          <p:cNvPr id="48" name="Callout: Left Arrow 47">
+            <a:extLst>
+              <a:ext uri="{FF2B5EF4-FFF2-40B4-BE49-F238E27FC236}">
+                <a16:creationId xmlns:a16="http://schemas.microsoft.com/office/drawing/2014/main" id="{0AEEC7AD-9B30-320E-6392-E4C0CAA05285}"/>
+              </a:ext>
+            </a:extLst>
+          </p:cNvPr>
+          <p:cNvSpPr/>
+          <p:nvPr/>
+        </p:nvSpPr>
+        <p:spPr>
+          <a:xfrm>
+            <a:off x="2524346" y="4894750"/>
+            <a:ext cx="6816359" cy="366739"/>
+          </a:xfrm>
+          <a:prstGeom prst="leftArrowCallout">
+            <a:avLst>
+              <a:gd name="adj1" fmla="val 16704"/>
+              <a:gd name="adj2" fmla="val 38408"/>
+              <a:gd name="adj3" fmla="val 75985"/>
+              <a:gd name="adj4" fmla="val 82644"/>
+            </a:avLst>
+          </a:prstGeom>
+        </p:spPr>
+        <p:style>
+          <a:lnRef idx="2">
+            <a:schemeClr val="accent1">
+              <a:shade val="15000"/>
+            </a:schemeClr>
+          </a:lnRef>
+          <a:fillRef idx="1">
+            <a:schemeClr val="accent1"/>
+          </a:fillRef>
+          <a:effectRef idx="0">
+            <a:schemeClr val="accent1"/>
+          </a:effectRef>
+          <a:fontRef idx="minor">
+            <a:schemeClr val="lt1"/>
+          </a:fontRef>
+        </p:style>
+        <p:txBody>
+          <a:bodyPr rtlCol="0" anchor="ctr"/>
+          <a:lstStyle/>
+          <a:p>
+            <a:pPr algn="ctr"/>
+            <a:r>
+              <a:rPr lang="en-US" dirty="0"/>
+              <a:t>Number of previous math courses: 1, 2, 3, …</a:t>
+            </a:r>
+          </a:p>
+        </p:txBody>
+      </p:sp>
+      <p:sp>
+        <p:nvSpPr>
+          <p:cNvPr id="49" name="Callout: Left Arrow 48">
+            <a:extLst>
+              <a:ext uri="{FF2B5EF4-FFF2-40B4-BE49-F238E27FC236}">
+                <a16:creationId xmlns:a16="http://schemas.microsoft.com/office/drawing/2014/main" id="{789B6CCB-6B31-471B-D8C5-F9312BA4648A}"/>
+              </a:ext>
+            </a:extLst>
+          </p:cNvPr>
+          <p:cNvSpPr/>
+          <p:nvPr/>
+        </p:nvSpPr>
+        <p:spPr>
+          <a:xfrm>
+            <a:off x="2524346" y="5403995"/>
+            <a:ext cx="6816359" cy="366739"/>
+          </a:xfrm>
+          <a:prstGeom prst="leftArrowCallout">
+            <a:avLst>
+              <a:gd name="adj1" fmla="val 16704"/>
+              <a:gd name="adj2" fmla="val 38408"/>
+              <a:gd name="adj3" fmla="val 75985"/>
+              <a:gd name="adj4" fmla="val 82644"/>
+            </a:avLst>
+          </a:prstGeom>
+        </p:spPr>
+        <p:style>
+          <a:lnRef idx="2">
+            <a:schemeClr val="accent1">
+              <a:shade val="15000"/>
+            </a:schemeClr>
+          </a:lnRef>
+          <a:fillRef idx="1">
+            <a:schemeClr val="accent1"/>
+          </a:fillRef>
+          <a:effectRef idx="0">
+            <a:schemeClr val="accent1"/>
+          </a:effectRef>
+          <a:fontRef idx="minor">
+            <a:schemeClr val="lt1"/>
+          </a:fontRef>
+        </p:style>
+        <p:txBody>
+          <a:bodyPr rtlCol="0" anchor="ctr"/>
+          <a:lstStyle/>
+          <a:p>
+            <a:pPr algn="ctr"/>
+            <a:r>
+              <a:rPr lang="en-US" dirty="0"/>
+              <a:t>Background math quiz score (15 are missing)</a:t>
+            </a:r>
+          </a:p>
+        </p:txBody>
+      </p:sp>
+      <p:sp>
+        <p:nvSpPr>
+          <p:cNvPr id="50" name="Callout: Left Arrow 49">
+            <a:extLst>
+              <a:ext uri="{FF2B5EF4-FFF2-40B4-BE49-F238E27FC236}">
+                <a16:creationId xmlns:a16="http://schemas.microsoft.com/office/drawing/2014/main" id="{0A36CC75-1A6D-D9B4-2691-C148812AB87B}"/>
+              </a:ext>
+            </a:extLst>
+          </p:cNvPr>
+          <p:cNvSpPr/>
+          <p:nvPr/>
+        </p:nvSpPr>
+        <p:spPr>
+          <a:xfrm>
+            <a:off x="2524346" y="5913243"/>
+            <a:ext cx="6816359" cy="366739"/>
+          </a:xfrm>
+          <a:prstGeom prst="leftArrowCallout">
+            <a:avLst>
+              <a:gd name="adj1" fmla="val 16704"/>
+              <a:gd name="adj2" fmla="val 38408"/>
+              <a:gd name="adj3" fmla="val 75985"/>
+              <a:gd name="adj4" fmla="val 82644"/>
+            </a:avLst>
+          </a:prstGeom>
+        </p:spPr>
+        <p:style>
+          <a:lnRef idx="2">
+            <a:schemeClr val="accent1">
+              <a:shade val="15000"/>
+            </a:schemeClr>
+          </a:lnRef>
+          <a:fillRef idx="1">
+            <a:schemeClr val="accent1"/>
+          </a:fillRef>
+          <a:effectRef idx="0">
+            <a:schemeClr val="accent1"/>
+          </a:effectRef>
+          <a:fontRef idx="minor">
+            <a:schemeClr val="lt1"/>
+          </a:fontRef>
+        </p:style>
+        <p:txBody>
+          <a:bodyPr rtlCol="0" anchor="ctr"/>
+          <a:lstStyle/>
+          <a:p>
+            <a:pPr algn="ctr"/>
+            <a:r>
+              <a:rPr lang="en-US" sz="1800" dirty="0">
+                <a:ea typeface="Consolas" charset="0"/>
+                <a:cs typeface="Consolas" charset="0"/>
+              </a:rPr>
+              <a:t>Self rating of math phobia (0 = none, 10 = extreme)</a:t>
+            </a:r>
+            <a:endParaRPr lang="en-US" dirty="0"/>
+          </a:p>
+        </p:txBody>
+      </p:sp>
+      <p:sp>
+        <p:nvSpPr>
+          <p:cNvPr id="6" name="TextBox 5">
+            <a:extLst>
+              <a:ext uri="{FF2B5EF4-FFF2-40B4-BE49-F238E27FC236}">
+                <a16:creationId xmlns:a16="http://schemas.microsoft.com/office/drawing/2014/main" id="{F85EB00B-0956-5E05-5901-0526EF645AE9}"/>
+              </a:ext>
+            </a:extLst>
+          </p:cNvPr>
+          <p:cNvSpPr txBox="1"/>
+          <p:nvPr/>
+        </p:nvSpPr>
+        <p:spPr>
+          <a:xfrm>
+            <a:off x="3172806" y="1799431"/>
+            <a:ext cx="8350500" cy="923330"/>
+          </a:xfrm>
+          <a:prstGeom prst="rect">
+            <a:avLst/>
+          </a:prstGeom>
+          <a:noFill/>
         </p:spPr>
         <p:txBody>
-          <a:bodyPr>
-            <a:normAutofit lnSpcReduction="10000"/>
+          <a:bodyPr wrap="square">
+            <a:spAutoFit/>
           </a:bodyPr>
           <a:lstStyle/>
           <a:p>
             <a:r>
-              <a:rPr lang="en-US" sz="2400" dirty="0" err="1">
+              <a:rPr lang="en-US" sz="1800" dirty="0" err="1">
                 <a:latin typeface="Consolas" charset="0"/>
                 <a:ea typeface="Consolas" charset="0"/>
                 <a:cs typeface="Consolas" charset="0"/>
@@ -7494,7 +10200,7 @@
               <a:t>Ihno</a:t>
             </a:r>
             <a:r>
-              <a:rPr lang="en-US" sz="2400" dirty="0">
+              <a:rPr lang="en-US" sz="1800" dirty="0">
                 <a:latin typeface="Consolas" charset="0"/>
                 <a:ea typeface="Consolas" charset="0"/>
                 <a:cs typeface="Consolas" charset="0"/>
@@ -7503,8 +10209,52 @@
             </a:r>
           </a:p>
           <a:p>
-            <a:r>
-              <a:rPr lang="en-US" sz="2400" dirty="0">
+            <a:endParaRPr lang="en-US" sz="1800" dirty="0">
+              <a:latin typeface="Consolas" charset="0"/>
+              <a:ea typeface="Consolas" charset="0"/>
+              <a:cs typeface="Consolas" charset="0"/>
+            </a:endParaRPr>
+          </a:p>
+          <a:p>
+            <a:endParaRPr lang="en-US" sz="1800" dirty="0">
+              <a:latin typeface="Consolas" charset="0"/>
+              <a:ea typeface="Consolas" charset="0"/>
+              <a:cs typeface="Consolas" charset="0"/>
+            </a:endParaRPr>
+          </a:p>
+        </p:txBody>
+      </p:sp>
+      <p:sp>
+        <p:nvSpPr>
+          <p:cNvPr id="8" name="TextBox 7">
+            <a:extLst>
+              <a:ext uri="{FF2B5EF4-FFF2-40B4-BE49-F238E27FC236}">
+                <a16:creationId xmlns:a16="http://schemas.microsoft.com/office/drawing/2014/main" id="{A248C1EA-F8E1-5A98-B7F7-C2643E25836A}"/>
+              </a:ext>
+            </a:extLst>
+          </p:cNvPr>
+          <p:cNvSpPr txBox="1"/>
+          <p:nvPr/>
+        </p:nvSpPr>
+        <p:spPr>
+          <a:xfrm>
+            <a:off x="9824458" y="2953165"/>
+            <a:ext cx="1961761" cy="2308324"/>
+          </a:xfrm>
+          <a:prstGeom prst="rect">
+            <a:avLst/>
+          </a:prstGeom>
+          <a:noFill/>
+        </p:spPr>
+        <p:txBody>
+          <a:bodyPr wrap="square">
+            <a:spAutoFit/>
+          </a:bodyPr>
+          <a:lstStyle/>
+          <a:p>
+            <a:pPr algn="ctr"/>
+            <a:r>
+              <a:rPr lang="en-US" sz="1800" dirty="0">
                 <a:latin typeface="Consolas" charset="0"/>
                 <a:ea typeface="Consolas" charset="0"/>
                 <a:cs typeface="Consolas" charset="0"/>
@@ -7512,124 +10262,786 @@
               <a:t>100 participants enrolled in those sections &amp; voluntarily consented to participate (IRB)</a:t>
             </a:r>
           </a:p>
-          <a:p>
-            <a:r>
-              <a:rPr lang="en-US" sz="2400" dirty="0">
-                <a:latin typeface="Consolas" charset="0"/>
-                <a:ea typeface="Consolas" charset="0"/>
-                <a:cs typeface="Consolas" charset="0"/>
-              </a:rPr>
-              <a:t>Data collected on FIRST day of class</a:t>
-            </a:r>
-          </a:p>
-          <a:p>
-            <a:pPr marL="516636" lvl="1" indent="-342900"/>
-            <a:r>
-              <a:rPr lang="en-US" sz="2000" dirty="0">
-                <a:latin typeface="Consolas" charset="0"/>
-                <a:ea typeface="Consolas" charset="0"/>
-                <a:cs typeface="Consolas" charset="0"/>
-              </a:rPr>
-              <a:t>Background questionnaire: contact info, gender, major, why enrolled, coffee drinking habit, # math classes completed</a:t>
-            </a:r>
-          </a:p>
-          <a:p>
-            <a:pPr marL="516636" lvl="1" indent="-342900"/>
-            <a:r>
-              <a:rPr lang="en-US" sz="2000" dirty="0">
-                <a:latin typeface="Consolas" charset="0"/>
-                <a:ea typeface="Consolas" charset="0"/>
-                <a:cs typeface="Consolas" charset="0"/>
-              </a:rPr>
-              <a:t>Required math placement/diagnostic quiz score (prior to registering)</a:t>
-            </a:r>
-          </a:p>
-          <a:p>
-            <a:pPr marL="516636" lvl="1" indent="-342900"/>
-            <a:r>
-              <a:rPr lang="en-US" sz="2000" dirty="0">
-                <a:latin typeface="Consolas" charset="0"/>
-                <a:ea typeface="Consolas" charset="0"/>
-                <a:cs typeface="Consolas" charset="0"/>
-              </a:rPr>
-              <a:t>Self rating of math phobia (0-10)</a:t>
-            </a:r>
-          </a:p>
-          <a:p>
-            <a:pPr marL="516636" lvl="1" indent="-342900"/>
-            <a:r>
-              <a:rPr lang="en-US" sz="2000" dirty="0">
-                <a:latin typeface="Consolas" charset="0"/>
-                <a:ea typeface="Consolas" charset="0"/>
-                <a:cs typeface="Consolas" charset="0"/>
-              </a:rPr>
-              <a:t>Some registered late </a:t>
-            </a:r>
-            <a:r>
-              <a:rPr lang="en-US" sz="2000" dirty="0">
-                <a:latin typeface="Consolas" charset="0"/>
-                <a:ea typeface="Consolas" charset="0"/>
-                <a:cs typeface="Consolas" charset="0"/>
-                <a:sym typeface="Wingdings" panose="05000000000000000000" pitchFamily="2" charset="2"/>
-              </a:rPr>
-              <a:t> some data missing … how do you deal with that ?</a:t>
-            </a:r>
-          </a:p>
-          <a:p>
-            <a:r>
-              <a:rPr lang="en-US" sz="2400" dirty="0">
-                <a:latin typeface="Consolas" charset="0"/>
-                <a:ea typeface="Consolas" charset="0"/>
-                <a:cs typeface="Consolas" charset="0"/>
-              </a:rPr>
-              <a:t>Data collected a week before the experiment</a:t>
-            </a:r>
-          </a:p>
-          <a:p>
-            <a:pPr marL="516636" lvl="1" indent="-342900"/>
-            <a:r>
-              <a:rPr lang="en-US" sz="2000" dirty="0">
-                <a:latin typeface="Consolas" charset="0"/>
-                <a:ea typeface="Consolas" charset="0"/>
-                <a:cs typeface="Consolas" charset="0"/>
-              </a:rPr>
-              <a:t>Regular 10-question quiz score</a:t>
-            </a:r>
-          </a:p>
-          <a:p>
-            <a:pPr marL="516636" lvl="1" indent="-342900">
-              <a:buFont typeface="Wingdings" panose="05000000000000000000" pitchFamily="2" charset="2"/>
-              <a:buChar char="v"/>
-            </a:pPr>
-            <a:endParaRPr lang="en-US" sz="2000" dirty="0">
-              <a:latin typeface="Consolas" charset="0"/>
-              <a:ea typeface="Consolas" charset="0"/>
-              <a:cs typeface="Consolas" charset="0"/>
-            </a:endParaRPr>
-          </a:p>
-          <a:p>
-            <a:pPr marL="516636" lvl="1" indent="-342900">
-              <a:buFont typeface="Wingdings" panose="05000000000000000000" pitchFamily="2" charset="2"/>
-              <a:buChar char="v"/>
-            </a:pPr>
-            <a:endParaRPr lang="en-US" sz="2000" dirty="0">
-              <a:latin typeface="Consolas" charset="0"/>
-              <a:ea typeface="Consolas" charset="0"/>
-              <a:cs typeface="Consolas" charset="0"/>
-            </a:endParaRPr>
-          </a:p>
         </p:txBody>
       </p:sp>
     </p:spTree>
     <p:extLst>
       <p:ext uri="{BB962C8B-B14F-4D97-AF65-F5344CB8AC3E}">
-        <p14:creationId xmlns:p14="http://schemas.microsoft.com/office/powerpoint/2010/main" val="2615391052"/>
+        <p14:creationId xmlns:p14="http://schemas.microsoft.com/office/powerpoint/2010/main" val="2164852773"/>
       </p:ext>
     </p:extLst>
   </p:cSld>
   <p:clrMapOvr>
     <a:masterClrMapping/>
   </p:clrMapOvr>
+  <p:timing>
+    <p:tnLst>
+      <p:par>
+        <p:cTn id="1" dur="indefinite" restart="never" nodeType="tmRoot">
+          <p:childTnLst>
+            <p:seq concurrent="1" nextAc="seek">
+              <p:cTn id="2" dur="indefinite" nodeType="mainSeq">
+                <p:childTnLst>
+                  <p:par>
+                    <p:cTn id="3" fill="hold">
+                      <p:stCondLst>
+                        <p:cond delay="indefinite"/>
+                      </p:stCondLst>
+                      <p:childTnLst>
+                        <p:par>
+                          <p:cTn id="4" fill="hold">
+                            <p:stCondLst>
+                              <p:cond delay="0"/>
+                            </p:stCondLst>
+                            <p:childTnLst>
+                              <p:par>
+                                <p:cTn id="5" presetID="2" presetClass="entr" presetSubtype="2" fill="hold" grpId="0" nodeType="clickEffect">
+                                  <p:stCondLst>
+                                    <p:cond delay="0"/>
+                                  </p:stCondLst>
+                                  <p:childTnLst>
+                                    <p:set>
+                                      <p:cBhvr>
+                                        <p:cTn id="6" dur="1" fill="hold">
+                                          <p:stCondLst>
+                                            <p:cond delay="0"/>
+                                          </p:stCondLst>
+                                        </p:cTn>
+                                        <p:tgtEl>
+                                          <p:spTgt spid="42"/>
+                                        </p:tgtEl>
+                                        <p:attrNameLst>
+                                          <p:attrName>style.visibility</p:attrName>
+                                        </p:attrNameLst>
+                                      </p:cBhvr>
+                                      <p:to>
+                                        <p:strVal val="visible"/>
+                                      </p:to>
+                                    </p:set>
+                                    <p:anim calcmode="lin" valueType="num">
+                                      <p:cBhvr additive="base">
+                                        <p:cTn id="7" dur="500" fill="hold"/>
+                                        <p:tgtEl>
+                                          <p:spTgt spid="42"/>
+                                        </p:tgtEl>
+                                        <p:attrNameLst>
+                                          <p:attrName>ppt_x</p:attrName>
+                                        </p:attrNameLst>
+                                      </p:cBhvr>
+                                      <p:tavLst>
+                                        <p:tav tm="0">
+                                          <p:val>
+                                            <p:strVal val="1+#ppt_w/2"/>
+                                          </p:val>
+                                        </p:tav>
+                                        <p:tav tm="100000">
+                                          <p:val>
+                                            <p:strVal val="#ppt_x"/>
+                                          </p:val>
+                                        </p:tav>
+                                      </p:tavLst>
+                                    </p:anim>
+                                    <p:anim calcmode="lin" valueType="num">
+                                      <p:cBhvr additive="base">
+                                        <p:cTn id="8" dur="500" fill="hold"/>
+                                        <p:tgtEl>
+                                          <p:spTgt spid="42"/>
+                                        </p:tgtEl>
+                                        <p:attrNameLst>
+                                          <p:attrName>ppt_y</p:attrName>
+                                        </p:attrNameLst>
+                                      </p:cBhvr>
+                                      <p:tavLst>
+                                        <p:tav tm="0">
+                                          <p:val>
+                                            <p:strVal val="#ppt_y"/>
+                                          </p:val>
+                                        </p:tav>
+                                        <p:tav tm="100000">
+                                          <p:val>
+                                            <p:strVal val="#ppt_y"/>
+                                          </p:val>
+                                        </p:tav>
+                                      </p:tavLst>
+                                    </p:anim>
+                                  </p:childTnLst>
+                                </p:cTn>
+                              </p:par>
+                            </p:childTnLst>
+                          </p:cTn>
+                        </p:par>
+                      </p:childTnLst>
+                    </p:cTn>
+                  </p:par>
+                  <p:par>
+                    <p:cTn id="9" fill="hold">
+                      <p:stCondLst>
+                        <p:cond delay="indefinite"/>
+                      </p:stCondLst>
+                      <p:childTnLst>
+                        <p:par>
+                          <p:cTn id="10" fill="hold">
+                            <p:stCondLst>
+                              <p:cond delay="0"/>
+                            </p:stCondLst>
+                            <p:childTnLst>
+                              <p:par>
+                                <p:cTn id="11" presetID="2" presetClass="entr" presetSubtype="2" fill="hold" grpId="0" nodeType="clickEffect">
+                                  <p:stCondLst>
+                                    <p:cond delay="0"/>
+                                  </p:stCondLst>
+                                  <p:childTnLst>
+                                    <p:set>
+                                      <p:cBhvr>
+                                        <p:cTn id="12" dur="1" fill="hold">
+                                          <p:stCondLst>
+                                            <p:cond delay="0"/>
+                                          </p:stCondLst>
+                                        </p:cTn>
+                                        <p:tgtEl>
+                                          <p:spTgt spid="44"/>
+                                        </p:tgtEl>
+                                        <p:attrNameLst>
+                                          <p:attrName>style.visibility</p:attrName>
+                                        </p:attrNameLst>
+                                      </p:cBhvr>
+                                      <p:to>
+                                        <p:strVal val="visible"/>
+                                      </p:to>
+                                    </p:set>
+                                    <p:anim calcmode="lin" valueType="num">
+                                      <p:cBhvr additive="base">
+                                        <p:cTn id="13" dur="500" fill="hold"/>
+                                        <p:tgtEl>
+                                          <p:spTgt spid="44"/>
+                                        </p:tgtEl>
+                                        <p:attrNameLst>
+                                          <p:attrName>ppt_x</p:attrName>
+                                        </p:attrNameLst>
+                                      </p:cBhvr>
+                                      <p:tavLst>
+                                        <p:tav tm="0">
+                                          <p:val>
+                                            <p:strVal val="1+#ppt_w/2"/>
+                                          </p:val>
+                                        </p:tav>
+                                        <p:tav tm="100000">
+                                          <p:val>
+                                            <p:strVal val="#ppt_x"/>
+                                          </p:val>
+                                        </p:tav>
+                                      </p:tavLst>
+                                    </p:anim>
+                                    <p:anim calcmode="lin" valueType="num">
+                                      <p:cBhvr additive="base">
+                                        <p:cTn id="14" dur="500" fill="hold"/>
+                                        <p:tgtEl>
+                                          <p:spTgt spid="44"/>
+                                        </p:tgtEl>
+                                        <p:attrNameLst>
+                                          <p:attrName>ppt_y</p:attrName>
+                                        </p:attrNameLst>
+                                      </p:cBhvr>
+                                      <p:tavLst>
+                                        <p:tav tm="0">
+                                          <p:val>
+                                            <p:strVal val="#ppt_y"/>
+                                          </p:val>
+                                        </p:tav>
+                                        <p:tav tm="100000">
+                                          <p:val>
+                                            <p:strVal val="#ppt_y"/>
+                                          </p:val>
+                                        </p:tav>
+                                      </p:tavLst>
+                                    </p:anim>
+                                  </p:childTnLst>
+                                </p:cTn>
+                              </p:par>
+                            </p:childTnLst>
+                          </p:cTn>
+                        </p:par>
+                      </p:childTnLst>
+                    </p:cTn>
+                  </p:par>
+                  <p:par>
+                    <p:cTn id="15" fill="hold">
+                      <p:stCondLst>
+                        <p:cond delay="indefinite"/>
+                      </p:stCondLst>
+                      <p:childTnLst>
+                        <p:par>
+                          <p:cTn id="16" fill="hold">
+                            <p:stCondLst>
+                              <p:cond delay="0"/>
+                            </p:stCondLst>
+                            <p:childTnLst>
+                              <p:par>
+                                <p:cTn id="17" presetID="2" presetClass="entr" presetSubtype="2" fill="hold" grpId="0" nodeType="clickEffect">
+                                  <p:stCondLst>
+                                    <p:cond delay="0"/>
+                                  </p:stCondLst>
+                                  <p:childTnLst>
+                                    <p:set>
+                                      <p:cBhvr>
+                                        <p:cTn id="18" dur="1" fill="hold">
+                                          <p:stCondLst>
+                                            <p:cond delay="0"/>
+                                          </p:stCondLst>
+                                        </p:cTn>
+                                        <p:tgtEl>
+                                          <p:spTgt spid="45"/>
+                                        </p:tgtEl>
+                                        <p:attrNameLst>
+                                          <p:attrName>style.visibility</p:attrName>
+                                        </p:attrNameLst>
+                                      </p:cBhvr>
+                                      <p:to>
+                                        <p:strVal val="visible"/>
+                                      </p:to>
+                                    </p:set>
+                                    <p:anim calcmode="lin" valueType="num">
+                                      <p:cBhvr additive="base">
+                                        <p:cTn id="19" dur="500" fill="hold"/>
+                                        <p:tgtEl>
+                                          <p:spTgt spid="45"/>
+                                        </p:tgtEl>
+                                        <p:attrNameLst>
+                                          <p:attrName>ppt_x</p:attrName>
+                                        </p:attrNameLst>
+                                      </p:cBhvr>
+                                      <p:tavLst>
+                                        <p:tav tm="0">
+                                          <p:val>
+                                            <p:strVal val="1+#ppt_w/2"/>
+                                          </p:val>
+                                        </p:tav>
+                                        <p:tav tm="100000">
+                                          <p:val>
+                                            <p:strVal val="#ppt_x"/>
+                                          </p:val>
+                                        </p:tav>
+                                      </p:tavLst>
+                                    </p:anim>
+                                    <p:anim calcmode="lin" valueType="num">
+                                      <p:cBhvr additive="base">
+                                        <p:cTn id="20" dur="500" fill="hold"/>
+                                        <p:tgtEl>
+                                          <p:spTgt spid="45"/>
+                                        </p:tgtEl>
+                                        <p:attrNameLst>
+                                          <p:attrName>ppt_y</p:attrName>
+                                        </p:attrNameLst>
+                                      </p:cBhvr>
+                                      <p:tavLst>
+                                        <p:tav tm="0">
+                                          <p:val>
+                                            <p:strVal val="#ppt_y"/>
+                                          </p:val>
+                                        </p:tav>
+                                        <p:tav tm="100000">
+                                          <p:val>
+                                            <p:strVal val="#ppt_y"/>
+                                          </p:val>
+                                        </p:tav>
+                                      </p:tavLst>
+                                    </p:anim>
+                                  </p:childTnLst>
+                                </p:cTn>
+                              </p:par>
+                            </p:childTnLst>
+                          </p:cTn>
+                        </p:par>
+                      </p:childTnLst>
+                    </p:cTn>
+                  </p:par>
+                  <p:par>
+                    <p:cTn id="21" fill="hold">
+                      <p:stCondLst>
+                        <p:cond delay="indefinite"/>
+                      </p:stCondLst>
+                      <p:childTnLst>
+                        <p:par>
+                          <p:cTn id="22" fill="hold">
+                            <p:stCondLst>
+                              <p:cond delay="0"/>
+                            </p:stCondLst>
+                            <p:childTnLst>
+                              <p:par>
+                                <p:cTn id="23" presetID="2" presetClass="entr" presetSubtype="2" fill="hold" grpId="0" nodeType="clickEffect">
+                                  <p:stCondLst>
+                                    <p:cond delay="0"/>
+                                  </p:stCondLst>
+                                  <p:childTnLst>
+                                    <p:set>
+                                      <p:cBhvr>
+                                        <p:cTn id="24" dur="1" fill="hold">
+                                          <p:stCondLst>
+                                            <p:cond delay="0"/>
+                                          </p:stCondLst>
+                                        </p:cTn>
+                                        <p:tgtEl>
+                                          <p:spTgt spid="46"/>
+                                        </p:tgtEl>
+                                        <p:attrNameLst>
+                                          <p:attrName>style.visibility</p:attrName>
+                                        </p:attrNameLst>
+                                      </p:cBhvr>
+                                      <p:to>
+                                        <p:strVal val="visible"/>
+                                      </p:to>
+                                    </p:set>
+                                    <p:anim calcmode="lin" valueType="num">
+                                      <p:cBhvr additive="base">
+                                        <p:cTn id="25" dur="500" fill="hold"/>
+                                        <p:tgtEl>
+                                          <p:spTgt spid="46"/>
+                                        </p:tgtEl>
+                                        <p:attrNameLst>
+                                          <p:attrName>ppt_x</p:attrName>
+                                        </p:attrNameLst>
+                                      </p:cBhvr>
+                                      <p:tavLst>
+                                        <p:tav tm="0">
+                                          <p:val>
+                                            <p:strVal val="1+#ppt_w/2"/>
+                                          </p:val>
+                                        </p:tav>
+                                        <p:tav tm="100000">
+                                          <p:val>
+                                            <p:strVal val="#ppt_x"/>
+                                          </p:val>
+                                        </p:tav>
+                                      </p:tavLst>
+                                    </p:anim>
+                                    <p:anim calcmode="lin" valueType="num">
+                                      <p:cBhvr additive="base">
+                                        <p:cTn id="26" dur="500" fill="hold"/>
+                                        <p:tgtEl>
+                                          <p:spTgt spid="46"/>
+                                        </p:tgtEl>
+                                        <p:attrNameLst>
+                                          <p:attrName>ppt_y</p:attrName>
+                                        </p:attrNameLst>
+                                      </p:cBhvr>
+                                      <p:tavLst>
+                                        <p:tav tm="0">
+                                          <p:val>
+                                            <p:strVal val="#ppt_y"/>
+                                          </p:val>
+                                        </p:tav>
+                                        <p:tav tm="100000">
+                                          <p:val>
+                                            <p:strVal val="#ppt_y"/>
+                                          </p:val>
+                                        </p:tav>
+                                      </p:tavLst>
+                                    </p:anim>
+                                  </p:childTnLst>
+                                </p:cTn>
+                              </p:par>
+                            </p:childTnLst>
+                          </p:cTn>
+                        </p:par>
+                      </p:childTnLst>
+                    </p:cTn>
+                  </p:par>
+                  <p:par>
+                    <p:cTn id="27" fill="hold">
+                      <p:stCondLst>
+                        <p:cond delay="indefinite"/>
+                      </p:stCondLst>
+                      <p:childTnLst>
+                        <p:par>
+                          <p:cTn id="28" fill="hold">
+                            <p:stCondLst>
+                              <p:cond delay="0"/>
+                            </p:stCondLst>
+                            <p:childTnLst>
+                              <p:par>
+                                <p:cTn id="29" presetID="2" presetClass="entr" presetSubtype="2" fill="hold" grpId="0" nodeType="clickEffect">
+                                  <p:stCondLst>
+                                    <p:cond delay="0"/>
+                                  </p:stCondLst>
+                                  <p:childTnLst>
+                                    <p:set>
+                                      <p:cBhvr>
+                                        <p:cTn id="30" dur="1" fill="hold">
+                                          <p:stCondLst>
+                                            <p:cond delay="0"/>
+                                          </p:stCondLst>
+                                        </p:cTn>
+                                        <p:tgtEl>
+                                          <p:spTgt spid="47"/>
+                                        </p:tgtEl>
+                                        <p:attrNameLst>
+                                          <p:attrName>style.visibility</p:attrName>
+                                        </p:attrNameLst>
+                                      </p:cBhvr>
+                                      <p:to>
+                                        <p:strVal val="visible"/>
+                                      </p:to>
+                                    </p:set>
+                                    <p:anim calcmode="lin" valueType="num">
+                                      <p:cBhvr additive="base">
+                                        <p:cTn id="31" dur="500" fill="hold"/>
+                                        <p:tgtEl>
+                                          <p:spTgt spid="47"/>
+                                        </p:tgtEl>
+                                        <p:attrNameLst>
+                                          <p:attrName>ppt_x</p:attrName>
+                                        </p:attrNameLst>
+                                      </p:cBhvr>
+                                      <p:tavLst>
+                                        <p:tav tm="0">
+                                          <p:val>
+                                            <p:strVal val="1+#ppt_w/2"/>
+                                          </p:val>
+                                        </p:tav>
+                                        <p:tav tm="100000">
+                                          <p:val>
+                                            <p:strVal val="#ppt_x"/>
+                                          </p:val>
+                                        </p:tav>
+                                      </p:tavLst>
+                                    </p:anim>
+                                    <p:anim calcmode="lin" valueType="num">
+                                      <p:cBhvr additive="base">
+                                        <p:cTn id="32" dur="500" fill="hold"/>
+                                        <p:tgtEl>
+                                          <p:spTgt spid="47"/>
+                                        </p:tgtEl>
+                                        <p:attrNameLst>
+                                          <p:attrName>ppt_y</p:attrName>
+                                        </p:attrNameLst>
+                                      </p:cBhvr>
+                                      <p:tavLst>
+                                        <p:tav tm="0">
+                                          <p:val>
+                                            <p:strVal val="#ppt_y"/>
+                                          </p:val>
+                                        </p:tav>
+                                        <p:tav tm="100000">
+                                          <p:val>
+                                            <p:strVal val="#ppt_y"/>
+                                          </p:val>
+                                        </p:tav>
+                                      </p:tavLst>
+                                    </p:anim>
+                                  </p:childTnLst>
+                                </p:cTn>
+                              </p:par>
+                            </p:childTnLst>
+                          </p:cTn>
+                        </p:par>
+                      </p:childTnLst>
+                    </p:cTn>
+                  </p:par>
+                  <p:par>
+                    <p:cTn id="33" fill="hold">
+                      <p:stCondLst>
+                        <p:cond delay="indefinite"/>
+                      </p:stCondLst>
+                      <p:childTnLst>
+                        <p:par>
+                          <p:cTn id="34" fill="hold">
+                            <p:stCondLst>
+                              <p:cond delay="0"/>
+                            </p:stCondLst>
+                            <p:childTnLst>
+                              <p:par>
+                                <p:cTn id="35" presetID="2" presetClass="entr" presetSubtype="2" fill="hold" grpId="0" nodeType="clickEffect">
+                                  <p:stCondLst>
+                                    <p:cond delay="0"/>
+                                  </p:stCondLst>
+                                  <p:childTnLst>
+                                    <p:set>
+                                      <p:cBhvr>
+                                        <p:cTn id="36" dur="1" fill="hold">
+                                          <p:stCondLst>
+                                            <p:cond delay="0"/>
+                                          </p:stCondLst>
+                                        </p:cTn>
+                                        <p:tgtEl>
+                                          <p:spTgt spid="48"/>
+                                        </p:tgtEl>
+                                        <p:attrNameLst>
+                                          <p:attrName>style.visibility</p:attrName>
+                                        </p:attrNameLst>
+                                      </p:cBhvr>
+                                      <p:to>
+                                        <p:strVal val="visible"/>
+                                      </p:to>
+                                    </p:set>
+                                    <p:anim calcmode="lin" valueType="num">
+                                      <p:cBhvr additive="base">
+                                        <p:cTn id="37" dur="500" fill="hold"/>
+                                        <p:tgtEl>
+                                          <p:spTgt spid="48"/>
+                                        </p:tgtEl>
+                                        <p:attrNameLst>
+                                          <p:attrName>ppt_x</p:attrName>
+                                        </p:attrNameLst>
+                                      </p:cBhvr>
+                                      <p:tavLst>
+                                        <p:tav tm="0">
+                                          <p:val>
+                                            <p:strVal val="1+#ppt_w/2"/>
+                                          </p:val>
+                                        </p:tav>
+                                        <p:tav tm="100000">
+                                          <p:val>
+                                            <p:strVal val="#ppt_x"/>
+                                          </p:val>
+                                        </p:tav>
+                                      </p:tavLst>
+                                    </p:anim>
+                                    <p:anim calcmode="lin" valueType="num">
+                                      <p:cBhvr additive="base">
+                                        <p:cTn id="38" dur="500" fill="hold"/>
+                                        <p:tgtEl>
+                                          <p:spTgt spid="48"/>
+                                        </p:tgtEl>
+                                        <p:attrNameLst>
+                                          <p:attrName>ppt_y</p:attrName>
+                                        </p:attrNameLst>
+                                      </p:cBhvr>
+                                      <p:tavLst>
+                                        <p:tav tm="0">
+                                          <p:val>
+                                            <p:strVal val="#ppt_y"/>
+                                          </p:val>
+                                        </p:tav>
+                                        <p:tav tm="100000">
+                                          <p:val>
+                                            <p:strVal val="#ppt_y"/>
+                                          </p:val>
+                                        </p:tav>
+                                      </p:tavLst>
+                                    </p:anim>
+                                  </p:childTnLst>
+                                </p:cTn>
+                              </p:par>
+                            </p:childTnLst>
+                          </p:cTn>
+                        </p:par>
+                      </p:childTnLst>
+                    </p:cTn>
+                  </p:par>
+                  <p:par>
+                    <p:cTn id="39" fill="hold">
+                      <p:stCondLst>
+                        <p:cond delay="indefinite"/>
+                      </p:stCondLst>
+                      <p:childTnLst>
+                        <p:par>
+                          <p:cTn id="40" fill="hold">
+                            <p:stCondLst>
+                              <p:cond delay="0"/>
+                            </p:stCondLst>
+                            <p:childTnLst>
+                              <p:par>
+                                <p:cTn id="41" presetID="2" presetClass="entr" presetSubtype="2" fill="hold" grpId="0" nodeType="clickEffect">
+                                  <p:stCondLst>
+                                    <p:cond delay="0"/>
+                                  </p:stCondLst>
+                                  <p:childTnLst>
+                                    <p:set>
+                                      <p:cBhvr>
+                                        <p:cTn id="42" dur="1" fill="hold">
+                                          <p:stCondLst>
+                                            <p:cond delay="0"/>
+                                          </p:stCondLst>
+                                        </p:cTn>
+                                        <p:tgtEl>
+                                          <p:spTgt spid="49"/>
+                                        </p:tgtEl>
+                                        <p:attrNameLst>
+                                          <p:attrName>style.visibility</p:attrName>
+                                        </p:attrNameLst>
+                                      </p:cBhvr>
+                                      <p:to>
+                                        <p:strVal val="visible"/>
+                                      </p:to>
+                                    </p:set>
+                                    <p:anim calcmode="lin" valueType="num">
+                                      <p:cBhvr additive="base">
+                                        <p:cTn id="43" dur="500" fill="hold"/>
+                                        <p:tgtEl>
+                                          <p:spTgt spid="49"/>
+                                        </p:tgtEl>
+                                        <p:attrNameLst>
+                                          <p:attrName>ppt_x</p:attrName>
+                                        </p:attrNameLst>
+                                      </p:cBhvr>
+                                      <p:tavLst>
+                                        <p:tav tm="0">
+                                          <p:val>
+                                            <p:strVal val="1+#ppt_w/2"/>
+                                          </p:val>
+                                        </p:tav>
+                                        <p:tav tm="100000">
+                                          <p:val>
+                                            <p:strVal val="#ppt_x"/>
+                                          </p:val>
+                                        </p:tav>
+                                      </p:tavLst>
+                                    </p:anim>
+                                    <p:anim calcmode="lin" valueType="num">
+                                      <p:cBhvr additive="base">
+                                        <p:cTn id="44" dur="500" fill="hold"/>
+                                        <p:tgtEl>
+                                          <p:spTgt spid="49"/>
+                                        </p:tgtEl>
+                                        <p:attrNameLst>
+                                          <p:attrName>ppt_y</p:attrName>
+                                        </p:attrNameLst>
+                                      </p:cBhvr>
+                                      <p:tavLst>
+                                        <p:tav tm="0">
+                                          <p:val>
+                                            <p:strVal val="#ppt_y"/>
+                                          </p:val>
+                                        </p:tav>
+                                        <p:tav tm="100000">
+                                          <p:val>
+                                            <p:strVal val="#ppt_y"/>
+                                          </p:val>
+                                        </p:tav>
+                                      </p:tavLst>
+                                    </p:anim>
+                                  </p:childTnLst>
+                                </p:cTn>
+                              </p:par>
+                            </p:childTnLst>
+                          </p:cTn>
+                        </p:par>
+                      </p:childTnLst>
+                    </p:cTn>
+                  </p:par>
+                  <p:par>
+                    <p:cTn id="45" fill="hold">
+                      <p:stCondLst>
+                        <p:cond delay="indefinite"/>
+                      </p:stCondLst>
+                      <p:childTnLst>
+                        <p:par>
+                          <p:cTn id="46" fill="hold">
+                            <p:stCondLst>
+                              <p:cond delay="0"/>
+                            </p:stCondLst>
+                            <p:childTnLst>
+                              <p:par>
+                                <p:cTn id="47" presetID="2" presetClass="entr" presetSubtype="2" fill="hold" grpId="0" nodeType="clickEffect">
+                                  <p:stCondLst>
+                                    <p:cond delay="0"/>
+                                  </p:stCondLst>
+                                  <p:childTnLst>
+                                    <p:set>
+                                      <p:cBhvr>
+                                        <p:cTn id="48" dur="1" fill="hold">
+                                          <p:stCondLst>
+                                            <p:cond delay="0"/>
+                                          </p:stCondLst>
+                                        </p:cTn>
+                                        <p:tgtEl>
+                                          <p:spTgt spid="50"/>
+                                        </p:tgtEl>
+                                        <p:attrNameLst>
+                                          <p:attrName>style.visibility</p:attrName>
+                                        </p:attrNameLst>
+                                      </p:cBhvr>
+                                      <p:to>
+                                        <p:strVal val="visible"/>
+                                      </p:to>
+                                    </p:set>
+                                    <p:anim calcmode="lin" valueType="num">
+                                      <p:cBhvr additive="base">
+                                        <p:cTn id="49" dur="500" fill="hold"/>
+                                        <p:tgtEl>
+                                          <p:spTgt spid="50"/>
+                                        </p:tgtEl>
+                                        <p:attrNameLst>
+                                          <p:attrName>ppt_x</p:attrName>
+                                        </p:attrNameLst>
+                                      </p:cBhvr>
+                                      <p:tavLst>
+                                        <p:tav tm="0">
+                                          <p:val>
+                                            <p:strVal val="1+#ppt_w/2"/>
+                                          </p:val>
+                                        </p:tav>
+                                        <p:tav tm="100000">
+                                          <p:val>
+                                            <p:strVal val="#ppt_x"/>
+                                          </p:val>
+                                        </p:tav>
+                                      </p:tavLst>
+                                    </p:anim>
+                                    <p:anim calcmode="lin" valueType="num">
+                                      <p:cBhvr additive="base">
+                                        <p:cTn id="50" dur="500" fill="hold"/>
+                                        <p:tgtEl>
+                                          <p:spTgt spid="50"/>
+                                        </p:tgtEl>
+                                        <p:attrNameLst>
+                                          <p:attrName>ppt_y</p:attrName>
+                                        </p:attrNameLst>
+                                      </p:cBhvr>
+                                      <p:tavLst>
+                                        <p:tav tm="0">
+                                          <p:val>
+                                            <p:strVal val="#ppt_y"/>
+                                          </p:val>
+                                        </p:tav>
+                                        <p:tav tm="100000">
+                                          <p:val>
+                                            <p:strVal val="#ppt_y"/>
+                                          </p:val>
+                                        </p:tav>
+                                      </p:tavLst>
+                                    </p:anim>
+                                  </p:childTnLst>
+                                </p:cTn>
+                              </p:par>
+                            </p:childTnLst>
+                          </p:cTn>
+                        </p:par>
+                      </p:childTnLst>
+                    </p:cTn>
+                  </p:par>
+                </p:childTnLst>
+              </p:cTn>
+              <p:prevCondLst>
+                <p:cond evt="onPrev" delay="0">
+                  <p:tgtEl>
+                    <p:sldTgt/>
+                  </p:tgtEl>
+                </p:cond>
+              </p:prevCondLst>
+              <p:nextCondLst>
+                <p:cond evt="onNext" delay="0">
+                  <p:tgtEl>
+                    <p:sldTgt/>
+                  </p:tgtEl>
+                </p:cond>
+              </p:nextCondLst>
+            </p:seq>
+          </p:childTnLst>
+        </p:cTn>
+      </p:par>
+    </p:tnLst>
+    <p:bldLst>
+      <p:bldP spid="42" grpId="0" animBg="1"/>
+      <p:bldP spid="44" grpId="0" animBg="1"/>
+      <p:bldP spid="45" grpId="0" animBg="1"/>
+      <p:bldP spid="46" grpId="0" animBg="1"/>
+      <p:bldP spid="47" grpId="0" animBg="1"/>
+      <p:bldP spid="48" grpId="0" animBg="1"/>
+      <p:bldP spid="49" grpId="0" animBg="1"/>
+      <p:bldP spid="50" grpId="0" animBg="1"/>
+    </p:bldLst>
+  </p:timing>
 </p:sld>
 </file>
 
@@ -7652,7 +11064,13 @@
       </p:grpSpPr>
       <p:sp>
         <p:nvSpPr>
-          <p:cNvPr id="2" name="Title 1"/>
+          <p:cNvPr id="2" name="Title 1">
+            <a:extLst>
+              <a:ext uri="{FF2B5EF4-FFF2-40B4-BE49-F238E27FC236}">
+                <a16:creationId xmlns:a16="http://schemas.microsoft.com/office/drawing/2014/main" id="{A77CB483-2190-6D14-937E-8D34E1EFC865}"/>
+              </a:ext>
+            </a:extLst>
+          </p:cNvPr>
           <p:cNvSpPr>
             <a:spLocks noGrp="1"/>
           </p:cNvSpPr>
@@ -7662,21 +11080,22 @@
         </p:nvSpPr>
         <p:spPr>
           <a:xfrm>
-            <a:off x="681228" y="301625"/>
-            <a:ext cx="10515600" cy="1325563"/>
+            <a:off x="838200" y="365125"/>
+            <a:ext cx="10515600" cy="1000513"/>
           </a:xfrm>
         </p:spPr>
         <p:txBody>
           <a:bodyPr/>
           <a:lstStyle/>
           <a:p>
+            <a:pPr algn="ctr"/>
             <a:r>
               <a:rPr lang="en-US" dirty="0" err="1">
                 <a:latin typeface="Consolas" charset="0"/>
                 <a:ea typeface="Consolas" charset="0"/>
                 <a:cs typeface="Consolas" charset="0"/>
               </a:rPr>
-              <a:t>Ihno’s</a:t>
+              <a:t>Ihno</a:t>
             </a:r>
             <a:r>
               <a:rPr lang="en-US" dirty="0">
@@ -7684,15 +11103,868 @@
                 <a:ea typeface="Consolas" charset="0"/>
                 <a:cs typeface="Consolas" charset="0"/>
               </a:rPr>
-              <a:t> (</a:t>
-            </a:r>
+              <a:t>: Week Prior to Experiment</a:t>
+            </a:r>
+            <a:endParaRPr lang="en-US" dirty="0"/>
+          </a:p>
+        </p:txBody>
+      </p:sp>
+      <p:grpSp>
+        <p:nvGrpSpPr>
+          <p:cNvPr id="16" name="Group 15">
+            <a:extLst>
+              <a:ext uri="{FF2B5EF4-FFF2-40B4-BE49-F238E27FC236}">
+                <a16:creationId xmlns:a16="http://schemas.microsoft.com/office/drawing/2014/main" id="{7B44E53C-476F-D406-0F6A-D7E6191F1C1B}"/>
+              </a:ext>
+            </a:extLst>
+          </p:cNvPr>
+          <p:cNvGrpSpPr/>
+          <p:nvPr/>
+        </p:nvGrpSpPr>
+        <p:grpSpPr>
+          <a:xfrm>
+            <a:off x="2851295" y="1427197"/>
+            <a:ext cx="1454892" cy="1507389"/>
+            <a:chOff x="3094073" y="1775638"/>
+            <a:chExt cx="2372833" cy="4529469"/>
+          </a:xfrm>
+        </p:grpSpPr>
+        <p:sp>
+          <p:nvSpPr>
+            <p:cNvPr id="13" name="Rectangle: Rounded Corners 12">
+              <a:extLst>
+                <a:ext uri="{FF2B5EF4-FFF2-40B4-BE49-F238E27FC236}">
+                  <a16:creationId xmlns:a16="http://schemas.microsoft.com/office/drawing/2014/main" id="{A9DEE71D-8D60-12C6-3BDA-43C98B3E2AA7}"/>
+                </a:ext>
+              </a:extLst>
+            </p:cNvPr>
+            <p:cNvSpPr/>
+            <p:nvPr/>
+          </p:nvSpPr>
+          <p:spPr>
+            <a:xfrm>
+              <a:off x="3094073" y="1775638"/>
+              <a:ext cx="2372833" cy="4529469"/>
+            </a:xfrm>
+            <a:prstGeom prst="roundRect">
+              <a:avLst>
+                <a:gd name="adj" fmla="val 12282"/>
+              </a:avLst>
+            </a:prstGeom>
+            <a:noFill/>
+            <a:ln w="38100">
+              <a:solidFill>
+                <a:schemeClr val="accent3">
+                  <a:lumMod val="75000"/>
+                </a:schemeClr>
+              </a:solidFill>
+            </a:ln>
+          </p:spPr>
+          <p:style>
+            <a:lnRef idx="2">
+              <a:schemeClr val="accent1">
+                <a:shade val="15000"/>
+              </a:schemeClr>
+            </a:lnRef>
+            <a:fillRef idx="1">
+              <a:schemeClr val="accent1"/>
+            </a:fillRef>
+            <a:effectRef idx="0">
+              <a:schemeClr val="accent1"/>
+            </a:effectRef>
+            <a:fontRef idx="minor">
+              <a:schemeClr val="lt1"/>
+            </a:fontRef>
+          </p:style>
+          <p:txBody>
+            <a:bodyPr rtlCol="0" anchor="t"/>
+            <a:lstStyle/>
+            <a:p>
+              <a:pPr algn="ctr"/>
+              <a:r>
+                <a:rPr lang="en-US" b="1" dirty="0">
+                  <a:solidFill>
+                    <a:schemeClr val="accent3">
+                      <a:lumMod val="75000"/>
+                    </a:schemeClr>
+                  </a:solidFill>
+                </a:rPr>
+                <a:t>Week Before</a:t>
+              </a:r>
+            </a:p>
+          </p:txBody>
+        </p:sp>
+        <p:sp>
+          <p:nvSpPr>
+            <p:cNvPr id="14" name="Rectangle 13">
+              <a:extLst>
+                <a:ext uri="{FF2B5EF4-FFF2-40B4-BE49-F238E27FC236}">
+                  <a16:creationId xmlns:a16="http://schemas.microsoft.com/office/drawing/2014/main" id="{4F26BF93-334A-8EB8-6603-0758BF8BFCCE}"/>
+                </a:ext>
+              </a:extLst>
+            </p:cNvPr>
+            <p:cNvSpPr/>
+            <p:nvPr/>
+          </p:nvSpPr>
+          <p:spPr>
+            <a:xfrm>
+              <a:off x="3385609" y="4420430"/>
+              <a:ext cx="1849688" cy="1181481"/>
+            </a:xfrm>
+            <a:prstGeom prst="rect">
+              <a:avLst/>
+            </a:prstGeom>
+          </p:spPr>
+          <p:style>
+            <a:lnRef idx="2">
+              <a:schemeClr val="accent3">
+                <a:shade val="15000"/>
+              </a:schemeClr>
+            </a:lnRef>
+            <a:fillRef idx="1">
+              <a:schemeClr val="accent3"/>
+            </a:fillRef>
+            <a:effectRef idx="0">
+              <a:schemeClr val="accent3"/>
+            </a:effectRef>
+            <a:fontRef idx="minor">
+              <a:schemeClr val="lt1"/>
+            </a:fontRef>
+          </p:style>
+          <p:txBody>
+            <a:bodyPr rtlCol="0" anchor="ctr"/>
+            <a:lstStyle/>
+            <a:p>
+              <a:pPr algn="ctr"/>
+              <a:r>
+                <a:rPr lang="en-US" dirty="0" err="1"/>
+                <a:t>statquiz</a:t>
+              </a:r>
+              <a:endParaRPr lang="en-US" dirty="0"/>
+            </a:p>
+          </p:txBody>
+        </p:sp>
+      </p:grpSp>
+      <p:sp>
+        <p:nvSpPr>
+          <p:cNvPr id="12" name="Rectangle: Rounded Corners 11">
+            <a:extLst>
+              <a:ext uri="{FF2B5EF4-FFF2-40B4-BE49-F238E27FC236}">
+                <a16:creationId xmlns:a16="http://schemas.microsoft.com/office/drawing/2014/main" id="{29F550DF-2054-6108-DA4D-ADF227EB75E7}"/>
+              </a:ext>
+            </a:extLst>
+          </p:cNvPr>
+          <p:cNvSpPr/>
+          <p:nvPr/>
+        </p:nvSpPr>
+        <p:spPr>
+          <a:xfrm>
+            <a:off x="1059712" y="1435395"/>
+            <a:ext cx="1630325" cy="5018567"/>
+          </a:xfrm>
+          <a:prstGeom prst="roundRect">
+            <a:avLst/>
+          </a:prstGeom>
+          <a:noFill/>
+          <a:ln w="38100">
+            <a:solidFill>
+              <a:schemeClr val="accent1">
+                <a:lumMod val="50000"/>
+              </a:schemeClr>
+            </a:solidFill>
+          </a:ln>
+        </p:spPr>
+        <p:style>
+          <a:lnRef idx="2">
+            <a:schemeClr val="accent1">
+              <a:shade val="15000"/>
+            </a:schemeClr>
+          </a:lnRef>
+          <a:fillRef idx="1">
+            <a:schemeClr val="accent1"/>
+          </a:fillRef>
+          <a:effectRef idx="0">
+            <a:schemeClr val="accent1"/>
+          </a:effectRef>
+          <a:fontRef idx="minor">
+            <a:schemeClr val="lt1"/>
+          </a:fontRef>
+        </p:style>
+        <p:txBody>
+          <a:bodyPr rtlCol="0" anchor="t"/>
+          <a:lstStyle/>
+          <a:p>
+            <a:pPr algn="ctr"/>
+            <a:r>
+              <a:rPr lang="en-US" b="1" dirty="0">
+                <a:solidFill>
+                  <a:schemeClr val="accent1">
+                    <a:lumMod val="50000"/>
+                  </a:schemeClr>
+                </a:solidFill>
+              </a:rPr>
+              <a:t>Course </a:t>
+            </a:r>
+          </a:p>
+          <a:p>
+            <a:pPr algn="ctr"/>
+            <a:r>
+              <a:rPr lang="en-US" b="1" dirty="0">
+                <a:solidFill>
+                  <a:schemeClr val="accent1">
+                    <a:lumMod val="50000"/>
+                  </a:schemeClr>
+                </a:solidFill>
+              </a:rPr>
+              <a:t>Day 1</a:t>
+            </a:r>
+          </a:p>
+        </p:txBody>
+      </p:sp>
+      <p:sp>
+        <p:nvSpPr>
+          <p:cNvPr id="10" name="Rectangle 9">
+            <a:extLst>
+              <a:ext uri="{FF2B5EF4-FFF2-40B4-BE49-F238E27FC236}">
+                <a16:creationId xmlns:a16="http://schemas.microsoft.com/office/drawing/2014/main" id="{2D34A87F-59CE-1970-647B-4255DB309462}"/>
+              </a:ext>
+            </a:extLst>
+          </p:cNvPr>
+          <p:cNvSpPr/>
+          <p:nvPr/>
+        </p:nvSpPr>
+        <p:spPr>
+          <a:xfrm>
+            <a:off x="1225400" y="5812228"/>
+            <a:ext cx="1298947" cy="393405"/>
+          </a:xfrm>
+          <a:prstGeom prst="rect">
+            <a:avLst/>
+          </a:prstGeom>
+        </p:spPr>
+        <p:style>
+          <a:lnRef idx="2">
+            <a:schemeClr val="accent1">
+              <a:shade val="15000"/>
+            </a:schemeClr>
+          </a:lnRef>
+          <a:fillRef idx="1">
+            <a:schemeClr val="accent1"/>
+          </a:fillRef>
+          <a:effectRef idx="0">
+            <a:schemeClr val="accent1"/>
+          </a:effectRef>
+          <a:fontRef idx="minor">
+            <a:schemeClr val="lt1"/>
+          </a:fontRef>
+        </p:style>
+        <p:txBody>
+          <a:bodyPr rtlCol="0" anchor="ctr"/>
+          <a:lstStyle/>
+          <a:p>
+            <a:pPr algn="ctr"/>
+            <a:r>
+              <a:rPr lang="en-US" dirty="0"/>
+              <a:t>phobia</a:t>
+            </a:r>
+          </a:p>
+        </p:txBody>
+      </p:sp>
+      <p:sp>
+        <p:nvSpPr>
+          <p:cNvPr id="11" name="Rectangle 10">
+            <a:extLst>
+              <a:ext uri="{FF2B5EF4-FFF2-40B4-BE49-F238E27FC236}">
+                <a16:creationId xmlns:a16="http://schemas.microsoft.com/office/drawing/2014/main" id="{6197C5CE-9ED6-8C1E-0ED7-DF9871D66EDA}"/>
+              </a:ext>
+            </a:extLst>
+          </p:cNvPr>
+          <p:cNvSpPr/>
+          <p:nvPr/>
+        </p:nvSpPr>
+        <p:spPr>
+          <a:xfrm>
+            <a:off x="1225400" y="5316652"/>
+            <a:ext cx="1298947" cy="393405"/>
+          </a:xfrm>
+          <a:prstGeom prst="rect">
+            <a:avLst/>
+          </a:prstGeom>
+        </p:spPr>
+        <p:style>
+          <a:lnRef idx="2">
+            <a:schemeClr val="accent1">
+              <a:shade val="15000"/>
+            </a:schemeClr>
+          </a:lnRef>
+          <a:fillRef idx="1">
+            <a:schemeClr val="accent1"/>
+          </a:fillRef>
+          <a:effectRef idx="0">
+            <a:schemeClr val="accent1"/>
+          </a:effectRef>
+          <a:fontRef idx="minor">
+            <a:schemeClr val="lt1"/>
+          </a:fontRef>
+        </p:style>
+        <p:txBody>
+          <a:bodyPr rtlCol="0" anchor="ctr"/>
+          <a:lstStyle/>
+          <a:p>
+            <a:pPr algn="ctr"/>
+            <a:r>
+              <a:rPr lang="en-US" dirty="0" err="1"/>
+              <a:t>mathquiz</a:t>
+            </a:r>
+            <a:endParaRPr lang="en-US" dirty="0"/>
+          </a:p>
+        </p:txBody>
+      </p:sp>
+      <p:sp>
+        <p:nvSpPr>
+          <p:cNvPr id="17" name="Rectangle 16">
+            <a:extLst>
+              <a:ext uri="{FF2B5EF4-FFF2-40B4-BE49-F238E27FC236}">
+                <a16:creationId xmlns:a16="http://schemas.microsoft.com/office/drawing/2014/main" id="{B1A230E0-F4E7-0437-0FB0-2AB096ECBAD0}"/>
+              </a:ext>
+            </a:extLst>
+          </p:cNvPr>
+          <p:cNvSpPr/>
+          <p:nvPr/>
+        </p:nvSpPr>
+        <p:spPr>
+          <a:xfrm>
+            <a:off x="1225400" y="2838767"/>
+            <a:ext cx="1298947" cy="393405"/>
+          </a:xfrm>
+          <a:prstGeom prst="rect">
+            <a:avLst/>
+          </a:prstGeom>
+        </p:spPr>
+        <p:style>
+          <a:lnRef idx="2">
+            <a:schemeClr val="accent1">
+              <a:shade val="15000"/>
+            </a:schemeClr>
+          </a:lnRef>
+          <a:fillRef idx="1">
+            <a:schemeClr val="accent1"/>
+          </a:fillRef>
+          <a:effectRef idx="0">
+            <a:schemeClr val="accent1"/>
+          </a:effectRef>
+          <a:fontRef idx="minor">
+            <a:schemeClr val="lt1"/>
+          </a:fontRef>
+        </p:style>
+        <p:txBody>
+          <a:bodyPr rtlCol="0" anchor="ctr"/>
+          <a:lstStyle/>
+          <a:p>
+            <a:pPr algn="ctr"/>
+            <a:r>
+              <a:rPr lang="en-US" dirty="0"/>
+              <a:t>gender</a:t>
+            </a:r>
+          </a:p>
+        </p:txBody>
+      </p:sp>
+      <p:sp>
+        <p:nvSpPr>
+          <p:cNvPr id="18" name="Rectangle 17">
+            <a:extLst>
+              <a:ext uri="{FF2B5EF4-FFF2-40B4-BE49-F238E27FC236}">
+                <a16:creationId xmlns:a16="http://schemas.microsoft.com/office/drawing/2014/main" id="{2FF91BE4-4B65-9E83-9046-C1BF2BAB8149}"/>
+              </a:ext>
+            </a:extLst>
+          </p:cNvPr>
+          <p:cNvSpPr/>
+          <p:nvPr/>
+        </p:nvSpPr>
+        <p:spPr>
+          <a:xfrm>
+            <a:off x="1225400" y="3334344"/>
+            <a:ext cx="1298947" cy="393405"/>
+          </a:xfrm>
+          <a:prstGeom prst="rect">
+            <a:avLst/>
+          </a:prstGeom>
+        </p:spPr>
+        <p:style>
+          <a:lnRef idx="2">
+            <a:schemeClr val="accent1">
+              <a:shade val="15000"/>
+            </a:schemeClr>
+          </a:lnRef>
+          <a:fillRef idx="1">
+            <a:schemeClr val="accent1"/>
+          </a:fillRef>
+          <a:effectRef idx="0">
+            <a:schemeClr val="accent1"/>
+          </a:effectRef>
+          <a:fontRef idx="minor">
+            <a:schemeClr val="lt1"/>
+          </a:fontRef>
+        </p:style>
+        <p:txBody>
+          <a:bodyPr rtlCol="0" anchor="ctr"/>
+          <a:lstStyle/>
+          <a:p>
+            <a:pPr algn="ctr"/>
+            <a:r>
+              <a:rPr lang="en-US" dirty="0"/>
+              <a:t>major</a:t>
+            </a:r>
+          </a:p>
+        </p:txBody>
+      </p:sp>
+      <p:sp>
+        <p:nvSpPr>
+          <p:cNvPr id="19" name="Rectangle 18">
+            <a:extLst>
+              <a:ext uri="{FF2B5EF4-FFF2-40B4-BE49-F238E27FC236}">
+                <a16:creationId xmlns:a16="http://schemas.microsoft.com/office/drawing/2014/main" id="{C72DF61B-D22E-ABE8-4B00-E09A5BFC41F9}"/>
+              </a:ext>
+            </a:extLst>
+          </p:cNvPr>
+          <p:cNvSpPr/>
+          <p:nvPr/>
+        </p:nvSpPr>
+        <p:spPr>
+          <a:xfrm>
+            <a:off x="1225400" y="3829921"/>
+            <a:ext cx="1298947" cy="393405"/>
+          </a:xfrm>
+          <a:prstGeom prst="rect">
+            <a:avLst/>
+          </a:prstGeom>
+        </p:spPr>
+        <p:style>
+          <a:lnRef idx="2">
+            <a:schemeClr val="accent1">
+              <a:shade val="15000"/>
+            </a:schemeClr>
+          </a:lnRef>
+          <a:fillRef idx="1">
+            <a:schemeClr val="accent1"/>
+          </a:fillRef>
+          <a:effectRef idx="0">
+            <a:schemeClr val="accent1"/>
+          </a:effectRef>
+          <a:fontRef idx="minor">
+            <a:schemeClr val="lt1"/>
+          </a:fontRef>
+        </p:style>
+        <p:txBody>
+          <a:bodyPr rtlCol="0" anchor="ctr"/>
+          <a:lstStyle/>
+          <a:p>
+            <a:pPr algn="ctr"/>
+            <a:r>
+              <a:rPr lang="en-US" dirty="0"/>
+              <a:t>reason</a:t>
+            </a:r>
+          </a:p>
+        </p:txBody>
+      </p:sp>
+      <p:sp>
+        <p:nvSpPr>
+          <p:cNvPr id="20" name="Rectangle 19">
+            <a:extLst>
+              <a:ext uri="{FF2B5EF4-FFF2-40B4-BE49-F238E27FC236}">
+                <a16:creationId xmlns:a16="http://schemas.microsoft.com/office/drawing/2014/main" id="{BE24CBBF-ED73-518F-8644-AE49C7EFD1A8}"/>
+              </a:ext>
+            </a:extLst>
+          </p:cNvPr>
+          <p:cNvSpPr/>
+          <p:nvPr/>
+        </p:nvSpPr>
+        <p:spPr>
+          <a:xfrm>
+            <a:off x="1225400" y="4325498"/>
+            <a:ext cx="1298947" cy="393405"/>
+          </a:xfrm>
+          <a:prstGeom prst="rect">
+            <a:avLst/>
+          </a:prstGeom>
+        </p:spPr>
+        <p:style>
+          <a:lnRef idx="2">
+            <a:schemeClr val="accent1">
+              <a:shade val="15000"/>
+            </a:schemeClr>
+          </a:lnRef>
+          <a:fillRef idx="1">
+            <a:schemeClr val="accent1"/>
+          </a:fillRef>
+          <a:effectRef idx="0">
+            <a:schemeClr val="accent1"/>
+          </a:effectRef>
+          <a:fontRef idx="minor">
+            <a:schemeClr val="lt1"/>
+          </a:fontRef>
+        </p:style>
+        <p:txBody>
+          <a:bodyPr rtlCol="0" anchor="ctr"/>
+          <a:lstStyle/>
+          <a:p>
+            <a:pPr algn="ctr"/>
+            <a:r>
+              <a:rPr lang="en-US" dirty="0"/>
+              <a:t>coffee</a:t>
+            </a:r>
+          </a:p>
+        </p:txBody>
+      </p:sp>
+      <p:sp>
+        <p:nvSpPr>
+          <p:cNvPr id="21" name="Rectangle 20">
+            <a:extLst>
+              <a:ext uri="{FF2B5EF4-FFF2-40B4-BE49-F238E27FC236}">
+                <a16:creationId xmlns:a16="http://schemas.microsoft.com/office/drawing/2014/main" id="{731CCEF2-309E-DEE2-CD2C-05D2DA1B36E5}"/>
+              </a:ext>
+            </a:extLst>
+          </p:cNvPr>
+          <p:cNvSpPr/>
+          <p:nvPr/>
+        </p:nvSpPr>
+        <p:spPr>
+          <a:xfrm>
+            <a:off x="1225400" y="4821075"/>
+            <a:ext cx="1298947" cy="393405"/>
+          </a:xfrm>
+          <a:prstGeom prst="rect">
+            <a:avLst/>
+          </a:prstGeom>
+        </p:spPr>
+        <p:style>
+          <a:lnRef idx="2">
+            <a:schemeClr val="accent1">
+              <a:shade val="15000"/>
+            </a:schemeClr>
+          </a:lnRef>
+          <a:fillRef idx="1">
+            <a:schemeClr val="accent1"/>
+          </a:fillRef>
+          <a:effectRef idx="0">
+            <a:schemeClr val="accent1"/>
+          </a:effectRef>
+          <a:fontRef idx="minor">
+            <a:schemeClr val="lt1"/>
+          </a:fontRef>
+        </p:style>
+        <p:txBody>
+          <a:bodyPr rtlCol="0" anchor="ctr"/>
+          <a:lstStyle/>
+          <a:p>
+            <a:pPr algn="ctr"/>
+            <a:r>
+              <a:rPr lang="en-US" dirty="0" err="1"/>
+              <a:t>prevmath</a:t>
+            </a:r>
+            <a:endParaRPr lang="en-US" dirty="0"/>
+          </a:p>
+        </p:txBody>
+      </p:sp>
+      <p:sp>
+        <p:nvSpPr>
+          <p:cNvPr id="40" name="Rectangle 39">
+            <a:extLst>
+              <a:ext uri="{FF2B5EF4-FFF2-40B4-BE49-F238E27FC236}">
+                <a16:creationId xmlns:a16="http://schemas.microsoft.com/office/drawing/2014/main" id="{CBCFEA89-9B9C-415E-BACA-6053270E820B}"/>
+              </a:ext>
+            </a:extLst>
+          </p:cNvPr>
+          <p:cNvSpPr/>
+          <p:nvPr/>
+        </p:nvSpPr>
+        <p:spPr>
+          <a:xfrm>
+            <a:off x="1225399" y="2343190"/>
+            <a:ext cx="1298947" cy="393405"/>
+          </a:xfrm>
+          <a:prstGeom prst="rect">
+            <a:avLst/>
+          </a:prstGeom>
+        </p:spPr>
+        <p:style>
+          <a:lnRef idx="2">
+            <a:schemeClr val="accent1">
+              <a:shade val="15000"/>
+            </a:schemeClr>
+          </a:lnRef>
+          <a:fillRef idx="1">
+            <a:schemeClr val="accent1"/>
+          </a:fillRef>
+          <a:effectRef idx="0">
+            <a:schemeClr val="accent1"/>
+          </a:effectRef>
+          <a:fontRef idx="minor">
+            <a:schemeClr val="lt1"/>
+          </a:fontRef>
+        </p:style>
+        <p:txBody>
+          <a:bodyPr rtlCol="0" anchor="ctr"/>
+          <a:lstStyle/>
+          <a:p>
+            <a:pPr algn="ctr"/>
+            <a:r>
+              <a:rPr lang="en-US" dirty="0" err="1"/>
+              <a:t>sub_num</a:t>
+            </a:r>
+            <a:endParaRPr lang="en-US" dirty="0"/>
+          </a:p>
+        </p:txBody>
+      </p:sp>
+      <p:sp>
+        <p:nvSpPr>
+          <p:cNvPr id="52" name="Callout: Left Arrow 51">
+            <a:extLst>
+              <a:ext uri="{FF2B5EF4-FFF2-40B4-BE49-F238E27FC236}">
+                <a16:creationId xmlns:a16="http://schemas.microsoft.com/office/drawing/2014/main" id="{4FA01385-C683-D0D9-A072-04D8B52E3FFC}"/>
+              </a:ext>
+            </a:extLst>
+          </p:cNvPr>
+          <p:cNvSpPr/>
+          <p:nvPr/>
+        </p:nvSpPr>
+        <p:spPr>
+          <a:xfrm>
+            <a:off x="4164177" y="1963387"/>
+            <a:ext cx="5617776" cy="1081163"/>
+          </a:xfrm>
+          <a:prstGeom prst="leftArrowCallout">
+            <a:avLst>
+              <a:gd name="adj1" fmla="val 13719"/>
+              <a:gd name="adj2" fmla="val 29833"/>
+              <a:gd name="adj3" fmla="val 63116"/>
+              <a:gd name="adj4" fmla="val 77155"/>
+            </a:avLst>
+          </a:prstGeom>
+        </p:spPr>
+        <p:style>
+          <a:lnRef idx="2">
+            <a:schemeClr val="accent3">
+              <a:shade val="15000"/>
+            </a:schemeClr>
+          </a:lnRef>
+          <a:fillRef idx="1">
+            <a:schemeClr val="accent3"/>
+          </a:fillRef>
+          <a:effectRef idx="0">
+            <a:schemeClr val="accent3"/>
+          </a:effectRef>
+          <a:fontRef idx="minor">
+            <a:schemeClr val="lt1"/>
+          </a:fontRef>
+        </p:style>
+        <p:txBody>
+          <a:bodyPr rtlCol="0" anchor="ctr"/>
+          <a:lstStyle/>
+          <a:p>
+            <a:pPr algn="ctr"/>
+            <a:r>
+              <a:rPr lang="en-US" dirty="0"/>
+              <a:t>Standard weekly stats class quiz</a:t>
+            </a:r>
+          </a:p>
+          <a:p>
+            <a:pPr algn="ctr"/>
+            <a:r>
+              <a:rPr lang="en-US" dirty="0"/>
+              <a:t># correct out of 10 questions</a:t>
+            </a:r>
+          </a:p>
+        </p:txBody>
+      </p:sp>
+    </p:spTree>
+    <p:extLst>
+      <p:ext uri="{BB962C8B-B14F-4D97-AF65-F5344CB8AC3E}">
+        <p14:creationId xmlns:p14="http://schemas.microsoft.com/office/powerpoint/2010/main" val="965307671"/>
+      </p:ext>
+    </p:extLst>
+  </p:cSld>
+  <p:clrMapOvr>
+    <a:masterClrMapping/>
+  </p:clrMapOvr>
+  <p:timing>
+    <p:tnLst>
+      <p:par>
+        <p:cTn id="1" dur="indefinite" restart="never" nodeType="tmRoot">
+          <p:childTnLst>
+            <p:seq concurrent="1" nextAc="seek">
+              <p:cTn id="2" dur="indefinite" nodeType="mainSeq">
+                <p:childTnLst>
+                  <p:par>
+                    <p:cTn id="3" fill="hold">
+                      <p:stCondLst>
+                        <p:cond delay="indefinite"/>
+                      </p:stCondLst>
+                      <p:childTnLst>
+                        <p:par>
+                          <p:cTn id="4" fill="hold">
+                            <p:stCondLst>
+                              <p:cond delay="0"/>
+                            </p:stCondLst>
+                            <p:childTnLst>
+                              <p:par>
+                                <p:cTn id="5" presetID="2" presetClass="entr" presetSubtype="2" fill="hold" grpId="0" nodeType="clickEffect">
+                                  <p:stCondLst>
+                                    <p:cond delay="0"/>
+                                  </p:stCondLst>
+                                  <p:childTnLst>
+                                    <p:set>
+                                      <p:cBhvr>
+                                        <p:cTn id="6" dur="1" fill="hold">
+                                          <p:stCondLst>
+                                            <p:cond delay="0"/>
+                                          </p:stCondLst>
+                                        </p:cTn>
+                                        <p:tgtEl>
+                                          <p:spTgt spid="52"/>
+                                        </p:tgtEl>
+                                        <p:attrNameLst>
+                                          <p:attrName>style.visibility</p:attrName>
+                                        </p:attrNameLst>
+                                      </p:cBhvr>
+                                      <p:to>
+                                        <p:strVal val="visible"/>
+                                      </p:to>
+                                    </p:set>
+                                    <p:anim calcmode="lin" valueType="num">
+                                      <p:cBhvr additive="base">
+                                        <p:cTn id="7" dur="500" fill="hold"/>
+                                        <p:tgtEl>
+                                          <p:spTgt spid="52"/>
+                                        </p:tgtEl>
+                                        <p:attrNameLst>
+                                          <p:attrName>ppt_x</p:attrName>
+                                        </p:attrNameLst>
+                                      </p:cBhvr>
+                                      <p:tavLst>
+                                        <p:tav tm="0">
+                                          <p:val>
+                                            <p:strVal val="1+#ppt_w/2"/>
+                                          </p:val>
+                                        </p:tav>
+                                        <p:tav tm="100000">
+                                          <p:val>
+                                            <p:strVal val="#ppt_x"/>
+                                          </p:val>
+                                        </p:tav>
+                                      </p:tavLst>
+                                    </p:anim>
+                                    <p:anim calcmode="lin" valueType="num">
+                                      <p:cBhvr additive="base">
+                                        <p:cTn id="8" dur="500" fill="hold"/>
+                                        <p:tgtEl>
+                                          <p:spTgt spid="52"/>
+                                        </p:tgtEl>
+                                        <p:attrNameLst>
+                                          <p:attrName>ppt_y</p:attrName>
+                                        </p:attrNameLst>
+                                      </p:cBhvr>
+                                      <p:tavLst>
+                                        <p:tav tm="0">
+                                          <p:val>
+                                            <p:strVal val="#ppt_y"/>
+                                          </p:val>
+                                        </p:tav>
+                                        <p:tav tm="100000">
+                                          <p:val>
+                                            <p:strVal val="#ppt_y"/>
+                                          </p:val>
+                                        </p:tav>
+                                      </p:tavLst>
+                                    </p:anim>
+                                  </p:childTnLst>
+                                </p:cTn>
+                              </p:par>
+                            </p:childTnLst>
+                          </p:cTn>
+                        </p:par>
+                      </p:childTnLst>
+                    </p:cTn>
+                  </p:par>
+                </p:childTnLst>
+              </p:cTn>
+              <p:prevCondLst>
+                <p:cond evt="onPrev" delay="0">
+                  <p:tgtEl>
+                    <p:sldTgt/>
+                  </p:tgtEl>
+                </p:cond>
+              </p:prevCondLst>
+              <p:nextCondLst>
+                <p:cond evt="onNext" delay="0">
+                  <p:tgtEl>
+                    <p:sldTgt/>
+                  </p:tgtEl>
+                </p:cond>
+              </p:nextCondLst>
+            </p:seq>
+          </p:childTnLst>
+        </p:cTn>
+      </p:par>
+    </p:tnLst>
+    <p:bldLst>
+      <p:bldP spid="52" grpId="0" animBg="1"/>
+    </p:bldLst>
+  </p:timing>
+</p:sld>
+</file>
+
+<file path=ppt/slides/slide7.xml><?xml version="1.0" encoding="utf-8"?>
+<p:sld xmlns:a="http://schemas.openxmlformats.org/drawingml/2006/main" xmlns:r="http://schemas.openxmlformats.org/officeDocument/2006/relationships" xmlns:p="http://schemas.openxmlformats.org/presentationml/2006/main">
+  <p:cSld>
+    <p:spTree>
+      <p:nvGrpSpPr>
+        <p:cNvPr id="1" name=""/>
+        <p:cNvGrpSpPr/>
+        <p:nvPr/>
+      </p:nvGrpSpPr>
+      <p:grpSpPr>
+        <a:xfrm>
+          <a:off x="0" y="0"/>
+          <a:ext cx="0" cy="0"/>
+          <a:chOff x="0" y="0"/>
+          <a:chExt cx="0" cy="0"/>
+        </a:xfrm>
+      </p:grpSpPr>
+      <p:sp>
+        <p:nvSpPr>
+          <p:cNvPr id="2" name="Title 1">
+            <a:extLst>
+              <a:ext uri="{FF2B5EF4-FFF2-40B4-BE49-F238E27FC236}">
+                <a16:creationId xmlns:a16="http://schemas.microsoft.com/office/drawing/2014/main" id="{A77CB483-2190-6D14-937E-8D34E1EFC865}"/>
+              </a:ext>
+            </a:extLst>
+          </p:cNvPr>
+          <p:cNvSpPr>
+            <a:spLocks noGrp="1"/>
+          </p:cNvSpPr>
+          <p:nvPr>
+            <p:ph type="title"/>
+          </p:nvPr>
+        </p:nvSpPr>
+        <p:spPr>
+          <a:xfrm>
+            <a:off x="838200" y="365126"/>
+            <a:ext cx="10515600" cy="776518"/>
+          </a:xfrm>
+        </p:spPr>
+        <p:txBody>
+          <a:bodyPr/>
+          <a:lstStyle/>
+          <a:p>
+            <a:pPr algn="ctr"/>
             <a:r>
               <a:rPr lang="en-US" dirty="0" err="1">
                 <a:latin typeface="Consolas" charset="0"/>
                 <a:ea typeface="Consolas" charset="0"/>
                 <a:cs typeface="Consolas" charset="0"/>
               </a:rPr>
-              <a:t>Eee</a:t>
+              <a:t>Ihno</a:t>
             </a:r>
             <a:r>
               <a:rPr lang="en-US" dirty="0">
@@ -7700,95 +11972,1153 @@
                 <a:ea typeface="Consolas" charset="0"/>
                 <a:cs typeface="Consolas" charset="0"/>
               </a:rPr>
-              <a:t>-know) experiment</a:t>
-            </a:r>
+              <a:t>: Intervention Experiment</a:t>
+            </a:r>
+            <a:endParaRPr lang="en-US" dirty="0"/>
           </a:p>
         </p:txBody>
       </p:sp>
       <p:sp>
         <p:nvSpPr>
-          <p:cNvPr id="3" name="Content Placeholder 2"/>
-          <p:cNvSpPr>
-            <a:spLocks noGrp="1"/>
-          </p:cNvSpPr>
-          <p:nvPr>
-            <p:ph idx="1"/>
-          </p:nvPr>
+          <p:cNvPr id="15" name="Rectangle: Rounded Corners 14">
+            <a:extLst>
+              <a:ext uri="{FF2B5EF4-FFF2-40B4-BE49-F238E27FC236}">
+                <a16:creationId xmlns:a16="http://schemas.microsoft.com/office/drawing/2014/main" id="{8B586FF1-4AE3-CFFA-CA33-368750B42A2F}"/>
+              </a:ext>
+            </a:extLst>
+          </p:cNvPr>
+          <p:cNvSpPr/>
+          <p:nvPr/>
         </p:nvSpPr>
         <p:spPr>
           <a:xfrm>
-            <a:off x="681228" y="1892300"/>
-            <a:ext cx="11345672" cy="4215892"/>
+            <a:off x="2023258" y="1529834"/>
+            <a:ext cx="7292164" cy="2953415"/>
           </a:xfrm>
+          <a:prstGeom prst="roundRect">
+            <a:avLst>
+              <a:gd name="adj" fmla="val 4695"/>
+            </a:avLst>
+          </a:prstGeom>
+          <a:noFill/>
+          <a:ln w="38100">
+            <a:solidFill>
+              <a:srgbClr val="0070C0"/>
+            </a:solidFill>
+          </a:ln>
+        </p:spPr>
+        <p:style>
+          <a:lnRef idx="2">
+            <a:schemeClr val="accent1">
+              <a:shade val="15000"/>
+            </a:schemeClr>
+          </a:lnRef>
+          <a:fillRef idx="1">
+            <a:schemeClr val="accent1"/>
+          </a:fillRef>
+          <a:effectRef idx="0">
+            <a:schemeClr val="accent1"/>
+          </a:effectRef>
+          <a:fontRef idx="minor">
+            <a:schemeClr val="lt1"/>
+          </a:fontRef>
+        </p:style>
+        <p:txBody>
+          <a:bodyPr rtlCol="0" anchor="t"/>
+          <a:lstStyle/>
+          <a:p>
+            <a:pPr algn="ctr"/>
+            <a:r>
+              <a:rPr lang="en-US" b="1" dirty="0">
+                <a:solidFill>
+                  <a:srgbClr val="0070C0"/>
+                </a:solidFill>
+              </a:rPr>
+              <a:t>The Experiment Day</a:t>
+            </a:r>
+          </a:p>
+        </p:txBody>
+      </p:sp>
+      <p:sp>
+        <p:nvSpPr>
+          <p:cNvPr id="25" name="Rectangle 24">
+            <a:extLst>
+              <a:ext uri="{FF2B5EF4-FFF2-40B4-BE49-F238E27FC236}">
+                <a16:creationId xmlns:a16="http://schemas.microsoft.com/office/drawing/2014/main" id="{7109E5EB-5806-C57A-4766-AEDB4E9C45AD}"/>
+              </a:ext>
+            </a:extLst>
+          </p:cNvPr>
+          <p:cNvSpPr/>
+          <p:nvPr/>
+        </p:nvSpPr>
+        <p:spPr>
+          <a:xfrm>
+            <a:off x="7825065" y="3896740"/>
+            <a:ext cx="1298448" cy="393405"/>
+          </a:xfrm>
+          <a:prstGeom prst="rect">
+            <a:avLst/>
+          </a:prstGeom>
+        </p:spPr>
+        <p:style>
+          <a:lnRef idx="2">
+            <a:schemeClr val="accent4">
+              <a:shade val="15000"/>
+            </a:schemeClr>
+          </a:lnRef>
+          <a:fillRef idx="1">
+            <a:schemeClr val="accent4"/>
+          </a:fillRef>
+          <a:effectRef idx="0">
+            <a:schemeClr val="accent4"/>
+          </a:effectRef>
+          <a:fontRef idx="minor">
+            <a:schemeClr val="lt1"/>
+          </a:fontRef>
+        </p:style>
+        <p:txBody>
+          <a:bodyPr rtlCol="0" anchor="ctr"/>
+          <a:lstStyle/>
+          <a:p>
+            <a:pPr algn="ctr"/>
+            <a:r>
+              <a:rPr lang="en-US" dirty="0" err="1"/>
+              <a:t>exp_sqz</a:t>
+            </a:r>
+            <a:endParaRPr lang="en-US" dirty="0"/>
+          </a:p>
+        </p:txBody>
+      </p:sp>
+      <p:grpSp>
+        <p:nvGrpSpPr>
+          <p:cNvPr id="34" name="Group 33">
+            <a:extLst>
+              <a:ext uri="{FF2B5EF4-FFF2-40B4-BE49-F238E27FC236}">
+                <a16:creationId xmlns:a16="http://schemas.microsoft.com/office/drawing/2014/main" id="{79B6B652-6F95-47A4-617A-548BF7108E82}"/>
+              </a:ext>
+            </a:extLst>
+          </p:cNvPr>
+          <p:cNvGrpSpPr/>
+          <p:nvPr/>
+        </p:nvGrpSpPr>
+        <p:grpSpPr>
+          <a:xfrm>
+            <a:off x="5009710" y="2803414"/>
+            <a:ext cx="1298448" cy="914072"/>
+            <a:chOff x="5892704" y="2659851"/>
+            <a:chExt cx="1298448" cy="914072"/>
+          </a:xfrm>
+        </p:grpSpPr>
+        <p:sp>
+          <p:nvSpPr>
+            <p:cNvPr id="28" name="Rectangle 27">
+              <a:extLst>
+                <a:ext uri="{FF2B5EF4-FFF2-40B4-BE49-F238E27FC236}">
+                  <a16:creationId xmlns:a16="http://schemas.microsoft.com/office/drawing/2014/main" id="{38C4DD01-283B-B0CD-4509-9D98CC603625}"/>
+                </a:ext>
+              </a:extLst>
+            </p:cNvPr>
+            <p:cNvSpPr/>
+            <p:nvPr/>
+          </p:nvSpPr>
+          <p:spPr>
+            <a:xfrm>
+              <a:off x="5892704" y="2659851"/>
+              <a:ext cx="1298448" cy="393405"/>
+            </a:xfrm>
+            <a:prstGeom prst="rect">
+              <a:avLst/>
+            </a:prstGeom>
+          </p:spPr>
+          <p:style>
+            <a:lnRef idx="2">
+              <a:schemeClr val="accent2">
+                <a:shade val="15000"/>
+              </a:schemeClr>
+            </a:lnRef>
+            <a:fillRef idx="1">
+              <a:schemeClr val="accent2"/>
+            </a:fillRef>
+            <a:effectRef idx="0">
+              <a:schemeClr val="accent2"/>
+            </a:effectRef>
+            <a:fontRef idx="minor">
+              <a:schemeClr val="lt1"/>
+            </a:fontRef>
+          </p:style>
+          <p:txBody>
+            <a:bodyPr rtlCol="0" anchor="ctr"/>
+            <a:lstStyle/>
+            <a:p>
+              <a:pPr algn="ctr"/>
+              <a:r>
+                <a:rPr lang="en-US" dirty="0" err="1"/>
+                <a:t>hr_pre</a:t>
+              </a:r>
+              <a:endParaRPr lang="en-US" dirty="0"/>
+            </a:p>
+          </p:txBody>
+        </p:sp>
+        <p:sp>
+          <p:nvSpPr>
+            <p:cNvPr id="29" name="Rectangle 28">
+              <a:extLst>
+                <a:ext uri="{FF2B5EF4-FFF2-40B4-BE49-F238E27FC236}">
+                  <a16:creationId xmlns:a16="http://schemas.microsoft.com/office/drawing/2014/main" id="{3EAEA00B-F9C7-0A42-DB76-478F6D15E283}"/>
+                </a:ext>
+              </a:extLst>
+            </p:cNvPr>
+            <p:cNvSpPr/>
+            <p:nvPr/>
+          </p:nvSpPr>
+          <p:spPr>
+            <a:xfrm>
+              <a:off x="5892704" y="3180518"/>
+              <a:ext cx="1298448" cy="393405"/>
+            </a:xfrm>
+            <a:prstGeom prst="rect">
+              <a:avLst/>
+            </a:prstGeom>
+          </p:spPr>
+          <p:style>
+            <a:lnRef idx="2">
+              <a:schemeClr val="accent6">
+                <a:shade val="15000"/>
+              </a:schemeClr>
+            </a:lnRef>
+            <a:fillRef idx="1">
+              <a:schemeClr val="accent6"/>
+            </a:fillRef>
+            <a:effectRef idx="0">
+              <a:schemeClr val="accent6"/>
+            </a:effectRef>
+            <a:fontRef idx="minor">
+              <a:schemeClr val="lt1"/>
+            </a:fontRef>
+          </p:style>
+          <p:txBody>
+            <a:bodyPr rtlCol="0" anchor="ctr"/>
+            <a:lstStyle/>
+            <a:p>
+              <a:pPr algn="ctr"/>
+              <a:r>
+                <a:rPr lang="en-US" dirty="0" err="1"/>
+                <a:t>anx_pre</a:t>
+              </a:r>
+              <a:endParaRPr lang="en-US" dirty="0"/>
+            </a:p>
+          </p:txBody>
+        </p:sp>
+      </p:grpSp>
+      <p:grpSp>
+        <p:nvGrpSpPr>
+          <p:cNvPr id="35" name="Group 34">
+            <a:extLst>
+              <a:ext uri="{FF2B5EF4-FFF2-40B4-BE49-F238E27FC236}">
+                <a16:creationId xmlns:a16="http://schemas.microsoft.com/office/drawing/2014/main" id="{CD6FC64E-48F7-9C88-098F-85F3B97C2F68}"/>
+              </a:ext>
+            </a:extLst>
+          </p:cNvPr>
+          <p:cNvGrpSpPr/>
+          <p:nvPr/>
+        </p:nvGrpSpPr>
+        <p:grpSpPr>
+          <a:xfrm>
+            <a:off x="7782298" y="2744701"/>
+            <a:ext cx="1298448" cy="914072"/>
+            <a:chOff x="8288895" y="2659851"/>
+            <a:chExt cx="1298448" cy="914072"/>
+          </a:xfrm>
+        </p:grpSpPr>
+        <p:sp>
+          <p:nvSpPr>
+            <p:cNvPr id="30" name="Rectangle 29">
+              <a:extLst>
+                <a:ext uri="{FF2B5EF4-FFF2-40B4-BE49-F238E27FC236}">
+                  <a16:creationId xmlns:a16="http://schemas.microsoft.com/office/drawing/2014/main" id="{22EDBCA2-A4B3-5BED-DC81-52C5EE01A2F6}"/>
+                </a:ext>
+              </a:extLst>
+            </p:cNvPr>
+            <p:cNvSpPr/>
+            <p:nvPr/>
+          </p:nvSpPr>
+          <p:spPr>
+            <a:xfrm>
+              <a:off x="8288895" y="2659851"/>
+              <a:ext cx="1298448" cy="393405"/>
+            </a:xfrm>
+            <a:prstGeom prst="rect">
+              <a:avLst/>
+            </a:prstGeom>
+          </p:spPr>
+          <p:style>
+            <a:lnRef idx="2">
+              <a:schemeClr val="accent2">
+                <a:shade val="15000"/>
+              </a:schemeClr>
+            </a:lnRef>
+            <a:fillRef idx="1">
+              <a:schemeClr val="accent2"/>
+            </a:fillRef>
+            <a:effectRef idx="0">
+              <a:schemeClr val="accent2"/>
+            </a:effectRef>
+            <a:fontRef idx="minor">
+              <a:schemeClr val="lt1"/>
+            </a:fontRef>
+          </p:style>
+          <p:txBody>
+            <a:bodyPr rtlCol="0" anchor="ctr"/>
+            <a:lstStyle/>
+            <a:p>
+              <a:pPr algn="ctr"/>
+              <a:r>
+                <a:rPr lang="en-US" dirty="0" err="1"/>
+                <a:t>hr_post</a:t>
+              </a:r>
+              <a:endParaRPr lang="en-US" dirty="0"/>
+            </a:p>
+          </p:txBody>
+        </p:sp>
+        <p:sp>
+          <p:nvSpPr>
+            <p:cNvPr id="31" name="Rectangle 30">
+              <a:extLst>
+                <a:ext uri="{FF2B5EF4-FFF2-40B4-BE49-F238E27FC236}">
+                  <a16:creationId xmlns:a16="http://schemas.microsoft.com/office/drawing/2014/main" id="{02117532-AE73-9B79-F65B-323A378FB54A}"/>
+                </a:ext>
+              </a:extLst>
+            </p:cNvPr>
+            <p:cNvSpPr/>
+            <p:nvPr/>
+          </p:nvSpPr>
+          <p:spPr>
+            <a:xfrm>
+              <a:off x="8288895" y="3180518"/>
+              <a:ext cx="1298448" cy="393405"/>
+            </a:xfrm>
+            <a:prstGeom prst="rect">
+              <a:avLst/>
+            </a:prstGeom>
+          </p:spPr>
+          <p:style>
+            <a:lnRef idx="2">
+              <a:schemeClr val="accent6">
+                <a:shade val="15000"/>
+              </a:schemeClr>
+            </a:lnRef>
+            <a:fillRef idx="1">
+              <a:schemeClr val="accent6"/>
+            </a:fillRef>
+            <a:effectRef idx="0">
+              <a:schemeClr val="accent6"/>
+            </a:effectRef>
+            <a:fontRef idx="minor">
+              <a:schemeClr val="lt1"/>
+            </a:fontRef>
+          </p:style>
+          <p:txBody>
+            <a:bodyPr rtlCol="0" anchor="ctr"/>
+            <a:lstStyle/>
+            <a:p>
+              <a:pPr algn="ctr"/>
+              <a:r>
+                <a:rPr lang="en-US" dirty="0" err="1"/>
+                <a:t>anx_post</a:t>
+              </a:r>
+              <a:endParaRPr lang="en-US" dirty="0"/>
+            </a:p>
+          </p:txBody>
+        </p:sp>
+      </p:grpSp>
+      <p:sp>
+        <p:nvSpPr>
+          <p:cNvPr id="26" name="Rectangle 25">
+            <a:extLst>
+              <a:ext uri="{FF2B5EF4-FFF2-40B4-BE49-F238E27FC236}">
+                <a16:creationId xmlns:a16="http://schemas.microsoft.com/office/drawing/2014/main" id="{5C2B18A6-CFCB-2C04-7005-19073B7B5DF6}"/>
+              </a:ext>
+            </a:extLst>
+          </p:cNvPr>
+          <p:cNvSpPr/>
+          <p:nvPr/>
+        </p:nvSpPr>
+        <p:spPr>
+          <a:xfrm>
+            <a:off x="2160206" y="2758230"/>
+            <a:ext cx="1298448" cy="393405"/>
+          </a:xfrm>
+          <a:prstGeom prst="rect">
+            <a:avLst/>
+          </a:prstGeom>
+        </p:spPr>
+        <p:style>
+          <a:lnRef idx="2">
+            <a:schemeClr val="accent2">
+              <a:shade val="15000"/>
+            </a:schemeClr>
+          </a:lnRef>
+          <a:fillRef idx="1">
+            <a:schemeClr val="accent2"/>
+          </a:fillRef>
+          <a:effectRef idx="0">
+            <a:schemeClr val="accent2"/>
+          </a:effectRef>
+          <a:fontRef idx="minor">
+            <a:schemeClr val="lt1"/>
+          </a:fontRef>
+        </p:style>
+        <p:txBody>
+          <a:bodyPr rtlCol="0" anchor="ctr"/>
+          <a:lstStyle/>
+          <a:p>
+            <a:pPr algn="ctr"/>
+            <a:r>
+              <a:rPr lang="en-US" dirty="0" err="1"/>
+              <a:t>hr_base</a:t>
+            </a:r>
+            <a:endParaRPr lang="en-US" dirty="0"/>
+          </a:p>
+        </p:txBody>
+      </p:sp>
+      <p:sp>
+        <p:nvSpPr>
+          <p:cNvPr id="27" name="Rectangle 26">
+            <a:extLst>
+              <a:ext uri="{FF2B5EF4-FFF2-40B4-BE49-F238E27FC236}">
+                <a16:creationId xmlns:a16="http://schemas.microsoft.com/office/drawing/2014/main" id="{2111529E-85AD-1D59-F999-9117F448D0BB}"/>
+              </a:ext>
+            </a:extLst>
+          </p:cNvPr>
+          <p:cNvSpPr/>
+          <p:nvPr/>
+        </p:nvSpPr>
+        <p:spPr>
+          <a:xfrm>
+            <a:off x="2160206" y="3278897"/>
+            <a:ext cx="1298448" cy="393405"/>
+          </a:xfrm>
+          <a:prstGeom prst="rect">
+            <a:avLst/>
+          </a:prstGeom>
+        </p:spPr>
+        <p:style>
+          <a:lnRef idx="2">
+            <a:schemeClr val="accent6">
+              <a:shade val="15000"/>
+            </a:schemeClr>
+          </a:lnRef>
+          <a:fillRef idx="1">
+            <a:schemeClr val="accent6"/>
+          </a:fillRef>
+          <a:effectRef idx="0">
+            <a:schemeClr val="accent6"/>
+          </a:effectRef>
+          <a:fontRef idx="minor">
+            <a:schemeClr val="lt1"/>
+          </a:fontRef>
+        </p:style>
+        <p:txBody>
+          <a:bodyPr rtlCol="0" anchor="ctr"/>
+          <a:lstStyle/>
+          <a:p>
+            <a:pPr algn="ctr"/>
+            <a:r>
+              <a:rPr lang="en-US" dirty="0" err="1"/>
+              <a:t>anx_base</a:t>
+            </a:r>
+            <a:endParaRPr lang="en-US" dirty="0"/>
+          </a:p>
+        </p:txBody>
+      </p:sp>
+      <p:sp>
+        <p:nvSpPr>
+          <p:cNvPr id="32" name="Rectangle 31">
+            <a:extLst>
+              <a:ext uri="{FF2B5EF4-FFF2-40B4-BE49-F238E27FC236}">
+                <a16:creationId xmlns:a16="http://schemas.microsoft.com/office/drawing/2014/main" id="{2E2BACD9-A904-3122-1717-671664C3FED8}"/>
+              </a:ext>
+            </a:extLst>
+          </p:cNvPr>
+          <p:cNvSpPr/>
+          <p:nvPr/>
+        </p:nvSpPr>
+        <p:spPr>
+          <a:xfrm>
+            <a:off x="2160206" y="1991849"/>
+            <a:ext cx="1298448" cy="393405"/>
+          </a:xfrm>
+          <a:prstGeom prst="rect">
+            <a:avLst/>
+          </a:prstGeom>
+        </p:spPr>
+        <p:style>
+          <a:lnRef idx="2">
+            <a:schemeClr val="accent5">
+              <a:shade val="15000"/>
+            </a:schemeClr>
+          </a:lnRef>
+          <a:fillRef idx="1">
+            <a:schemeClr val="accent5"/>
+          </a:fillRef>
+          <a:effectRef idx="0">
+            <a:schemeClr val="accent5"/>
+          </a:effectRef>
+          <a:fontRef idx="minor">
+            <a:schemeClr val="lt1"/>
+          </a:fontRef>
+        </p:style>
+        <p:txBody>
+          <a:bodyPr rtlCol="0" anchor="ctr"/>
+          <a:lstStyle/>
+          <a:p>
+            <a:pPr algn="ctr"/>
+            <a:r>
+              <a:rPr lang="en-US" dirty="0" err="1"/>
+              <a:t>num_cups</a:t>
+            </a:r>
+            <a:endParaRPr lang="en-US" dirty="0"/>
+          </a:p>
+        </p:txBody>
+      </p:sp>
+      <p:sp>
+        <p:nvSpPr>
+          <p:cNvPr id="36" name="Speech Bubble: Rectangle with Corners Rounded 35">
+            <a:extLst>
+              <a:ext uri="{FF2B5EF4-FFF2-40B4-BE49-F238E27FC236}">
+                <a16:creationId xmlns:a16="http://schemas.microsoft.com/office/drawing/2014/main" id="{10060837-1F87-9733-A5C5-678E9CF7DE8F}"/>
+              </a:ext>
+            </a:extLst>
+          </p:cNvPr>
+          <p:cNvSpPr/>
+          <p:nvPr/>
+        </p:nvSpPr>
+        <p:spPr>
+          <a:xfrm>
+            <a:off x="3578339" y="2597937"/>
+            <a:ext cx="1298447" cy="1314174"/>
+          </a:xfrm>
+          <a:prstGeom prst="wedgeRoundRectCallout">
+            <a:avLst>
+              <a:gd name="adj1" fmla="val 2914"/>
+              <a:gd name="adj2" fmla="val 59913"/>
+              <a:gd name="adj3" fmla="val 16667"/>
+            </a:avLst>
+          </a:prstGeom>
+          <a:solidFill>
+            <a:srgbClr val="7030A0"/>
+          </a:solidFill>
+        </p:spPr>
+        <p:style>
+          <a:lnRef idx="2">
+            <a:schemeClr val="accent1">
+              <a:shade val="15000"/>
+            </a:schemeClr>
+          </a:lnRef>
+          <a:fillRef idx="1">
+            <a:schemeClr val="accent1"/>
+          </a:fillRef>
+          <a:effectRef idx="0">
+            <a:schemeClr val="accent1"/>
+          </a:effectRef>
+          <a:fontRef idx="minor">
+            <a:schemeClr val="lt1"/>
+          </a:fontRef>
+        </p:style>
+        <p:txBody>
+          <a:bodyPr rtlCol="0" anchor="ctr"/>
+          <a:lstStyle/>
+          <a:p>
+            <a:pPr algn="ctr"/>
+            <a:r>
+              <a:rPr lang="en-US" dirty="0"/>
+              <a:t>Announce Pop Quiz</a:t>
+            </a:r>
+          </a:p>
+        </p:txBody>
+      </p:sp>
+      <p:sp>
+        <p:nvSpPr>
+          <p:cNvPr id="37" name="Thought Bubble: Cloud 36">
+            <a:extLst>
+              <a:ext uri="{FF2B5EF4-FFF2-40B4-BE49-F238E27FC236}">
+                <a16:creationId xmlns:a16="http://schemas.microsoft.com/office/drawing/2014/main" id="{56F88425-FFBA-B80C-80A5-3542D351AF08}"/>
+              </a:ext>
+            </a:extLst>
+          </p:cNvPr>
+          <p:cNvSpPr/>
+          <p:nvPr/>
+        </p:nvSpPr>
+        <p:spPr>
+          <a:xfrm>
+            <a:off x="6350926" y="2582566"/>
+            <a:ext cx="1298447" cy="1314175"/>
+          </a:xfrm>
+          <a:prstGeom prst="cloudCallout">
+            <a:avLst/>
+          </a:prstGeom>
+          <a:solidFill>
+            <a:srgbClr val="7030A0"/>
+          </a:solidFill>
+        </p:spPr>
+        <p:style>
+          <a:lnRef idx="2">
+            <a:schemeClr val="accent1">
+              <a:shade val="15000"/>
+            </a:schemeClr>
+          </a:lnRef>
+          <a:fillRef idx="1">
+            <a:schemeClr val="accent1"/>
+          </a:fillRef>
+          <a:effectRef idx="0">
+            <a:schemeClr val="accent1"/>
+          </a:effectRef>
+          <a:fontRef idx="minor">
+            <a:schemeClr val="lt1"/>
+          </a:fontRef>
+        </p:style>
+        <p:txBody>
+          <a:bodyPr rtlCol="0" anchor="ctr"/>
+          <a:lstStyle/>
+          <a:p>
+            <a:pPr algn="ctr"/>
+            <a:r>
+              <a:rPr lang="en-US" dirty="0"/>
+              <a:t>Take Pop Quiz</a:t>
+            </a:r>
+          </a:p>
+        </p:txBody>
+      </p:sp>
+      <p:sp>
+        <p:nvSpPr>
+          <p:cNvPr id="51" name="Rectangle 50">
+            <a:extLst>
+              <a:ext uri="{FF2B5EF4-FFF2-40B4-BE49-F238E27FC236}">
+                <a16:creationId xmlns:a16="http://schemas.microsoft.com/office/drawing/2014/main" id="{21CBF43A-D67E-1923-418A-2258734E02C1}"/>
+              </a:ext>
+            </a:extLst>
+          </p:cNvPr>
+          <p:cNvSpPr/>
+          <p:nvPr/>
+        </p:nvSpPr>
+        <p:spPr>
+          <a:xfrm>
+            <a:off x="5952102" y="2046728"/>
+            <a:ext cx="1298448" cy="393405"/>
+          </a:xfrm>
+          <a:prstGeom prst="rect">
+            <a:avLst/>
+          </a:prstGeom>
+          <a:solidFill>
+            <a:srgbClr val="FF0000"/>
+          </a:solidFill>
+        </p:spPr>
+        <p:style>
+          <a:lnRef idx="2">
+            <a:schemeClr val="accent5">
+              <a:shade val="15000"/>
+            </a:schemeClr>
+          </a:lnRef>
+          <a:fillRef idx="1">
+            <a:schemeClr val="accent5"/>
+          </a:fillRef>
+          <a:effectRef idx="0">
+            <a:schemeClr val="accent5"/>
+          </a:effectRef>
+          <a:fontRef idx="minor">
+            <a:schemeClr val="lt1"/>
+          </a:fontRef>
+        </p:style>
+        <p:txBody>
+          <a:bodyPr rtlCol="0" anchor="ctr"/>
+          <a:lstStyle/>
+          <a:p>
+            <a:pPr algn="ctr"/>
+            <a:r>
+              <a:rPr lang="en-US" dirty="0" err="1"/>
+              <a:t>exp_cond</a:t>
+            </a:r>
+            <a:endParaRPr lang="en-US" dirty="0"/>
+          </a:p>
+        </p:txBody>
+      </p:sp>
+      <p:sp>
+        <p:nvSpPr>
+          <p:cNvPr id="3" name="Callout: Up Arrow 2">
+            <a:extLst>
+              <a:ext uri="{FF2B5EF4-FFF2-40B4-BE49-F238E27FC236}">
+                <a16:creationId xmlns:a16="http://schemas.microsoft.com/office/drawing/2014/main" id="{6CF79B0B-9027-06A6-AD5D-270A907BCCC3}"/>
+              </a:ext>
+            </a:extLst>
+          </p:cNvPr>
+          <p:cNvSpPr/>
+          <p:nvPr/>
+        </p:nvSpPr>
+        <p:spPr>
+          <a:xfrm>
+            <a:off x="7649373" y="4350156"/>
+            <a:ext cx="2046875" cy="1942934"/>
+          </a:xfrm>
+          <a:prstGeom prst="upArrowCallout">
+            <a:avLst>
+              <a:gd name="adj1" fmla="val 10594"/>
+              <a:gd name="adj2" fmla="val 18757"/>
+              <a:gd name="adj3" fmla="val 25000"/>
+              <a:gd name="adj4" fmla="val 64977"/>
+            </a:avLst>
+          </a:prstGeom>
+          <a:solidFill>
+            <a:srgbClr val="0070C0"/>
+          </a:solidFill>
+        </p:spPr>
+        <p:style>
+          <a:lnRef idx="2">
+            <a:schemeClr val="accent3">
+              <a:shade val="15000"/>
+            </a:schemeClr>
+          </a:lnRef>
+          <a:fillRef idx="1">
+            <a:schemeClr val="accent3"/>
+          </a:fillRef>
+          <a:effectRef idx="0">
+            <a:schemeClr val="accent3"/>
+          </a:effectRef>
+          <a:fontRef idx="minor">
+            <a:schemeClr val="lt1"/>
+          </a:fontRef>
+        </p:style>
+        <p:txBody>
+          <a:bodyPr rtlCol="0" anchor="ctr"/>
+          <a:lstStyle/>
+          <a:p>
+            <a:pPr algn="ctr"/>
+            <a:r>
+              <a:rPr lang="en-US" dirty="0"/>
+              <a:t>Pop Quiz</a:t>
+            </a:r>
+          </a:p>
+          <a:p>
+            <a:pPr algn="ctr"/>
+            <a:r>
+              <a:rPr lang="en-US" dirty="0"/>
+              <a:t># correct out of 11 questions</a:t>
+            </a:r>
+          </a:p>
+        </p:txBody>
+      </p:sp>
+      <p:sp>
+        <p:nvSpPr>
+          <p:cNvPr id="4" name="Callout: Right Arrow 3">
+            <a:extLst>
+              <a:ext uri="{FF2B5EF4-FFF2-40B4-BE49-F238E27FC236}">
+                <a16:creationId xmlns:a16="http://schemas.microsoft.com/office/drawing/2014/main" id="{86C4E0F8-E69B-A7D7-449C-21C3D9B47729}"/>
+              </a:ext>
+            </a:extLst>
+          </p:cNvPr>
+          <p:cNvSpPr/>
+          <p:nvPr/>
+        </p:nvSpPr>
+        <p:spPr>
+          <a:xfrm>
+            <a:off x="121828" y="1246645"/>
+            <a:ext cx="2046875" cy="1942934"/>
+          </a:xfrm>
+          <a:prstGeom prst="rightArrowCallout">
+            <a:avLst>
+              <a:gd name="adj1" fmla="val 18277"/>
+              <a:gd name="adj2" fmla="val 25480"/>
+              <a:gd name="adj3" fmla="val 25000"/>
+              <a:gd name="adj4" fmla="val 64977"/>
+            </a:avLst>
+          </a:prstGeom>
+        </p:spPr>
+        <p:style>
+          <a:lnRef idx="2">
+            <a:schemeClr val="accent5">
+              <a:shade val="15000"/>
+            </a:schemeClr>
+          </a:lnRef>
+          <a:fillRef idx="1">
+            <a:schemeClr val="accent5"/>
+          </a:fillRef>
+          <a:effectRef idx="0">
+            <a:schemeClr val="accent5"/>
+          </a:effectRef>
+          <a:fontRef idx="minor">
+            <a:schemeClr val="lt1"/>
+          </a:fontRef>
+        </p:style>
+        <p:txBody>
+          <a:bodyPr rtlCol="0" anchor="ctr"/>
+          <a:lstStyle/>
+          <a:p>
+            <a:pPr algn="ctr"/>
+            <a:r>
+              <a:rPr lang="en-US" dirty="0"/>
+              <a:t># cups coffee drunk that day prior to class</a:t>
+            </a:r>
+          </a:p>
+        </p:txBody>
+      </p:sp>
+      <p:grpSp>
+        <p:nvGrpSpPr>
+          <p:cNvPr id="7" name="Group 6">
+            <a:extLst>
+              <a:ext uri="{FF2B5EF4-FFF2-40B4-BE49-F238E27FC236}">
+                <a16:creationId xmlns:a16="http://schemas.microsoft.com/office/drawing/2014/main" id="{3D519C4D-D247-52FB-DA88-4542AA8CC43E}"/>
+              </a:ext>
+            </a:extLst>
+          </p:cNvPr>
+          <p:cNvGrpSpPr/>
+          <p:nvPr/>
+        </p:nvGrpSpPr>
+        <p:grpSpPr>
+          <a:xfrm>
+            <a:off x="242596" y="2771791"/>
+            <a:ext cx="2146041" cy="3521299"/>
+            <a:chOff x="242596" y="2771791"/>
+            <a:chExt cx="2146041" cy="3521299"/>
+          </a:xfrm>
+        </p:grpSpPr>
+        <p:sp>
+          <p:nvSpPr>
+            <p:cNvPr id="5" name="Arrow: Bent 4">
+              <a:extLst>
+                <a:ext uri="{FF2B5EF4-FFF2-40B4-BE49-F238E27FC236}">
+                  <a16:creationId xmlns:a16="http://schemas.microsoft.com/office/drawing/2014/main" id="{09FCFE4D-EDBE-12BD-8221-822CCABEF67C}"/>
+                </a:ext>
+              </a:extLst>
+            </p:cNvPr>
+            <p:cNvSpPr/>
+            <p:nvPr/>
+          </p:nvSpPr>
+          <p:spPr>
+            <a:xfrm>
+              <a:off x="1078906" y="2771791"/>
+              <a:ext cx="1156515" cy="1627129"/>
+            </a:xfrm>
+            <a:prstGeom prst="bentArrow">
+              <a:avLst/>
+            </a:prstGeom>
+          </p:spPr>
+          <p:style>
+            <a:lnRef idx="2">
+              <a:schemeClr val="accent2">
+                <a:shade val="15000"/>
+              </a:schemeClr>
+            </a:lnRef>
+            <a:fillRef idx="1">
+              <a:schemeClr val="accent2"/>
+            </a:fillRef>
+            <a:effectRef idx="0">
+              <a:schemeClr val="accent2"/>
+            </a:effectRef>
+            <a:fontRef idx="minor">
+              <a:schemeClr val="lt1"/>
+            </a:fontRef>
+          </p:style>
+          <p:txBody>
+            <a:bodyPr rtlCol="0" anchor="ctr"/>
+            <a:lstStyle/>
+            <a:p>
+              <a:pPr algn="ctr"/>
+              <a:endParaRPr lang="en-US">
+                <a:solidFill>
+                  <a:schemeClr val="tx1"/>
+                </a:solidFill>
+              </a:endParaRPr>
+            </a:p>
+          </p:txBody>
+        </p:sp>
+        <p:sp>
+          <p:nvSpPr>
+            <p:cNvPr id="6" name="Rectangle 5">
+              <a:extLst>
+                <a:ext uri="{FF2B5EF4-FFF2-40B4-BE49-F238E27FC236}">
+                  <a16:creationId xmlns:a16="http://schemas.microsoft.com/office/drawing/2014/main" id="{1BA2179E-B4E3-80C7-84D6-1624896A6160}"/>
+                </a:ext>
+              </a:extLst>
+            </p:cNvPr>
+            <p:cNvSpPr/>
+            <p:nvPr/>
+          </p:nvSpPr>
+          <p:spPr>
+            <a:xfrm>
+              <a:off x="242596" y="4350156"/>
+              <a:ext cx="2146041" cy="1942934"/>
+            </a:xfrm>
+            <a:prstGeom prst="rect">
+              <a:avLst/>
+            </a:prstGeom>
+          </p:spPr>
+          <p:style>
+            <a:lnRef idx="2">
+              <a:schemeClr val="accent2">
+                <a:shade val="15000"/>
+              </a:schemeClr>
+            </a:lnRef>
+            <a:fillRef idx="1">
+              <a:schemeClr val="accent2"/>
+            </a:fillRef>
+            <a:effectRef idx="0">
+              <a:schemeClr val="accent2"/>
+            </a:effectRef>
+            <a:fontRef idx="minor">
+              <a:schemeClr val="lt1"/>
+            </a:fontRef>
+          </p:style>
+          <p:txBody>
+            <a:bodyPr rtlCol="0" anchor="ctr"/>
+            <a:lstStyle/>
+            <a:p>
+              <a:pPr algn="ctr"/>
+              <a:r>
+                <a:rPr lang="en-US" sz="1800" dirty="0">
+                  <a:ea typeface="Consolas" charset="0"/>
+                  <a:cs typeface="Consolas" charset="0"/>
+                </a:rPr>
+                <a:t>Taught students how to take their own pulse &amp; took two baseline measures (bpm) and recorded the average of the 2</a:t>
+              </a:r>
+            </a:p>
+          </p:txBody>
+        </p:sp>
+      </p:grpSp>
+      <p:sp>
+        <p:nvSpPr>
+          <p:cNvPr id="8" name="Callout: Up Arrow 7">
+            <a:extLst>
+              <a:ext uri="{FF2B5EF4-FFF2-40B4-BE49-F238E27FC236}">
+                <a16:creationId xmlns:a16="http://schemas.microsoft.com/office/drawing/2014/main" id="{89CD1D0C-1CA2-5A81-58DD-D7EA6C2425A4}"/>
+              </a:ext>
+            </a:extLst>
+          </p:cNvPr>
+          <p:cNvSpPr/>
+          <p:nvPr/>
+        </p:nvSpPr>
+        <p:spPr>
+          <a:xfrm>
+            <a:off x="2329899" y="3693854"/>
+            <a:ext cx="2046875" cy="2799021"/>
+          </a:xfrm>
+          <a:prstGeom prst="upArrowCallout">
+            <a:avLst>
+              <a:gd name="adj1" fmla="val 11798"/>
+              <a:gd name="adj2" fmla="val 17689"/>
+              <a:gd name="adj3" fmla="val 25000"/>
+              <a:gd name="adj4" fmla="val 64977"/>
+            </a:avLst>
+          </a:prstGeom>
+        </p:spPr>
+        <p:style>
+          <a:lnRef idx="2">
+            <a:schemeClr val="accent6">
+              <a:shade val="15000"/>
+            </a:schemeClr>
+          </a:lnRef>
+          <a:fillRef idx="1">
+            <a:schemeClr val="accent6"/>
+          </a:fillRef>
+          <a:effectRef idx="0">
+            <a:schemeClr val="accent6"/>
+          </a:effectRef>
+          <a:fontRef idx="minor">
+            <a:schemeClr val="lt1"/>
+          </a:fontRef>
+        </p:style>
+        <p:txBody>
+          <a:bodyPr rtlCol="0" anchor="ctr"/>
+          <a:lstStyle/>
+          <a:p>
+            <a:pPr algn="ctr"/>
+            <a:r>
+              <a:rPr lang="en-US" dirty="0">
+                <a:ea typeface="Consolas" charset="0"/>
+                <a:cs typeface="Consolas" charset="0"/>
+              </a:rPr>
+              <a:t>Self-report: Anxiety questionnaire w/10 items, each rated 0-4 (5-point Likert scale), total scores 0-40</a:t>
+            </a:r>
+            <a:endParaRPr lang="en-US" dirty="0"/>
+          </a:p>
+        </p:txBody>
+      </p:sp>
+      <p:sp>
+        <p:nvSpPr>
+          <p:cNvPr id="9" name="Callout: Left Arrow 8">
+            <a:extLst>
+              <a:ext uri="{FF2B5EF4-FFF2-40B4-BE49-F238E27FC236}">
+                <a16:creationId xmlns:a16="http://schemas.microsoft.com/office/drawing/2014/main" id="{D3C73802-2EA8-1D0C-214B-390BFD5053D7}"/>
+              </a:ext>
+            </a:extLst>
+          </p:cNvPr>
+          <p:cNvSpPr/>
+          <p:nvPr/>
+        </p:nvSpPr>
+        <p:spPr>
+          <a:xfrm>
+            <a:off x="7286782" y="1446473"/>
+            <a:ext cx="4663601" cy="1212834"/>
+          </a:xfrm>
+          <a:prstGeom prst="leftArrowCallout">
+            <a:avLst>
+              <a:gd name="adj1" fmla="val 13719"/>
+              <a:gd name="adj2" fmla="val 29833"/>
+              <a:gd name="adj3" fmla="val 33704"/>
+              <a:gd name="adj4" fmla="val 77155"/>
+            </a:avLst>
+          </a:prstGeom>
+          <a:solidFill>
+            <a:srgbClr val="FF0000"/>
+          </a:solidFill>
+        </p:spPr>
+        <p:style>
+          <a:lnRef idx="2">
+            <a:schemeClr val="accent3">
+              <a:shade val="15000"/>
+            </a:schemeClr>
+          </a:lnRef>
+          <a:fillRef idx="1">
+            <a:schemeClr val="accent3"/>
+          </a:fillRef>
+          <a:effectRef idx="0">
+            <a:schemeClr val="accent3"/>
+          </a:effectRef>
+          <a:fontRef idx="minor">
+            <a:schemeClr val="lt1"/>
+          </a:fontRef>
+        </p:style>
+        <p:txBody>
+          <a:bodyPr rtlCol="0" anchor="ctr"/>
+          <a:lstStyle/>
+          <a:p>
+            <a:pPr marL="168275" lvl="1"/>
+            <a:r>
+              <a:rPr lang="en-US" dirty="0">
+                <a:ea typeface="Consolas" charset="0"/>
+                <a:cs typeface="Consolas" charset="0"/>
+              </a:rPr>
+              <a:t>The 11</a:t>
+            </a:r>
+            <a:r>
+              <a:rPr lang="en-US" baseline="30000" dirty="0">
+                <a:ea typeface="Consolas" charset="0"/>
+                <a:cs typeface="Consolas" charset="0"/>
+              </a:rPr>
+              <a:t>th</a:t>
+            </a:r>
+            <a:r>
+              <a:rPr lang="en-US" dirty="0">
+                <a:ea typeface="Consolas" charset="0"/>
+                <a:cs typeface="Consolas" charset="0"/>
+              </a:rPr>
+              <a:t> question varied (25 each: easy, moderate, difficult, or impossible to solve)</a:t>
+            </a:r>
+            <a:endParaRPr lang="en-US" sz="2000" dirty="0">
+              <a:ea typeface="Consolas" charset="0"/>
+              <a:cs typeface="Consolas" charset="0"/>
+            </a:endParaRPr>
+          </a:p>
+        </p:txBody>
+      </p:sp>
+      <p:sp>
+        <p:nvSpPr>
+          <p:cNvPr id="23" name="TextBox 22">
+            <a:extLst>
+              <a:ext uri="{FF2B5EF4-FFF2-40B4-BE49-F238E27FC236}">
+                <a16:creationId xmlns:a16="http://schemas.microsoft.com/office/drawing/2014/main" id="{731264A1-5436-DA1E-CCB7-4B8E98E6E079}"/>
+              </a:ext>
+            </a:extLst>
+          </p:cNvPr>
+          <p:cNvSpPr txBox="1"/>
+          <p:nvPr/>
+        </p:nvSpPr>
+        <p:spPr>
+          <a:xfrm>
+            <a:off x="4524150" y="4710760"/>
+            <a:ext cx="3143699" cy="1477328"/>
+          </a:xfrm>
+          <a:prstGeom prst="rect">
+            <a:avLst/>
+          </a:prstGeom>
+          <a:noFill/>
         </p:spPr>
         <p:txBody>
-          <a:bodyPr>
-            <a:noAutofit/>
+          <a:bodyPr wrap="square">
+            <a:spAutoFit/>
           </a:bodyPr>
           <a:lstStyle/>
           <a:p>
-            <a:r>
-              <a:rPr lang="en-US" sz="2000" dirty="0">
+            <a:pPr algn="ctr"/>
+            <a:r>
+              <a:rPr lang="en-US" dirty="0">
                 <a:latin typeface="Consolas" charset="0"/>
                 <a:ea typeface="Consolas" charset="0"/>
                 <a:cs typeface="Consolas" charset="0"/>
               </a:rPr>
-              <a:t>Start of class: PRE-quiz:</a:t>
-            </a:r>
-          </a:p>
-          <a:p>
-            <a:pPr marL="635000" lvl="1" indent="-342900"/>
+              <a:t>Regular quiz w/11 multiple choice (10 questions, 1pt each + 11</a:t>
+            </a:r>
+            <a:r>
+              <a:rPr lang="en-US" baseline="30000" dirty="0">
+                <a:latin typeface="Consolas" charset="0"/>
+                <a:ea typeface="Consolas" charset="0"/>
+                <a:cs typeface="Consolas" charset="0"/>
+              </a:rPr>
+              <a:t>th</a:t>
+            </a:r>
+            <a:r>
+              <a:rPr lang="en-US" dirty="0">
+                <a:latin typeface="Consolas" charset="0"/>
+                <a:ea typeface="Consolas" charset="0"/>
+                <a:cs typeface="Consolas" charset="0"/>
+              </a:rPr>
+              <a:t> question = 3 points extra credit)</a:t>
+            </a:r>
+          </a:p>
+        </p:txBody>
+      </p:sp>
+      <p:sp>
+        <p:nvSpPr>
+          <p:cNvPr id="38" name="TextBox 37">
+            <a:extLst>
+              <a:ext uri="{FF2B5EF4-FFF2-40B4-BE49-F238E27FC236}">
+                <a16:creationId xmlns:a16="http://schemas.microsoft.com/office/drawing/2014/main" id="{EEF15363-98D1-6815-9F87-FE9B0EAF6306}"/>
+              </a:ext>
+            </a:extLst>
+          </p:cNvPr>
+          <p:cNvSpPr txBox="1"/>
+          <p:nvPr/>
+        </p:nvSpPr>
+        <p:spPr>
+          <a:xfrm>
+            <a:off x="9696248" y="2850303"/>
+            <a:ext cx="2230867" cy="2308324"/>
+          </a:xfrm>
+          <a:prstGeom prst="rect">
+            <a:avLst/>
+          </a:prstGeom>
+          <a:noFill/>
+        </p:spPr>
+        <p:txBody>
+          <a:bodyPr wrap="square">
+            <a:spAutoFit/>
+          </a:bodyPr>
+          <a:lstStyle/>
+          <a:p>
+            <a:pPr marL="168275" indent="65088"/>
+            <a:r>
+              <a:rPr lang="en-US" sz="1800" dirty="0" err="1">
+                <a:latin typeface="Consolas" charset="0"/>
+                <a:ea typeface="Consolas" charset="0"/>
+                <a:cs typeface="Consolas" charset="0"/>
+              </a:rPr>
+              <a:t>Ihno</a:t>
+            </a:r>
             <a:r>
               <a:rPr lang="en-US" sz="1800" dirty="0">
                 <a:latin typeface="Consolas" charset="0"/>
                 <a:ea typeface="Consolas" charset="0"/>
                 <a:cs typeface="Consolas" charset="0"/>
               </a:rPr>
-              <a:t>Taught students how to take their own pulse &amp; took two baseline measures (bpm)</a:t>
-            </a:r>
-          </a:p>
-          <a:p>
-            <a:pPr marL="635000" lvl="1" indent="-342900"/>
-            <a:r>
-              <a:rPr lang="en-US" sz="1800" dirty="0">
-                <a:latin typeface="Consolas" charset="0"/>
-                <a:ea typeface="Consolas" charset="0"/>
-                <a:cs typeface="Consolas" charset="0"/>
-              </a:rPr>
-              <a:t>Self-report: # cups of coffee since waking up that day</a:t>
-            </a:r>
-          </a:p>
-          <a:p>
-            <a:pPr marL="635000" lvl="1" indent="-342900"/>
-            <a:r>
-              <a:rPr lang="en-US" sz="1800" dirty="0">
-                <a:latin typeface="Consolas" charset="0"/>
-                <a:ea typeface="Consolas" charset="0"/>
-                <a:cs typeface="Consolas" charset="0"/>
-              </a:rPr>
-              <a:t>Self-report: Anxiety questionnaire w/10 items, each rated 0-4 (5-point Likert scale), total scores 0-40 (baseline anxiety)</a:t>
-            </a:r>
-          </a:p>
-          <a:p>
-            <a:pPr marL="461264" indent="-342900"/>
-            <a:r>
-              <a:rPr lang="en-US" sz="2000" dirty="0">
-                <a:latin typeface="Consolas" charset="0"/>
-                <a:ea typeface="Consolas" charset="0"/>
-                <a:cs typeface="Consolas" charset="0"/>
-              </a:rPr>
-              <a:t>ANNOUNCEMENT: “POP QUIZ”</a:t>
-            </a:r>
-          </a:p>
-          <a:p>
-            <a:pPr marL="635000" lvl="1" indent="-342900"/>
-            <a:r>
-              <a:rPr lang="en-US" sz="1800" dirty="0">
-                <a:latin typeface="Consolas" charset="0"/>
-                <a:ea typeface="Consolas" charset="0"/>
-                <a:cs typeface="Consolas" charset="0"/>
-              </a:rPr>
-              <a:t>w/11 multiple choice (10 questions, 1pt each + 11</a:t>
+              <a:t> explained the quiz would be graded (not 11</a:t>
             </a:r>
             <a:r>
               <a:rPr lang="en-US" sz="1800" baseline="30000" dirty="0">
@@ -7804,34 +13134,7 @@
                 <a:ea typeface="Consolas" charset="0"/>
                 <a:cs typeface="Consolas" charset="0"/>
               </a:rPr>
-              <a:t> question = 3 points extra credit)</a:t>
-            </a:r>
-          </a:p>
-          <a:p>
-            <a:pPr marL="635000" lvl="1" indent="-342900"/>
-            <a:r>
-              <a:rPr lang="en-US" sz="1800" dirty="0">
-                <a:latin typeface="Consolas" charset="0"/>
-                <a:ea typeface="Consolas" charset="0"/>
-                <a:cs typeface="Consolas" charset="0"/>
-              </a:rPr>
-              <a:t>The 11</a:t>
-            </a:r>
-            <a:r>
-              <a:rPr lang="en-US" sz="1800" baseline="30000" dirty="0">
-                <a:latin typeface="Consolas" charset="0"/>
-                <a:ea typeface="Consolas" charset="0"/>
-                <a:cs typeface="Consolas" charset="0"/>
-              </a:rPr>
-              <a:t>th</a:t>
-            </a:r>
-            <a:r>
-              <a:rPr lang="en-US" sz="1800" dirty="0">
-                <a:latin typeface="Consolas" charset="0"/>
-                <a:ea typeface="Consolas" charset="0"/>
-                <a:cs typeface="Consolas" charset="0"/>
-              </a:rPr>
-              <a:t> question varied (25 each: easy, moderate, difficult, or impossible to solve)</a:t>
+              <a:t> question) and returned, but would NOT count towards their grade</a:t>
             </a:r>
             <a:endParaRPr lang="en-US" sz="2000" dirty="0">
               <a:latin typeface="Consolas" charset="0"/>
@@ -7839,74 +13142,2703 @@
               <a:cs typeface="Consolas" charset="0"/>
             </a:endParaRPr>
           </a:p>
-          <a:p>
-            <a:pPr marL="461264" indent="-342900"/>
-            <a:r>
-              <a:rPr lang="en-US" sz="2000" dirty="0">
-                <a:latin typeface="Consolas" charset="0"/>
-                <a:ea typeface="Consolas" charset="0"/>
-                <a:cs typeface="Consolas" charset="0"/>
-              </a:rPr>
-              <a:t>End of class: POST-quiz</a:t>
-            </a:r>
-          </a:p>
-          <a:p>
-            <a:pPr marL="461264" indent="-342900"/>
-            <a:r>
-              <a:rPr lang="en-US" sz="1800" dirty="0">
-                <a:latin typeface="Consolas" charset="0"/>
-                <a:ea typeface="Consolas" charset="0"/>
-                <a:cs typeface="Consolas" charset="0"/>
-              </a:rPr>
-              <a:t>After collecting quiz, REPEATED the pulse and anxiety collection</a:t>
-            </a:r>
-          </a:p>
-          <a:p>
-            <a:pPr marL="461264" indent="-342900"/>
-            <a:r>
-              <a:rPr lang="en-US" sz="1800" dirty="0" err="1">
-                <a:latin typeface="Consolas" charset="0"/>
-                <a:ea typeface="Consolas" charset="0"/>
-                <a:cs typeface="Consolas" charset="0"/>
-              </a:rPr>
-              <a:t>Ihno</a:t>
-            </a:r>
-            <a:r>
-              <a:rPr lang="en-US" sz="1800" dirty="0">
-                <a:latin typeface="Consolas" charset="0"/>
-                <a:ea typeface="Consolas" charset="0"/>
-                <a:cs typeface="Consolas" charset="0"/>
-              </a:rPr>
-              <a:t> explained the quiz would be graded (not 11</a:t>
-            </a:r>
-            <a:r>
-              <a:rPr lang="en-US" sz="1800" baseline="30000" dirty="0">
-                <a:latin typeface="Consolas" charset="0"/>
-                <a:ea typeface="Consolas" charset="0"/>
-                <a:cs typeface="Consolas" charset="0"/>
-              </a:rPr>
-              <a:t>th</a:t>
-            </a:r>
-            <a:r>
-              <a:rPr lang="en-US" sz="1800" dirty="0">
-                <a:latin typeface="Consolas" charset="0"/>
-                <a:ea typeface="Consolas" charset="0"/>
-                <a:cs typeface="Consolas" charset="0"/>
-              </a:rPr>
-              <a:t> question) and returned, but would NOT count towards their grade</a:t>
-            </a:r>
-            <a:endParaRPr lang="en-US" sz="2000" dirty="0">
-              <a:latin typeface="Consolas" charset="0"/>
-              <a:ea typeface="Consolas" charset="0"/>
-              <a:cs typeface="Consolas" charset="0"/>
-            </a:endParaRPr>
-          </a:p>
         </p:txBody>
       </p:sp>
     </p:spTree>
     <p:extLst>
       <p:ext uri="{BB962C8B-B14F-4D97-AF65-F5344CB8AC3E}">
-        <p14:creationId xmlns:p14="http://schemas.microsoft.com/office/powerpoint/2010/main" val="2988515279"/>
+        <p14:creationId xmlns:p14="http://schemas.microsoft.com/office/powerpoint/2010/main" val="843030463"/>
+      </p:ext>
+    </p:extLst>
+  </p:cSld>
+  <p:clrMapOvr>
+    <a:masterClrMapping/>
+  </p:clrMapOvr>
+  <p:timing>
+    <p:tnLst>
+      <p:par>
+        <p:cTn id="1" dur="indefinite" restart="never" nodeType="tmRoot">
+          <p:childTnLst>
+            <p:seq concurrent="1" nextAc="seek">
+              <p:cTn id="2" dur="indefinite" nodeType="mainSeq">
+                <p:childTnLst>
+                  <p:par>
+                    <p:cTn id="3" fill="hold">
+                      <p:stCondLst>
+                        <p:cond delay="indefinite"/>
+                      </p:stCondLst>
+                      <p:childTnLst>
+                        <p:par>
+                          <p:cTn id="4" fill="hold">
+                            <p:stCondLst>
+                              <p:cond delay="0"/>
+                            </p:stCondLst>
+                            <p:childTnLst>
+                              <p:par>
+                                <p:cTn id="5" presetID="2" presetClass="entr" presetSubtype="8" fill="hold" grpId="0" nodeType="clickEffect">
+                                  <p:stCondLst>
+                                    <p:cond delay="0"/>
+                                  </p:stCondLst>
+                                  <p:childTnLst>
+                                    <p:set>
+                                      <p:cBhvr>
+                                        <p:cTn id="6" dur="1" fill="hold">
+                                          <p:stCondLst>
+                                            <p:cond delay="0"/>
+                                          </p:stCondLst>
+                                        </p:cTn>
+                                        <p:tgtEl>
+                                          <p:spTgt spid="4"/>
+                                        </p:tgtEl>
+                                        <p:attrNameLst>
+                                          <p:attrName>style.visibility</p:attrName>
+                                        </p:attrNameLst>
+                                      </p:cBhvr>
+                                      <p:to>
+                                        <p:strVal val="visible"/>
+                                      </p:to>
+                                    </p:set>
+                                    <p:anim calcmode="lin" valueType="num">
+                                      <p:cBhvr additive="base">
+                                        <p:cTn id="7" dur="500" fill="hold"/>
+                                        <p:tgtEl>
+                                          <p:spTgt spid="4"/>
+                                        </p:tgtEl>
+                                        <p:attrNameLst>
+                                          <p:attrName>ppt_x</p:attrName>
+                                        </p:attrNameLst>
+                                      </p:cBhvr>
+                                      <p:tavLst>
+                                        <p:tav tm="0">
+                                          <p:val>
+                                            <p:strVal val="0-#ppt_w/2"/>
+                                          </p:val>
+                                        </p:tav>
+                                        <p:tav tm="100000">
+                                          <p:val>
+                                            <p:strVal val="#ppt_x"/>
+                                          </p:val>
+                                        </p:tav>
+                                      </p:tavLst>
+                                    </p:anim>
+                                    <p:anim calcmode="lin" valueType="num">
+                                      <p:cBhvr additive="base">
+                                        <p:cTn id="8" dur="500" fill="hold"/>
+                                        <p:tgtEl>
+                                          <p:spTgt spid="4"/>
+                                        </p:tgtEl>
+                                        <p:attrNameLst>
+                                          <p:attrName>ppt_y</p:attrName>
+                                        </p:attrNameLst>
+                                      </p:cBhvr>
+                                      <p:tavLst>
+                                        <p:tav tm="0">
+                                          <p:val>
+                                            <p:strVal val="#ppt_y"/>
+                                          </p:val>
+                                        </p:tav>
+                                        <p:tav tm="100000">
+                                          <p:val>
+                                            <p:strVal val="#ppt_y"/>
+                                          </p:val>
+                                        </p:tav>
+                                      </p:tavLst>
+                                    </p:anim>
+                                  </p:childTnLst>
+                                </p:cTn>
+                              </p:par>
+                            </p:childTnLst>
+                          </p:cTn>
+                        </p:par>
+                      </p:childTnLst>
+                    </p:cTn>
+                  </p:par>
+                  <p:par>
+                    <p:cTn id="9" fill="hold">
+                      <p:stCondLst>
+                        <p:cond delay="indefinite"/>
+                      </p:stCondLst>
+                      <p:childTnLst>
+                        <p:par>
+                          <p:cTn id="10" fill="hold">
+                            <p:stCondLst>
+                              <p:cond delay="0"/>
+                            </p:stCondLst>
+                            <p:childTnLst>
+                              <p:par>
+                                <p:cTn id="11" presetID="10" presetClass="entr" presetSubtype="0" fill="hold" grpId="0" nodeType="clickEffect">
+                                  <p:stCondLst>
+                                    <p:cond delay="0"/>
+                                  </p:stCondLst>
+                                  <p:childTnLst>
+                                    <p:set>
+                                      <p:cBhvr>
+                                        <p:cTn id="12" dur="1" fill="hold">
+                                          <p:stCondLst>
+                                            <p:cond delay="0"/>
+                                          </p:stCondLst>
+                                        </p:cTn>
+                                        <p:tgtEl>
+                                          <p:spTgt spid="26"/>
+                                        </p:tgtEl>
+                                        <p:attrNameLst>
+                                          <p:attrName>style.visibility</p:attrName>
+                                        </p:attrNameLst>
+                                      </p:cBhvr>
+                                      <p:to>
+                                        <p:strVal val="visible"/>
+                                      </p:to>
+                                    </p:set>
+                                    <p:animEffect transition="in" filter="fade">
+                                      <p:cBhvr>
+                                        <p:cTn id="13" dur="500"/>
+                                        <p:tgtEl>
+                                          <p:spTgt spid="26"/>
+                                        </p:tgtEl>
+                                      </p:cBhvr>
+                                    </p:animEffect>
+                                  </p:childTnLst>
+                                </p:cTn>
+                              </p:par>
+                            </p:childTnLst>
+                          </p:cTn>
+                        </p:par>
+                        <p:par>
+                          <p:cTn id="14" fill="hold">
+                            <p:stCondLst>
+                              <p:cond delay="500"/>
+                            </p:stCondLst>
+                            <p:childTnLst>
+                              <p:par>
+                                <p:cTn id="15" presetID="2" presetClass="entr" presetSubtype="12" fill="hold" nodeType="afterEffect">
+                                  <p:stCondLst>
+                                    <p:cond delay="0"/>
+                                  </p:stCondLst>
+                                  <p:childTnLst>
+                                    <p:set>
+                                      <p:cBhvr>
+                                        <p:cTn id="16" dur="1" fill="hold">
+                                          <p:stCondLst>
+                                            <p:cond delay="0"/>
+                                          </p:stCondLst>
+                                        </p:cTn>
+                                        <p:tgtEl>
+                                          <p:spTgt spid="7"/>
+                                        </p:tgtEl>
+                                        <p:attrNameLst>
+                                          <p:attrName>style.visibility</p:attrName>
+                                        </p:attrNameLst>
+                                      </p:cBhvr>
+                                      <p:to>
+                                        <p:strVal val="visible"/>
+                                      </p:to>
+                                    </p:set>
+                                    <p:anim calcmode="lin" valueType="num">
+                                      <p:cBhvr additive="base">
+                                        <p:cTn id="17" dur="500" fill="hold"/>
+                                        <p:tgtEl>
+                                          <p:spTgt spid="7"/>
+                                        </p:tgtEl>
+                                        <p:attrNameLst>
+                                          <p:attrName>ppt_x</p:attrName>
+                                        </p:attrNameLst>
+                                      </p:cBhvr>
+                                      <p:tavLst>
+                                        <p:tav tm="0">
+                                          <p:val>
+                                            <p:strVal val="0-#ppt_w/2"/>
+                                          </p:val>
+                                        </p:tav>
+                                        <p:tav tm="100000">
+                                          <p:val>
+                                            <p:strVal val="#ppt_x"/>
+                                          </p:val>
+                                        </p:tav>
+                                      </p:tavLst>
+                                    </p:anim>
+                                    <p:anim calcmode="lin" valueType="num">
+                                      <p:cBhvr additive="base">
+                                        <p:cTn id="18" dur="500" fill="hold"/>
+                                        <p:tgtEl>
+                                          <p:spTgt spid="7"/>
+                                        </p:tgtEl>
+                                        <p:attrNameLst>
+                                          <p:attrName>ppt_y</p:attrName>
+                                        </p:attrNameLst>
+                                      </p:cBhvr>
+                                      <p:tavLst>
+                                        <p:tav tm="0">
+                                          <p:val>
+                                            <p:strVal val="1+#ppt_h/2"/>
+                                          </p:val>
+                                        </p:tav>
+                                        <p:tav tm="100000">
+                                          <p:val>
+                                            <p:strVal val="#ppt_y"/>
+                                          </p:val>
+                                        </p:tav>
+                                      </p:tavLst>
+                                    </p:anim>
+                                  </p:childTnLst>
+                                </p:cTn>
+                              </p:par>
+                            </p:childTnLst>
+                          </p:cTn>
+                        </p:par>
+                      </p:childTnLst>
+                    </p:cTn>
+                  </p:par>
+                  <p:par>
+                    <p:cTn id="19" fill="hold">
+                      <p:stCondLst>
+                        <p:cond delay="indefinite"/>
+                      </p:stCondLst>
+                      <p:childTnLst>
+                        <p:par>
+                          <p:cTn id="20" fill="hold">
+                            <p:stCondLst>
+                              <p:cond delay="0"/>
+                            </p:stCondLst>
+                            <p:childTnLst>
+                              <p:par>
+                                <p:cTn id="21" presetID="10" presetClass="entr" presetSubtype="0" fill="hold" grpId="0" nodeType="clickEffect">
+                                  <p:stCondLst>
+                                    <p:cond delay="0"/>
+                                  </p:stCondLst>
+                                  <p:childTnLst>
+                                    <p:set>
+                                      <p:cBhvr>
+                                        <p:cTn id="22" dur="1" fill="hold">
+                                          <p:stCondLst>
+                                            <p:cond delay="0"/>
+                                          </p:stCondLst>
+                                        </p:cTn>
+                                        <p:tgtEl>
+                                          <p:spTgt spid="27"/>
+                                        </p:tgtEl>
+                                        <p:attrNameLst>
+                                          <p:attrName>style.visibility</p:attrName>
+                                        </p:attrNameLst>
+                                      </p:cBhvr>
+                                      <p:to>
+                                        <p:strVal val="visible"/>
+                                      </p:to>
+                                    </p:set>
+                                    <p:animEffect transition="in" filter="fade">
+                                      <p:cBhvr>
+                                        <p:cTn id="23" dur="500"/>
+                                        <p:tgtEl>
+                                          <p:spTgt spid="27"/>
+                                        </p:tgtEl>
+                                      </p:cBhvr>
+                                    </p:animEffect>
+                                  </p:childTnLst>
+                                </p:cTn>
+                              </p:par>
+                            </p:childTnLst>
+                          </p:cTn>
+                        </p:par>
+                        <p:par>
+                          <p:cTn id="24" fill="hold">
+                            <p:stCondLst>
+                              <p:cond delay="500"/>
+                            </p:stCondLst>
+                            <p:childTnLst>
+                              <p:par>
+                                <p:cTn id="25" presetID="2" presetClass="entr" presetSubtype="4" fill="hold" grpId="0" nodeType="afterEffect">
+                                  <p:stCondLst>
+                                    <p:cond delay="0"/>
+                                  </p:stCondLst>
+                                  <p:childTnLst>
+                                    <p:set>
+                                      <p:cBhvr>
+                                        <p:cTn id="26" dur="1" fill="hold">
+                                          <p:stCondLst>
+                                            <p:cond delay="0"/>
+                                          </p:stCondLst>
+                                        </p:cTn>
+                                        <p:tgtEl>
+                                          <p:spTgt spid="8"/>
+                                        </p:tgtEl>
+                                        <p:attrNameLst>
+                                          <p:attrName>style.visibility</p:attrName>
+                                        </p:attrNameLst>
+                                      </p:cBhvr>
+                                      <p:to>
+                                        <p:strVal val="visible"/>
+                                      </p:to>
+                                    </p:set>
+                                    <p:anim calcmode="lin" valueType="num">
+                                      <p:cBhvr additive="base">
+                                        <p:cTn id="27" dur="500" fill="hold"/>
+                                        <p:tgtEl>
+                                          <p:spTgt spid="8"/>
+                                        </p:tgtEl>
+                                        <p:attrNameLst>
+                                          <p:attrName>ppt_x</p:attrName>
+                                        </p:attrNameLst>
+                                      </p:cBhvr>
+                                      <p:tavLst>
+                                        <p:tav tm="0">
+                                          <p:val>
+                                            <p:strVal val="#ppt_x"/>
+                                          </p:val>
+                                        </p:tav>
+                                        <p:tav tm="100000">
+                                          <p:val>
+                                            <p:strVal val="#ppt_x"/>
+                                          </p:val>
+                                        </p:tav>
+                                      </p:tavLst>
+                                    </p:anim>
+                                    <p:anim calcmode="lin" valueType="num">
+                                      <p:cBhvr additive="base">
+                                        <p:cTn id="28" dur="500" fill="hold"/>
+                                        <p:tgtEl>
+                                          <p:spTgt spid="8"/>
+                                        </p:tgtEl>
+                                        <p:attrNameLst>
+                                          <p:attrName>ppt_y</p:attrName>
+                                        </p:attrNameLst>
+                                      </p:cBhvr>
+                                      <p:tavLst>
+                                        <p:tav tm="0">
+                                          <p:val>
+                                            <p:strVal val="1+#ppt_h/2"/>
+                                          </p:val>
+                                        </p:tav>
+                                        <p:tav tm="100000">
+                                          <p:val>
+                                            <p:strVal val="#ppt_y"/>
+                                          </p:val>
+                                        </p:tav>
+                                      </p:tavLst>
+                                    </p:anim>
+                                  </p:childTnLst>
+                                </p:cTn>
+                              </p:par>
+                            </p:childTnLst>
+                          </p:cTn>
+                        </p:par>
+                      </p:childTnLst>
+                    </p:cTn>
+                  </p:par>
+                  <p:par>
+                    <p:cTn id="29" fill="hold">
+                      <p:stCondLst>
+                        <p:cond delay="indefinite"/>
+                      </p:stCondLst>
+                      <p:childTnLst>
+                        <p:par>
+                          <p:cTn id="30" fill="hold">
+                            <p:stCondLst>
+                              <p:cond delay="0"/>
+                            </p:stCondLst>
+                            <p:childTnLst>
+                              <p:par>
+                                <p:cTn id="31" presetID="31" presetClass="entr" presetSubtype="0" fill="hold" grpId="0" nodeType="clickEffect">
+                                  <p:stCondLst>
+                                    <p:cond delay="0"/>
+                                  </p:stCondLst>
+                                  <p:childTnLst>
+                                    <p:set>
+                                      <p:cBhvr>
+                                        <p:cTn id="32" dur="1" fill="hold">
+                                          <p:stCondLst>
+                                            <p:cond delay="0"/>
+                                          </p:stCondLst>
+                                        </p:cTn>
+                                        <p:tgtEl>
+                                          <p:spTgt spid="36"/>
+                                        </p:tgtEl>
+                                        <p:attrNameLst>
+                                          <p:attrName>style.visibility</p:attrName>
+                                        </p:attrNameLst>
+                                      </p:cBhvr>
+                                      <p:to>
+                                        <p:strVal val="visible"/>
+                                      </p:to>
+                                    </p:set>
+                                    <p:anim calcmode="lin" valueType="num">
+                                      <p:cBhvr>
+                                        <p:cTn id="33" dur="1000" fill="hold"/>
+                                        <p:tgtEl>
+                                          <p:spTgt spid="36"/>
+                                        </p:tgtEl>
+                                        <p:attrNameLst>
+                                          <p:attrName>ppt_w</p:attrName>
+                                        </p:attrNameLst>
+                                      </p:cBhvr>
+                                      <p:tavLst>
+                                        <p:tav tm="0">
+                                          <p:val>
+                                            <p:fltVal val="0"/>
+                                          </p:val>
+                                        </p:tav>
+                                        <p:tav tm="100000">
+                                          <p:val>
+                                            <p:strVal val="#ppt_w"/>
+                                          </p:val>
+                                        </p:tav>
+                                      </p:tavLst>
+                                    </p:anim>
+                                    <p:anim calcmode="lin" valueType="num">
+                                      <p:cBhvr>
+                                        <p:cTn id="34" dur="1000" fill="hold"/>
+                                        <p:tgtEl>
+                                          <p:spTgt spid="36"/>
+                                        </p:tgtEl>
+                                        <p:attrNameLst>
+                                          <p:attrName>ppt_h</p:attrName>
+                                        </p:attrNameLst>
+                                      </p:cBhvr>
+                                      <p:tavLst>
+                                        <p:tav tm="0">
+                                          <p:val>
+                                            <p:fltVal val="0"/>
+                                          </p:val>
+                                        </p:tav>
+                                        <p:tav tm="100000">
+                                          <p:val>
+                                            <p:strVal val="#ppt_h"/>
+                                          </p:val>
+                                        </p:tav>
+                                      </p:tavLst>
+                                    </p:anim>
+                                    <p:anim calcmode="lin" valueType="num">
+                                      <p:cBhvr>
+                                        <p:cTn id="35" dur="1000" fill="hold"/>
+                                        <p:tgtEl>
+                                          <p:spTgt spid="36"/>
+                                        </p:tgtEl>
+                                        <p:attrNameLst>
+                                          <p:attrName>style.rotation</p:attrName>
+                                        </p:attrNameLst>
+                                      </p:cBhvr>
+                                      <p:tavLst>
+                                        <p:tav tm="0">
+                                          <p:val>
+                                            <p:fltVal val="90"/>
+                                          </p:val>
+                                        </p:tav>
+                                        <p:tav tm="100000">
+                                          <p:val>
+                                            <p:fltVal val="0"/>
+                                          </p:val>
+                                        </p:tav>
+                                      </p:tavLst>
+                                    </p:anim>
+                                    <p:animEffect transition="in" filter="fade">
+                                      <p:cBhvr>
+                                        <p:cTn id="36" dur="1000"/>
+                                        <p:tgtEl>
+                                          <p:spTgt spid="36"/>
+                                        </p:tgtEl>
+                                      </p:cBhvr>
+                                    </p:animEffect>
+                                  </p:childTnLst>
+                                </p:cTn>
+                              </p:par>
+                              <p:par>
+                                <p:cTn id="37" presetID="31" presetClass="entr" presetSubtype="0" fill="hold" grpId="0" nodeType="withEffect">
+                                  <p:stCondLst>
+                                    <p:cond delay="0"/>
+                                  </p:stCondLst>
+                                  <p:childTnLst>
+                                    <p:set>
+                                      <p:cBhvr>
+                                        <p:cTn id="38" dur="1" fill="hold">
+                                          <p:stCondLst>
+                                            <p:cond delay="0"/>
+                                          </p:stCondLst>
+                                        </p:cTn>
+                                        <p:tgtEl>
+                                          <p:spTgt spid="23"/>
+                                        </p:tgtEl>
+                                        <p:attrNameLst>
+                                          <p:attrName>style.visibility</p:attrName>
+                                        </p:attrNameLst>
+                                      </p:cBhvr>
+                                      <p:to>
+                                        <p:strVal val="visible"/>
+                                      </p:to>
+                                    </p:set>
+                                    <p:anim calcmode="lin" valueType="num">
+                                      <p:cBhvr>
+                                        <p:cTn id="39" dur="1000" fill="hold"/>
+                                        <p:tgtEl>
+                                          <p:spTgt spid="23"/>
+                                        </p:tgtEl>
+                                        <p:attrNameLst>
+                                          <p:attrName>ppt_w</p:attrName>
+                                        </p:attrNameLst>
+                                      </p:cBhvr>
+                                      <p:tavLst>
+                                        <p:tav tm="0">
+                                          <p:val>
+                                            <p:fltVal val="0"/>
+                                          </p:val>
+                                        </p:tav>
+                                        <p:tav tm="100000">
+                                          <p:val>
+                                            <p:strVal val="#ppt_w"/>
+                                          </p:val>
+                                        </p:tav>
+                                      </p:tavLst>
+                                    </p:anim>
+                                    <p:anim calcmode="lin" valueType="num">
+                                      <p:cBhvr>
+                                        <p:cTn id="40" dur="1000" fill="hold"/>
+                                        <p:tgtEl>
+                                          <p:spTgt spid="23"/>
+                                        </p:tgtEl>
+                                        <p:attrNameLst>
+                                          <p:attrName>ppt_h</p:attrName>
+                                        </p:attrNameLst>
+                                      </p:cBhvr>
+                                      <p:tavLst>
+                                        <p:tav tm="0">
+                                          <p:val>
+                                            <p:fltVal val="0"/>
+                                          </p:val>
+                                        </p:tav>
+                                        <p:tav tm="100000">
+                                          <p:val>
+                                            <p:strVal val="#ppt_h"/>
+                                          </p:val>
+                                        </p:tav>
+                                      </p:tavLst>
+                                    </p:anim>
+                                    <p:anim calcmode="lin" valueType="num">
+                                      <p:cBhvr>
+                                        <p:cTn id="41" dur="1000" fill="hold"/>
+                                        <p:tgtEl>
+                                          <p:spTgt spid="23"/>
+                                        </p:tgtEl>
+                                        <p:attrNameLst>
+                                          <p:attrName>style.rotation</p:attrName>
+                                        </p:attrNameLst>
+                                      </p:cBhvr>
+                                      <p:tavLst>
+                                        <p:tav tm="0">
+                                          <p:val>
+                                            <p:fltVal val="90"/>
+                                          </p:val>
+                                        </p:tav>
+                                        <p:tav tm="100000">
+                                          <p:val>
+                                            <p:fltVal val="0"/>
+                                          </p:val>
+                                        </p:tav>
+                                      </p:tavLst>
+                                    </p:anim>
+                                    <p:animEffect transition="in" filter="fade">
+                                      <p:cBhvr>
+                                        <p:cTn id="42" dur="1000"/>
+                                        <p:tgtEl>
+                                          <p:spTgt spid="23"/>
+                                        </p:tgtEl>
+                                      </p:cBhvr>
+                                    </p:animEffect>
+                                  </p:childTnLst>
+                                </p:cTn>
+                              </p:par>
+                            </p:childTnLst>
+                          </p:cTn>
+                        </p:par>
+                      </p:childTnLst>
+                    </p:cTn>
+                  </p:par>
+                  <p:par>
+                    <p:cTn id="43" fill="hold">
+                      <p:stCondLst>
+                        <p:cond delay="indefinite"/>
+                      </p:stCondLst>
+                      <p:childTnLst>
+                        <p:par>
+                          <p:cTn id="44" fill="hold">
+                            <p:stCondLst>
+                              <p:cond delay="0"/>
+                            </p:stCondLst>
+                            <p:childTnLst>
+                              <p:par>
+                                <p:cTn id="45" presetID="10" presetClass="entr" presetSubtype="0" fill="hold" nodeType="clickEffect">
+                                  <p:stCondLst>
+                                    <p:cond delay="0"/>
+                                  </p:stCondLst>
+                                  <p:childTnLst>
+                                    <p:set>
+                                      <p:cBhvr>
+                                        <p:cTn id="46" dur="1" fill="hold">
+                                          <p:stCondLst>
+                                            <p:cond delay="0"/>
+                                          </p:stCondLst>
+                                        </p:cTn>
+                                        <p:tgtEl>
+                                          <p:spTgt spid="34"/>
+                                        </p:tgtEl>
+                                        <p:attrNameLst>
+                                          <p:attrName>style.visibility</p:attrName>
+                                        </p:attrNameLst>
+                                      </p:cBhvr>
+                                      <p:to>
+                                        <p:strVal val="visible"/>
+                                      </p:to>
+                                    </p:set>
+                                    <p:animEffect transition="in" filter="fade">
+                                      <p:cBhvr>
+                                        <p:cTn id="47" dur="500"/>
+                                        <p:tgtEl>
+                                          <p:spTgt spid="34"/>
+                                        </p:tgtEl>
+                                      </p:cBhvr>
+                                    </p:animEffect>
+                                  </p:childTnLst>
+                                </p:cTn>
+                              </p:par>
+                            </p:childTnLst>
+                          </p:cTn>
+                        </p:par>
+                      </p:childTnLst>
+                    </p:cTn>
+                  </p:par>
+                  <p:par>
+                    <p:cTn id="48" fill="hold">
+                      <p:stCondLst>
+                        <p:cond delay="indefinite"/>
+                      </p:stCondLst>
+                      <p:childTnLst>
+                        <p:par>
+                          <p:cTn id="49" fill="hold">
+                            <p:stCondLst>
+                              <p:cond delay="0"/>
+                            </p:stCondLst>
+                            <p:childTnLst>
+                              <p:par>
+                                <p:cTn id="50" presetID="53" presetClass="entr" presetSubtype="16" fill="hold" grpId="0" nodeType="clickEffect">
+                                  <p:stCondLst>
+                                    <p:cond delay="0"/>
+                                  </p:stCondLst>
+                                  <p:childTnLst>
+                                    <p:set>
+                                      <p:cBhvr>
+                                        <p:cTn id="51" dur="1" fill="hold">
+                                          <p:stCondLst>
+                                            <p:cond delay="0"/>
+                                          </p:stCondLst>
+                                        </p:cTn>
+                                        <p:tgtEl>
+                                          <p:spTgt spid="51"/>
+                                        </p:tgtEl>
+                                        <p:attrNameLst>
+                                          <p:attrName>style.visibility</p:attrName>
+                                        </p:attrNameLst>
+                                      </p:cBhvr>
+                                      <p:to>
+                                        <p:strVal val="visible"/>
+                                      </p:to>
+                                    </p:set>
+                                    <p:anim calcmode="lin" valueType="num">
+                                      <p:cBhvr>
+                                        <p:cTn id="52" dur="500" fill="hold"/>
+                                        <p:tgtEl>
+                                          <p:spTgt spid="51"/>
+                                        </p:tgtEl>
+                                        <p:attrNameLst>
+                                          <p:attrName>ppt_w</p:attrName>
+                                        </p:attrNameLst>
+                                      </p:cBhvr>
+                                      <p:tavLst>
+                                        <p:tav tm="0">
+                                          <p:val>
+                                            <p:fltVal val="0"/>
+                                          </p:val>
+                                        </p:tav>
+                                        <p:tav tm="100000">
+                                          <p:val>
+                                            <p:strVal val="#ppt_w"/>
+                                          </p:val>
+                                        </p:tav>
+                                      </p:tavLst>
+                                    </p:anim>
+                                    <p:anim calcmode="lin" valueType="num">
+                                      <p:cBhvr>
+                                        <p:cTn id="53" dur="500" fill="hold"/>
+                                        <p:tgtEl>
+                                          <p:spTgt spid="51"/>
+                                        </p:tgtEl>
+                                        <p:attrNameLst>
+                                          <p:attrName>ppt_h</p:attrName>
+                                        </p:attrNameLst>
+                                      </p:cBhvr>
+                                      <p:tavLst>
+                                        <p:tav tm="0">
+                                          <p:val>
+                                            <p:fltVal val="0"/>
+                                          </p:val>
+                                        </p:tav>
+                                        <p:tav tm="100000">
+                                          <p:val>
+                                            <p:strVal val="#ppt_h"/>
+                                          </p:val>
+                                        </p:tav>
+                                      </p:tavLst>
+                                    </p:anim>
+                                    <p:animEffect transition="in" filter="fade">
+                                      <p:cBhvr>
+                                        <p:cTn id="54" dur="500"/>
+                                        <p:tgtEl>
+                                          <p:spTgt spid="51"/>
+                                        </p:tgtEl>
+                                      </p:cBhvr>
+                                    </p:animEffect>
+                                  </p:childTnLst>
+                                </p:cTn>
+                              </p:par>
+                            </p:childTnLst>
+                          </p:cTn>
+                        </p:par>
+                        <p:par>
+                          <p:cTn id="55" fill="hold">
+                            <p:stCondLst>
+                              <p:cond delay="500"/>
+                            </p:stCondLst>
+                            <p:childTnLst>
+                              <p:par>
+                                <p:cTn id="56" presetID="2" presetClass="entr" presetSubtype="2" fill="hold" grpId="0" nodeType="afterEffect">
+                                  <p:stCondLst>
+                                    <p:cond delay="0"/>
+                                  </p:stCondLst>
+                                  <p:childTnLst>
+                                    <p:set>
+                                      <p:cBhvr>
+                                        <p:cTn id="57" dur="1" fill="hold">
+                                          <p:stCondLst>
+                                            <p:cond delay="0"/>
+                                          </p:stCondLst>
+                                        </p:cTn>
+                                        <p:tgtEl>
+                                          <p:spTgt spid="9"/>
+                                        </p:tgtEl>
+                                        <p:attrNameLst>
+                                          <p:attrName>style.visibility</p:attrName>
+                                        </p:attrNameLst>
+                                      </p:cBhvr>
+                                      <p:to>
+                                        <p:strVal val="visible"/>
+                                      </p:to>
+                                    </p:set>
+                                    <p:anim calcmode="lin" valueType="num">
+                                      <p:cBhvr additive="base">
+                                        <p:cTn id="58" dur="500" fill="hold"/>
+                                        <p:tgtEl>
+                                          <p:spTgt spid="9"/>
+                                        </p:tgtEl>
+                                        <p:attrNameLst>
+                                          <p:attrName>ppt_x</p:attrName>
+                                        </p:attrNameLst>
+                                      </p:cBhvr>
+                                      <p:tavLst>
+                                        <p:tav tm="0">
+                                          <p:val>
+                                            <p:strVal val="1+#ppt_w/2"/>
+                                          </p:val>
+                                        </p:tav>
+                                        <p:tav tm="100000">
+                                          <p:val>
+                                            <p:strVal val="#ppt_x"/>
+                                          </p:val>
+                                        </p:tav>
+                                      </p:tavLst>
+                                    </p:anim>
+                                    <p:anim calcmode="lin" valueType="num">
+                                      <p:cBhvr additive="base">
+                                        <p:cTn id="59" dur="500" fill="hold"/>
+                                        <p:tgtEl>
+                                          <p:spTgt spid="9"/>
+                                        </p:tgtEl>
+                                        <p:attrNameLst>
+                                          <p:attrName>ppt_y</p:attrName>
+                                        </p:attrNameLst>
+                                      </p:cBhvr>
+                                      <p:tavLst>
+                                        <p:tav tm="0">
+                                          <p:val>
+                                            <p:strVal val="#ppt_y"/>
+                                          </p:val>
+                                        </p:tav>
+                                        <p:tav tm="100000">
+                                          <p:val>
+                                            <p:strVal val="#ppt_y"/>
+                                          </p:val>
+                                        </p:tav>
+                                      </p:tavLst>
+                                    </p:anim>
+                                  </p:childTnLst>
+                                </p:cTn>
+                              </p:par>
+                            </p:childTnLst>
+                          </p:cTn>
+                        </p:par>
+                      </p:childTnLst>
+                    </p:cTn>
+                  </p:par>
+                  <p:par>
+                    <p:cTn id="60" fill="hold">
+                      <p:stCondLst>
+                        <p:cond delay="indefinite"/>
+                      </p:stCondLst>
+                      <p:childTnLst>
+                        <p:par>
+                          <p:cTn id="61" fill="hold">
+                            <p:stCondLst>
+                              <p:cond delay="0"/>
+                            </p:stCondLst>
+                            <p:childTnLst>
+                              <p:par>
+                                <p:cTn id="62" presetID="53" presetClass="entr" presetSubtype="16" fill="hold" grpId="0" nodeType="clickEffect">
+                                  <p:stCondLst>
+                                    <p:cond delay="0"/>
+                                  </p:stCondLst>
+                                  <p:childTnLst>
+                                    <p:set>
+                                      <p:cBhvr>
+                                        <p:cTn id="63" dur="1" fill="hold">
+                                          <p:stCondLst>
+                                            <p:cond delay="0"/>
+                                          </p:stCondLst>
+                                        </p:cTn>
+                                        <p:tgtEl>
+                                          <p:spTgt spid="37"/>
+                                        </p:tgtEl>
+                                        <p:attrNameLst>
+                                          <p:attrName>style.visibility</p:attrName>
+                                        </p:attrNameLst>
+                                      </p:cBhvr>
+                                      <p:to>
+                                        <p:strVal val="visible"/>
+                                      </p:to>
+                                    </p:set>
+                                    <p:anim calcmode="lin" valueType="num">
+                                      <p:cBhvr>
+                                        <p:cTn id="64" dur="500" fill="hold"/>
+                                        <p:tgtEl>
+                                          <p:spTgt spid="37"/>
+                                        </p:tgtEl>
+                                        <p:attrNameLst>
+                                          <p:attrName>ppt_w</p:attrName>
+                                        </p:attrNameLst>
+                                      </p:cBhvr>
+                                      <p:tavLst>
+                                        <p:tav tm="0">
+                                          <p:val>
+                                            <p:fltVal val="0"/>
+                                          </p:val>
+                                        </p:tav>
+                                        <p:tav tm="100000">
+                                          <p:val>
+                                            <p:strVal val="#ppt_w"/>
+                                          </p:val>
+                                        </p:tav>
+                                      </p:tavLst>
+                                    </p:anim>
+                                    <p:anim calcmode="lin" valueType="num">
+                                      <p:cBhvr>
+                                        <p:cTn id="65" dur="500" fill="hold"/>
+                                        <p:tgtEl>
+                                          <p:spTgt spid="37"/>
+                                        </p:tgtEl>
+                                        <p:attrNameLst>
+                                          <p:attrName>ppt_h</p:attrName>
+                                        </p:attrNameLst>
+                                      </p:cBhvr>
+                                      <p:tavLst>
+                                        <p:tav tm="0">
+                                          <p:val>
+                                            <p:fltVal val="0"/>
+                                          </p:val>
+                                        </p:tav>
+                                        <p:tav tm="100000">
+                                          <p:val>
+                                            <p:strVal val="#ppt_h"/>
+                                          </p:val>
+                                        </p:tav>
+                                      </p:tavLst>
+                                    </p:anim>
+                                    <p:animEffect transition="in" filter="fade">
+                                      <p:cBhvr>
+                                        <p:cTn id="66" dur="500"/>
+                                        <p:tgtEl>
+                                          <p:spTgt spid="37"/>
+                                        </p:tgtEl>
+                                      </p:cBhvr>
+                                    </p:animEffect>
+                                  </p:childTnLst>
+                                </p:cTn>
+                              </p:par>
+                            </p:childTnLst>
+                          </p:cTn>
+                        </p:par>
+                      </p:childTnLst>
+                    </p:cTn>
+                  </p:par>
+                  <p:par>
+                    <p:cTn id="67" fill="hold">
+                      <p:stCondLst>
+                        <p:cond delay="indefinite"/>
+                      </p:stCondLst>
+                      <p:childTnLst>
+                        <p:par>
+                          <p:cTn id="68" fill="hold">
+                            <p:stCondLst>
+                              <p:cond delay="0"/>
+                            </p:stCondLst>
+                            <p:childTnLst>
+                              <p:par>
+                                <p:cTn id="69" presetID="1" presetClass="entr" presetSubtype="0" fill="hold" nodeType="clickEffect">
+                                  <p:stCondLst>
+                                    <p:cond delay="0"/>
+                                  </p:stCondLst>
+                                  <p:childTnLst>
+                                    <p:set>
+                                      <p:cBhvr>
+                                        <p:cTn id="70" dur="1" fill="hold">
+                                          <p:stCondLst>
+                                            <p:cond delay="0"/>
+                                          </p:stCondLst>
+                                        </p:cTn>
+                                        <p:tgtEl>
+                                          <p:spTgt spid="35"/>
+                                        </p:tgtEl>
+                                        <p:attrNameLst>
+                                          <p:attrName>style.visibility</p:attrName>
+                                        </p:attrNameLst>
+                                      </p:cBhvr>
+                                      <p:to>
+                                        <p:strVal val="visible"/>
+                                      </p:to>
+                                    </p:set>
+                                  </p:childTnLst>
+                                </p:cTn>
+                              </p:par>
+                            </p:childTnLst>
+                          </p:cTn>
+                        </p:par>
+                      </p:childTnLst>
+                    </p:cTn>
+                  </p:par>
+                  <p:par>
+                    <p:cTn id="71" fill="hold">
+                      <p:stCondLst>
+                        <p:cond delay="indefinite"/>
+                      </p:stCondLst>
+                      <p:childTnLst>
+                        <p:par>
+                          <p:cTn id="72" fill="hold">
+                            <p:stCondLst>
+                              <p:cond delay="0"/>
+                            </p:stCondLst>
+                            <p:childTnLst>
+                              <p:par>
+                                <p:cTn id="73" presetID="1" presetClass="entr" presetSubtype="0" fill="hold" grpId="0" nodeType="clickEffect">
+                                  <p:stCondLst>
+                                    <p:cond delay="0"/>
+                                  </p:stCondLst>
+                                  <p:childTnLst>
+                                    <p:set>
+                                      <p:cBhvr>
+                                        <p:cTn id="74" dur="1" fill="hold">
+                                          <p:stCondLst>
+                                            <p:cond delay="0"/>
+                                          </p:stCondLst>
+                                        </p:cTn>
+                                        <p:tgtEl>
+                                          <p:spTgt spid="25"/>
+                                        </p:tgtEl>
+                                        <p:attrNameLst>
+                                          <p:attrName>style.visibility</p:attrName>
+                                        </p:attrNameLst>
+                                      </p:cBhvr>
+                                      <p:to>
+                                        <p:strVal val="visible"/>
+                                      </p:to>
+                                    </p:set>
+                                  </p:childTnLst>
+                                </p:cTn>
+                              </p:par>
+                            </p:childTnLst>
+                          </p:cTn>
+                        </p:par>
+                        <p:par>
+                          <p:cTn id="75" fill="hold">
+                            <p:stCondLst>
+                              <p:cond delay="0"/>
+                            </p:stCondLst>
+                            <p:childTnLst>
+                              <p:par>
+                                <p:cTn id="76" presetID="2" presetClass="entr" presetSubtype="4" fill="hold" grpId="0" nodeType="afterEffect">
+                                  <p:stCondLst>
+                                    <p:cond delay="0"/>
+                                  </p:stCondLst>
+                                  <p:childTnLst>
+                                    <p:set>
+                                      <p:cBhvr>
+                                        <p:cTn id="77" dur="1" fill="hold">
+                                          <p:stCondLst>
+                                            <p:cond delay="0"/>
+                                          </p:stCondLst>
+                                        </p:cTn>
+                                        <p:tgtEl>
+                                          <p:spTgt spid="3"/>
+                                        </p:tgtEl>
+                                        <p:attrNameLst>
+                                          <p:attrName>style.visibility</p:attrName>
+                                        </p:attrNameLst>
+                                      </p:cBhvr>
+                                      <p:to>
+                                        <p:strVal val="visible"/>
+                                      </p:to>
+                                    </p:set>
+                                    <p:anim calcmode="lin" valueType="num">
+                                      <p:cBhvr additive="base">
+                                        <p:cTn id="78" dur="500" fill="hold"/>
+                                        <p:tgtEl>
+                                          <p:spTgt spid="3"/>
+                                        </p:tgtEl>
+                                        <p:attrNameLst>
+                                          <p:attrName>ppt_x</p:attrName>
+                                        </p:attrNameLst>
+                                      </p:cBhvr>
+                                      <p:tavLst>
+                                        <p:tav tm="0">
+                                          <p:val>
+                                            <p:strVal val="#ppt_x"/>
+                                          </p:val>
+                                        </p:tav>
+                                        <p:tav tm="100000">
+                                          <p:val>
+                                            <p:strVal val="#ppt_x"/>
+                                          </p:val>
+                                        </p:tav>
+                                      </p:tavLst>
+                                    </p:anim>
+                                    <p:anim calcmode="lin" valueType="num">
+                                      <p:cBhvr additive="base">
+                                        <p:cTn id="79" dur="500" fill="hold"/>
+                                        <p:tgtEl>
+                                          <p:spTgt spid="3"/>
+                                        </p:tgtEl>
+                                        <p:attrNameLst>
+                                          <p:attrName>ppt_y</p:attrName>
+                                        </p:attrNameLst>
+                                      </p:cBhvr>
+                                      <p:tavLst>
+                                        <p:tav tm="0">
+                                          <p:val>
+                                            <p:strVal val="1+#ppt_h/2"/>
+                                          </p:val>
+                                        </p:tav>
+                                        <p:tav tm="100000">
+                                          <p:val>
+                                            <p:strVal val="#ppt_y"/>
+                                          </p:val>
+                                        </p:tav>
+                                      </p:tavLst>
+                                    </p:anim>
+                                  </p:childTnLst>
+                                </p:cTn>
+                              </p:par>
+                            </p:childTnLst>
+                          </p:cTn>
+                        </p:par>
+                      </p:childTnLst>
+                    </p:cTn>
+                  </p:par>
+                  <p:par>
+                    <p:cTn id="80" fill="hold">
+                      <p:stCondLst>
+                        <p:cond delay="indefinite"/>
+                      </p:stCondLst>
+                      <p:childTnLst>
+                        <p:par>
+                          <p:cTn id="81" fill="hold">
+                            <p:stCondLst>
+                              <p:cond delay="0"/>
+                            </p:stCondLst>
+                            <p:childTnLst>
+                              <p:par>
+                                <p:cTn id="82" presetID="1" presetClass="entr" presetSubtype="0" fill="hold" grpId="0" nodeType="clickEffect">
+                                  <p:stCondLst>
+                                    <p:cond delay="0"/>
+                                  </p:stCondLst>
+                                  <p:childTnLst>
+                                    <p:set>
+                                      <p:cBhvr>
+                                        <p:cTn id="83" dur="1" fill="hold">
+                                          <p:stCondLst>
+                                            <p:cond delay="0"/>
+                                          </p:stCondLst>
+                                        </p:cTn>
+                                        <p:tgtEl>
+                                          <p:spTgt spid="38"/>
+                                        </p:tgtEl>
+                                        <p:attrNameLst>
+                                          <p:attrName>style.visibility</p:attrName>
+                                        </p:attrNameLst>
+                                      </p:cBhvr>
+                                      <p:to>
+                                        <p:strVal val="visible"/>
+                                      </p:to>
+                                    </p:set>
+                                  </p:childTnLst>
+                                </p:cTn>
+                              </p:par>
+                            </p:childTnLst>
+                          </p:cTn>
+                        </p:par>
+                      </p:childTnLst>
+                    </p:cTn>
+                  </p:par>
+                </p:childTnLst>
+              </p:cTn>
+              <p:prevCondLst>
+                <p:cond evt="onPrev" delay="0">
+                  <p:tgtEl>
+                    <p:sldTgt/>
+                  </p:tgtEl>
+                </p:cond>
+              </p:prevCondLst>
+              <p:nextCondLst>
+                <p:cond evt="onNext" delay="0">
+                  <p:tgtEl>
+                    <p:sldTgt/>
+                  </p:tgtEl>
+                </p:cond>
+              </p:nextCondLst>
+            </p:seq>
+          </p:childTnLst>
+        </p:cTn>
+      </p:par>
+    </p:tnLst>
+    <p:bldLst>
+      <p:bldP spid="25" grpId="0" animBg="1"/>
+      <p:bldP spid="26" grpId="0" animBg="1"/>
+      <p:bldP spid="27" grpId="0" animBg="1"/>
+      <p:bldP spid="36" grpId="0" animBg="1"/>
+      <p:bldP spid="37" grpId="0" animBg="1"/>
+      <p:bldP spid="51" grpId="0" animBg="1"/>
+      <p:bldP spid="3" grpId="0" animBg="1"/>
+      <p:bldP spid="4" grpId="0" animBg="1"/>
+      <p:bldP spid="8" grpId="0" animBg="1"/>
+      <p:bldP spid="9" grpId="0" animBg="1"/>
+      <p:bldP spid="23" grpId="0"/>
+      <p:bldP spid="38" grpId="0"/>
+    </p:bldLst>
+  </p:timing>
+</p:sld>
+</file>
+
+<file path=ppt/slides/slide8.xml><?xml version="1.0" encoding="utf-8"?>
+<p:sld xmlns:a="http://schemas.openxmlformats.org/drawingml/2006/main" xmlns:r="http://schemas.openxmlformats.org/officeDocument/2006/relationships" xmlns:p="http://schemas.openxmlformats.org/presentationml/2006/main">
+  <p:cSld>
+    <p:spTree>
+      <p:nvGrpSpPr>
+        <p:cNvPr id="1" name=""/>
+        <p:cNvGrpSpPr/>
+        <p:nvPr/>
+      </p:nvGrpSpPr>
+      <p:grpSpPr>
+        <a:xfrm>
+          <a:off x="0" y="0"/>
+          <a:ext cx="0" cy="0"/>
+          <a:chOff x="0" y="0"/>
+          <a:chExt cx="0" cy="0"/>
+        </a:xfrm>
+      </p:grpSpPr>
+      <p:grpSp>
+        <p:nvGrpSpPr>
+          <p:cNvPr id="16" name="Group 15">
+            <a:extLst>
+              <a:ext uri="{FF2B5EF4-FFF2-40B4-BE49-F238E27FC236}">
+                <a16:creationId xmlns:a16="http://schemas.microsoft.com/office/drawing/2014/main" id="{7B44E53C-476F-D406-0F6A-D7E6191F1C1B}"/>
+              </a:ext>
+            </a:extLst>
+          </p:cNvPr>
+          <p:cNvGrpSpPr/>
+          <p:nvPr/>
+        </p:nvGrpSpPr>
+        <p:grpSpPr>
+          <a:xfrm>
+            <a:off x="2347442" y="391499"/>
+            <a:ext cx="1454892" cy="1507389"/>
+            <a:chOff x="3094073" y="1775638"/>
+            <a:chExt cx="2372833" cy="4529469"/>
+          </a:xfrm>
+        </p:grpSpPr>
+        <p:sp>
+          <p:nvSpPr>
+            <p:cNvPr id="13" name="Rectangle: Rounded Corners 12">
+              <a:extLst>
+                <a:ext uri="{FF2B5EF4-FFF2-40B4-BE49-F238E27FC236}">
+                  <a16:creationId xmlns:a16="http://schemas.microsoft.com/office/drawing/2014/main" id="{A9DEE71D-8D60-12C6-3BDA-43C98B3E2AA7}"/>
+                </a:ext>
+              </a:extLst>
+            </p:cNvPr>
+            <p:cNvSpPr/>
+            <p:nvPr/>
+          </p:nvSpPr>
+          <p:spPr>
+            <a:xfrm>
+              <a:off x="3094073" y="1775638"/>
+              <a:ext cx="2372833" cy="4529469"/>
+            </a:xfrm>
+            <a:prstGeom prst="roundRect">
+              <a:avLst>
+                <a:gd name="adj" fmla="val 12282"/>
+              </a:avLst>
+            </a:prstGeom>
+            <a:noFill/>
+            <a:ln w="38100">
+              <a:solidFill>
+                <a:schemeClr val="accent3">
+                  <a:lumMod val="75000"/>
+                </a:schemeClr>
+              </a:solidFill>
+            </a:ln>
+          </p:spPr>
+          <p:style>
+            <a:lnRef idx="2">
+              <a:schemeClr val="accent1">
+                <a:shade val="15000"/>
+              </a:schemeClr>
+            </a:lnRef>
+            <a:fillRef idx="1">
+              <a:schemeClr val="accent1"/>
+            </a:fillRef>
+            <a:effectRef idx="0">
+              <a:schemeClr val="accent1"/>
+            </a:effectRef>
+            <a:fontRef idx="minor">
+              <a:schemeClr val="lt1"/>
+            </a:fontRef>
+          </p:style>
+          <p:txBody>
+            <a:bodyPr rtlCol="0" anchor="t"/>
+            <a:lstStyle/>
+            <a:p>
+              <a:pPr algn="ctr"/>
+              <a:r>
+                <a:rPr lang="en-US" b="1" dirty="0">
+                  <a:solidFill>
+                    <a:schemeClr val="accent3">
+                      <a:lumMod val="75000"/>
+                    </a:schemeClr>
+                  </a:solidFill>
+                </a:rPr>
+                <a:t>Week Before</a:t>
+              </a:r>
+            </a:p>
+          </p:txBody>
+        </p:sp>
+        <p:sp>
+          <p:nvSpPr>
+            <p:cNvPr id="14" name="Rectangle 13">
+              <a:extLst>
+                <a:ext uri="{FF2B5EF4-FFF2-40B4-BE49-F238E27FC236}">
+                  <a16:creationId xmlns:a16="http://schemas.microsoft.com/office/drawing/2014/main" id="{4F26BF93-334A-8EB8-6603-0758BF8BFCCE}"/>
+                </a:ext>
+              </a:extLst>
+            </p:cNvPr>
+            <p:cNvSpPr/>
+            <p:nvPr/>
+          </p:nvSpPr>
+          <p:spPr>
+            <a:xfrm>
+              <a:off x="3385609" y="4420430"/>
+              <a:ext cx="1849688" cy="1181481"/>
+            </a:xfrm>
+            <a:prstGeom prst="rect">
+              <a:avLst/>
+            </a:prstGeom>
+          </p:spPr>
+          <p:style>
+            <a:lnRef idx="2">
+              <a:schemeClr val="accent3">
+                <a:shade val="15000"/>
+              </a:schemeClr>
+            </a:lnRef>
+            <a:fillRef idx="1">
+              <a:schemeClr val="accent3"/>
+            </a:fillRef>
+            <a:effectRef idx="0">
+              <a:schemeClr val="accent3"/>
+            </a:effectRef>
+            <a:fontRef idx="minor">
+              <a:schemeClr val="lt1"/>
+            </a:fontRef>
+          </p:style>
+          <p:txBody>
+            <a:bodyPr rtlCol="0" anchor="ctr"/>
+            <a:lstStyle/>
+            <a:p>
+              <a:pPr algn="ctr"/>
+              <a:r>
+                <a:rPr lang="en-US" dirty="0" err="1"/>
+                <a:t>statquiz</a:t>
+              </a:r>
+              <a:endParaRPr lang="en-US" dirty="0"/>
+            </a:p>
+          </p:txBody>
+        </p:sp>
+      </p:grpSp>
+      <p:sp>
+        <p:nvSpPr>
+          <p:cNvPr id="15" name="Rectangle: Rounded Corners 14">
+            <a:extLst>
+              <a:ext uri="{FF2B5EF4-FFF2-40B4-BE49-F238E27FC236}">
+                <a16:creationId xmlns:a16="http://schemas.microsoft.com/office/drawing/2014/main" id="{8B586FF1-4AE3-CFFA-CA33-368750B42A2F}"/>
+              </a:ext>
+            </a:extLst>
+          </p:cNvPr>
+          <p:cNvSpPr/>
+          <p:nvPr/>
+        </p:nvSpPr>
+        <p:spPr>
+          <a:xfrm>
+            <a:off x="3963593" y="391500"/>
+            <a:ext cx="7292164" cy="2953415"/>
+          </a:xfrm>
+          <a:prstGeom prst="roundRect">
+            <a:avLst>
+              <a:gd name="adj" fmla="val 4695"/>
+            </a:avLst>
+          </a:prstGeom>
+          <a:noFill/>
+          <a:ln w="38100">
+            <a:solidFill>
+              <a:srgbClr val="0070C0"/>
+            </a:solidFill>
+          </a:ln>
+        </p:spPr>
+        <p:style>
+          <a:lnRef idx="2">
+            <a:schemeClr val="accent1">
+              <a:shade val="15000"/>
+            </a:schemeClr>
+          </a:lnRef>
+          <a:fillRef idx="1">
+            <a:schemeClr val="accent1"/>
+          </a:fillRef>
+          <a:effectRef idx="0">
+            <a:schemeClr val="accent1"/>
+          </a:effectRef>
+          <a:fontRef idx="minor">
+            <a:schemeClr val="lt1"/>
+          </a:fontRef>
+        </p:style>
+        <p:txBody>
+          <a:bodyPr rtlCol="0" anchor="t"/>
+          <a:lstStyle/>
+          <a:p>
+            <a:pPr algn="ctr"/>
+            <a:r>
+              <a:rPr lang="en-US" b="1" dirty="0">
+                <a:solidFill>
+                  <a:srgbClr val="0070C0"/>
+                </a:solidFill>
+              </a:rPr>
+              <a:t>The Experiment Day</a:t>
+            </a:r>
+          </a:p>
+        </p:txBody>
+      </p:sp>
+      <p:sp>
+        <p:nvSpPr>
+          <p:cNvPr id="12" name="Rectangle: Rounded Corners 11">
+            <a:extLst>
+              <a:ext uri="{FF2B5EF4-FFF2-40B4-BE49-F238E27FC236}">
+                <a16:creationId xmlns:a16="http://schemas.microsoft.com/office/drawing/2014/main" id="{29F550DF-2054-6108-DA4D-ADF227EB75E7}"/>
+              </a:ext>
+            </a:extLst>
+          </p:cNvPr>
+          <p:cNvSpPr/>
+          <p:nvPr/>
+        </p:nvSpPr>
+        <p:spPr>
+          <a:xfrm>
+            <a:off x="555859" y="399697"/>
+            <a:ext cx="1630325" cy="5018567"/>
+          </a:xfrm>
+          <a:prstGeom prst="roundRect">
+            <a:avLst/>
+          </a:prstGeom>
+          <a:noFill/>
+          <a:ln w="38100">
+            <a:solidFill>
+              <a:schemeClr val="accent1">
+                <a:lumMod val="50000"/>
+              </a:schemeClr>
+            </a:solidFill>
+          </a:ln>
+        </p:spPr>
+        <p:style>
+          <a:lnRef idx="2">
+            <a:schemeClr val="accent1">
+              <a:shade val="15000"/>
+            </a:schemeClr>
+          </a:lnRef>
+          <a:fillRef idx="1">
+            <a:schemeClr val="accent1"/>
+          </a:fillRef>
+          <a:effectRef idx="0">
+            <a:schemeClr val="accent1"/>
+          </a:effectRef>
+          <a:fontRef idx="minor">
+            <a:schemeClr val="lt1"/>
+          </a:fontRef>
+        </p:style>
+        <p:txBody>
+          <a:bodyPr rtlCol="0" anchor="t"/>
+          <a:lstStyle/>
+          <a:p>
+            <a:pPr algn="ctr"/>
+            <a:r>
+              <a:rPr lang="en-US" b="1" dirty="0">
+                <a:solidFill>
+                  <a:schemeClr val="accent1">
+                    <a:lumMod val="50000"/>
+                  </a:schemeClr>
+                </a:solidFill>
+              </a:rPr>
+              <a:t>Course </a:t>
+            </a:r>
+          </a:p>
+          <a:p>
+            <a:pPr algn="ctr"/>
+            <a:r>
+              <a:rPr lang="en-US" b="1" dirty="0">
+                <a:solidFill>
+                  <a:schemeClr val="accent1">
+                    <a:lumMod val="50000"/>
+                  </a:schemeClr>
+                </a:solidFill>
+              </a:rPr>
+              <a:t>Day 1</a:t>
+            </a:r>
+          </a:p>
+        </p:txBody>
+      </p:sp>
+      <p:sp>
+        <p:nvSpPr>
+          <p:cNvPr id="25" name="Rectangle 24">
+            <a:extLst>
+              <a:ext uri="{FF2B5EF4-FFF2-40B4-BE49-F238E27FC236}">
+                <a16:creationId xmlns:a16="http://schemas.microsoft.com/office/drawing/2014/main" id="{7109E5EB-5806-C57A-4766-AEDB4E9C45AD}"/>
+              </a:ext>
+            </a:extLst>
+          </p:cNvPr>
+          <p:cNvSpPr/>
+          <p:nvPr/>
+        </p:nvSpPr>
+        <p:spPr>
+          <a:xfrm>
+            <a:off x="9765400" y="2758406"/>
+            <a:ext cx="1298448" cy="393405"/>
+          </a:xfrm>
+          <a:prstGeom prst="rect">
+            <a:avLst/>
+          </a:prstGeom>
+        </p:spPr>
+        <p:style>
+          <a:lnRef idx="2">
+            <a:schemeClr val="accent4">
+              <a:shade val="15000"/>
+            </a:schemeClr>
+          </a:lnRef>
+          <a:fillRef idx="1">
+            <a:schemeClr val="accent4"/>
+          </a:fillRef>
+          <a:effectRef idx="0">
+            <a:schemeClr val="accent4"/>
+          </a:effectRef>
+          <a:fontRef idx="minor">
+            <a:schemeClr val="lt1"/>
+          </a:fontRef>
+        </p:style>
+        <p:txBody>
+          <a:bodyPr rtlCol="0" anchor="ctr"/>
+          <a:lstStyle/>
+          <a:p>
+            <a:pPr algn="ctr"/>
+            <a:r>
+              <a:rPr lang="en-US" dirty="0" err="1"/>
+              <a:t>exp_sqz</a:t>
+            </a:r>
+            <a:endParaRPr lang="en-US" dirty="0"/>
+          </a:p>
+        </p:txBody>
+      </p:sp>
+      <p:grpSp>
+        <p:nvGrpSpPr>
+          <p:cNvPr id="34" name="Group 33">
+            <a:extLst>
+              <a:ext uri="{FF2B5EF4-FFF2-40B4-BE49-F238E27FC236}">
+                <a16:creationId xmlns:a16="http://schemas.microsoft.com/office/drawing/2014/main" id="{79B6B652-6F95-47A4-617A-548BF7108E82}"/>
+              </a:ext>
+            </a:extLst>
+          </p:cNvPr>
+          <p:cNvGrpSpPr/>
+          <p:nvPr/>
+        </p:nvGrpSpPr>
+        <p:grpSpPr>
+          <a:xfrm>
+            <a:off x="6950045" y="1665080"/>
+            <a:ext cx="1298448" cy="914072"/>
+            <a:chOff x="5892704" y="2659851"/>
+            <a:chExt cx="1298448" cy="914072"/>
+          </a:xfrm>
+        </p:grpSpPr>
+        <p:sp>
+          <p:nvSpPr>
+            <p:cNvPr id="28" name="Rectangle 27">
+              <a:extLst>
+                <a:ext uri="{FF2B5EF4-FFF2-40B4-BE49-F238E27FC236}">
+                  <a16:creationId xmlns:a16="http://schemas.microsoft.com/office/drawing/2014/main" id="{38C4DD01-283B-B0CD-4509-9D98CC603625}"/>
+                </a:ext>
+              </a:extLst>
+            </p:cNvPr>
+            <p:cNvSpPr/>
+            <p:nvPr/>
+          </p:nvSpPr>
+          <p:spPr>
+            <a:xfrm>
+              <a:off x="5892704" y="2659851"/>
+              <a:ext cx="1298448" cy="393405"/>
+            </a:xfrm>
+            <a:prstGeom prst="rect">
+              <a:avLst/>
+            </a:prstGeom>
+          </p:spPr>
+          <p:style>
+            <a:lnRef idx="2">
+              <a:schemeClr val="accent2">
+                <a:shade val="15000"/>
+              </a:schemeClr>
+            </a:lnRef>
+            <a:fillRef idx="1">
+              <a:schemeClr val="accent2"/>
+            </a:fillRef>
+            <a:effectRef idx="0">
+              <a:schemeClr val="accent2"/>
+            </a:effectRef>
+            <a:fontRef idx="minor">
+              <a:schemeClr val="lt1"/>
+            </a:fontRef>
+          </p:style>
+          <p:txBody>
+            <a:bodyPr rtlCol="0" anchor="ctr"/>
+            <a:lstStyle/>
+            <a:p>
+              <a:pPr algn="ctr"/>
+              <a:r>
+                <a:rPr lang="en-US" dirty="0" err="1"/>
+                <a:t>hr_pre</a:t>
+              </a:r>
+              <a:endParaRPr lang="en-US" dirty="0"/>
+            </a:p>
+          </p:txBody>
+        </p:sp>
+        <p:sp>
+          <p:nvSpPr>
+            <p:cNvPr id="29" name="Rectangle 28">
+              <a:extLst>
+                <a:ext uri="{FF2B5EF4-FFF2-40B4-BE49-F238E27FC236}">
+                  <a16:creationId xmlns:a16="http://schemas.microsoft.com/office/drawing/2014/main" id="{3EAEA00B-F9C7-0A42-DB76-478F6D15E283}"/>
+                </a:ext>
+              </a:extLst>
+            </p:cNvPr>
+            <p:cNvSpPr/>
+            <p:nvPr/>
+          </p:nvSpPr>
+          <p:spPr>
+            <a:xfrm>
+              <a:off x="5892704" y="3180518"/>
+              <a:ext cx="1298448" cy="393405"/>
+            </a:xfrm>
+            <a:prstGeom prst="rect">
+              <a:avLst/>
+            </a:prstGeom>
+          </p:spPr>
+          <p:style>
+            <a:lnRef idx="2">
+              <a:schemeClr val="accent6">
+                <a:shade val="15000"/>
+              </a:schemeClr>
+            </a:lnRef>
+            <a:fillRef idx="1">
+              <a:schemeClr val="accent6"/>
+            </a:fillRef>
+            <a:effectRef idx="0">
+              <a:schemeClr val="accent6"/>
+            </a:effectRef>
+            <a:fontRef idx="minor">
+              <a:schemeClr val="lt1"/>
+            </a:fontRef>
+          </p:style>
+          <p:txBody>
+            <a:bodyPr rtlCol="0" anchor="ctr"/>
+            <a:lstStyle/>
+            <a:p>
+              <a:pPr algn="ctr"/>
+              <a:r>
+                <a:rPr lang="en-US" dirty="0" err="1"/>
+                <a:t>anx_pre</a:t>
+              </a:r>
+              <a:endParaRPr lang="en-US" dirty="0"/>
+            </a:p>
+          </p:txBody>
+        </p:sp>
+      </p:grpSp>
+      <p:grpSp>
+        <p:nvGrpSpPr>
+          <p:cNvPr id="35" name="Group 34">
+            <a:extLst>
+              <a:ext uri="{FF2B5EF4-FFF2-40B4-BE49-F238E27FC236}">
+                <a16:creationId xmlns:a16="http://schemas.microsoft.com/office/drawing/2014/main" id="{CD6FC64E-48F7-9C88-098F-85F3B97C2F68}"/>
+              </a:ext>
+            </a:extLst>
+          </p:cNvPr>
+          <p:cNvGrpSpPr/>
+          <p:nvPr/>
+        </p:nvGrpSpPr>
+        <p:grpSpPr>
+          <a:xfrm>
+            <a:off x="9722633" y="1606367"/>
+            <a:ext cx="1298448" cy="914072"/>
+            <a:chOff x="8288895" y="2659851"/>
+            <a:chExt cx="1298448" cy="914072"/>
+          </a:xfrm>
+        </p:grpSpPr>
+        <p:sp>
+          <p:nvSpPr>
+            <p:cNvPr id="30" name="Rectangle 29">
+              <a:extLst>
+                <a:ext uri="{FF2B5EF4-FFF2-40B4-BE49-F238E27FC236}">
+                  <a16:creationId xmlns:a16="http://schemas.microsoft.com/office/drawing/2014/main" id="{22EDBCA2-A4B3-5BED-DC81-52C5EE01A2F6}"/>
+                </a:ext>
+              </a:extLst>
+            </p:cNvPr>
+            <p:cNvSpPr/>
+            <p:nvPr/>
+          </p:nvSpPr>
+          <p:spPr>
+            <a:xfrm>
+              <a:off x="8288895" y="2659851"/>
+              <a:ext cx="1298448" cy="393405"/>
+            </a:xfrm>
+            <a:prstGeom prst="rect">
+              <a:avLst/>
+            </a:prstGeom>
+          </p:spPr>
+          <p:style>
+            <a:lnRef idx="2">
+              <a:schemeClr val="accent2">
+                <a:shade val="15000"/>
+              </a:schemeClr>
+            </a:lnRef>
+            <a:fillRef idx="1">
+              <a:schemeClr val="accent2"/>
+            </a:fillRef>
+            <a:effectRef idx="0">
+              <a:schemeClr val="accent2"/>
+            </a:effectRef>
+            <a:fontRef idx="minor">
+              <a:schemeClr val="lt1"/>
+            </a:fontRef>
+          </p:style>
+          <p:txBody>
+            <a:bodyPr rtlCol="0" anchor="ctr"/>
+            <a:lstStyle/>
+            <a:p>
+              <a:pPr algn="ctr"/>
+              <a:r>
+                <a:rPr lang="en-US" dirty="0" err="1"/>
+                <a:t>hr_post</a:t>
+              </a:r>
+              <a:endParaRPr lang="en-US" dirty="0"/>
+            </a:p>
+          </p:txBody>
+        </p:sp>
+        <p:sp>
+          <p:nvSpPr>
+            <p:cNvPr id="31" name="Rectangle 30">
+              <a:extLst>
+                <a:ext uri="{FF2B5EF4-FFF2-40B4-BE49-F238E27FC236}">
+                  <a16:creationId xmlns:a16="http://schemas.microsoft.com/office/drawing/2014/main" id="{02117532-AE73-9B79-F65B-323A378FB54A}"/>
+                </a:ext>
+              </a:extLst>
+            </p:cNvPr>
+            <p:cNvSpPr/>
+            <p:nvPr/>
+          </p:nvSpPr>
+          <p:spPr>
+            <a:xfrm>
+              <a:off x="8288895" y="3180518"/>
+              <a:ext cx="1298448" cy="393405"/>
+            </a:xfrm>
+            <a:prstGeom prst="rect">
+              <a:avLst/>
+            </a:prstGeom>
+          </p:spPr>
+          <p:style>
+            <a:lnRef idx="2">
+              <a:schemeClr val="accent6">
+                <a:shade val="15000"/>
+              </a:schemeClr>
+            </a:lnRef>
+            <a:fillRef idx="1">
+              <a:schemeClr val="accent6"/>
+            </a:fillRef>
+            <a:effectRef idx="0">
+              <a:schemeClr val="accent6"/>
+            </a:effectRef>
+            <a:fontRef idx="minor">
+              <a:schemeClr val="lt1"/>
+            </a:fontRef>
+          </p:style>
+          <p:txBody>
+            <a:bodyPr rtlCol="0" anchor="ctr"/>
+            <a:lstStyle/>
+            <a:p>
+              <a:pPr algn="ctr"/>
+              <a:r>
+                <a:rPr lang="en-US" dirty="0" err="1"/>
+                <a:t>anx_post</a:t>
+              </a:r>
+              <a:endParaRPr lang="en-US" dirty="0"/>
+            </a:p>
+          </p:txBody>
+        </p:sp>
+      </p:grpSp>
+      <p:grpSp>
+        <p:nvGrpSpPr>
+          <p:cNvPr id="33" name="Group 32">
+            <a:extLst>
+              <a:ext uri="{FF2B5EF4-FFF2-40B4-BE49-F238E27FC236}">
+                <a16:creationId xmlns:a16="http://schemas.microsoft.com/office/drawing/2014/main" id="{38222FE4-9AAF-2E47-4071-A153B8B2CCD6}"/>
+              </a:ext>
+            </a:extLst>
+          </p:cNvPr>
+          <p:cNvGrpSpPr/>
+          <p:nvPr/>
+        </p:nvGrpSpPr>
+        <p:grpSpPr>
+          <a:xfrm>
+            <a:off x="4087301" y="884380"/>
+            <a:ext cx="1298448" cy="1680453"/>
+            <a:chOff x="4074537" y="1893470"/>
+            <a:chExt cx="1298448" cy="1680453"/>
+          </a:xfrm>
+        </p:grpSpPr>
+        <p:sp>
+          <p:nvSpPr>
+            <p:cNvPr id="26" name="Rectangle 25">
+              <a:extLst>
+                <a:ext uri="{FF2B5EF4-FFF2-40B4-BE49-F238E27FC236}">
+                  <a16:creationId xmlns:a16="http://schemas.microsoft.com/office/drawing/2014/main" id="{5C2B18A6-CFCB-2C04-7005-19073B7B5DF6}"/>
+                </a:ext>
+              </a:extLst>
+            </p:cNvPr>
+            <p:cNvSpPr/>
+            <p:nvPr/>
+          </p:nvSpPr>
+          <p:spPr>
+            <a:xfrm>
+              <a:off x="4074537" y="2659851"/>
+              <a:ext cx="1298448" cy="393405"/>
+            </a:xfrm>
+            <a:prstGeom prst="rect">
+              <a:avLst/>
+            </a:prstGeom>
+          </p:spPr>
+          <p:style>
+            <a:lnRef idx="2">
+              <a:schemeClr val="accent2">
+                <a:shade val="15000"/>
+              </a:schemeClr>
+            </a:lnRef>
+            <a:fillRef idx="1">
+              <a:schemeClr val="accent2"/>
+            </a:fillRef>
+            <a:effectRef idx="0">
+              <a:schemeClr val="accent2"/>
+            </a:effectRef>
+            <a:fontRef idx="minor">
+              <a:schemeClr val="lt1"/>
+            </a:fontRef>
+          </p:style>
+          <p:txBody>
+            <a:bodyPr rtlCol="0" anchor="ctr"/>
+            <a:lstStyle/>
+            <a:p>
+              <a:pPr algn="ctr"/>
+              <a:r>
+                <a:rPr lang="en-US" dirty="0" err="1"/>
+                <a:t>hr_base</a:t>
+              </a:r>
+              <a:endParaRPr lang="en-US" dirty="0"/>
+            </a:p>
+          </p:txBody>
+        </p:sp>
+        <p:sp>
+          <p:nvSpPr>
+            <p:cNvPr id="27" name="Rectangle 26">
+              <a:extLst>
+                <a:ext uri="{FF2B5EF4-FFF2-40B4-BE49-F238E27FC236}">
+                  <a16:creationId xmlns:a16="http://schemas.microsoft.com/office/drawing/2014/main" id="{2111529E-85AD-1D59-F999-9117F448D0BB}"/>
+                </a:ext>
+              </a:extLst>
+            </p:cNvPr>
+            <p:cNvSpPr/>
+            <p:nvPr/>
+          </p:nvSpPr>
+          <p:spPr>
+            <a:xfrm>
+              <a:off x="4074537" y="3180518"/>
+              <a:ext cx="1298448" cy="393405"/>
+            </a:xfrm>
+            <a:prstGeom prst="rect">
+              <a:avLst/>
+            </a:prstGeom>
+          </p:spPr>
+          <p:style>
+            <a:lnRef idx="2">
+              <a:schemeClr val="accent6">
+                <a:shade val="15000"/>
+              </a:schemeClr>
+            </a:lnRef>
+            <a:fillRef idx="1">
+              <a:schemeClr val="accent6"/>
+            </a:fillRef>
+            <a:effectRef idx="0">
+              <a:schemeClr val="accent6"/>
+            </a:effectRef>
+            <a:fontRef idx="minor">
+              <a:schemeClr val="lt1"/>
+            </a:fontRef>
+          </p:style>
+          <p:txBody>
+            <a:bodyPr rtlCol="0" anchor="ctr"/>
+            <a:lstStyle/>
+            <a:p>
+              <a:pPr algn="ctr"/>
+              <a:r>
+                <a:rPr lang="en-US" dirty="0" err="1"/>
+                <a:t>anx_base</a:t>
+              </a:r>
+              <a:endParaRPr lang="en-US" dirty="0"/>
+            </a:p>
+          </p:txBody>
+        </p:sp>
+        <p:sp>
+          <p:nvSpPr>
+            <p:cNvPr id="32" name="Rectangle 31">
+              <a:extLst>
+                <a:ext uri="{FF2B5EF4-FFF2-40B4-BE49-F238E27FC236}">
+                  <a16:creationId xmlns:a16="http://schemas.microsoft.com/office/drawing/2014/main" id="{2E2BACD9-A904-3122-1717-671664C3FED8}"/>
+                </a:ext>
+              </a:extLst>
+            </p:cNvPr>
+            <p:cNvSpPr/>
+            <p:nvPr/>
+          </p:nvSpPr>
+          <p:spPr>
+            <a:xfrm>
+              <a:off x="4074537" y="1893470"/>
+              <a:ext cx="1298448" cy="393405"/>
+            </a:xfrm>
+            <a:prstGeom prst="rect">
+              <a:avLst/>
+            </a:prstGeom>
+          </p:spPr>
+          <p:style>
+            <a:lnRef idx="2">
+              <a:schemeClr val="accent5">
+                <a:shade val="15000"/>
+              </a:schemeClr>
+            </a:lnRef>
+            <a:fillRef idx="1">
+              <a:schemeClr val="accent5"/>
+            </a:fillRef>
+            <a:effectRef idx="0">
+              <a:schemeClr val="accent5"/>
+            </a:effectRef>
+            <a:fontRef idx="minor">
+              <a:schemeClr val="lt1"/>
+            </a:fontRef>
+          </p:style>
+          <p:txBody>
+            <a:bodyPr rtlCol="0" anchor="ctr"/>
+            <a:lstStyle/>
+            <a:p>
+              <a:pPr algn="ctr"/>
+              <a:r>
+                <a:rPr lang="en-US" dirty="0" err="1"/>
+                <a:t>num_cups</a:t>
+              </a:r>
+              <a:endParaRPr lang="en-US" dirty="0"/>
+            </a:p>
+          </p:txBody>
+        </p:sp>
+      </p:grpSp>
+      <p:sp>
+        <p:nvSpPr>
+          <p:cNvPr id="36" name="Speech Bubble: Rectangle with Corners Rounded 35">
+            <a:extLst>
+              <a:ext uri="{FF2B5EF4-FFF2-40B4-BE49-F238E27FC236}">
+                <a16:creationId xmlns:a16="http://schemas.microsoft.com/office/drawing/2014/main" id="{10060837-1F87-9733-A5C5-678E9CF7DE8F}"/>
+              </a:ext>
+            </a:extLst>
+          </p:cNvPr>
+          <p:cNvSpPr/>
+          <p:nvPr/>
+        </p:nvSpPr>
+        <p:spPr>
+          <a:xfrm>
+            <a:off x="5518674" y="1459603"/>
+            <a:ext cx="1298447" cy="1314174"/>
+          </a:xfrm>
+          <a:prstGeom prst="wedgeRoundRectCallout">
+            <a:avLst>
+              <a:gd name="adj1" fmla="val 2914"/>
+              <a:gd name="adj2" fmla="val 59913"/>
+              <a:gd name="adj3" fmla="val 16667"/>
+            </a:avLst>
+          </a:prstGeom>
+          <a:solidFill>
+            <a:srgbClr val="7030A0"/>
+          </a:solidFill>
+        </p:spPr>
+        <p:style>
+          <a:lnRef idx="2">
+            <a:schemeClr val="accent1">
+              <a:shade val="15000"/>
+            </a:schemeClr>
+          </a:lnRef>
+          <a:fillRef idx="1">
+            <a:schemeClr val="accent1"/>
+          </a:fillRef>
+          <a:effectRef idx="0">
+            <a:schemeClr val="accent1"/>
+          </a:effectRef>
+          <a:fontRef idx="minor">
+            <a:schemeClr val="lt1"/>
+          </a:fontRef>
+        </p:style>
+        <p:txBody>
+          <a:bodyPr rtlCol="0" anchor="ctr"/>
+          <a:lstStyle/>
+          <a:p>
+            <a:pPr algn="ctr"/>
+            <a:r>
+              <a:rPr lang="en-US" dirty="0"/>
+              <a:t>Announce Pop Quiz</a:t>
+            </a:r>
+          </a:p>
+        </p:txBody>
+      </p:sp>
+      <p:sp>
+        <p:nvSpPr>
+          <p:cNvPr id="37" name="Thought Bubble: Cloud 36">
+            <a:extLst>
+              <a:ext uri="{FF2B5EF4-FFF2-40B4-BE49-F238E27FC236}">
+                <a16:creationId xmlns:a16="http://schemas.microsoft.com/office/drawing/2014/main" id="{56F88425-FFBA-B80C-80A5-3542D351AF08}"/>
+              </a:ext>
+            </a:extLst>
+          </p:cNvPr>
+          <p:cNvSpPr/>
+          <p:nvPr/>
+        </p:nvSpPr>
+        <p:spPr>
+          <a:xfrm>
+            <a:off x="8291261" y="1444232"/>
+            <a:ext cx="1298447" cy="1314175"/>
+          </a:xfrm>
+          <a:prstGeom prst="cloudCallout">
+            <a:avLst/>
+          </a:prstGeom>
+          <a:solidFill>
+            <a:srgbClr val="7030A0"/>
+          </a:solidFill>
+        </p:spPr>
+        <p:style>
+          <a:lnRef idx="2">
+            <a:schemeClr val="accent1">
+              <a:shade val="15000"/>
+            </a:schemeClr>
+          </a:lnRef>
+          <a:fillRef idx="1">
+            <a:schemeClr val="accent1"/>
+          </a:fillRef>
+          <a:effectRef idx="0">
+            <a:schemeClr val="accent1"/>
+          </a:effectRef>
+          <a:fontRef idx="minor">
+            <a:schemeClr val="lt1"/>
+          </a:fontRef>
+        </p:style>
+        <p:txBody>
+          <a:bodyPr rtlCol="0" anchor="ctr"/>
+          <a:lstStyle/>
+          <a:p>
+            <a:pPr algn="ctr"/>
+            <a:r>
+              <a:rPr lang="en-US" dirty="0"/>
+              <a:t>Take Pop Quiz</a:t>
+            </a:r>
+          </a:p>
+        </p:txBody>
+      </p:sp>
+      <p:sp>
+        <p:nvSpPr>
+          <p:cNvPr id="10" name="Rectangle 9">
+            <a:extLst>
+              <a:ext uri="{FF2B5EF4-FFF2-40B4-BE49-F238E27FC236}">
+                <a16:creationId xmlns:a16="http://schemas.microsoft.com/office/drawing/2014/main" id="{2D34A87F-59CE-1970-647B-4255DB309462}"/>
+              </a:ext>
+            </a:extLst>
+          </p:cNvPr>
+          <p:cNvSpPr/>
+          <p:nvPr/>
+        </p:nvSpPr>
+        <p:spPr>
+          <a:xfrm>
+            <a:off x="721547" y="4776530"/>
+            <a:ext cx="1298947" cy="393405"/>
+          </a:xfrm>
+          <a:prstGeom prst="rect">
+            <a:avLst/>
+          </a:prstGeom>
+        </p:spPr>
+        <p:style>
+          <a:lnRef idx="2">
+            <a:schemeClr val="accent1">
+              <a:shade val="15000"/>
+            </a:schemeClr>
+          </a:lnRef>
+          <a:fillRef idx="1">
+            <a:schemeClr val="accent1"/>
+          </a:fillRef>
+          <a:effectRef idx="0">
+            <a:schemeClr val="accent1"/>
+          </a:effectRef>
+          <a:fontRef idx="minor">
+            <a:schemeClr val="lt1"/>
+          </a:fontRef>
+        </p:style>
+        <p:txBody>
+          <a:bodyPr rtlCol="0" anchor="ctr"/>
+          <a:lstStyle/>
+          <a:p>
+            <a:pPr algn="ctr"/>
+            <a:r>
+              <a:rPr lang="en-US" dirty="0"/>
+              <a:t>phobia</a:t>
+            </a:r>
+          </a:p>
+        </p:txBody>
+      </p:sp>
+      <p:sp>
+        <p:nvSpPr>
+          <p:cNvPr id="11" name="Rectangle 10">
+            <a:extLst>
+              <a:ext uri="{FF2B5EF4-FFF2-40B4-BE49-F238E27FC236}">
+                <a16:creationId xmlns:a16="http://schemas.microsoft.com/office/drawing/2014/main" id="{6197C5CE-9ED6-8C1E-0ED7-DF9871D66EDA}"/>
+              </a:ext>
+            </a:extLst>
+          </p:cNvPr>
+          <p:cNvSpPr/>
+          <p:nvPr/>
+        </p:nvSpPr>
+        <p:spPr>
+          <a:xfrm>
+            <a:off x="721547" y="4280954"/>
+            <a:ext cx="1298947" cy="393405"/>
+          </a:xfrm>
+          <a:prstGeom prst="rect">
+            <a:avLst/>
+          </a:prstGeom>
+        </p:spPr>
+        <p:style>
+          <a:lnRef idx="2">
+            <a:schemeClr val="accent1">
+              <a:shade val="15000"/>
+            </a:schemeClr>
+          </a:lnRef>
+          <a:fillRef idx="1">
+            <a:schemeClr val="accent1"/>
+          </a:fillRef>
+          <a:effectRef idx="0">
+            <a:schemeClr val="accent1"/>
+          </a:effectRef>
+          <a:fontRef idx="minor">
+            <a:schemeClr val="lt1"/>
+          </a:fontRef>
+        </p:style>
+        <p:txBody>
+          <a:bodyPr rtlCol="0" anchor="ctr"/>
+          <a:lstStyle/>
+          <a:p>
+            <a:pPr algn="ctr"/>
+            <a:r>
+              <a:rPr lang="en-US" dirty="0" err="1"/>
+              <a:t>mathquiz</a:t>
+            </a:r>
+            <a:endParaRPr lang="en-US" dirty="0"/>
+          </a:p>
+        </p:txBody>
+      </p:sp>
+      <p:sp>
+        <p:nvSpPr>
+          <p:cNvPr id="17" name="Rectangle 16">
+            <a:extLst>
+              <a:ext uri="{FF2B5EF4-FFF2-40B4-BE49-F238E27FC236}">
+                <a16:creationId xmlns:a16="http://schemas.microsoft.com/office/drawing/2014/main" id="{B1A230E0-F4E7-0437-0FB0-2AB096ECBAD0}"/>
+              </a:ext>
+            </a:extLst>
+          </p:cNvPr>
+          <p:cNvSpPr/>
+          <p:nvPr/>
+        </p:nvSpPr>
+        <p:spPr>
+          <a:xfrm>
+            <a:off x="721547" y="1803069"/>
+            <a:ext cx="1298947" cy="393405"/>
+          </a:xfrm>
+          <a:prstGeom prst="rect">
+            <a:avLst/>
+          </a:prstGeom>
+        </p:spPr>
+        <p:style>
+          <a:lnRef idx="2">
+            <a:schemeClr val="accent1">
+              <a:shade val="15000"/>
+            </a:schemeClr>
+          </a:lnRef>
+          <a:fillRef idx="1">
+            <a:schemeClr val="accent1"/>
+          </a:fillRef>
+          <a:effectRef idx="0">
+            <a:schemeClr val="accent1"/>
+          </a:effectRef>
+          <a:fontRef idx="minor">
+            <a:schemeClr val="lt1"/>
+          </a:fontRef>
+        </p:style>
+        <p:txBody>
+          <a:bodyPr rtlCol="0" anchor="ctr"/>
+          <a:lstStyle/>
+          <a:p>
+            <a:pPr algn="ctr"/>
+            <a:r>
+              <a:rPr lang="en-US" dirty="0"/>
+              <a:t>gender</a:t>
+            </a:r>
+          </a:p>
+        </p:txBody>
+      </p:sp>
+      <p:sp>
+        <p:nvSpPr>
+          <p:cNvPr id="18" name="Rectangle 17">
+            <a:extLst>
+              <a:ext uri="{FF2B5EF4-FFF2-40B4-BE49-F238E27FC236}">
+                <a16:creationId xmlns:a16="http://schemas.microsoft.com/office/drawing/2014/main" id="{2FF91BE4-4B65-9E83-9046-C1BF2BAB8149}"/>
+              </a:ext>
+            </a:extLst>
+          </p:cNvPr>
+          <p:cNvSpPr/>
+          <p:nvPr/>
+        </p:nvSpPr>
+        <p:spPr>
+          <a:xfrm>
+            <a:off x="721547" y="2298646"/>
+            <a:ext cx="1298947" cy="393405"/>
+          </a:xfrm>
+          <a:prstGeom prst="rect">
+            <a:avLst/>
+          </a:prstGeom>
+        </p:spPr>
+        <p:style>
+          <a:lnRef idx="2">
+            <a:schemeClr val="accent1">
+              <a:shade val="15000"/>
+            </a:schemeClr>
+          </a:lnRef>
+          <a:fillRef idx="1">
+            <a:schemeClr val="accent1"/>
+          </a:fillRef>
+          <a:effectRef idx="0">
+            <a:schemeClr val="accent1"/>
+          </a:effectRef>
+          <a:fontRef idx="minor">
+            <a:schemeClr val="lt1"/>
+          </a:fontRef>
+        </p:style>
+        <p:txBody>
+          <a:bodyPr rtlCol="0" anchor="ctr"/>
+          <a:lstStyle/>
+          <a:p>
+            <a:pPr algn="ctr"/>
+            <a:r>
+              <a:rPr lang="en-US" dirty="0"/>
+              <a:t>major</a:t>
+            </a:r>
+          </a:p>
+        </p:txBody>
+      </p:sp>
+      <p:sp>
+        <p:nvSpPr>
+          <p:cNvPr id="19" name="Rectangle 18">
+            <a:extLst>
+              <a:ext uri="{FF2B5EF4-FFF2-40B4-BE49-F238E27FC236}">
+                <a16:creationId xmlns:a16="http://schemas.microsoft.com/office/drawing/2014/main" id="{C72DF61B-D22E-ABE8-4B00-E09A5BFC41F9}"/>
+              </a:ext>
+            </a:extLst>
+          </p:cNvPr>
+          <p:cNvSpPr/>
+          <p:nvPr/>
+        </p:nvSpPr>
+        <p:spPr>
+          <a:xfrm>
+            <a:off x="721547" y="2794223"/>
+            <a:ext cx="1298947" cy="393405"/>
+          </a:xfrm>
+          <a:prstGeom prst="rect">
+            <a:avLst/>
+          </a:prstGeom>
+        </p:spPr>
+        <p:style>
+          <a:lnRef idx="2">
+            <a:schemeClr val="accent1">
+              <a:shade val="15000"/>
+            </a:schemeClr>
+          </a:lnRef>
+          <a:fillRef idx="1">
+            <a:schemeClr val="accent1"/>
+          </a:fillRef>
+          <a:effectRef idx="0">
+            <a:schemeClr val="accent1"/>
+          </a:effectRef>
+          <a:fontRef idx="minor">
+            <a:schemeClr val="lt1"/>
+          </a:fontRef>
+        </p:style>
+        <p:txBody>
+          <a:bodyPr rtlCol="0" anchor="ctr"/>
+          <a:lstStyle/>
+          <a:p>
+            <a:pPr algn="ctr"/>
+            <a:r>
+              <a:rPr lang="en-US" dirty="0"/>
+              <a:t>reason</a:t>
+            </a:r>
+          </a:p>
+        </p:txBody>
+      </p:sp>
+      <p:sp>
+        <p:nvSpPr>
+          <p:cNvPr id="20" name="Rectangle 19">
+            <a:extLst>
+              <a:ext uri="{FF2B5EF4-FFF2-40B4-BE49-F238E27FC236}">
+                <a16:creationId xmlns:a16="http://schemas.microsoft.com/office/drawing/2014/main" id="{BE24CBBF-ED73-518F-8644-AE49C7EFD1A8}"/>
+              </a:ext>
+            </a:extLst>
+          </p:cNvPr>
+          <p:cNvSpPr/>
+          <p:nvPr/>
+        </p:nvSpPr>
+        <p:spPr>
+          <a:xfrm>
+            <a:off x="721547" y="3289800"/>
+            <a:ext cx="1298947" cy="393405"/>
+          </a:xfrm>
+          <a:prstGeom prst="rect">
+            <a:avLst/>
+          </a:prstGeom>
+        </p:spPr>
+        <p:style>
+          <a:lnRef idx="2">
+            <a:schemeClr val="accent1">
+              <a:shade val="15000"/>
+            </a:schemeClr>
+          </a:lnRef>
+          <a:fillRef idx="1">
+            <a:schemeClr val="accent1"/>
+          </a:fillRef>
+          <a:effectRef idx="0">
+            <a:schemeClr val="accent1"/>
+          </a:effectRef>
+          <a:fontRef idx="minor">
+            <a:schemeClr val="lt1"/>
+          </a:fontRef>
+        </p:style>
+        <p:txBody>
+          <a:bodyPr rtlCol="0" anchor="ctr"/>
+          <a:lstStyle/>
+          <a:p>
+            <a:pPr algn="ctr"/>
+            <a:r>
+              <a:rPr lang="en-US" dirty="0"/>
+              <a:t>coffee</a:t>
+            </a:r>
+          </a:p>
+        </p:txBody>
+      </p:sp>
+      <p:sp>
+        <p:nvSpPr>
+          <p:cNvPr id="21" name="Rectangle 20">
+            <a:extLst>
+              <a:ext uri="{FF2B5EF4-FFF2-40B4-BE49-F238E27FC236}">
+                <a16:creationId xmlns:a16="http://schemas.microsoft.com/office/drawing/2014/main" id="{731CCEF2-309E-DEE2-CD2C-05D2DA1B36E5}"/>
+              </a:ext>
+            </a:extLst>
+          </p:cNvPr>
+          <p:cNvSpPr/>
+          <p:nvPr/>
+        </p:nvSpPr>
+        <p:spPr>
+          <a:xfrm>
+            <a:off x="721547" y="3785377"/>
+            <a:ext cx="1298947" cy="393405"/>
+          </a:xfrm>
+          <a:prstGeom prst="rect">
+            <a:avLst/>
+          </a:prstGeom>
+        </p:spPr>
+        <p:style>
+          <a:lnRef idx="2">
+            <a:schemeClr val="accent1">
+              <a:shade val="15000"/>
+            </a:schemeClr>
+          </a:lnRef>
+          <a:fillRef idx="1">
+            <a:schemeClr val="accent1"/>
+          </a:fillRef>
+          <a:effectRef idx="0">
+            <a:schemeClr val="accent1"/>
+          </a:effectRef>
+          <a:fontRef idx="minor">
+            <a:schemeClr val="lt1"/>
+          </a:fontRef>
+        </p:style>
+        <p:txBody>
+          <a:bodyPr rtlCol="0" anchor="ctr"/>
+          <a:lstStyle/>
+          <a:p>
+            <a:pPr algn="ctr"/>
+            <a:r>
+              <a:rPr lang="en-US" dirty="0" err="1"/>
+              <a:t>prevmath</a:t>
+            </a:r>
+            <a:endParaRPr lang="en-US" dirty="0"/>
+          </a:p>
+        </p:txBody>
+      </p:sp>
+      <p:sp>
+        <p:nvSpPr>
+          <p:cNvPr id="40" name="Rectangle 39">
+            <a:extLst>
+              <a:ext uri="{FF2B5EF4-FFF2-40B4-BE49-F238E27FC236}">
+                <a16:creationId xmlns:a16="http://schemas.microsoft.com/office/drawing/2014/main" id="{CBCFEA89-9B9C-415E-BACA-6053270E820B}"/>
+              </a:ext>
+            </a:extLst>
+          </p:cNvPr>
+          <p:cNvSpPr/>
+          <p:nvPr/>
+        </p:nvSpPr>
+        <p:spPr>
+          <a:xfrm>
+            <a:off x="721546" y="1307492"/>
+            <a:ext cx="1298947" cy="393405"/>
+          </a:xfrm>
+          <a:prstGeom prst="rect">
+            <a:avLst/>
+          </a:prstGeom>
+        </p:spPr>
+        <p:style>
+          <a:lnRef idx="2">
+            <a:schemeClr val="accent1">
+              <a:shade val="15000"/>
+            </a:schemeClr>
+          </a:lnRef>
+          <a:fillRef idx="1">
+            <a:schemeClr val="accent1"/>
+          </a:fillRef>
+          <a:effectRef idx="0">
+            <a:schemeClr val="accent1"/>
+          </a:effectRef>
+          <a:fontRef idx="minor">
+            <a:schemeClr val="lt1"/>
+          </a:fontRef>
+        </p:style>
+        <p:txBody>
+          <a:bodyPr rtlCol="0" anchor="ctr"/>
+          <a:lstStyle/>
+          <a:p>
+            <a:pPr algn="ctr"/>
+            <a:r>
+              <a:rPr lang="en-US" dirty="0" err="1"/>
+              <a:t>sub_num</a:t>
+            </a:r>
+            <a:endParaRPr lang="en-US" dirty="0"/>
+          </a:p>
+        </p:txBody>
+      </p:sp>
+      <p:sp>
+        <p:nvSpPr>
+          <p:cNvPr id="51" name="Rectangle 50">
+            <a:extLst>
+              <a:ext uri="{FF2B5EF4-FFF2-40B4-BE49-F238E27FC236}">
+                <a16:creationId xmlns:a16="http://schemas.microsoft.com/office/drawing/2014/main" id="{21CBF43A-D67E-1923-418A-2258734E02C1}"/>
+              </a:ext>
+            </a:extLst>
+          </p:cNvPr>
+          <p:cNvSpPr/>
+          <p:nvPr/>
+        </p:nvSpPr>
+        <p:spPr>
+          <a:xfrm>
+            <a:off x="6936806" y="1055256"/>
+            <a:ext cx="1298448" cy="393405"/>
+          </a:xfrm>
+          <a:prstGeom prst="rect">
+            <a:avLst/>
+          </a:prstGeom>
+          <a:solidFill>
+            <a:srgbClr val="FF0000"/>
+          </a:solidFill>
+        </p:spPr>
+        <p:style>
+          <a:lnRef idx="2">
+            <a:schemeClr val="accent5">
+              <a:shade val="15000"/>
+            </a:schemeClr>
+          </a:lnRef>
+          <a:fillRef idx="1">
+            <a:schemeClr val="accent5"/>
+          </a:fillRef>
+          <a:effectRef idx="0">
+            <a:schemeClr val="accent5"/>
+          </a:effectRef>
+          <a:fontRef idx="minor">
+            <a:schemeClr val="lt1"/>
+          </a:fontRef>
+        </p:style>
+        <p:txBody>
+          <a:bodyPr rtlCol="0" anchor="ctr"/>
+          <a:lstStyle/>
+          <a:p>
+            <a:pPr algn="ctr"/>
+            <a:r>
+              <a:rPr lang="en-US" dirty="0" err="1"/>
+              <a:t>exp_cond</a:t>
+            </a:r>
+            <a:endParaRPr lang="en-US" dirty="0"/>
+          </a:p>
+        </p:txBody>
+      </p:sp>
+      <p:pic>
+        <p:nvPicPr>
+          <p:cNvPr id="7" name="Picture 6">
+            <a:extLst>
+              <a:ext uri="{FF2B5EF4-FFF2-40B4-BE49-F238E27FC236}">
+                <a16:creationId xmlns:a16="http://schemas.microsoft.com/office/drawing/2014/main" id="{E81102FB-5541-02A9-FE04-795568A124DA}"/>
+              </a:ext>
+            </a:extLst>
+          </p:cNvPr>
+          <p:cNvPicPr>
+            <a:picLocks noChangeAspect="1"/>
+          </p:cNvPicPr>
+          <p:nvPr/>
+        </p:nvPicPr>
+        <p:blipFill>
+          <a:blip r:embed="rId2"/>
+          <a:stretch>
+            <a:fillRect/>
+          </a:stretch>
+        </p:blipFill>
+        <p:spPr>
+          <a:xfrm>
+            <a:off x="2986648" y="3636447"/>
+            <a:ext cx="8077200" cy="2819400"/>
+          </a:xfrm>
+          <a:prstGeom prst="rect">
+            <a:avLst/>
+          </a:prstGeom>
+          <a:ln>
+            <a:noFill/>
+          </a:ln>
+          <a:effectLst>
+            <a:outerShdw blurRad="292100" dist="139700" dir="2700000" algn="tl" rotWithShape="0">
+              <a:srgbClr val="333333">
+                <a:alpha val="65000"/>
+              </a:srgbClr>
+            </a:outerShdw>
+          </a:effectLst>
+        </p:spPr>
+      </p:pic>
+    </p:spTree>
+    <p:extLst>
+      <p:ext uri="{BB962C8B-B14F-4D97-AF65-F5344CB8AC3E}">
+        <p14:creationId xmlns:p14="http://schemas.microsoft.com/office/powerpoint/2010/main" val="1113718631"/>
+      </p:ext>
+    </p:extLst>
+  </p:cSld>
+  <p:clrMapOvr>
+    <a:masterClrMapping/>
+  </p:clrMapOvr>
+</p:sld>
+</file>
+
+<file path=ppt/slides/slide9.xml><?xml version="1.0" encoding="utf-8"?>
+<p:sld xmlns:a="http://schemas.openxmlformats.org/drawingml/2006/main" xmlns:r="http://schemas.openxmlformats.org/officeDocument/2006/relationships" xmlns:p="http://schemas.openxmlformats.org/presentationml/2006/main">
+  <p:cSld>
+    <p:spTree>
+      <p:nvGrpSpPr>
+        <p:cNvPr id="1" name=""/>
+        <p:cNvGrpSpPr/>
+        <p:nvPr/>
+      </p:nvGrpSpPr>
+      <p:grpSpPr>
+        <a:xfrm>
+          <a:off x="0" y="0"/>
+          <a:ext cx="0" cy="0"/>
+          <a:chOff x="0" y="0"/>
+          <a:chExt cx="0" cy="0"/>
+        </a:xfrm>
+      </p:grpSpPr>
+      <p:sp>
+        <p:nvSpPr>
+          <p:cNvPr id="2" name="Title 1">
+            <a:extLst>
+              <a:ext uri="{FF2B5EF4-FFF2-40B4-BE49-F238E27FC236}">
+                <a16:creationId xmlns:a16="http://schemas.microsoft.com/office/drawing/2014/main" id="{B4FF514F-CFD2-34C5-7B3D-2CC51D8656AC}"/>
+              </a:ext>
+            </a:extLst>
+          </p:cNvPr>
+          <p:cNvSpPr>
+            <a:spLocks noGrp="1"/>
+          </p:cNvSpPr>
+          <p:nvPr>
+            <p:ph type="title"/>
+          </p:nvPr>
+        </p:nvSpPr>
+        <p:spPr>
+          <a:xfrm>
+            <a:off x="374374" y="4362339"/>
+            <a:ext cx="3760304" cy="2306818"/>
+          </a:xfrm>
+        </p:spPr>
+        <p:txBody>
+          <a:bodyPr/>
+          <a:lstStyle/>
+          <a:p>
+            <a:r>
+              <a:rPr lang="en-US" dirty="0">
+                <a:latin typeface="Consolas" charset="0"/>
+                <a:ea typeface="Consolas" charset="0"/>
+                <a:cs typeface="Consolas" charset="0"/>
+              </a:rPr>
+              <a:t>Data Dictionary</a:t>
+            </a:r>
+            <a:endParaRPr lang="en-US" dirty="0"/>
+          </a:p>
+        </p:txBody>
+      </p:sp>
+      <p:pic>
+        <p:nvPicPr>
+          <p:cNvPr id="5" name="Picture 4">
+            <a:extLst>
+              <a:ext uri="{FF2B5EF4-FFF2-40B4-BE49-F238E27FC236}">
+                <a16:creationId xmlns:a16="http://schemas.microsoft.com/office/drawing/2014/main" id="{4F27D3A4-06FB-FEE4-51DE-38F890318709}"/>
+              </a:ext>
+            </a:extLst>
+          </p:cNvPr>
+          <p:cNvPicPr>
+            <a:picLocks noChangeAspect="1"/>
+          </p:cNvPicPr>
+          <p:nvPr/>
+        </p:nvPicPr>
+        <p:blipFill>
+          <a:blip r:embed="rId2"/>
+          <a:stretch>
+            <a:fillRect/>
+          </a:stretch>
+        </p:blipFill>
+        <p:spPr>
+          <a:xfrm>
+            <a:off x="370129" y="252524"/>
+            <a:ext cx="8077200" cy="2819400"/>
+          </a:xfrm>
+          <a:prstGeom prst="rect">
+            <a:avLst/>
+          </a:prstGeom>
+          <a:ln>
+            <a:noFill/>
+          </a:ln>
+          <a:effectLst>
+            <a:outerShdw blurRad="292100" dist="139700" dir="2700000" algn="tl" rotWithShape="0">
+              <a:srgbClr val="333333">
+                <a:alpha val="65000"/>
+              </a:srgbClr>
+            </a:outerShdw>
+          </a:effectLst>
+        </p:spPr>
+      </p:pic>
+      <p:pic>
+        <p:nvPicPr>
+          <p:cNvPr id="7" name="Picture 6">
+            <a:extLst>
+              <a:ext uri="{FF2B5EF4-FFF2-40B4-BE49-F238E27FC236}">
+                <a16:creationId xmlns:a16="http://schemas.microsoft.com/office/drawing/2014/main" id="{56BFE3B0-045A-2170-6AD9-7044C1F332EA}"/>
+              </a:ext>
+            </a:extLst>
+          </p:cNvPr>
+          <p:cNvPicPr>
+            <a:picLocks noChangeAspect="1"/>
+          </p:cNvPicPr>
+          <p:nvPr/>
+        </p:nvPicPr>
+        <p:blipFill>
+          <a:blip r:embed="rId3"/>
+          <a:stretch>
+            <a:fillRect/>
+          </a:stretch>
+        </p:blipFill>
+        <p:spPr>
+          <a:xfrm>
+            <a:off x="4682779" y="2119201"/>
+            <a:ext cx="7000875" cy="4486275"/>
+          </a:xfrm>
+          <a:prstGeom prst="rect">
+            <a:avLst/>
+          </a:prstGeom>
+          <a:ln>
+            <a:noFill/>
+          </a:ln>
+          <a:effectLst>
+            <a:outerShdw blurRad="292100" dist="139700" dir="2700000" algn="tl" rotWithShape="0">
+              <a:srgbClr val="333333">
+                <a:alpha val="65000"/>
+              </a:srgbClr>
+            </a:outerShdw>
+          </a:effectLst>
+        </p:spPr>
+      </p:pic>
+    </p:spTree>
+    <p:extLst>
+      <p:ext uri="{BB962C8B-B14F-4D97-AF65-F5344CB8AC3E}">
+        <p14:creationId xmlns:p14="http://schemas.microsoft.com/office/powerpoint/2010/main" val="4018279360"/>
       </p:ext>
     </p:extLst>
   </p:cSld>
